--- a/learnings.pptx
+++ b/learnings.pptx
@@ -6,22 +6,23 @@
   </p:sldMasterIdLst>
   <p:sldIdLst>
     <p:sldId id="256" r:id="rId2"/>
-    <p:sldId id="260" r:id="rId3"/>
-    <p:sldId id="261" r:id="rId4"/>
-    <p:sldId id="262" r:id="rId5"/>
-    <p:sldId id="263" r:id="rId6"/>
-    <p:sldId id="264" r:id="rId7"/>
-    <p:sldId id="265" r:id="rId8"/>
-    <p:sldId id="268" r:id="rId9"/>
-    <p:sldId id="266" r:id="rId10"/>
-    <p:sldId id="267" r:id="rId11"/>
-    <p:sldId id="269" r:id="rId12"/>
-    <p:sldId id="270" r:id="rId13"/>
-    <p:sldId id="271" r:id="rId14"/>
-    <p:sldId id="273" r:id="rId15"/>
+    <p:sldId id="276" r:id="rId3"/>
+    <p:sldId id="260" r:id="rId4"/>
+    <p:sldId id="261" r:id="rId5"/>
+    <p:sldId id="262" r:id="rId6"/>
+    <p:sldId id="263" r:id="rId7"/>
+    <p:sldId id="264" r:id="rId8"/>
+    <p:sldId id="265" r:id="rId9"/>
+    <p:sldId id="268" r:id="rId10"/>
+    <p:sldId id="266" r:id="rId11"/>
+    <p:sldId id="267" r:id="rId12"/>
+    <p:sldId id="269" r:id="rId13"/>
+    <p:sldId id="270" r:id="rId14"/>
+    <p:sldId id="271" r:id="rId15"/>
     <p:sldId id="274" r:id="rId16"/>
-    <p:sldId id="275" r:id="rId17"/>
-    <p:sldId id="272" r:id="rId18"/>
+    <p:sldId id="273" r:id="rId17"/>
+    <p:sldId id="275" r:id="rId18"/>
+    <p:sldId id="272" r:id="rId19"/>
   </p:sldIdLst>
   <p:sldSz cx="12192000" cy="6858000"/>
   <p:notesSz cx="6858000" cy="9144000"/>
@@ -2475,7 +2476,7 @@
           <a:p>
             <a:fld id="{3C04E684-10F4-4CC3-A0B9-F03AA7BE37CF}" type="datetimeFigureOut">
               <a:rPr lang="en-US" smtClean="0"/>
-              <a:t>4/29/2020</a:t>
+              <a:t>5/4/2020</a:t>
             </a:fld>
             <a:endParaRPr lang="en-US"/>
           </a:p>
@@ -4965,7 +4966,7 @@
           <a:p>
             <a:fld id="{3C04E684-10F4-4CC3-A0B9-F03AA7BE37CF}" type="datetimeFigureOut">
               <a:rPr lang="en-US" smtClean="0"/>
-              <a:t>4/29/2020</a:t>
+              <a:t>5/4/2020</a:t>
             </a:fld>
             <a:endParaRPr lang="en-US"/>
           </a:p>
@@ -5163,7 +5164,7 @@
           <a:p>
             <a:fld id="{3C04E684-10F4-4CC3-A0B9-F03AA7BE37CF}" type="datetimeFigureOut">
               <a:rPr lang="en-US" smtClean="0"/>
-              <a:t>4/29/2020</a:t>
+              <a:t>5/4/2020</a:t>
             </a:fld>
             <a:endParaRPr lang="en-US"/>
           </a:p>
@@ -5371,7 +5372,7 @@
           <a:p>
             <a:fld id="{3C04E684-10F4-4CC3-A0B9-F03AA7BE37CF}" type="datetimeFigureOut">
               <a:rPr lang="en-US" smtClean="0"/>
-              <a:t>4/29/2020</a:t>
+              <a:t>5/4/2020</a:t>
             </a:fld>
             <a:endParaRPr lang="en-US"/>
           </a:p>
@@ -6108,7 +6109,7 @@
           <a:p>
             <a:fld id="{3C04E684-10F4-4CC3-A0B9-F03AA7BE37CF}" type="datetimeFigureOut">
               <a:rPr lang="en-US" smtClean="0"/>
-              <a:t>4/29/2020</a:t>
+              <a:t>5/4/2020</a:t>
             </a:fld>
             <a:endParaRPr lang="en-US"/>
           </a:p>
@@ -6750,7 +6751,7 @@
           <a:p>
             <a:fld id="{3C04E684-10F4-4CC3-A0B9-F03AA7BE37CF}" type="datetimeFigureOut">
               <a:rPr lang="en-US" smtClean="0"/>
-              <a:t>4/29/2020</a:t>
+              <a:t>5/4/2020</a:t>
             </a:fld>
             <a:endParaRPr lang="en-US"/>
           </a:p>
@@ -7550,7 +7551,7 @@
           <a:p>
             <a:fld id="{3C04E684-10F4-4CC3-A0B9-F03AA7BE37CF}" type="datetimeFigureOut">
               <a:rPr lang="en-US" smtClean="0"/>
-              <a:t>4/29/2020</a:t>
+              <a:t>5/4/2020</a:t>
             </a:fld>
             <a:endParaRPr lang="en-US"/>
           </a:p>
@@ -8501,7 +8502,7 @@
           <a:p>
             <a:fld id="{3C04E684-10F4-4CC3-A0B9-F03AA7BE37CF}" type="datetimeFigureOut">
               <a:rPr lang="en-US" smtClean="0"/>
-              <a:t>4/29/2020</a:t>
+              <a:t>5/4/2020</a:t>
             </a:fld>
             <a:endParaRPr lang="en-US"/>
           </a:p>
@@ -10850,7 +10851,7 @@
           <a:p>
             <a:fld id="{3C04E684-10F4-4CC3-A0B9-F03AA7BE37CF}" type="datetimeFigureOut">
               <a:rPr lang="en-US" smtClean="0"/>
-              <a:t>4/29/2020</a:t>
+              <a:t>5/4/2020</a:t>
             </a:fld>
             <a:endParaRPr lang="en-US"/>
           </a:p>
@@ -10963,7 +10964,7 @@
           <a:p>
             <a:fld id="{3C04E684-10F4-4CC3-A0B9-F03AA7BE37CF}" type="datetimeFigureOut">
               <a:rPr lang="en-US" smtClean="0"/>
-              <a:t>4/29/2020</a:t>
+              <a:t>5/4/2020</a:t>
             </a:fld>
             <a:endParaRPr lang="en-US"/>
           </a:p>
@@ -11470,7 +11471,7 @@
           <a:p>
             <a:fld id="{3C04E684-10F4-4CC3-A0B9-F03AA7BE37CF}" type="datetimeFigureOut">
               <a:rPr lang="en-US" smtClean="0"/>
-              <a:t>4/29/2020</a:t>
+              <a:t>5/4/2020</a:t>
             </a:fld>
             <a:endParaRPr lang="en-US"/>
           </a:p>
@@ -12773,7 +12774,7 @@
           <a:p>
             <a:fld id="{3C04E684-10F4-4CC3-A0B9-F03AA7BE37CF}" type="datetimeFigureOut">
               <a:rPr lang="en-US" smtClean="0"/>
-              <a:t>4/29/2020</a:t>
+              <a:t>5/4/2020</a:t>
             </a:fld>
             <a:endParaRPr lang="en-US"/>
           </a:p>
@@ -13020,7 +13021,7 @@
           <a:p>
             <a:fld id="{3C04E684-10F4-4CC3-A0B9-F03AA7BE37CF}" type="datetimeFigureOut">
               <a:rPr lang="en-US" smtClean="0"/>
-              <a:t>4/29/2020</a:t>
+              <a:t>5/4/2020</a:t>
             </a:fld>
             <a:endParaRPr lang="en-US"/>
           </a:p>
@@ -14089,6 +14090,421 @@
           <p:cNvPr id="2" name="Rectangle 1">
             <a:extLst>
               <a:ext uri="{FF2B5EF4-FFF2-40B4-BE49-F238E27FC236}">
+                <a16:creationId xmlns:a16="http://schemas.microsoft.com/office/drawing/2014/main" id="{D2D9BF38-E029-4060-9B99-1DD4AD705C1E}"/>
+              </a:ext>
+            </a:extLst>
+          </p:cNvPr>
+          <p:cNvSpPr/>
+          <p:nvPr/>
+        </p:nvSpPr>
+        <p:spPr>
+          <a:xfrm>
+            <a:off x="411061" y="2690336"/>
+            <a:ext cx="4723001" cy="1477328"/>
+          </a:xfrm>
+          <a:prstGeom prst="rect">
+            <a:avLst/>
+          </a:prstGeom>
+        </p:spPr>
+        <p:txBody>
+          <a:bodyPr wrap="square">
+            <a:spAutoFit/>
+          </a:bodyPr>
+          <a:lstStyle/>
+          <a:p>
+            <a:r>
+              <a:rPr lang="en-IN" dirty="0">
+                <a:solidFill>
+                  <a:srgbClr val="0000FF"/>
+                </a:solidFill>
+                <a:latin typeface="Consolas" panose="020B0609020204030204" pitchFamily="49" charset="0"/>
+              </a:rPr>
+              <a:t>set</a:t>
+            </a:r>
+            <a:r>
+              <a:rPr lang="en-IN" dirty="0">
+                <a:solidFill>
+                  <a:srgbClr val="000000"/>
+                </a:solidFill>
+                <a:latin typeface="Consolas" panose="020B0609020204030204" pitchFamily="49" charset="0"/>
+              </a:rPr>
+              <a:t>(LOGGER_LIB_FILES</a:t>
+            </a:r>
+          </a:p>
+          <a:p>
+            <a:r>
+              <a:rPr lang="en-IN" dirty="0">
+                <a:solidFill>
+                  <a:srgbClr val="000000"/>
+                </a:solidFill>
+                <a:latin typeface="Consolas" panose="020B0609020204030204" pitchFamily="49" charset="0"/>
+              </a:rPr>
+              <a:t>    util/logger/Logger.cpp</a:t>
+            </a:r>
+          </a:p>
+          <a:p>
+            <a:r>
+              <a:rPr lang="en-IN" dirty="0">
+                <a:solidFill>
+                  <a:srgbClr val="000000"/>
+                </a:solidFill>
+                <a:latin typeface="Consolas" panose="020B0609020204030204" pitchFamily="49" charset="0"/>
+              </a:rPr>
+              <a:t>    util/logger/LoggerStdOut.cpp</a:t>
+            </a:r>
+          </a:p>
+          <a:p>
+            <a:r>
+              <a:rPr lang="en-IN" dirty="0">
+                <a:solidFill>
+                  <a:srgbClr val="000000"/>
+                </a:solidFill>
+                <a:latin typeface="Consolas" panose="020B0609020204030204" pitchFamily="49" charset="0"/>
+              </a:rPr>
+              <a:t>    util/logger/LoggerToFile.cpp</a:t>
+            </a:r>
+          </a:p>
+          <a:p>
+            <a:r>
+              <a:rPr lang="en-IN" dirty="0">
+                <a:solidFill>
+                  <a:srgbClr val="000000"/>
+                </a:solidFill>
+                <a:latin typeface="Consolas" panose="020B0609020204030204" pitchFamily="49" charset="0"/>
+              </a:rPr>
+              <a:t>    )</a:t>
+            </a:r>
+            <a:endParaRPr lang="en-IN" dirty="0"/>
+          </a:p>
+        </p:txBody>
+      </p:sp>
+      <p:sp>
+        <p:nvSpPr>
+          <p:cNvPr id="3" name="Rectangle 2">
+            <a:extLst>
+              <a:ext uri="{FF2B5EF4-FFF2-40B4-BE49-F238E27FC236}">
+                <a16:creationId xmlns:a16="http://schemas.microsoft.com/office/drawing/2014/main" id="{385E5301-EE42-440C-911B-6FD8AB676A5E}"/>
+              </a:ext>
+            </a:extLst>
+          </p:cNvPr>
+          <p:cNvSpPr/>
+          <p:nvPr/>
+        </p:nvSpPr>
+        <p:spPr>
+          <a:xfrm>
+            <a:off x="411060" y="4787746"/>
+            <a:ext cx="8800051" cy="646331"/>
+          </a:xfrm>
+          <a:prstGeom prst="rect">
+            <a:avLst/>
+          </a:prstGeom>
+        </p:spPr>
+        <p:txBody>
+          <a:bodyPr wrap="square">
+            <a:spAutoFit/>
+          </a:bodyPr>
+          <a:lstStyle/>
+          <a:p>
+            <a:r>
+              <a:rPr lang="en-IN" dirty="0" err="1">
+                <a:solidFill>
+                  <a:srgbClr val="0000FF"/>
+                </a:solidFill>
+                <a:latin typeface="Consolas" panose="020B0609020204030204" pitchFamily="49" charset="0"/>
+              </a:rPr>
+              <a:t>add_library</a:t>
+            </a:r>
+            <a:r>
+              <a:rPr lang="en-IN" dirty="0">
+                <a:solidFill>
+                  <a:srgbClr val="000000"/>
+                </a:solidFill>
+                <a:latin typeface="Consolas" panose="020B0609020204030204" pitchFamily="49" charset="0"/>
+              </a:rPr>
+              <a:t>(logger SHARED </a:t>
+            </a:r>
+            <a:r>
+              <a:rPr lang="en-IN" b="1" dirty="0">
+                <a:solidFill>
+                  <a:srgbClr val="008800"/>
+                </a:solidFill>
+                <a:latin typeface="Consolas" panose="020B0609020204030204" pitchFamily="49" charset="0"/>
+              </a:rPr>
+              <a:t>${LOGGER_LIB_FILES}</a:t>
+            </a:r>
+            <a:r>
+              <a:rPr lang="en-IN" dirty="0">
+                <a:solidFill>
+                  <a:srgbClr val="000000"/>
+                </a:solidFill>
+                <a:latin typeface="Consolas" panose="020B0609020204030204" pitchFamily="49" charset="0"/>
+              </a:rPr>
+              <a:t>)</a:t>
+            </a:r>
+          </a:p>
+          <a:p>
+            <a:r>
+              <a:rPr lang="fr-FR" dirty="0" err="1">
+                <a:solidFill>
+                  <a:srgbClr val="0000FF"/>
+                </a:solidFill>
+                <a:latin typeface="Consolas" panose="020B0609020204030204" pitchFamily="49" charset="0"/>
+              </a:rPr>
+              <a:t>target_compile_definitions</a:t>
+            </a:r>
+            <a:r>
+              <a:rPr lang="fr-FR" dirty="0">
+                <a:solidFill>
+                  <a:srgbClr val="000000"/>
+                </a:solidFill>
+                <a:latin typeface="Consolas" panose="020B0609020204030204" pitchFamily="49" charset="0"/>
+              </a:rPr>
+              <a:t>(logger </a:t>
+            </a:r>
+            <a:r>
+              <a:rPr lang="fr-FR" dirty="0">
+                <a:solidFill>
+                  <a:srgbClr val="0000FF"/>
+                </a:solidFill>
+                <a:latin typeface="Consolas" panose="020B0609020204030204" pitchFamily="49" charset="0"/>
+              </a:rPr>
+              <a:t>PRIVATE</a:t>
+            </a:r>
+            <a:r>
+              <a:rPr lang="fr-FR" dirty="0">
+                <a:solidFill>
+                  <a:srgbClr val="000000"/>
+                </a:solidFill>
+                <a:latin typeface="Consolas" panose="020B0609020204030204" pitchFamily="49" charset="0"/>
+              </a:rPr>
+              <a:t> LOGGER_LIB_EXPORT=1)</a:t>
+            </a:r>
+          </a:p>
+        </p:txBody>
+      </p:sp>
+      <p:sp>
+        <p:nvSpPr>
+          <p:cNvPr id="4" name="Rectangle 3">
+            <a:extLst>
+              <a:ext uri="{FF2B5EF4-FFF2-40B4-BE49-F238E27FC236}">
+                <a16:creationId xmlns:a16="http://schemas.microsoft.com/office/drawing/2014/main" id="{D62D86BC-8C1A-45F2-AF1A-74EA4AB6E41A}"/>
+              </a:ext>
+            </a:extLst>
+          </p:cNvPr>
+          <p:cNvSpPr/>
+          <p:nvPr/>
+        </p:nvSpPr>
+        <p:spPr>
+          <a:xfrm>
+            <a:off x="411060" y="5730993"/>
+            <a:ext cx="10125512" cy="369332"/>
+          </a:xfrm>
+          <a:prstGeom prst="rect">
+            <a:avLst/>
+          </a:prstGeom>
+        </p:spPr>
+        <p:txBody>
+          <a:bodyPr wrap="square">
+            <a:spAutoFit/>
+          </a:bodyPr>
+          <a:lstStyle/>
+          <a:p>
+            <a:r>
+              <a:rPr lang="en-IN" dirty="0" err="1">
+                <a:solidFill>
+                  <a:srgbClr val="0000FF"/>
+                </a:solidFill>
+                <a:latin typeface="Consolas" panose="020B0609020204030204" pitchFamily="49" charset="0"/>
+              </a:rPr>
+              <a:t>target_link_libraries</a:t>
+            </a:r>
+            <a:r>
+              <a:rPr lang="en-IN" dirty="0">
+                <a:solidFill>
+                  <a:srgbClr val="000000"/>
+                </a:solidFill>
+                <a:latin typeface="Consolas" panose="020B0609020204030204" pitchFamily="49" charset="0"/>
+              </a:rPr>
+              <a:t>(</a:t>
+            </a:r>
+            <a:r>
+              <a:rPr lang="en-IN" dirty="0" err="1">
+                <a:solidFill>
+                  <a:srgbClr val="000000"/>
+                </a:solidFill>
+                <a:latin typeface="Consolas" panose="020B0609020204030204" pitchFamily="49" charset="0"/>
+              </a:rPr>
+              <a:t>mytarget</a:t>
+            </a:r>
+            <a:r>
+              <a:rPr lang="en-IN" dirty="0">
+                <a:solidFill>
+                  <a:srgbClr val="000000"/>
+                </a:solidFill>
+                <a:latin typeface="Consolas" panose="020B0609020204030204" pitchFamily="49" charset="0"/>
+              </a:rPr>
+              <a:t> ${MYLIB_LIBRARIES} logger)</a:t>
+            </a:r>
+            <a:endParaRPr lang="en-IN" dirty="0"/>
+          </a:p>
+        </p:txBody>
+      </p:sp>
+      <p:sp>
+        <p:nvSpPr>
+          <p:cNvPr id="5" name="Rectangle 4">
+            <a:extLst>
+              <a:ext uri="{FF2B5EF4-FFF2-40B4-BE49-F238E27FC236}">
+                <a16:creationId xmlns:a16="http://schemas.microsoft.com/office/drawing/2014/main" id="{D4D654AE-FD10-469D-BEFE-0DEE128E022A}"/>
+              </a:ext>
+            </a:extLst>
+          </p:cNvPr>
+          <p:cNvSpPr/>
+          <p:nvPr/>
+        </p:nvSpPr>
+        <p:spPr>
+          <a:xfrm>
+            <a:off x="2821497" y="756917"/>
+            <a:ext cx="8411362" cy="830997"/>
+          </a:xfrm>
+          <a:prstGeom prst="rect">
+            <a:avLst/>
+          </a:prstGeom>
+        </p:spPr>
+        <p:txBody>
+          <a:bodyPr wrap="square">
+            <a:spAutoFit/>
+          </a:bodyPr>
+          <a:lstStyle/>
+          <a:p>
+            <a:r>
+              <a:rPr lang="en-IN" sz="2400" dirty="0"/>
+              <a:t>Creating shared library(</a:t>
+            </a:r>
+            <a:r>
+              <a:rPr lang="en-IN" sz="2400" dirty="0" err="1"/>
+              <a:t>dll</a:t>
+            </a:r>
+            <a:r>
+              <a:rPr lang="en-IN" sz="2400" dirty="0"/>
+              <a:t>) from given source files.</a:t>
+            </a:r>
+          </a:p>
+          <a:p>
+            <a:r>
+              <a:rPr lang="en-IN" sz="2400" dirty="0"/>
+              <a:t>Using this shared library in another project</a:t>
+            </a:r>
+          </a:p>
+        </p:txBody>
+      </p:sp>
+      <p:sp>
+        <p:nvSpPr>
+          <p:cNvPr id="7" name="Rectangle 6">
+            <a:extLst>
+              <a:ext uri="{FF2B5EF4-FFF2-40B4-BE49-F238E27FC236}">
+                <a16:creationId xmlns:a16="http://schemas.microsoft.com/office/drawing/2014/main" id="{F08A9AC9-50B0-44D4-810A-CF6801A03DED}"/>
+              </a:ext>
+            </a:extLst>
+          </p:cNvPr>
+          <p:cNvSpPr/>
+          <p:nvPr/>
+        </p:nvSpPr>
+        <p:spPr>
+          <a:xfrm>
+            <a:off x="5964572" y="2281806"/>
+            <a:ext cx="5816367" cy="1477328"/>
+          </a:xfrm>
+          <a:prstGeom prst="rect">
+            <a:avLst/>
+          </a:prstGeom>
+        </p:spPr>
+        <p:style>
+          <a:lnRef idx="2">
+            <a:schemeClr val="accent1">
+              <a:shade val="50000"/>
+            </a:schemeClr>
+          </a:lnRef>
+          <a:fillRef idx="1">
+            <a:schemeClr val="accent1"/>
+          </a:fillRef>
+          <a:effectRef idx="0">
+            <a:schemeClr val="accent1"/>
+          </a:effectRef>
+          <a:fontRef idx="minor">
+            <a:schemeClr val="lt1"/>
+          </a:fontRef>
+        </p:style>
+        <p:txBody>
+          <a:bodyPr rtlCol="0" anchor="ctr"/>
+          <a:lstStyle/>
+          <a:p>
+            <a:pPr algn="ctr"/>
+            <a:endParaRPr lang="en-IN" dirty="0"/>
+          </a:p>
+          <a:p>
+            <a:pPr algn="ctr"/>
+            <a:r>
+              <a:rPr lang="en-IN" dirty="0"/>
+              <a:t>Specifies compile definitions to use when compiling a given &lt;target&gt;. The named &lt;target&gt; must have been created by a command such as </a:t>
+            </a:r>
+            <a:r>
+              <a:rPr lang="en-IN" dirty="0" err="1"/>
+              <a:t>add_executable</a:t>
+            </a:r>
+            <a:r>
+              <a:rPr lang="en-IN" dirty="0"/>
+              <a:t>() or </a:t>
+            </a:r>
+            <a:r>
+              <a:rPr lang="en-IN" dirty="0" err="1"/>
+              <a:t>add_library</a:t>
+            </a:r>
+            <a:r>
+              <a:rPr lang="en-IN" dirty="0"/>
+              <a:t>() </a:t>
+            </a:r>
+          </a:p>
+          <a:p>
+            <a:pPr algn="ctr"/>
+            <a:endParaRPr lang="en-IN" dirty="0"/>
+          </a:p>
+        </p:txBody>
+      </p:sp>
+    </p:spTree>
+    <p:extLst>
+      <p:ext uri="{BB962C8B-B14F-4D97-AF65-F5344CB8AC3E}">
+        <p14:creationId xmlns:p14="http://schemas.microsoft.com/office/powerpoint/2010/main" val="209094426"/>
+      </p:ext>
+    </p:extLst>
+  </p:cSld>
+  <p:clrMapOvr>
+    <a:masterClrMapping/>
+  </p:clrMapOvr>
+</p:sld>
+</file>
+
+<file path=ppt/slides/slide11.xml><?xml version="1.0" encoding="utf-8"?>
+<p:sld xmlns:a="http://schemas.openxmlformats.org/drawingml/2006/main" xmlns:r="http://schemas.openxmlformats.org/officeDocument/2006/relationships" xmlns:p="http://schemas.openxmlformats.org/presentationml/2006/main">
+  <p:cSld>
+    <p:spTree>
+      <p:nvGrpSpPr>
+        <p:cNvPr id="1" name=""/>
+        <p:cNvGrpSpPr/>
+        <p:nvPr/>
+      </p:nvGrpSpPr>
+      <p:grpSpPr>
+        <a:xfrm>
+          <a:off x="0" y="0"/>
+          <a:ext cx="0" cy="0"/>
+          <a:chOff x="0" y="0"/>
+          <a:chExt cx="0" cy="0"/>
+        </a:xfrm>
+      </p:grpSpPr>
+      <p:sp>
+        <p:nvSpPr>
+          <p:cNvPr id="2" name="Rectangle 1">
+            <a:extLst>
+              <a:ext uri="{FF2B5EF4-FFF2-40B4-BE49-F238E27FC236}">
                 <a16:creationId xmlns:a16="http://schemas.microsoft.com/office/drawing/2014/main" id="{9FFE7F63-442F-4B52-93BC-83062AD81B94}"/>
               </a:ext>
             </a:extLst>
@@ -14499,7 +14915,7 @@
 </p:sld>
 </file>
 
-<file path=ppt/slides/slide11.xml><?xml version="1.0" encoding="utf-8"?>
+<file path=ppt/slides/slide12.xml><?xml version="1.0" encoding="utf-8"?>
 <p:sld xmlns:a="http://schemas.openxmlformats.org/drawingml/2006/main" xmlns:r="http://schemas.openxmlformats.org/officeDocument/2006/relationships" xmlns:p="http://schemas.openxmlformats.org/presentationml/2006/main">
   <p:cSld>
     <p:spTree>
@@ -14651,7 +15067,7 @@
 </p:sld>
 </file>
 
-<file path=ppt/slides/slide12.xml><?xml version="1.0" encoding="utf-8"?>
+<file path=ppt/slides/slide13.xml><?xml version="1.0" encoding="utf-8"?>
 <p:sld xmlns:a="http://schemas.openxmlformats.org/drawingml/2006/main" xmlns:r="http://schemas.openxmlformats.org/officeDocument/2006/relationships" xmlns:p="http://schemas.openxmlformats.org/presentationml/2006/main">
   <p:cSld>
     <p:spTree>
@@ -15230,7 +15646,7 @@
 </p:sld>
 </file>
 
-<file path=ppt/slides/slide13.xml><?xml version="1.0" encoding="utf-8"?>
+<file path=ppt/slides/slide14.xml><?xml version="1.0" encoding="utf-8"?>
 <p:sld xmlns:a="http://schemas.openxmlformats.org/drawingml/2006/main" xmlns:r="http://schemas.openxmlformats.org/officeDocument/2006/relationships" xmlns:p="http://schemas.openxmlformats.org/presentationml/2006/main">
   <p:cSld>
     <p:spTree>
@@ -15364,36 +15780,6 @@
 </p:sld>
 </file>
 
-<file path=ppt/slides/slide14.xml><?xml version="1.0" encoding="utf-8"?>
-<p:sld xmlns:a="http://schemas.openxmlformats.org/drawingml/2006/main" xmlns:r="http://schemas.openxmlformats.org/officeDocument/2006/relationships" xmlns:p="http://schemas.openxmlformats.org/presentationml/2006/main">
-  <p:cSld>
-    <p:spTree>
-      <p:nvGrpSpPr>
-        <p:cNvPr id="1" name=""/>
-        <p:cNvGrpSpPr/>
-        <p:nvPr/>
-      </p:nvGrpSpPr>
-      <p:grpSpPr>
-        <a:xfrm>
-          <a:off x="0" y="0"/>
-          <a:ext cx="0" cy="0"/>
-          <a:chOff x="0" y="0"/>
-          <a:chExt cx="0" cy="0"/>
-        </a:xfrm>
-      </p:grpSpPr>
-    </p:spTree>
-    <p:extLst>
-      <p:ext uri="{BB962C8B-B14F-4D97-AF65-F5344CB8AC3E}">
-        <p14:creationId xmlns:p14="http://schemas.microsoft.com/office/powerpoint/2010/main" val="2312739637"/>
-      </p:ext>
-    </p:extLst>
-  </p:cSld>
-  <p:clrMapOvr>
-    <a:masterClrMapping/>
-  </p:clrMapOvr>
-</p:sld>
-</file>
-
 <file path=ppt/slides/slide15.xml><?xml version="1.0" encoding="utf-8"?>
 <p:sld xmlns:a="http://schemas.openxmlformats.org/drawingml/2006/main" xmlns:r="http://schemas.openxmlformats.org/officeDocument/2006/relationships" xmlns:p="http://schemas.openxmlformats.org/presentationml/2006/main">
   <p:cSld>
@@ -15411,6 +15797,592 @@
           <a:chExt cx="0" cy="0"/>
         </a:xfrm>
       </p:grpSpPr>
+      <p:sp>
+        <p:nvSpPr>
+          <p:cNvPr id="2" name="Rectangle 1">
+            <a:extLst>
+              <a:ext uri="{FF2B5EF4-FFF2-40B4-BE49-F238E27FC236}">
+                <a16:creationId xmlns:a16="http://schemas.microsoft.com/office/drawing/2014/main" id="{BA4AC895-546F-41D2-A61F-5D484D31C6C5}"/>
+              </a:ext>
+            </a:extLst>
+          </p:cNvPr>
+          <p:cNvSpPr/>
+          <p:nvPr/>
+        </p:nvSpPr>
+        <p:spPr>
+          <a:xfrm>
+            <a:off x="95076" y="2056686"/>
+            <a:ext cx="12096924" cy="4801314"/>
+          </a:xfrm>
+          <a:prstGeom prst="rect">
+            <a:avLst/>
+          </a:prstGeom>
+        </p:spPr>
+        <p:txBody>
+          <a:bodyPr wrap="square">
+            <a:spAutoFit/>
+          </a:bodyPr>
+          <a:lstStyle/>
+          <a:p>
+            <a:r>
+              <a:rPr lang="en-IN" dirty="0" err="1">
+                <a:solidFill>
+                  <a:srgbClr val="0000FF"/>
+                </a:solidFill>
+                <a:latin typeface="Consolas" panose="020B0609020204030204" pitchFamily="49" charset="0"/>
+              </a:rPr>
+              <a:t>cmake_minimum_required</a:t>
+            </a:r>
+            <a:r>
+              <a:rPr lang="en-IN" dirty="0">
+                <a:solidFill>
+                  <a:srgbClr val="000000"/>
+                </a:solidFill>
+                <a:latin typeface="Consolas" panose="020B0609020204030204" pitchFamily="49" charset="0"/>
+              </a:rPr>
+              <a:t>(</a:t>
+            </a:r>
+            <a:r>
+              <a:rPr lang="en-IN" dirty="0">
+                <a:solidFill>
+                  <a:srgbClr val="0000FF"/>
+                </a:solidFill>
+                <a:latin typeface="Consolas" panose="020B0609020204030204" pitchFamily="49" charset="0"/>
+              </a:rPr>
+              <a:t>VERSION</a:t>
+            </a:r>
+            <a:r>
+              <a:rPr lang="en-IN" dirty="0">
+                <a:solidFill>
+                  <a:srgbClr val="000000"/>
+                </a:solidFill>
+                <a:latin typeface="Consolas" panose="020B0609020204030204" pitchFamily="49" charset="0"/>
+              </a:rPr>
+              <a:t> 3.0)</a:t>
+            </a:r>
+          </a:p>
+          <a:p>
+            <a:endParaRPr lang="en-IN" dirty="0">
+              <a:solidFill>
+                <a:srgbClr val="000000"/>
+              </a:solidFill>
+              <a:latin typeface="Consolas" panose="020B0609020204030204" pitchFamily="49" charset="0"/>
+            </a:endParaRPr>
+          </a:p>
+          <a:p>
+            <a:r>
+              <a:rPr lang="en-IN" dirty="0">
+                <a:solidFill>
+                  <a:srgbClr val="0000FF"/>
+                </a:solidFill>
+                <a:latin typeface="Consolas" panose="020B0609020204030204" pitchFamily="49" charset="0"/>
+              </a:rPr>
+              <a:t>project</a:t>
+            </a:r>
+            <a:r>
+              <a:rPr lang="en-IN" dirty="0">
+                <a:solidFill>
+                  <a:srgbClr val="000000"/>
+                </a:solidFill>
+                <a:latin typeface="Consolas" panose="020B0609020204030204" pitchFamily="49" charset="0"/>
+              </a:rPr>
+              <a:t>(</a:t>
+            </a:r>
+            <a:r>
+              <a:rPr lang="en-IN" dirty="0" err="1">
+                <a:solidFill>
+                  <a:srgbClr val="000000"/>
+                </a:solidFill>
+                <a:latin typeface="Consolas" panose="020B0609020204030204" pitchFamily="49" charset="0"/>
+              </a:rPr>
+              <a:t>facttest</a:t>
+            </a:r>
+            <a:r>
+              <a:rPr lang="en-IN" dirty="0">
+                <a:solidFill>
+                  <a:srgbClr val="000000"/>
+                </a:solidFill>
+                <a:latin typeface="Consolas" panose="020B0609020204030204" pitchFamily="49" charset="0"/>
+              </a:rPr>
+              <a:t>)</a:t>
+            </a:r>
+          </a:p>
+          <a:p>
+            <a:endParaRPr lang="en-IN" dirty="0">
+              <a:solidFill>
+                <a:srgbClr val="000000"/>
+              </a:solidFill>
+              <a:latin typeface="Consolas" panose="020B0609020204030204" pitchFamily="49" charset="0"/>
+            </a:endParaRPr>
+          </a:p>
+          <a:p>
+            <a:r>
+              <a:rPr lang="en-IN" dirty="0">
+                <a:solidFill>
+                  <a:srgbClr val="008000"/>
+                </a:solidFill>
+                <a:latin typeface="Consolas" panose="020B0609020204030204" pitchFamily="49" charset="0"/>
+              </a:rPr>
+              <a:t># configure the flags and paths</a:t>
+            </a:r>
+            <a:endParaRPr lang="en-IN" dirty="0">
+              <a:solidFill>
+                <a:srgbClr val="000000"/>
+              </a:solidFill>
+              <a:latin typeface="Consolas" panose="020B0609020204030204" pitchFamily="49" charset="0"/>
+            </a:endParaRPr>
+          </a:p>
+          <a:p>
+            <a:r>
+              <a:rPr lang="en-IN" dirty="0">
+                <a:solidFill>
+                  <a:srgbClr val="0000FF"/>
+                </a:solidFill>
+                <a:latin typeface="Consolas" panose="020B0609020204030204" pitchFamily="49" charset="0"/>
+              </a:rPr>
+              <a:t>set</a:t>
+            </a:r>
+            <a:r>
+              <a:rPr lang="en-IN" dirty="0">
+                <a:solidFill>
+                  <a:srgbClr val="000000"/>
+                </a:solidFill>
+                <a:latin typeface="Consolas" panose="020B0609020204030204" pitchFamily="49" charset="0"/>
+              </a:rPr>
+              <a:t>(FACTLIB_DEV_ROOT </a:t>
+            </a:r>
+            <a:r>
+              <a:rPr lang="en-IN" dirty="0">
+                <a:solidFill>
+                  <a:srgbClr val="A31515"/>
+                </a:solidFill>
+                <a:latin typeface="Consolas" panose="020B0609020204030204" pitchFamily="49" charset="0"/>
+              </a:rPr>
+              <a:t>"C:/Ajit-dev/"</a:t>
+            </a:r>
+            <a:r>
+              <a:rPr lang="en-IN" dirty="0">
+                <a:solidFill>
+                  <a:srgbClr val="000000"/>
+                </a:solidFill>
+                <a:latin typeface="Consolas" panose="020B0609020204030204" pitchFamily="49" charset="0"/>
+              </a:rPr>
+              <a:t>)</a:t>
+            </a:r>
+          </a:p>
+          <a:p>
+            <a:r>
+              <a:rPr lang="en-IN" dirty="0">
+                <a:solidFill>
+                  <a:srgbClr val="0000FF"/>
+                </a:solidFill>
+                <a:latin typeface="Consolas" panose="020B0609020204030204" pitchFamily="49" charset="0"/>
+              </a:rPr>
+              <a:t>set</a:t>
+            </a:r>
+            <a:r>
+              <a:rPr lang="en-IN" dirty="0">
+                <a:solidFill>
+                  <a:srgbClr val="000000"/>
+                </a:solidFill>
+                <a:latin typeface="Consolas" panose="020B0609020204030204" pitchFamily="49" charset="0"/>
+              </a:rPr>
+              <a:t> (CMAKE_PREFIX_PATH </a:t>
+            </a:r>
+            <a:r>
+              <a:rPr lang="en-IN" dirty="0">
+                <a:solidFill>
+                  <a:srgbClr val="A31515"/>
+                </a:solidFill>
+                <a:latin typeface="Consolas" panose="020B0609020204030204" pitchFamily="49" charset="0"/>
+              </a:rPr>
+              <a:t>"</a:t>
+            </a:r>
+            <a:r>
+              <a:rPr lang="en-IN" b="1" dirty="0">
+                <a:solidFill>
+                  <a:srgbClr val="008800"/>
+                </a:solidFill>
+                <a:latin typeface="Consolas" panose="020B0609020204030204" pitchFamily="49" charset="0"/>
+              </a:rPr>
+              <a:t>${CMAKE_PREFIX_PATH}</a:t>
+            </a:r>
+            <a:r>
+              <a:rPr lang="en-IN" dirty="0">
+                <a:solidFill>
+                  <a:srgbClr val="A31515"/>
+                </a:solidFill>
+                <a:latin typeface="Consolas" panose="020B0609020204030204" pitchFamily="49" charset="0"/>
+              </a:rPr>
+              <a:t>"</a:t>
+            </a:r>
+            <a:r>
+              <a:rPr lang="en-IN" dirty="0">
+                <a:solidFill>
+                  <a:srgbClr val="000000"/>
+                </a:solidFill>
+                <a:latin typeface="Consolas" panose="020B0609020204030204" pitchFamily="49" charset="0"/>
+              </a:rPr>
+              <a:t> </a:t>
+            </a:r>
+            <a:r>
+              <a:rPr lang="en-IN" dirty="0">
+                <a:solidFill>
+                  <a:srgbClr val="A31515"/>
+                </a:solidFill>
+                <a:latin typeface="Consolas" panose="020B0609020204030204" pitchFamily="49" charset="0"/>
+              </a:rPr>
+              <a:t>"C:/Ajit-dev/cmake/"</a:t>
+            </a:r>
+            <a:r>
+              <a:rPr lang="en-IN" dirty="0">
+                <a:solidFill>
+                  <a:srgbClr val="000000"/>
+                </a:solidFill>
+                <a:latin typeface="Consolas" panose="020B0609020204030204" pitchFamily="49" charset="0"/>
+              </a:rPr>
+              <a:t>)</a:t>
+            </a:r>
+          </a:p>
+          <a:p>
+            <a:endParaRPr lang="en-IN" dirty="0">
+              <a:solidFill>
+                <a:srgbClr val="000000"/>
+              </a:solidFill>
+              <a:latin typeface="Consolas" panose="020B0609020204030204" pitchFamily="49" charset="0"/>
+            </a:endParaRPr>
+          </a:p>
+          <a:p>
+            <a:r>
+              <a:rPr lang="en-IN" dirty="0" err="1">
+                <a:solidFill>
+                  <a:srgbClr val="0000FF"/>
+                </a:solidFill>
+                <a:latin typeface="Consolas" panose="020B0609020204030204" pitchFamily="49" charset="0"/>
+              </a:rPr>
+              <a:t>find_package</a:t>
+            </a:r>
+            <a:r>
+              <a:rPr lang="en-IN" dirty="0">
+                <a:solidFill>
+                  <a:srgbClr val="000000"/>
+                </a:solidFill>
+                <a:latin typeface="Consolas" panose="020B0609020204030204" pitchFamily="49" charset="0"/>
+              </a:rPr>
+              <a:t> (</a:t>
+            </a:r>
+            <a:r>
+              <a:rPr lang="en-IN" dirty="0" err="1">
+                <a:solidFill>
+                  <a:srgbClr val="000000"/>
+                </a:solidFill>
+                <a:latin typeface="Consolas" panose="020B0609020204030204" pitchFamily="49" charset="0"/>
+              </a:rPr>
+              <a:t>factlib</a:t>
+            </a:r>
+            <a:r>
+              <a:rPr lang="en-IN" dirty="0">
+                <a:solidFill>
+                  <a:srgbClr val="000000"/>
+                </a:solidFill>
+                <a:latin typeface="Consolas" panose="020B0609020204030204" pitchFamily="49" charset="0"/>
+              </a:rPr>
+              <a:t> CONFIG REQUIRED)</a:t>
+            </a:r>
+          </a:p>
+          <a:p>
+            <a:r>
+              <a:rPr lang="en-IN" dirty="0">
+                <a:solidFill>
+                  <a:srgbClr val="2B91AF"/>
+                </a:solidFill>
+                <a:latin typeface="Consolas" panose="020B0609020204030204" pitchFamily="49" charset="0"/>
+              </a:rPr>
+              <a:t>if</a:t>
+            </a:r>
+            <a:r>
+              <a:rPr lang="en-IN" dirty="0">
+                <a:solidFill>
+                  <a:srgbClr val="000000"/>
+                </a:solidFill>
+                <a:latin typeface="Consolas" panose="020B0609020204030204" pitchFamily="49" charset="0"/>
+              </a:rPr>
+              <a:t> (</a:t>
+            </a:r>
+            <a:r>
+              <a:rPr lang="en-IN" dirty="0" err="1">
+                <a:solidFill>
+                  <a:srgbClr val="000000"/>
+                </a:solidFill>
+                <a:latin typeface="Consolas" panose="020B0609020204030204" pitchFamily="49" charset="0"/>
+              </a:rPr>
+              <a:t>factlib_FOUND</a:t>
+            </a:r>
+            <a:r>
+              <a:rPr lang="en-IN" dirty="0">
+                <a:solidFill>
+                  <a:srgbClr val="000000"/>
+                </a:solidFill>
+                <a:latin typeface="Consolas" panose="020B0609020204030204" pitchFamily="49" charset="0"/>
+              </a:rPr>
+              <a:t>)</a:t>
+            </a:r>
+          </a:p>
+          <a:p>
+            <a:r>
+              <a:rPr lang="en-IN" dirty="0">
+                <a:solidFill>
+                  <a:srgbClr val="0000FF"/>
+                </a:solidFill>
+                <a:latin typeface="Consolas" panose="020B0609020204030204" pitchFamily="49" charset="0"/>
+              </a:rPr>
+              <a:t> message</a:t>
+            </a:r>
+            <a:r>
+              <a:rPr lang="en-IN" dirty="0">
+                <a:solidFill>
+                  <a:srgbClr val="000000"/>
+                </a:solidFill>
+                <a:latin typeface="Consolas" panose="020B0609020204030204" pitchFamily="49" charset="0"/>
+              </a:rPr>
+              <a:t> (</a:t>
+            </a:r>
+            <a:r>
+              <a:rPr lang="en-IN" dirty="0">
+                <a:solidFill>
+                  <a:srgbClr val="A31515"/>
+                </a:solidFill>
+                <a:latin typeface="Consolas" panose="020B0609020204030204" pitchFamily="49" charset="0"/>
+              </a:rPr>
+              <a:t>"Found </a:t>
+            </a:r>
+            <a:r>
+              <a:rPr lang="en-IN" dirty="0" err="1">
+                <a:solidFill>
+                  <a:srgbClr val="A31515"/>
+                </a:solidFill>
+                <a:latin typeface="Consolas" panose="020B0609020204030204" pitchFamily="49" charset="0"/>
+              </a:rPr>
+              <a:t>Factlib</a:t>
+            </a:r>
+            <a:r>
+              <a:rPr lang="en-IN" dirty="0">
+                <a:solidFill>
+                  <a:srgbClr val="A31515"/>
+                </a:solidFill>
+                <a:latin typeface="Consolas" panose="020B0609020204030204" pitchFamily="49" charset="0"/>
+              </a:rPr>
+              <a:t>  !"</a:t>
+            </a:r>
+            <a:r>
+              <a:rPr lang="en-IN" dirty="0">
+                <a:solidFill>
+                  <a:srgbClr val="000000"/>
+                </a:solidFill>
+                <a:latin typeface="Consolas" panose="020B0609020204030204" pitchFamily="49" charset="0"/>
+              </a:rPr>
+              <a:t>)</a:t>
+            </a:r>
+          </a:p>
+          <a:p>
+            <a:r>
+              <a:rPr lang="en-IN" dirty="0">
+                <a:solidFill>
+                  <a:srgbClr val="2B91AF"/>
+                </a:solidFill>
+                <a:latin typeface="Consolas" panose="020B0609020204030204" pitchFamily="49" charset="0"/>
+              </a:rPr>
+              <a:t>else</a:t>
+            </a:r>
+            <a:r>
+              <a:rPr lang="en-IN" dirty="0">
+                <a:solidFill>
+                  <a:srgbClr val="000000"/>
+                </a:solidFill>
+                <a:latin typeface="Consolas" panose="020B0609020204030204" pitchFamily="49" charset="0"/>
+              </a:rPr>
+              <a:t>()</a:t>
+            </a:r>
+          </a:p>
+          <a:p>
+            <a:r>
+              <a:rPr lang="en-IN" dirty="0">
+                <a:solidFill>
+                  <a:srgbClr val="0000FF"/>
+                </a:solidFill>
+                <a:latin typeface="Consolas" panose="020B0609020204030204" pitchFamily="49" charset="0"/>
+              </a:rPr>
+              <a:t>  message</a:t>
+            </a:r>
+            <a:r>
+              <a:rPr lang="en-IN" dirty="0">
+                <a:solidFill>
+                  <a:srgbClr val="000000"/>
+                </a:solidFill>
+                <a:latin typeface="Consolas" panose="020B0609020204030204" pitchFamily="49" charset="0"/>
+              </a:rPr>
+              <a:t> (</a:t>
+            </a:r>
+            <a:r>
+              <a:rPr lang="en-IN" dirty="0">
+                <a:solidFill>
+                  <a:srgbClr val="A31515"/>
+                </a:solidFill>
+                <a:latin typeface="Consolas" panose="020B0609020204030204" pitchFamily="49" charset="0"/>
+              </a:rPr>
+              <a:t>"</a:t>
+            </a:r>
+            <a:r>
+              <a:rPr lang="en-IN" dirty="0" err="1">
+                <a:solidFill>
+                  <a:srgbClr val="A31515"/>
+                </a:solidFill>
+                <a:latin typeface="Consolas" panose="020B0609020204030204" pitchFamily="49" charset="0"/>
+              </a:rPr>
+              <a:t>Factlib</a:t>
+            </a:r>
+            <a:r>
+              <a:rPr lang="en-IN" dirty="0">
+                <a:solidFill>
+                  <a:srgbClr val="A31515"/>
+                </a:solidFill>
+                <a:latin typeface="Consolas" panose="020B0609020204030204" pitchFamily="49" charset="0"/>
+              </a:rPr>
+              <a:t> NOT found :("</a:t>
+            </a:r>
+            <a:r>
+              <a:rPr lang="en-IN" dirty="0">
+                <a:solidFill>
+                  <a:srgbClr val="000000"/>
+                </a:solidFill>
+                <a:latin typeface="Consolas" panose="020B0609020204030204" pitchFamily="49" charset="0"/>
+              </a:rPr>
+              <a:t>)</a:t>
+            </a:r>
+          </a:p>
+          <a:p>
+            <a:r>
+              <a:rPr lang="en-IN" dirty="0">
+                <a:solidFill>
+                  <a:srgbClr val="2B91AF"/>
+                </a:solidFill>
+                <a:latin typeface="Consolas" panose="020B0609020204030204" pitchFamily="49" charset="0"/>
+              </a:rPr>
+              <a:t>endif</a:t>
+            </a:r>
+            <a:r>
+              <a:rPr lang="en-IN" dirty="0">
+                <a:solidFill>
+                  <a:srgbClr val="000000"/>
+                </a:solidFill>
+                <a:latin typeface="Consolas" panose="020B0609020204030204" pitchFamily="49" charset="0"/>
+              </a:rPr>
+              <a:t> ()</a:t>
+            </a:r>
+          </a:p>
+          <a:p>
+            <a:endParaRPr lang="en-IN" dirty="0">
+              <a:solidFill>
+                <a:srgbClr val="000000"/>
+              </a:solidFill>
+              <a:latin typeface="Consolas" panose="020B0609020204030204" pitchFamily="49" charset="0"/>
+            </a:endParaRPr>
+          </a:p>
+          <a:p>
+            <a:r>
+              <a:rPr lang="en-IN" dirty="0" err="1">
+                <a:solidFill>
+                  <a:srgbClr val="0000FF"/>
+                </a:solidFill>
+                <a:latin typeface="Consolas" panose="020B0609020204030204" pitchFamily="49" charset="0"/>
+              </a:rPr>
+              <a:t>add_executable</a:t>
+            </a:r>
+            <a:r>
+              <a:rPr lang="en-IN" dirty="0">
+                <a:solidFill>
+                  <a:srgbClr val="000000"/>
+                </a:solidFill>
+                <a:latin typeface="Consolas" panose="020B0609020204030204" pitchFamily="49" charset="0"/>
+              </a:rPr>
+              <a:t>(main main.cpp)</a:t>
+            </a:r>
+          </a:p>
+          <a:p>
+            <a:r>
+              <a:rPr lang="en-IN" dirty="0" err="1">
+                <a:solidFill>
+                  <a:srgbClr val="0000FF"/>
+                </a:solidFill>
+                <a:latin typeface="Consolas" panose="020B0609020204030204" pitchFamily="49" charset="0"/>
+              </a:rPr>
+              <a:t>target_link_libraries</a:t>
+            </a:r>
+            <a:r>
+              <a:rPr lang="en-IN" dirty="0">
+                <a:solidFill>
+                  <a:srgbClr val="000000"/>
+                </a:solidFill>
+                <a:latin typeface="Consolas" panose="020B0609020204030204" pitchFamily="49" charset="0"/>
+              </a:rPr>
+              <a:t>(main </a:t>
+            </a:r>
+            <a:r>
+              <a:rPr lang="en-IN" dirty="0" err="1">
+                <a:solidFill>
+                  <a:srgbClr val="000000"/>
+                </a:solidFill>
+                <a:latin typeface="Consolas" panose="020B0609020204030204" pitchFamily="49" charset="0"/>
+              </a:rPr>
+              <a:t>factlib</a:t>
+            </a:r>
+            <a:r>
+              <a:rPr lang="en-IN" dirty="0">
+                <a:solidFill>
+                  <a:srgbClr val="000000"/>
+                </a:solidFill>
+                <a:latin typeface="Consolas" panose="020B0609020204030204" pitchFamily="49" charset="0"/>
+              </a:rPr>
+              <a:t>)</a:t>
+            </a:r>
+            <a:endParaRPr lang="en-IN" dirty="0"/>
+          </a:p>
+        </p:txBody>
+      </p:sp>
+      <p:sp>
+        <p:nvSpPr>
+          <p:cNvPr id="3" name="Rectangle 2">
+            <a:extLst>
+              <a:ext uri="{FF2B5EF4-FFF2-40B4-BE49-F238E27FC236}">
+                <a16:creationId xmlns:a16="http://schemas.microsoft.com/office/drawing/2014/main" id="{ABF1D478-20BC-4B17-9A37-449980B13951}"/>
+              </a:ext>
+            </a:extLst>
+          </p:cNvPr>
+          <p:cNvSpPr/>
+          <p:nvPr/>
+        </p:nvSpPr>
+        <p:spPr>
+          <a:xfrm>
+            <a:off x="3333226" y="664638"/>
+            <a:ext cx="8411362" cy="461665"/>
+          </a:xfrm>
+          <a:prstGeom prst="rect">
+            <a:avLst/>
+          </a:prstGeom>
+        </p:spPr>
+        <p:txBody>
+          <a:bodyPr wrap="square">
+            <a:spAutoFit/>
+          </a:bodyPr>
+          <a:lstStyle/>
+          <a:p>
+            <a:r>
+              <a:rPr lang="en-IN" sz="2400" dirty="0"/>
+              <a:t>Using shared library at custom location  </a:t>
+            </a:r>
+          </a:p>
+        </p:txBody>
+      </p:sp>
     </p:spTree>
     <p:extLst>
       <p:ext uri="{BB962C8B-B14F-4D97-AF65-F5344CB8AC3E}">
@@ -15444,6 +16416,36 @@
     </p:spTree>
     <p:extLst>
       <p:ext uri="{BB962C8B-B14F-4D97-AF65-F5344CB8AC3E}">
+        <p14:creationId xmlns:p14="http://schemas.microsoft.com/office/powerpoint/2010/main" val="2312739637"/>
+      </p:ext>
+    </p:extLst>
+  </p:cSld>
+  <p:clrMapOvr>
+    <a:masterClrMapping/>
+  </p:clrMapOvr>
+</p:sld>
+</file>
+
+<file path=ppt/slides/slide17.xml><?xml version="1.0" encoding="utf-8"?>
+<p:sld xmlns:a="http://schemas.openxmlformats.org/drawingml/2006/main" xmlns:r="http://schemas.openxmlformats.org/officeDocument/2006/relationships" xmlns:p="http://schemas.openxmlformats.org/presentationml/2006/main">
+  <p:cSld>
+    <p:spTree>
+      <p:nvGrpSpPr>
+        <p:cNvPr id="1" name=""/>
+        <p:cNvGrpSpPr/>
+        <p:nvPr/>
+      </p:nvGrpSpPr>
+      <p:grpSpPr>
+        <a:xfrm>
+          <a:off x="0" y="0"/>
+          <a:ext cx="0" cy="0"/>
+          <a:chOff x="0" y="0"/>
+          <a:chExt cx="0" cy="0"/>
+        </a:xfrm>
+      </p:grpSpPr>
+    </p:spTree>
+    <p:extLst>
+      <p:ext uri="{BB962C8B-B14F-4D97-AF65-F5344CB8AC3E}">
         <p14:creationId xmlns:p14="http://schemas.microsoft.com/office/powerpoint/2010/main" val="837950150"/>
       </p:ext>
     </p:extLst>
@@ -15454,7 +16456,7 @@
 </p:sld>
 </file>
 
-<file path=ppt/slides/slide17.xml><?xml version="1.0" encoding="utf-8"?>
+<file path=ppt/slides/slide18.xml><?xml version="1.0" encoding="utf-8"?>
 <p:sld xmlns:a="http://schemas.openxmlformats.org/drawingml/2006/main" xmlns:r="http://schemas.openxmlformats.org/officeDocument/2006/relationships" xmlns:p="http://schemas.openxmlformats.org/presentationml/2006/main">
   <p:cSld>
     <p:spTree>
@@ -15485,6 +16487,631 @@
 </file>
 
 <file path=ppt/slides/slide2.xml><?xml version="1.0" encoding="utf-8"?>
+<p:sld xmlns:a="http://schemas.openxmlformats.org/drawingml/2006/main" xmlns:r="http://schemas.openxmlformats.org/officeDocument/2006/relationships" xmlns:p="http://schemas.openxmlformats.org/presentationml/2006/main">
+  <p:cSld>
+    <p:spTree>
+      <p:nvGrpSpPr>
+        <p:cNvPr id="1" name=""/>
+        <p:cNvGrpSpPr/>
+        <p:nvPr/>
+      </p:nvGrpSpPr>
+      <p:grpSpPr>
+        <a:xfrm>
+          <a:off x="0" y="0"/>
+          <a:ext cx="0" cy="0"/>
+          <a:chOff x="0" y="0"/>
+          <a:chExt cx="0" cy="0"/>
+        </a:xfrm>
+      </p:grpSpPr>
+      <p:sp>
+        <p:nvSpPr>
+          <p:cNvPr id="4" name="TextBox 3">
+            <a:extLst>
+              <a:ext uri="{FF2B5EF4-FFF2-40B4-BE49-F238E27FC236}">
+                <a16:creationId xmlns:a16="http://schemas.microsoft.com/office/drawing/2014/main" id="{3DB981D8-4283-44C2-A773-2768AFB58070}"/>
+              </a:ext>
+            </a:extLst>
+          </p:cNvPr>
+          <p:cNvSpPr txBox="1"/>
+          <p:nvPr/>
+        </p:nvSpPr>
+        <p:spPr>
+          <a:xfrm>
+            <a:off x="2701255" y="845958"/>
+            <a:ext cx="6096000" cy="461665"/>
+          </a:xfrm>
+          <a:prstGeom prst="rect">
+            <a:avLst/>
+          </a:prstGeom>
+          <a:noFill/>
+        </p:spPr>
+        <p:txBody>
+          <a:bodyPr wrap="square" rtlCol="0">
+            <a:spAutoFit/>
+          </a:bodyPr>
+          <a:lstStyle/>
+          <a:p>
+            <a:r>
+              <a:rPr lang="en-IN" sz="2400" dirty="0"/>
+              <a:t>Typical Folder structure of Project</a:t>
+            </a:r>
+          </a:p>
+        </p:txBody>
+      </p:sp>
+      <p:sp>
+        <p:nvSpPr>
+          <p:cNvPr id="6" name="Rectangle: Rounded Corners 5">
+            <a:extLst>
+              <a:ext uri="{FF2B5EF4-FFF2-40B4-BE49-F238E27FC236}">
+                <a16:creationId xmlns:a16="http://schemas.microsoft.com/office/drawing/2014/main" id="{A8EA0FB1-A184-427A-A10B-6D2F0E795F67}"/>
+              </a:ext>
+            </a:extLst>
+          </p:cNvPr>
+          <p:cNvSpPr/>
+          <p:nvPr/>
+        </p:nvSpPr>
+        <p:spPr>
+          <a:xfrm>
+            <a:off x="713064" y="2139193"/>
+            <a:ext cx="2516697" cy="461665"/>
+          </a:xfrm>
+          <a:prstGeom prst="roundRect">
+            <a:avLst/>
+          </a:prstGeom>
+        </p:spPr>
+        <p:style>
+          <a:lnRef idx="2">
+            <a:schemeClr val="accent1">
+              <a:shade val="50000"/>
+            </a:schemeClr>
+          </a:lnRef>
+          <a:fillRef idx="1">
+            <a:schemeClr val="accent1"/>
+          </a:fillRef>
+          <a:effectRef idx="0">
+            <a:schemeClr val="accent1"/>
+          </a:effectRef>
+          <a:fontRef idx="minor">
+            <a:schemeClr val="lt1"/>
+          </a:fontRef>
+        </p:style>
+        <p:txBody>
+          <a:bodyPr rtlCol="0" anchor="ctr"/>
+          <a:lstStyle/>
+          <a:p>
+            <a:pPr algn="ctr"/>
+            <a:r>
+              <a:rPr lang="en-IN" dirty="0"/>
+              <a:t>Project Folder</a:t>
+            </a:r>
+          </a:p>
+        </p:txBody>
+      </p:sp>
+      <p:sp>
+        <p:nvSpPr>
+          <p:cNvPr id="7" name="Rectangle: Rounded Corners 6">
+            <a:extLst>
+              <a:ext uri="{FF2B5EF4-FFF2-40B4-BE49-F238E27FC236}">
+                <a16:creationId xmlns:a16="http://schemas.microsoft.com/office/drawing/2014/main" id="{5281F067-43FD-45C3-9B61-F6827B4B4175}"/>
+              </a:ext>
+            </a:extLst>
+          </p:cNvPr>
+          <p:cNvSpPr/>
+          <p:nvPr/>
+        </p:nvSpPr>
+        <p:spPr>
+          <a:xfrm>
+            <a:off x="2701253" y="3198167"/>
+            <a:ext cx="2516697" cy="461665"/>
+          </a:xfrm>
+          <a:prstGeom prst="roundRect">
+            <a:avLst/>
+          </a:prstGeom>
+        </p:spPr>
+        <p:style>
+          <a:lnRef idx="2">
+            <a:schemeClr val="accent5">
+              <a:shade val="50000"/>
+            </a:schemeClr>
+          </a:lnRef>
+          <a:fillRef idx="1">
+            <a:schemeClr val="accent5"/>
+          </a:fillRef>
+          <a:effectRef idx="0">
+            <a:schemeClr val="accent5"/>
+          </a:effectRef>
+          <a:fontRef idx="minor">
+            <a:schemeClr val="lt1"/>
+          </a:fontRef>
+        </p:style>
+        <p:txBody>
+          <a:bodyPr rtlCol="0" anchor="ctr"/>
+          <a:lstStyle/>
+          <a:p>
+            <a:pPr algn="ctr"/>
+            <a:r>
+              <a:rPr lang="en-IN" dirty="0"/>
+              <a:t>Source</a:t>
+            </a:r>
+          </a:p>
+        </p:txBody>
+      </p:sp>
+      <p:sp>
+        <p:nvSpPr>
+          <p:cNvPr id="8" name="Rectangle: Rounded Corners 7">
+            <a:extLst>
+              <a:ext uri="{FF2B5EF4-FFF2-40B4-BE49-F238E27FC236}">
+                <a16:creationId xmlns:a16="http://schemas.microsoft.com/office/drawing/2014/main" id="{9D1DCC18-9F7E-42CC-88C2-B1D07DB73980}"/>
+              </a:ext>
+            </a:extLst>
+          </p:cNvPr>
+          <p:cNvSpPr/>
+          <p:nvPr/>
+        </p:nvSpPr>
+        <p:spPr>
+          <a:xfrm>
+            <a:off x="2701252" y="5550377"/>
+            <a:ext cx="2516697" cy="461665"/>
+          </a:xfrm>
+          <a:prstGeom prst="roundRect">
+            <a:avLst/>
+          </a:prstGeom>
+          <a:solidFill>
+            <a:srgbClr val="FFC000"/>
+          </a:solidFill>
+        </p:spPr>
+        <p:style>
+          <a:lnRef idx="2">
+            <a:schemeClr val="accent1"/>
+          </a:lnRef>
+          <a:fillRef idx="1">
+            <a:schemeClr val="lt1"/>
+          </a:fillRef>
+          <a:effectRef idx="0">
+            <a:schemeClr val="accent1"/>
+          </a:effectRef>
+          <a:fontRef idx="minor">
+            <a:schemeClr val="dk1"/>
+          </a:fontRef>
+        </p:style>
+        <p:txBody>
+          <a:bodyPr rtlCol="0" anchor="ctr"/>
+          <a:lstStyle/>
+          <a:p>
+            <a:pPr algn="ctr"/>
+            <a:r>
+              <a:rPr lang="en-IN" dirty="0"/>
+              <a:t>Build</a:t>
+            </a:r>
+          </a:p>
+        </p:txBody>
+      </p:sp>
+      <p:sp>
+        <p:nvSpPr>
+          <p:cNvPr id="9" name="Rectangle: Rounded Corners 8">
+            <a:extLst>
+              <a:ext uri="{FF2B5EF4-FFF2-40B4-BE49-F238E27FC236}">
+                <a16:creationId xmlns:a16="http://schemas.microsoft.com/office/drawing/2014/main" id="{5B272F71-8577-49C2-BD01-69218E072F0C}"/>
+              </a:ext>
+            </a:extLst>
+          </p:cNvPr>
+          <p:cNvSpPr/>
+          <p:nvPr/>
+        </p:nvSpPr>
+        <p:spPr>
+          <a:xfrm>
+            <a:off x="6974052" y="3198167"/>
+            <a:ext cx="2516697" cy="461665"/>
+          </a:xfrm>
+          <a:prstGeom prst="roundRect">
+            <a:avLst/>
+          </a:prstGeom>
+        </p:spPr>
+        <p:style>
+          <a:lnRef idx="2">
+            <a:schemeClr val="accent2">
+              <a:shade val="50000"/>
+            </a:schemeClr>
+          </a:lnRef>
+          <a:fillRef idx="1">
+            <a:schemeClr val="accent2"/>
+          </a:fillRef>
+          <a:effectRef idx="0">
+            <a:schemeClr val="accent2"/>
+          </a:effectRef>
+          <a:fontRef idx="minor">
+            <a:schemeClr val="lt1"/>
+          </a:fontRef>
+        </p:style>
+        <p:txBody>
+          <a:bodyPr rtlCol="0" anchor="ctr"/>
+          <a:lstStyle/>
+          <a:p>
+            <a:pPr algn="ctr"/>
+            <a:r>
+              <a:rPr lang="en-IN" dirty="0" err="1"/>
+              <a:t>inc</a:t>
+            </a:r>
+            <a:endParaRPr lang="en-IN" dirty="0"/>
+          </a:p>
+        </p:txBody>
+      </p:sp>
+      <p:sp>
+        <p:nvSpPr>
+          <p:cNvPr id="10" name="Rectangle: Rounded Corners 9">
+            <a:extLst>
+              <a:ext uri="{FF2B5EF4-FFF2-40B4-BE49-F238E27FC236}">
+                <a16:creationId xmlns:a16="http://schemas.microsoft.com/office/drawing/2014/main" id="{3D8CE6E3-2729-4051-939A-984595B95AD6}"/>
+              </a:ext>
+            </a:extLst>
+          </p:cNvPr>
+          <p:cNvSpPr/>
+          <p:nvPr/>
+        </p:nvSpPr>
+        <p:spPr>
+          <a:xfrm>
+            <a:off x="7002015" y="3908008"/>
+            <a:ext cx="2516697" cy="461665"/>
+          </a:xfrm>
+          <a:prstGeom prst="roundRect">
+            <a:avLst/>
+          </a:prstGeom>
+        </p:spPr>
+        <p:style>
+          <a:lnRef idx="2">
+            <a:schemeClr val="accent2">
+              <a:shade val="50000"/>
+            </a:schemeClr>
+          </a:lnRef>
+          <a:fillRef idx="1">
+            <a:schemeClr val="accent2"/>
+          </a:fillRef>
+          <a:effectRef idx="0">
+            <a:schemeClr val="accent2"/>
+          </a:effectRef>
+          <a:fontRef idx="minor">
+            <a:schemeClr val="lt1"/>
+          </a:fontRef>
+        </p:style>
+        <p:txBody>
+          <a:bodyPr rtlCol="0" anchor="ctr"/>
+          <a:lstStyle/>
+          <a:p>
+            <a:pPr algn="ctr"/>
+            <a:r>
+              <a:rPr lang="en-IN" dirty="0" err="1"/>
+              <a:t>src</a:t>
+            </a:r>
+            <a:endParaRPr lang="en-IN" dirty="0"/>
+          </a:p>
+        </p:txBody>
+      </p:sp>
+      <p:sp>
+        <p:nvSpPr>
+          <p:cNvPr id="11" name="Rectangle: Rounded Corners 10">
+            <a:extLst>
+              <a:ext uri="{FF2B5EF4-FFF2-40B4-BE49-F238E27FC236}">
+                <a16:creationId xmlns:a16="http://schemas.microsoft.com/office/drawing/2014/main" id="{1637D206-FEB1-4191-AD0A-FC1147F895AA}"/>
+              </a:ext>
+            </a:extLst>
+          </p:cNvPr>
+          <p:cNvSpPr/>
+          <p:nvPr/>
+        </p:nvSpPr>
+        <p:spPr>
+          <a:xfrm>
+            <a:off x="7002015" y="4723002"/>
+            <a:ext cx="2516697" cy="461664"/>
+          </a:xfrm>
+          <a:prstGeom prst="roundRect">
+            <a:avLst/>
+          </a:prstGeom>
+        </p:spPr>
+        <p:style>
+          <a:lnRef idx="2">
+            <a:schemeClr val="accent1">
+              <a:shade val="50000"/>
+            </a:schemeClr>
+          </a:lnRef>
+          <a:fillRef idx="1">
+            <a:schemeClr val="accent1"/>
+          </a:fillRef>
+          <a:effectRef idx="0">
+            <a:schemeClr val="accent1"/>
+          </a:effectRef>
+          <a:fontRef idx="minor">
+            <a:schemeClr val="lt1"/>
+          </a:fontRef>
+        </p:style>
+        <p:txBody>
+          <a:bodyPr rtlCol="0" anchor="ctr"/>
+          <a:lstStyle/>
+          <a:p>
+            <a:pPr algn="ctr"/>
+            <a:r>
+              <a:rPr lang="en-IN" dirty="0"/>
+              <a:t>CMakeLists.txt</a:t>
+            </a:r>
+          </a:p>
+        </p:txBody>
+      </p:sp>
+      <p:cxnSp>
+        <p:nvCxnSpPr>
+          <p:cNvPr id="15" name="Straight Connector 14">
+            <a:extLst>
+              <a:ext uri="{FF2B5EF4-FFF2-40B4-BE49-F238E27FC236}">
+                <a16:creationId xmlns:a16="http://schemas.microsoft.com/office/drawing/2014/main" id="{BB230394-5B84-4F68-8F2E-91FF474AFAB3}"/>
+              </a:ext>
+            </a:extLst>
+          </p:cNvPr>
+          <p:cNvCxnSpPr>
+            <a:stCxn id="6" idx="2"/>
+          </p:cNvCxnSpPr>
+          <p:nvPr/>
+        </p:nvCxnSpPr>
+        <p:spPr>
+          <a:xfrm flipH="1">
+            <a:off x="1971412" y="2600858"/>
+            <a:ext cx="1" cy="3330159"/>
+          </a:xfrm>
+          <a:prstGeom prst="line">
+            <a:avLst/>
+          </a:prstGeom>
+        </p:spPr>
+        <p:style>
+          <a:lnRef idx="1">
+            <a:schemeClr val="accent1"/>
+          </a:lnRef>
+          <a:fillRef idx="0">
+            <a:schemeClr val="accent1"/>
+          </a:fillRef>
+          <a:effectRef idx="0">
+            <a:schemeClr val="accent1"/>
+          </a:effectRef>
+          <a:fontRef idx="minor">
+            <a:schemeClr val="tx1"/>
+          </a:fontRef>
+        </p:style>
+      </p:cxnSp>
+      <p:cxnSp>
+        <p:nvCxnSpPr>
+          <p:cNvPr id="17" name="Straight Connector 16">
+            <a:extLst>
+              <a:ext uri="{FF2B5EF4-FFF2-40B4-BE49-F238E27FC236}">
+                <a16:creationId xmlns:a16="http://schemas.microsoft.com/office/drawing/2014/main" id="{B0D9413F-087D-40C2-BB31-B54EB0C2FC34}"/>
+              </a:ext>
+            </a:extLst>
+          </p:cNvPr>
+          <p:cNvCxnSpPr>
+            <a:stCxn id="7" idx="1"/>
+          </p:cNvCxnSpPr>
+          <p:nvPr/>
+        </p:nvCxnSpPr>
+        <p:spPr>
+          <a:xfrm flipH="1" flipV="1">
+            <a:off x="1971412" y="3428999"/>
+            <a:ext cx="729841" cy="1"/>
+          </a:xfrm>
+          <a:prstGeom prst="line">
+            <a:avLst/>
+          </a:prstGeom>
+        </p:spPr>
+        <p:style>
+          <a:lnRef idx="1">
+            <a:schemeClr val="accent1"/>
+          </a:lnRef>
+          <a:fillRef idx="0">
+            <a:schemeClr val="accent1"/>
+          </a:fillRef>
+          <a:effectRef idx="0">
+            <a:schemeClr val="accent1"/>
+          </a:effectRef>
+          <a:fontRef idx="minor">
+            <a:schemeClr val="tx1"/>
+          </a:fontRef>
+        </p:style>
+      </p:cxnSp>
+      <p:cxnSp>
+        <p:nvCxnSpPr>
+          <p:cNvPr id="19" name="Straight Connector 18">
+            <a:extLst>
+              <a:ext uri="{FF2B5EF4-FFF2-40B4-BE49-F238E27FC236}">
+                <a16:creationId xmlns:a16="http://schemas.microsoft.com/office/drawing/2014/main" id="{C55AED74-50A7-4644-A5A3-0F3DBC578A6A}"/>
+              </a:ext>
+            </a:extLst>
+          </p:cNvPr>
+          <p:cNvCxnSpPr>
+            <a:stCxn id="8" idx="1"/>
+          </p:cNvCxnSpPr>
+          <p:nvPr/>
+        </p:nvCxnSpPr>
+        <p:spPr>
+          <a:xfrm flipH="1" flipV="1">
+            <a:off x="1971412" y="5781209"/>
+            <a:ext cx="729840" cy="1"/>
+          </a:xfrm>
+          <a:prstGeom prst="line">
+            <a:avLst/>
+          </a:prstGeom>
+        </p:spPr>
+        <p:style>
+          <a:lnRef idx="1">
+            <a:schemeClr val="accent1"/>
+          </a:lnRef>
+          <a:fillRef idx="0">
+            <a:schemeClr val="accent1"/>
+          </a:fillRef>
+          <a:effectRef idx="0">
+            <a:schemeClr val="accent1"/>
+          </a:effectRef>
+          <a:fontRef idx="minor">
+            <a:schemeClr val="tx1"/>
+          </a:fontRef>
+        </p:style>
+      </p:cxnSp>
+      <p:cxnSp>
+        <p:nvCxnSpPr>
+          <p:cNvPr id="21" name="Straight Connector 20">
+            <a:extLst>
+              <a:ext uri="{FF2B5EF4-FFF2-40B4-BE49-F238E27FC236}">
+                <a16:creationId xmlns:a16="http://schemas.microsoft.com/office/drawing/2014/main" id="{9C07B2B1-BAAA-4077-BEED-4992BE2883CA}"/>
+              </a:ext>
+            </a:extLst>
+          </p:cNvPr>
+          <p:cNvCxnSpPr>
+            <a:stCxn id="9" idx="1"/>
+            <a:endCxn id="7" idx="3"/>
+          </p:cNvCxnSpPr>
+          <p:nvPr/>
+        </p:nvCxnSpPr>
+        <p:spPr>
+          <a:xfrm flipH="1">
+            <a:off x="5217950" y="3429000"/>
+            <a:ext cx="1756102" cy="0"/>
+          </a:xfrm>
+          <a:prstGeom prst="line">
+            <a:avLst/>
+          </a:prstGeom>
+        </p:spPr>
+        <p:style>
+          <a:lnRef idx="1">
+            <a:schemeClr val="accent1"/>
+          </a:lnRef>
+          <a:fillRef idx="0">
+            <a:schemeClr val="accent1"/>
+          </a:fillRef>
+          <a:effectRef idx="0">
+            <a:schemeClr val="accent1"/>
+          </a:effectRef>
+          <a:fontRef idx="minor">
+            <a:schemeClr val="tx1"/>
+          </a:fontRef>
+        </p:style>
+      </p:cxnSp>
+      <p:cxnSp>
+        <p:nvCxnSpPr>
+          <p:cNvPr id="24" name="Straight Connector 23">
+            <a:extLst>
+              <a:ext uri="{FF2B5EF4-FFF2-40B4-BE49-F238E27FC236}">
+                <a16:creationId xmlns:a16="http://schemas.microsoft.com/office/drawing/2014/main" id="{2C3623B5-739C-4CE8-9072-CB21057D7599}"/>
+              </a:ext>
+            </a:extLst>
+          </p:cNvPr>
+          <p:cNvCxnSpPr>
+            <a:stCxn id="10" idx="1"/>
+          </p:cNvCxnSpPr>
+          <p:nvPr/>
+        </p:nvCxnSpPr>
+        <p:spPr>
+          <a:xfrm flipH="1" flipV="1">
+            <a:off x="6392411" y="4138840"/>
+            <a:ext cx="609604" cy="1"/>
+          </a:xfrm>
+          <a:prstGeom prst="line">
+            <a:avLst/>
+          </a:prstGeom>
+        </p:spPr>
+        <p:style>
+          <a:lnRef idx="1">
+            <a:schemeClr val="accent1"/>
+          </a:lnRef>
+          <a:fillRef idx="0">
+            <a:schemeClr val="accent1"/>
+          </a:fillRef>
+          <a:effectRef idx="0">
+            <a:schemeClr val="accent1"/>
+          </a:effectRef>
+          <a:fontRef idx="minor">
+            <a:schemeClr val="tx1"/>
+          </a:fontRef>
+        </p:style>
+      </p:cxnSp>
+      <p:cxnSp>
+        <p:nvCxnSpPr>
+          <p:cNvPr id="25" name="Straight Connector 24">
+            <a:extLst>
+              <a:ext uri="{FF2B5EF4-FFF2-40B4-BE49-F238E27FC236}">
+                <a16:creationId xmlns:a16="http://schemas.microsoft.com/office/drawing/2014/main" id="{BE523404-1828-4755-A512-E5A9E982A84E}"/>
+              </a:ext>
+            </a:extLst>
+          </p:cNvPr>
+          <p:cNvCxnSpPr/>
+          <p:nvPr/>
+        </p:nvCxnSpPr>
+        <p:spPr>
+          <a:xfrm flipH="1" flipV="1">
+            <a:off x="6392411" y="4953834"/>
+            <a:ext cx="609604" cy="1"/>
+          </a:xfrm>
+          <a:prstGeom prst="line">
+            <a:avLst/>
+          </a:prstGeom>
+        </p:spPr>
+        <p:style>
+          <a:lnRef idx="1">
+            <a:schemeClr val="accent1"/>
+          </a:lnRef>
+          <a:fillRef idx="0">
+            <a:schemeClr val="accent1"/>
+          </a:fillRef>
+          <a:effectRef idx="0">
+            <a:schemeClr val="accent1"/>
+          </a:effectRef>
+          <a:fontRef idx="minor">
+            <a:schemeClr val="tx1"/>
+          </a:fontRef>
+        </p:style>
+      </p:cxnSp>
+      <p:cxnSp>
+        <p:nvCxnSpPr>
+          <p:cNvPr id="27" name="Straight Connector 26">
+            <a:extLst>
+              <a:ext uri="{FF2B5EF4-FFF2-40B4-BE49-F238E27FC236}">
+                <a16:creationId xmlns:a16="http://schemas.microsoft.com/office/drawing/2014/main" id="{97786F1F-E51B-4431-AEE4-3022C7DEB13C}"/>
+              </a:ext>
+            </a:extLst>
+          </p:cNvPr>
+          <p:cNvCxnSpPr/>
+          <p:nvPr/>
+        </p:nvCxnSpPr>
+        <p:spPr>
+          <a:xfrm flipV="1">
+            <a:off x="6392411" y="3428999"/>
+            <a:ext cx="0" cy="1524835"/>
+          </a:xfrm>
+          <a:prstGeom prst="line">
+            <a:avLst/>
+          </a:prstGeom>
+        </p:spPr>
+        <p:style>
+          <a:lnRef idx="1">
+            <a:schemeClr val="accent1"/>
+          </a:lnRef>
+          <a:fillRef idx="0">
+            <a:schemeClr val="accent1"/>
+          </a:fillRef>
+          <a:effectRef idx="0">
+            <a:schemeClr val="accent1"/>
+          </a:effectRef>
+          <a:fontRef idx="minor">
+            <a:schemeClr val="tx1"/>
+          </a:fontRef>
+        </p:style>
+      </p:cxnSp>
+    </p:spTree>
+    <p:extLst>
+      <p:ext uri="{BB962C8B-B14F-4D97-AF65-F5344CB8AC3E}">
+        <p14:creationId xmlns:p14="http://schemas.microsoft.com/office/powerpoint/2010/main" val="3559210132"/>
+      </p:ext>
+    </p:extLst>
+  </p:cSld>
+  <p:clrMapOvr>
+    <a:masterClrMapping/>
+  </p:clrMapOvr>
+</p:sld>
+</file>
+
+<file path=ppt/slides/slide3.xml><?xml version="1.0" encoding="utf-8"?>
 <p:sld xmlns:a="http://schemas.openxmlformats.org/drawingml/2006/main" xmlns:r="http://schemas.openxmlformats.org/officeDocument/2006/relationships" xmlns:p="http://schemas.openxmlformats.org/presentationml/2006/main">
   <p:cSld>
     <p:spTree>
@@ -15869,6 +17496,55 @@
           </a:fontRef>
         </p:style>
       </p:cxnSp>
+      <p:sp>
+        <p:nvSpPr>
+          <p:cNvPr id="5" name="Rectangle: Rounded Corners 4">
+            <a:extLst>
+              <a:ext uri="{FF2B5EF4-FFF2-40B4-BE49-F238E27FC236}">
+                <a16:creationId xmlns:a16="http://schemas.microsoft.com/office/drawing/2014/main" id="{6AEA4B7B-7D8B-4035-9D22-7205C5973D47}"/>
+              </a:ext>
+            </a:extLst>
+          </p:cNvPr>
+          <p:cNvSpPr/>
+          <p:nvPr/>
+        </p:nvSpPr>
+        <p:spPr>
+          <a:xfrm>
+            <a:off x="724250" y="2407857"/>
+            <a:ext cx="2919368" cy="369332"/>
+          </a:xfrm>
+          <a:prstGeom prst="roundRect">
+            <a:avLst/>
+          </a:prstGeom>
+        </p:spPr>
+        <p:style>
+          <a:lnRef idx="2">
+            <a:schemeClr val="accent5">
+              <a:shade val="50000"/>
+            </a:schemeClr>
+          </a:lnRef>
+          <a:fillRef idx="1">
+            <a:schemeClr val="accent5"/>
+          </a:fillRef>
+          <a:effectRef idx="0">
+            <a:schemeClr val="accent5"/>
+          </a:effectRef>
+          <a:fontRef idx="minor">
+            <a:schemeClr val="lt1"/>
+          </a:fontRef>
+        </p:style>
+        <p:txBody>
+          <a:bodyPr rtlCol="0" anchor="ctr"/>
+          <a:lstStyle/>
+          <a:p>
+            <a:pPr algn="ctr"/>
+            <a:r>
+              <a:rPr lang="en-IN" dirty="0"/>
+              <a:t>CmakeLists.txt </a:t>
+            </a:r>
+          </a:p>
+        </p:txBody>
+      </p:sp>
     </p:spTree>
     <p:extLst>
       <p:ext uri="{BB962C8B-B14F-4D97-AF65-F5344CB8AC3E}">
@@ -15882,7 +17558,7 @@
 </p:sld>
 </file>
 
-<file path=ppt/slides/slide3.xml><?xml version="1.0" encoding="utf-8"?>
+<file path=ppt/slides/slide4.xml><?xml version="1.0" encoding="utf-8"?>
 <p:sld xmlns:a="http://schemas.openxmlformats.org/drawingml/2006/main" xmlns:r="http://schemas.openxmlformats.org/officeDocument/2006/relationships" xmlns:p="http://schemas.openxmlformats.org/presentationml/2006/main">
   <p:cSld>
     <p:spTree>
@@ -15948,7 +17624,7 @@
         </p:nvSpPr>
         <p:spPr>
           <a:xfrm>
-            <a:off x="187354" y="2075294"/>
+            <a:off x="187354" y="1495419"/>
             <a:ext cx="11053893" cy="369332"/>
           </a:xfrm>
           <a:prstGeom prst="rect">
@@ -16032,7 +17708,7 @@
         </p:nvSpPr>
         <p:spPr>
           <a:xfrm>
-            <a:off x="187354" y="3244334"/>
+            <a:off x="187354" y="2022440"/>
             <a:ext cx="7975134" cy="369332"/>
           </a:xfrm>
           <a:prstGeom prst="rect">
@@ -16081,7 +17757,7 @@
         </p:nvSpPr>
         <p:spPr>
           <a:xfrm>
-            <a:off x="187354" y="5116456"/>
+            <a:off x="187354" y="3385720"/>
             <a:ext cx="8805644" cy="369332"/>
           </a:xfrm>
           <a:prstGeom prst="rect">
@@ -16184,8 +17860,8 @@
         </p:nvSpPr>
         <p:spPr>
           <a:xfrm>
-            <a:off x="6096000" y="2013358"/>
-            <a:ext cx="5631809" cy="645952"/>
+            <a:off x="6202261" y="1491571"/>
+            <a:ext cx="5581474" cy="369332"/>
           </a:xfrm>
           <a:prstGeom prst="roundRect">
             <a:avLst/>
@@ -16233,8 +17909,8 @@
         </p:nvSpPr>
         <p:spPr>
           <a:xfrm>
-            <a:off x="7063529" y="3244334"/>
-            <a:ext cx="4613945" cy="748240"/>
+            <a:off x="6600735" y="2399107"/>
+            <a:ext cx="5318621" cy="369332"/>
           </a:xfrm>
           <a:prstGeom prst="roundRect">
             <a:avLst/>
@@ -16282,8 +17958,8 @@
         </p:nvSpPr>
         <p:spPr>
           <a:xfrm>
-            <a:off x="7113864" y="5021729"/>
-            <a:ext cx="4613945" cy="558786"/>
+            <a:off x="6821646" y="3310492"/>
+            <a:ext cx="5097710" cy="369332"/>
           </a:xfrm>
           <a:prstGeom prst="roundRect">
             <a:avLst/>
@@ -16331,7 +18007,7 @@
         </p:nvSpPr>
         <p:spPr>
           <a:xfrm>
-            <a:off x="187354" y="3777719"/>
+            <a:off x="187354" y="2467000"/>
             <a:ext cx="6096000" cy="646331"/>
           </a:xfrm>
           <a:prstGeom prst="rect">
@@ -16401,6 +18077,220 @@
               <a:t>)</a:t>
             </a:r>
             <a:endParaRPr lang="en-IN" dirty="0"/>
+          </a:p>
+        </p:txBody>
+      </p:sp>
+      <p:sp>
+        <p:nvSpPr>
+          <p:cNvPr id="11" name="Rectangle 10">
+            <a:extLst>
+              <a:ext uri="{FF2B5EF4-FFF2-40B4-BE49-F238E27FC236}">
+                <a16:creationId xmlns:a16="http://schemas.microsoft.com/office/drawing/2014/main" id="{2268178D-DC95-4232-9E51-1B9F5F3455CF}"/>
+              </a:ext>
+            </a:extLst>
+          </p:cNvPr>
+          <p:cNvSpPr/>
+          <p:nvPr/>
+        </p:nvSpPr>
+        <p:spPr>
+          <a:xfrm>
+            <a:off x="187354" y="3853778"/>
+            <a:ext cx="9854268" cy="1969770"/>
+          </a:xfrm>
+          <a:prstGeom prst="rect">
+            <a:avLst/>
+          </a:prstGeom>
+        </p:spPr>
+        <p:txBody>
+          <a:bodyPr wrap="square">
+            <a:spAutoFit/>
+          </a:bodyPr>
+          <a:lstStyle/>
+          <a:p>
+            <a:endParaRPr lang="en-IN" sz="1600" dirty="0">
+              <a:latin typeface="Arial" panose="020B0604020202020204" pitchFamily="34" charset="0"/>
+              <a:cs typeface="Arial" panose="020B0604020202020204" pitchFamily="34" charset="0"/>
+            </a:endParaRPr>
+          </a:p>
+          <a:p>
+            <a:r>
+              <a:rPr lang="en-IN" dirty="0">
+                <a:solidFill>
+                  <a:srgbClr val="0000FF"/>
+                </a:solidFill>
+                <a:latin typeface="Consolas" panose="020B0609020204030204" pitchFamily="49" charset="0"/>
+              </a:rPr>
+              <a:t>set</a:t>
+            </a:r>
+            <a:r>
+              <a:rPr lang="en-IN" sz="1600" dirty="0">
+                <a:latin typeface="Arial" panose="020B0604020202020204" pitchFamily="34" charset="0"/>
+                <a:cs typeface="Arial" panose="020B0604020202020204" pitchFamily="34" charset="0"/>
+              </a:rPr>
+              <a:t>(DCMTK_INCLUDE_DIR "${DCMTK_BINARY_DIR}/config/include")</a:t>
+            </a:r>
+          </a:p>
+          <a:p>
+            <a:r>
+              <a:rPr lang="en-IN" dirty="0">
+                <a:solidFill>
+                  <a:srgbClr val="0000FF"/>
+                </a:solidFill>
+                <a:latin typeface="Consolas" panose="020B0609020204030204" pitchFamily="49" charset="0"/>
+              </a:rPr>
+              <a:t>foreach</a:t>
+            </a:r>
+            <a:r>
+              <a:rPr lang="en-IN" sz="1600" dirty="0">
+                <a:latin typeface="Arial" panose="020B0604020202020204" pitchFamily="34" charset="0"/>
+                <a:cs typeface="Arial" panose="020B0604020202020204" pitchFamily="34" charset="0"/>
+              </a:rPr>
+              <a:t>(</a:t>
+            </a:r>
+            <a:r>
+              <a:rPr lang="en-IN" sz="1600" dirty="0" err="1">
+                <a:latin typeface="Arial" panose="020B0604020202020204" pitchFamily="34" charset="0"/>
+                <a:cs typeface="Arial" panose="020B0604020202020204" pitchFamily="34" charset="0"/>
+              </a:rPr>
+              <a:t>inc</a:t>
+            </a:r>
+            <a:r>
+              <a:rPr lang="en-IN" sz="1600" dirty="0">
+                <a:latin typeface="Arial" panose="020B0604020202020204" pitchFamily="34" charset="0"/>
+                <a:cs typeface="Arial" panose="020B0604020202020204" pitchFamily="34" charset="0"/>
+              </a:rPr>
+              <a:t> ${DCMTK_MODULES})</a:t>
+            </a:r>
+          </a:p>
+          <a:p>
+            <a:r>
+              <a:rPr lang="en-IN" sz="1600" dirty="0">
+                <a:latin typeface="Arial" panose="020B0604020202020204" pitchFamily="34" charset="0"/>
+                <a:cs typeface="Arial" panose="020B0604020202020204" pitchFamily="34" charset="0"/>
+              </a:rPr>
+              <a:t>  </a:t>
+            </a:r>
+            <a:r>
+              <a:rPr lang="en-IN" dirty="0">
+                <a:solidFill>
+                  <a:srgbClr val="0000FF"/>
+                </a:solidFill>
+                <a:latin typeface="Consolas" panose="020B0609020204030204" pitchFamily="49" charset="0"/>
+              </a:rPr>
+              <a:t>list</a:t>
+            </a:r>
+            <a:r>
+              <a:rPr lang="en-IN" sz="1600" dirty="0">
+                <a:latin typeface="Arial" panose="020B0604020202020204" pitchFamily="34" charset="0"/>
+                <a:cs typeface="Arial" panose="020B0604020202020204" pitchFamily="34" charset="0"/>
+              </a:rPr>
+              <a:t>(APPEND DCMTK_INCLUDE_DIR "${DCMTK_SOURCE_DIR}/${</a:t>
+            </a:r>
+            <a:r>
+              <a:rPr lang="en-IN" sz="1600" dirty="0" err="1">
+                <a:latin typeface="Arial" panose="020B0604020202020204" pitchFamily="34" charset="0"/>
+                <a:cs typeface="Arial" panose="020B0604020202020204" pitchFamily="34" charset="0"/>
+              </a:rPr>
+              <a:t>inc</a:t>
+            </a:r>
+            <a:r>
+              <a:rPr lang="en-IN" sz="1600" dirty="0">
+                <a:latin typeface="Arial" panose="020B0604020202020204" pitchFamily="34" charset="0"/>
+                <a:cs typeface="Arial" panose="020B0604020202020204" pitchFamily="34" charset="0"/>
+              </a:rPr>
+              <a:t>}/include")</a:t>
+            </a:r>
+          </a:p>
+          <a:p>
+            <a:r>
+              <a:rPr lang="en-IN" dirty="0" err="1">
+                <a:solidFill>
+                  <a:srgbClr val="0000FF"/>
+                </a:solidFill>
+                <a:latin typeface="Consolas" panose="020B0609020204030204" pitchFamily="49" charset="0"/>
+              </a:rPr>
+              <a:t>endforeach</a:t>
+            </a:r>
+            <a:r>
+              <a:rPr lang="en-IN" sz="1600" dirty="0">
+                <a:latin typeface="Arial" panose="020B0604020202020204" pitchFamily="34" charset="0"/>
+                <a:cs typeface="Arial" panose="020B0604020202020204" pitchFamily="34" charset="0"/>
+              </a:rPr>
+              <a:t>()</a:t>
+            </a:r>
+          </a:p>
+          <a:p>
+            <a:endParaRPr lang="en-IN" sz="1600" dirty="0">
+              <a:latin typeface="Arial" panose="020B0604020202020204" pitchFamily="34" charset="0"/>
+              <a:cs typeface="Arial" panose="020B0604020202020204" pitchFamily="34" charset="0"/>
+            </a:endParaRPr>
+          </a:p>
+          <a:p>
+            <a:r>
+              <a:rPr lang="en-IN" dirty="0" err="1">
+                <a:solidFill>
+                  <a:srgbClr val="0000FF"/>
+                </a:solidFill>
+                <a:latin typeface="Consolas" panose="020B0609020204030204" pitchFamily="49" charset="0"/>
+              </a:rPr>
+              <a:t>include_directories</a:t>
+            </a:r>
+            <a:r>
+              <a:rPr lang="en-IN" sz="1600" dirty="0">
+                <a:latin typeface="Arial" panose="020B0604020202020204" pitchFamily="34" charset="0"/>
+                <a:cs typeface="Arial" panose="020B0604020202020204" pitchFamily="34" charset="0"/>
+              </a:rPr>
+              <a:t>(${DCMTK_INCLUDE_DIR})</a:t>
+            </a:r>
+          </a:p>
+        </p:txBody>
+      </p:sp>
+      <p:sp>
+        <p:nvSpPr>
+          <p:cNvPr id="12" name="Rectangle: Rounded Corners 11">
+            <a:extLst>
+              <a:ext uri="{FF2B5EF4-FFF2-40B4-BE49-F238E27FC236}">
+                <a16:creationId xmlns:a16="http://schemas.microsoft.com/office/drawing/2014/main" id="{8EE3668B-441C-4B69-84F7-3B5B8E84EF83}"/>
+              </a:ext>
+            </a:extLst>
+          </p:cNvPr>
+          <p:cNvSpPr/>
+          <p:nvPr/>
+        </p:nvSpPr>
+        <p:spPr>
+          <a:xfrm>
+            <a:off x="6821646" y="5023754"/>
+            <a:ext cx="5097710" cy="369332"/>
+          </a:xfrm>
+          <a:prstGeom prst="roundRect">
+            <a:avLst/>
+          </a:prstGeom>
+        </p:spPr>
+        <p:style>
+          <a:lnRef idx="2">
+            <a:schemeClr val="accent1">
+              <a:shade val="50000"/>
+            </a:schemeClr>
+          </a:lnRef>
+          <a:fillRef idx="1">
+            <a:schemeClr val="accent1"/>
+          </a:fillRef>
+          <a:effectRef idx="0">
+            <a:schemeClr val="accent1"/>
+          </a:effectRef>
+          <a:fontRef idx="minor">
+            <a:schemeClr val="lt1"/>
+          </a:fontRef>
+        </p:style>
+        <p:txBody>
+          <a:bodyPr rtlCol="0" anchor="ctr"/>
+          <a:lstStyle/>
+          <a:p>
+            <a:pPr algn="ctr"/>
+            <a:r>
+              <a:rPr lang="en-IN" dirty="0"/>
+              <a:t>Include directories from sub-modules</a:t>
+            </a:r>
           </a:p>
         </p:txBody>
       </p:sp>
@@ -16417,7 +18307,7 @@
 </p:sld>
 </file>
 
-<file path=ppt/slides/slide4.xml><?xml version="1.0" encoding="utf-8"?>
+<file path=ppt/slides/slide5.xml><?xml version="1.0" encoding="utf-8"?>
 <p:sld xmlns:a="http://schemas.openxmlformats.org/drawingml/2006/main" xmlns:r="http://schemas.openxmlformats.org/officeDocument/2006/relationships" xmlns:p="http://schemas.openxmlformats.org/presentationml/2006/main">
   <p:cSld>
     <p:spTree>
@@ -17024,7 +18914,7 @@
 </p:sld>
 </file>
 
-<file path=ppt/slides/slide5.xml><?xml version="1.0" encoding="utf-8"?>
+<file path=ppt/slides/slide6.xml><?xml version="1.0" encoding="utf-8"?>
 <p:sld xmlns:a="http://schemas.openxmlformats.org/drawingml/2006/main" xmlns:r="http://schemas.openxmlformats.org/officeDocument/2006/relationships" xmlns:p="http://schemas.openxmlformats.org/presentationml/2006/main">
   <p:cSld>
     <p:spTree>
@@ -17278,7 +19168,7 @@
 </p:sld>
 </file>
 
-<file path=ppt/slides/slide6.xml><?xml version="1.0" encoding="utf-8"?>
+<file path=ppt/slides/slide7.xml><?xml version="1.0" encoding="utf-8"?>
 <p:sld xmlns:a="http://schemas.openxmlformats.org/drawingml/2006/main" xmlns:r="http://schemas.openxmlformats.org/officeDocument/2006/relationships" xmlns:p="http://schemas.openxmlformats.org/presentationml/2006/main">
   <p:cSld>
     <p:spTree>
@@ -17471,7 +19361,7 @@
 </p:sld>
 </file>
 
-<file path=ppt/slides/slide7.xml><?xml version="1.0" encoding="utf-8"?>
+<file path=ppt/slides/slide8.xml><?xml version="1.0" encoding="utf-8"?>
 <p:sld xmlns:a="http://schemas.openxmlformats.org/drawingml/2006/main" xmlns:r="http://schemas.openxmlformats.org/officeDocument/2006/relationships" xmlns:p="http://schemas.openxmlformats.org/presentationml/2006/main">
   <p:cSld>
     <p:spTree>
@@ -17515,112 +19405,184 @@
           </a:bodyPr>
           <a:lstStyle/>
           <a:p>
-            <a:endParaRPr lang="en-IN" dirty="0"/>
-          </a:p>
-          <a:p>
-            <a:r>
-              <a:rPr lang="en-IN" dirty="0"/>
+            <a:endParaRPr lang="en-IN" dirty="0">
+              <a:latin typeface="Arial" panose="020B0604020202020204" pitchFamily="34" charset="0"/>
+              <a:cs typeface="Arial" panose="020B0604020202020204" pitchFamily="34" charset="0"/>
+            </a:endParaRPr>
+          </a:p>
+          <a:p>
+            <a:r>
+              <a:rPr lang="en-IN" dirty="0">
+                <a:latin typeface="Arial" panose="020B0604020202020204" pitchFamily="34" charset="0"/>
+                <a:cs typeface="Arial" panose="020B0604020202020204" pitchFamily="34" charset="0"/>
+              </a:rPr>
               <a:t>if (WIN32)</a:t>
             </a:r>
           </a:p>
           <a:p>
-            <a:endParaRPr lang="en-IN" dirty="0"/>
-          </a:p>
-          <a:p>
-            <a:r>
-              <a:rPr lang="en-IN" dirty="0"/>
+            <a:endParaRPr lang="en-IN" dirty="0">
+              <a:latin typeface="Arial" panose="020B0604020202020204" pitchFamily="34" charset="0"/>
+              <a:cs typeface="Arial" panose="020B0604020202020204" pitchFamily="34" charset="0"/>
+            </a:endParaRPr>
+          </a:p>
+          <a:p>
+            <a:r>
+              <a:rPr lang="en-IN" dirty="0">
+                <a:latin typeface="Arial" panose="020B0604020202020204" pitchFamily="34" charset="0"/>
+                <a:cs typeface="Arial" panose="020B0604020202020204" pitchFamily="34" charset="0"/>
+              </a:rPr>
               <a:t>  set(MYVAR value)</a:t>
             </a:r>
           </a:p>
           <a:p>
             <a:r>
-              <a:rPr lang="en-IN" dirty="0"/>
+              <a:rPr lang="en-IN" dirty="0">
+                <a:latin typeface="Arial" panose="020B0604020202020204" pitchFamily="34" charset="0"/>
+                <a:cs typeface="Arial" panose="020B0604020202020204" pitchFamily="34" charset="0"/>
+              </a:rPr>
               <a:t>  </a:t>
             </a:r>
             <a:r>
-              <a:rPr lang="en-IN" dirty="0" err="1"/>
+              <a:rPr lang="en-IN" dirty="0" err="1">
+                <a:latin typeface="Arial" panose="020B0604020202020204" pitchFamily="34" charset="0"/>
+                <a:cs typeface="Arial" panose="020B0604020202020204" pitchFamily="34" charset="0"/>
+              </a:rPr>
               <a:t>include_directories</a:t>
             </a:r>
             <a:r>
-              <a:rPr lang="en-IN" dirty="0"/>
+              <a:rPr lang="en-IN" dirty="0">
+                <a:latin typeface="Arial" panose="020B0604020202020204" pitchFamily="34" charset="0"/>
+                <a:cs typeface="Arial" panose="020B0604020202020204" pitchFamily="34" charset="0"/>
+              </a:rPr>
               <a:t>(${MYLIB_INCLUDES})</a:t>
             </a:r>
           </a:p>
           <a:p>
-            <a:endParaRPr lang="en-IN" dirty="0"/>
-          </a:p>
-          <a:p>
-            <a:r>
-              <a:rPr lang="en-IN" dirty="0"/>
+            <a:endParaRPr lang="en-IN" dirty="0">
+              <a:latin typeface="Arial" panose="020B0604020202020204" pitchFamily="34" charset="0"/>
+              <a:cs typeface="Arial" panose="020B0604020202020204" pitchFamily="34" charset="0"/>
+            </a:endParaRPr>
+          </a:p>
+          <a:p>
+            <a:r>
+              <a:rPr lang="en-IN" dirty="0">
+                <a:latin typeface="Arial" panose="020B0604020202020204" pitchFamily="34" charset="0"/>
+                <a:cs typeface="Arial" panose="020B0604020202020204" pitchFamily="34" charset="0"/>
+              </a:rPr>
               <a:t>else()</a:t>
             </a:r>
           </a:p>
           <a:p>
-            <a:endParaRPr lang="en-IN" dirty="0"/>
-          </a:p>
-          <a:p>
-            <a:r>
-              <a:rPr lang="en-IN" dirty="0"/>
+            <a:endParaRPr lang="en-IN" dirty="0">
+              <a:latin typeface="Arial" panose="020B0604020202020204" pitchFamily="34" charset="0"/>
+              <a:cs typeface="Arial" panose="020B0604020202020204" pitchFamily="34" charset="0"/>
+            </a:endParaRPr>
+          </a:p>
+          <a:p>
+            <a:r>
+              <a:rPr lang="en-IN" dirty="0">
+                <a:latin typeface="Arial" panose="020B0604020202020204" pitchFamily="34" charset="0"/>
+                <a:cs typeface="Arial" panose="020B0604020202020204" pitchFamily="34" charset="0"/>
+              </a:rPr>
               <a:t>  set(MYVAR value)</a:t>
             </a:r>
           </a:p>
           <a:p>
             <a:r>
-              <a:rPr lang="en-IN" dirty="0"/>
+              <a:rPr lang="en-IN" dirty="0">
+                <a:latin typeface="Arial" panose="020B0604020202020204" pitchFamily="34" charset="0"/>
+                <a:cs typeface="Arial" panose="020B0604020202020204" pitchFamily="34" charset="0"/>
+              </a:rPr>
               <a:t>  </a:t>
             </a:r>
             <a:r>
-              <a:rPr lang="en-IN" dirty="0" err="1"/>
+              <a:rPr lang="en-IN" dirty="0" err="1">
+                <a:latin typeface="Arial" panose="020B0604020202020204" pitchFamily="34" charset="0"/>
+                <a:cs typeface="Arial" panose="020B0604020202020204" pitchFamily="34" charset="0"/>
+              </a:rPr>
               <a:t>include_directories</a:t>
             </a:r>
             <a:r>
-              <a:rPr lang="en-IN" dirty="0"/>
+              <a:rPr lang="en-IN" dirty="0">
+                <a:latin typeface="Arial" panose="020B0604020202020204" pitchFamily="34" charset="0"/>
+                <a:cs typeface="Arial" panose="020B0604020202020204" pitchFamily="34" charset="0"/>
+              </a:rPr>
               <a:t>(${MYLIB_INCLUDES})</a:t>
             </a:r>
           </a:p>
           <a:p>
-            <a:endParaRPr lang="en-IN" dirty="0"/>
-          </a:p>
-          <a:p>
-            <a:r>
-              <a:rPr lang="en-IN" dirty="0"/>
+            <a:endParaRPr lang="en-IN" dirty="0">
+              <a:latin typeface="Arial" panose="020B0604020202020204" pitchFamily="34" charset="0"/>
+              <a:cs typeface="Arial" panose="020B0604020202020204" pitchFamily="34" charset="0"/>
+            </a:endParaRPr>
+          </a:p>
+          <a:p>
+            <a:r>
+              <a:rPr lang="en-IN" dirty="0">
+                <a:latin typeface="Arial" panose="020B0604020202020204" pitchFamily="34" charset="0"/>
+                <a:cs typeface="Arial" panose="020B0604020202020204" pitchFamily="34" charset="0"/>
+              </a:rPr>
               <a:t>endif()</a:t>
             </a:r>
           </a:p>
           <a:p>
-            <a:endParaRPr lang="en-IN" dirty="0"/>
-          </a:p>
-          <a:p>
-            <a:r>
-              <a:rPr lang="en-IN" dirty="0"/>
+            <a:endParaRPr lang="en-IN" dirty="0">
+              <a:latin typeface="Arial" panose="020B0604020202020204" pitchFamily="34" charset="0"/>
+              <a:cs typeface="Arial" panose="020B0604020202020204" pitchFamily="34" charset="0"/>
+            </a:endParaRPr>
+          </a:p>
+          <a:p>
+            <a:r>
+              <a:rPr lang="en-IN" dirty="0">
+                <a:latin typeface="Arial" panose="020B0604020202020204" pitchFamily="34" charset="0"/>
+                <a:cs typeface="Arial" panose="020B0604020202020204" pitchFamily="34" charset="0"/>
+              </a:rPr>
               <a:t>if(UNIX)</a:t>
             </a:r>
           </a:p>
           <a:p>
             <a:r>
-              <a:rPr lang="en-IN" dirty="0"/>
+              <a:rPr lang="en-IN" dirty="0">
+                <a:latin typeface="Arial" panose="020B0604020202020204" pitchFamily="34" charset="0"/>
+                <a:cs typeface="Arial" panose="020B0604020202020204" pitchFamily="34" charset="0"/>
+              </a:rPr>
               <a:t>  set(CMAKE_CXX_FLAGS "${CMAKE_CXX_FLAGS} -g -</a:t>
             </a:r>
             <a:r>
-              <a:rPr lang="en-IN" dirty="0" err="1"/>
+              <a:rPr lang="en-IN" dirty="0" err="1">
+                <a:latin typeface="Arial" panose="020B0604020202020204" pitchFamily="34" charset="0"/>
+                <a:cs typeface="Arial" panose="020B0604020202020204" pitchFamily="34" charset="0"/>
+              </a:rPr>
               <a:t>Og</a:t>
             </a:r>
             <a:r>
-              <a:rPr lang="en-IN" dirty="0"/>
+              <a:rPr lang="en-IN" dirty="0">
+                <a:latin typeface="Arial" panose="020B0604020202020204" pitchFamily="34" charset="0"/>
+                <a:cs typeface="Arial" panose="020B0604020202020204" pitchFamily="34" charset="0"/>
+              </a:rPr>
               <a:t> -std=</a:t>
             </a:r>
             <a:r>
-              <a:rPr lang="en-IN" dirty="0" err="1"/>
+              <a:rPr lang="en-IN" dirty="0" err="1">
+                <a:latin typeface="Arial" panose="020B0604020202020204" pitchFamily="34" charset="0"/>
+                <a:cs typeface="Arial" panose="020B0604020202020204" pitchFamily="34" charset="0"/>
+              </a:rPr>
               <a:t>c++</a:t>
             </a:r>
             <a:r>
-              <a:rPr lang="en-IN" dirty="0"/>
+              <a:rPr lang="en-IN" dirty="0">
+                <a:latin typeface="Arial" panose="020B0604020202020204" pitchFamily="34" charset="0"/>
+                <a:cs typeface="Arial" panose="020B0604020202020204" pitchFamily="34" charset="0"/>
+              </a:rPr>
               <a:t>11")</a:t>
             </a:r>
           </a:p>
           <a:p>
             <a:r>
-              <a:rPr lang="en-IN" dirty="0"/>
+              <a:rPr lang="en-IN" dirty="0">
+                <a:latin typeface="Arial" panose="020B0604020202020204" pitchFamily="34" charset="0"/>
+                <a:cs typeface="Arial" panose="020B0604020202020204" pitchFamily="34" charset="0"/>
+              </a:rPr>
               <a:t>endif()</a:t>
             </a:r>
           </a:p>
@@ -17673,7 +19635,7 @@
 </p:sld>
 </file>
 
-<file path=ppt/slides/slide8.xml><?xml version="1.0" encoding="utf-8"?>
+<file path=ppt/slides/slide9.xml><?xml version="1.0" encoding="utf-8"?>
 <p:sld xmlns:a="http://schemas.openxmlformats.org/drawingml/2006/main" xmlns:r="http://schemas.openxmlformats.org/officeDocument/2006/relationships" xmlns:p="http://schemas.openxmlformats.org/presentationml/2006/main">
   <p:cSld>
     <p:spTree>
@@ -17705,7 +19667,7 @@
         <p:spPr>
           <a:xfrm>
             <a:off x="167780" y="1812308"/>
-            <a:ext cx="11610363" cy="4524315"/>
+            <a:ext cx="11610363" cy="4247317"/>
           </a:xfrm>
           <a:prstGeom prst="rect">
             <a:avLst/>
@@ -17718,150 +19680,249 @@
           <a:lstStyle/>
           <a:p>
             <a:r>
-              <a:rPr lang="en-IN" dirty="0"/>
+              <a:rPr lang="en-IN" dirty="0">
+                <a:latin typeface="Arial" panose="020B0604020202020204" pitchFamily="34" charset="0"/>
+                <a:cs typeface="Arial" panose="020B0604020202020204" pitchFamily="34" charset="0"/>
+              </a:rPr>
               <a:t>The idea is that you build modules in </a:t>
             </a:r>
             <a:r>
-              <a:rPr lang="en-IN" dirty="0" err="1"/>
+              <a:rPr lang="en-IN" dirty="0" err="1">
+                <a:latin typeface="Arial" panose="020B0604020202020204" pitchFamily="34" charset="0"/>
+                <a:cs typeface="Arial" panose="020B0604020202020204" pitchFamily="34" charset="0"/>
+              </a:rPr>
               <a:t>CMake</a:t>
             </a:r>
             <a:r>
-              <a:rPr lang="en-IN" dirty="0"/>
+              <a:rPr lang="en-IN" dirty="0">
+                <a:latin typeface="Arial" panose="020B0604020202020204" pitchFamily="34" charset="0"/>
+                <a:cs typeface="Arial" panose="020B0604020202020204" pitchFamily="34" charset="0"/>
+              </a:rPr>
               <a:t>, and link them together. Let's ignore header files for now, as they can be all included in your source files.</a:t>
             </a:r>
           </a:p>
           <a:p>
-            <a:endParaRPr lang="en-IN" dirty="0"/>
-          </a:p>
-          <a:p>
-            <a:r>
-              <a:rPr lang="en-IN" dirty="0"/>
+            <a:endParaRPr lang="en-IN" dirty="0">
+              <a:latin typeface="Arial" panose="020B0604020202020204" pitchFamily="34" charset="0"/>
+              <a:cs typeface="Arial" panose="020B0604020202020204" pitchFamily="34" charset="0"/>
+            </a:endParaRPr>
+          </a:p>
+          <a:p>
+            <a:r>
+              <a:rPr lang="en-IN" dirty="0">
+                <a:latin typeface="Arial" panose="020B0604020202020204" pitchFamily="34" charset="0"/>
+                <a:cs typeface="Arial" panose="020B0604020202020204" pitchFamily="34" charset="0"/>
+              </a:rPr>
               <a:t>Say you have file1.cpp, file2.cpp, main.cpp. You add them to your project with:</a:t>
             </a:r>
           </a:p>
           <a:p>
-            <a:endParaRPr lang="en-IN" dirty="0"/>
-          </a:p>
-          <a:p>
-            <a:r>
-              <a:rPr lang="en-IN" dirty="0"/>
+            <a:endParaRPr lang="en-IN" dirty="0">
+              <a:latin typeface="Arial" panose="020B0604020202020204" pitchFamily="34" charset="0"/>
+              <a:cs typeface="Arial" panose="020B0604020202020204" pitchFamily="34" charset="0"/>
+            </a:endParaRPr>
+          </a:p>
+          <a:p>
+            <a:r>
+              <a:rPr lang="en-IN" dirty="0">
+                <a:latin typeface="Arial" panose="020B0604020202020204" pitchFamily="34" charset="0"/>
+                <a:cs typeface="Arial" panose="020B0604020202020204" pitchFamily="34" charset="0"/>
+              </a:rPr>
               <a:t>ADD_LIBRARY(</a:t>
             </a:r>
             <a:r>
-              <a:rPr lang="en-IN" dirty="0" err="1"/>
+              <a:rPr lang="en-IN" dirty="0" err="1">
+                <a:latin typeface="Arial" panose="020B0604020202020204" pitchFamily="34" charset="0"/>
+                <a:cs typeface="Arial" panose="020B0604020202020204" pitchFamily="34" charset="0"/>
+              </a:rPr>
               <a:t>LibsModule</a:t>
             </a:r>
             <a:r>
-              <a:rPr lang="en-IN" dirty="0"/>
+              <a:rPr lang="en-IN" dirty="0">
+                <a:latin typeface="Arial" panose="020B0604020202020204" pitchFamily="34" charset="0"/>
+                <a:cs typeface="Arial" panose="020B0604020202020204" pitchFamily="34" charset="0"/>
+              </a:rPr>
               <a:t> </a:t>
             </a:r>
           </a:p>
           <a:p>
             <a:r>
-              <a:rPr lang="en-IN" dirty="0"/>
+              <a:rPr lang="en-IN" dirty="0">
+                <a:latin typeface="Arial" panose="020B0604020202020204" pitchFamily="34" charset="0"/>
+                <a:cs typeface="Arial" panose="020B0604020202020204" pitchFamily="34" charset="0"/>
+              </a:rPr>
               <a:t>    file1.cpp</a:t>
             </a:r>
           </a:p>
           <a:p>
             <a:r>
-              <a:rPr lang="en-IN" dirty="0"/>
+              <a:rPr lang="en-IN" dirty="0">
+                <a:latin typeface="Arial" panose="020B0604020202020204" pitchFamily="34" charset="0"/>
+                <a:cs typeface="Arial" panose="020B0604020202020204" pitchFamily="34" charset="0"/>
+              </a:rPr>
               <a:t>    file2.cpp</a:t>
             </a:r>
           </a:p>
           <a:p>
             <a:r>
-              <a:rPr lang="en-IN" dirty="0"/>
+              <a:rPr lang="en-IN" dirty="0">
+                <a:latin typeface="Arial" panose="020B0604020202020204" pitchFamily="34" charset="0"/>
+                <a:cs typeface="Arial" panose="020B0604020202020204" pitchFamily="34" charset="0"/>
+              </a:rPr>
               <a:t>)</a:t>
             </a:r>
           </a:p>
           <a:p>
             <a:r>
-              <a:rPr lang="en-IN" dirty="0"/>
+              <a:rPr lang="en-IN" dirty="0">
+                <a:latin typeface="Arial" panose="020B0604020202020204" pitchFamily="34" charset="0"/>
+                <a:cs typeface="Arial" panose="020B0604020202020204" pitchFamily="34" charset="0"/>
+              </a:rPr>
               <a:t>Now you added them to a module called </a:t>
             </a:r>
             <a:r>
-              <a:rPr lang="en-IN" dirty="0" err="1"/>
+              <a:rPr lang="en-IN" dirty="0" err="1">
+                <a:latin typeface="Arial" panose="020B0604020202020204" pitchFamily="34" charset="0"/>
+                <a:cs typeface="Arial" panose="020B0604020202020204" pitchFamily="34" charset="0"/>
+              </a:rPr>
               <a:t>LibsModule</a:t>
             </a:r>
             <a:r>
-              <a:rPr lang="en-IN" dirty="0"/>
+              <a:rPr lang="en-IN" dirty="0">
+                <a:latin typeface="Arial" panose="020B0604020202020204" pitchFamily="34" charset="0"/>
+                <a:cs typeface="Arial" panose="020B0604020202020204" pitchFamily="34" charset="0"/>
+              </a:rPr>
               <a:t>. Keep that in mind. Say you want to link to </a:t>
             </a:r>
             <a:r>
-              <a:rPr lang="en-IN" dirty="0" err="1"/>
+              <a:rPr lang="en-IN" dirty="0" err="1">
+                <a:latin typeface="Arial" panose="020B0604020202020204" pitchFamily="34" charset="0"/>
+                <a:cs typeface="Arial" panose="020B0604020202020204" pitchFamily="34" charset="0"/>
+              </a:rPr>
               <a:t>pthread</a:t>
             </a:r>
             <a:r>
-              <a:rPr lang="en-IN" dirty="0"/>
+              <a:rPr lang="en-IN" dirty="0">
+                <a:latin typeface="Arial" panose="020B0604020202020204" pitchFamily="34" charset="0"/>
+                <a:cs typeface="Arial" panose="020B0604020202020204" pitchFamily="34" charset="0"/>
+              </a:rPr>
               <a:t> for example that's already in the system. You can combine it with </a:t>
             </a:r>
             <a:r>
-              <a:rPr lang="en-IN" dirty="0" err="1"/>
+              <a:rPr lang="en-IN" dirty="0" err="1">
+                <a:latin typeface="Arial" panose="020B0604020202020204" pitchFamily="34" charset="0"/>
+                <a:cs typeface="Arial" panose="020B0604020202020204" pitchFamily="34" charset="0"/>
+              </a:rPr>
               <a:t>LibsModule</a:t>
             </a:r>
             <a:r>
-              <a:rPr lang="en-IN" dirty="0"/>
+              <a:rPr lang="en-IN" dirty="0">
+                <a:latin typeface="Arial" panose="020B0604020202020204" pitchFamily="34" charset="0"/>
+                <a:cs typeface="Arial" panose="020B0604020202020204" pitchFamily="34" charset="0"/>
+              </a:rPr>
               <a:t> using the command:</a:t>
             </a:r>
           </a:p>
           <a:p>
             <a:r>
-              <a:rPr lang="en-IN" dirty="0" err="1"/>
+              <a:rPr lang="en-IN" dirty="0" err="1">
+                <a:latin typeface="Arial" panose="020B0604020202020204" pitchFamily="34" charset="0"/>
+                <a:cs typeface="Arial" panose="020B0604020202020204" pitchFamily="34" charset="0"/>
+              </a:rPr>
               <a:t>target_link_libraries</a:t>
             </a:r>
             <a:r>
-              <a:rPr lang="en-IN" dirty="0"/>
+              <a:rPr lang="en-IN" dirty="0">
+                <a:latin typeface="Arial" panose="020B0604020202020204" pitchFamily="34" charset="0"/>
+                <a:cs typeface="Arial" panose="020B0604020202020204" pitchFamily="34" charset="0"/>
+              </a:rPr>
               <a:t>(</a:t>
             </a:r>
             <a:r>
-              <a:rPr lang="en-IN" dirty="0" err="1"/>
+              <a:rPr lang="en-IN" dirty="0" err="1">
+                <a:latin typeface="Arial" panose="020B0604020202020204" pitchFamily="34" charset="0"/>
+                <a:cs typeface="Arial" panose="020B0604020202020204" pitchFamily="34" charset="0"/>
+              </a:rPr>
               <a:t>LibsModule</a:t>
             </a:r>
             <a:r>
-              <a:rPr lang="en-IN" dirty="0"/>
+              <a:rPr lang="en-IN" dirty="0">
+                <a:latin typeface="Arial" panose="020B0604020202020204" pitchFamily="34" charset="0"/>
+                <a:cs typeface="Arial" panose="020B0604020202020204" pitchFamily="34" charset="0"/>
+              </a:rPr>
               <a:t> -</a:t>
             </a:r>
             <a:r>
-              <a:rPr lang="en-IN" dirty="0" err="1"/>
+              <a:rPr lang="en-IN" dirty="0" err="1">
+                <a:latin typeface="Arial" panose="020B0604020202020204" pitchFamily="34" charset="0"/>
+                <a:cs typeface="Arial" panose="020B0604020202020204" pitchFamily="34" charset="0"/>
+              </a:rPr>
               <a:t>lpthread</a:t>
             </a:r>
             <a:r>
-              <a:rPr lang="en-IN" dirty="0"/>
+              <a:rPr lang="en-IN" dirty="0">
+                <a:latin typeface="Arial" panose="020B0604020202020204" pitchFamily="34" charset="0"/>
+                <a:cs typeface="Arial" panose="020B0604020202020204" pitchFamily="34" charset="0"/>
+              </a:rPr>
               <a:t>)</a:t>
             </a:r>
           </a:p>
           <a:p>
-            <a:endParaRPr lang="en-IN" dirty="0"/>
-          </a:p>
-          <a:p>
-            <a:r>
-              <a:rPr lang="en-IN" dirty="0"/>
+            <a:endParaRPr lang="en-IN" dirty="0">
+              <a:latin typeface="Arial" panose="020B0604020202020204" pitchFamily="34" charset="0"/>
+              <a:cs typeface="Arial" panose="020B0604020202020204" pitchFamily="34" charset="0"/>
+            </a:endParaRPr>
+          </a:p>
+          <a:p>
+            <a:r>
+              <a:rPr lang="en-IN" dirty="0">
+                <a:latin typeface="Arial" panose="020B0604020202020204" pitchFamily="34" charset="0"/>
+                <a:cs typeface="Arial" panose="020B0604020202020204" pitchFamily="34" charset="0"/>
+              </a:rPr>
               <a:t>And if you want to link a static library to that too, you do this:</a:t>
             </a:r>
           </a:p>
           <a:p>
             <a:r>
-              <a:rPr lang="en-IN" dirty="0" err="1"/>
+              <a:rPr lang="en-IN" dirty="0" err="1">
+                <a:latin typeface="Arial" panose="020B0604020202020204" pitchFamily="34" charset="0"/>
+                <a:cs typeface="Arial" panose="020B0604020202020204" pitchFamily="34" charset="0"/>
+              </a:rPr>
               <a:t>target_link_libraries</a:t>
             </a:r>
             <a:r>
-              <a:rPr lang="en-IN" dirty="0"/>
+              <a:rPr lang="en-IN" dirty="0">
+                <a:latin typeface="Arial" panose="020B0604020202020204" pitchFamily="34" charset="0"/>
+                <a:cs typeface="Arial" panose="020B0604020202020204" pitchFamily="34" charset="0"/>
+              </a:rPr>
               <a:t>(</a:t>
             </a:r>
             <a:r>
-              <a:rPr lang="en-IN" dirty="0" err="1"/>
+              <a:rPr lang="en-IN" dirty="0" err="1">
+                <a:latin typeface="Arial" panose="020B0604020202020204" pitchFamily="34" charset="0"/>
+                <a:cs typeface="Arial" panose="020B0604020202020204" pitchFamily="34" charset="0"/>
+              </a:rPr>
               <a:t>LibsModule</a:t>
             </a:r>
             <a:r>
-              <a:rPr lang="en-IN" dirty="0"/>
+              <a:rPr lang="en-IN" dirty="0">
+                <a:latin typeface="Arial" panose="020B0604020202020204" pitchFamily="34" charset="0"/>
+                <a:cs typeface="Arial" panose="020B0604020202020204" pitchFamily="34" charset="0"/>
+              </a:rPr>
               <a:t> </a:t>
             </a:r>
             <a:r>
-              <a:rPr lang="en-IN" dirty="0" err="1"/>
+              <a:rPr lang="en-IN" dirty="0" err="1">
+                <a:latin typeface="Arial" panose="020B0604020202020204" pitchFamily="34" charset="0"/>
+                <a:cs typeface="Arial" panose="020B0604020202020204" pitchFamily="34" charset="0"/>
+              </a:rPr>
               <a:t>liblapack.a</a:t>
             </a:r>
             <a:r>
-              <a:rPr lang="en-IN" dirty="0"/>
+              <a:rPr lang="en-IN" dirty="0">
+                <a:latin typeface="Arial" panose="020B0604020202020204" pitchFamily="34" charset="0"/>
+                <a:cs typeface="Arial" panose="020B0604020202020204" pitchFamily="34" charset="0"/>
+              </a:rPr>
               <a:t>)</a:t>
             </a:r>
           </a:p>
@@ -17905,421 +19966,6 @@
     <p:extLst>
       <p:ext uri="{BB962C8B-B14F-4D97-AF65-F5344CB8AC3E}">
         <p14:creationId xmlns:p14="http://schemas.microsoft.com/office/powerpoint/2010/main" val="3598228542"/>
-      </p:ext>
-    </p:extLst>
-  </p:cSld>
-  <p:clrMapOvr>
-    <a:masterClrMapping/>
-  </p:clrMapOvr>
-</p:sld>
-</file>
-
-<file path=ppt/slides/slide9.xml><?xml version="1.0" encoding="utf-8"?>
-<p:sld xmlns:a="http://schemas.openxmlformats.org/drawingml/2006/main" xmlns:r="http://schemas.openxmlformats.org/officeDocument/2006/relationships" xmlns:p="http://schemas.openxmlformats.org/presentationml/2006/main">
-  <p:cSld>
-    <p:spTree>
-      <p:nvGrpSpPr>
-        <p:cNvPr id="1" name=""/>
-        <p:cNvGrpSpPr/>
-        <p:nvPr/>
-      </p:nvGrpSpPr>
-      <p:grpSpPr>
-        <a:xfrm>
-          <a:off x="0" y="0"/>
-          <a:ext cx="0" cy="0"/>
-          <a:chOff x="0" y="0"/>
-          <a:chExt cx="0" cy="0"/>
-        </a:xfrm>
-      </p:grpSpPr>
-      <p:sp>
-        <p:nvSpPr>
-          <p:cNvPr id="2" name="Rectangle 1">
-            <a:extLst>
-              <a:ext uri="{FF2B5EF4-FFF2-40B4-BE49-F238E27FC236}">
-                <a16:creationId xmlns:a16="http://schemas.microsoft.com/office/drawing/2014/main" id="{D2D9BF38-E029-4060-9B99-1DD4AD705C1E}"/>
-              </a:ext>
-            </a:extLst>
-          </p:cNvPr>
-          <p:cNvSpPr/>
-          <p:nvPr/>
-        </p:nvSpPr>
-        <p:spPr>
-          <a:xfrm>
-            <a:off x="411061" y="2690336"/>
-            <a:ext cx="4723001" cy="1477328"/>
-          </a:xfrm>
-          <a:prstGeom prst="rect">
-            <a:avLst/>
-          </a:prstGeom>
-        </p:spPr>
-        <p:txBody>
-          <a:bodyPr wrap="square">
-            <a:spAutoFit/>
-          </a:bodyPr>
-          <a:lstStyle/>
-          <a:p>
-            <a:r>
-              <a:rPr lang="en-IN" dirty="0">
-                <a:solidFill>
-                  <a:srgbClr val="0000FF"/>
-                </a:solidFill>
-                <a:latin typeface="Consolas" panose="020B0609020204030204" pitchFamily="49" charset="0"/>
-              </a:rPr>
-              <a:t>set</a:t>
-            </a:r>
-            <a:r>
-              <a:rPr lang="en-IN" dirty="0">
-                <a:solidFill>
-                  <a:srgbClr val="000000"/>
-                </a:solidFill>
-                <a:latin typeface="Consolas" panose="020B0609020204030204" pitchFamily="49" charset="0"/>
-              </a:rPr>
-              <a:t>(LOGGER_LIB_FILES</a:t>
-            </a:r>
-          </a:p>
-          <a:p>
-            <a:r>
-              <a:rPr lang="en-IN" dirty="0">
-                <a:solidFill>
-                  <a:srgbClr val="000000"/>
-                </a:solidFill>
-                <a:latin typeface="Consolas" panose="020B0609020204030204" pitchFamily="49" charset="0"/>
-              </a:rPr>
-              <a:t>    util/logger/Logger.cpp</a:t>
-            </a:r>
-          </a:p>
-          <a:p>
-            <a:r>
-              <a:rPr lang="en-IN" dirty="0">
-                <a:solidFill>
-                  <a:srgbClr val="000000"/>
-                </a:solidFill>
-                <a:latin typeface="Consolas" panose="020B0609020204030204" pitchFamily="49" charset="0"/>
-              </a:rPr>
-              <a:t>    util/logger/LoggerStdOut.cpp</a:t>
-            </a:r>
-          </a:p>
-          <a:p>
-            <a:r>
-              <a:rPr lang="en-IN" dirty="0">
-                <a:solidFill>
-                  <a:srgbClr val="000000"/>
-                </a:solidFill>
-                <a:latin typeface="Consolas" panose="020B0609020204030204" pitchFamily="49" charset="0"/>
-              </a:rPr>
-              <a:t>    util/logger/LoggerToFile.cpp</a:t>
-            </a:r>
-          </a:p>
-          <a:p>
-            <a:r>
-              <a:rPr lang="en-IN" dirty="0">
-                <a:solidFill>
-                  <a:srgbClr val="000000"/>
-                </a:solidFill>
-                <a:latin typeface="Consolas" panose="020B0609020204030204" pitchFamily="49" charset="0"/>
-              </a:rPr>
-              <a:t>    )</a:t>
-            </a:r>
-            <a:endParaRPr lang="en-IN" dirty="0"/>
-          </a:p>
-        </p:txBody>
-      </p:sp>
-      <p:sp>
-        <p:nvSpPr>
-          <p:cNvPr id="3" name="Rectangle 2">
-            <a:extLst>
-              <a:ext uri="{FF2B5EF4-FFF2-40B4-BE49-F238E27FC236}">
-                <a16:creationId xmlns:a16="http://schemas.microsoft.com/office/drawing/2014/main" id="{385E5301-EE42-440C-911B-6FD8AB676A5E}"/>
-              </a:ext>
-            </a:extLst>
-          </p:cNvPr>
-          <p:cNvSpPr/>
-          <p:nvPr/>
-        </p:nvSpPr>
-        <p:spPr>
-          <a:xfrm>
-            <a:off x="411060" y="4787746"/>
-            <a:ext cx="8800051" cy="646331"/>
-          </a:xfrm>
-          <a:prstGeom prst="rect">
-            <a:avLst/>
-          </a:prstGeom>
-        </p:spPr>
-        <p:txBody>
-          <a:bodyPr wrap="square">
-            <a:spAutoFit/>
-          </a:bodyPr>
-          <a:lstStyle/>
-          <a:p>
-            <a:r>
-              <a:rPr lang="en-IN" dirty="0" err="1">
-                <a:solidFill>
-                  <a:srgbClr val="0000FF"/>
-                </a:solidFill>
-                <a:latin typeface="Consolas" panose="020B0609020204030204" pitchFamily="49" charset="0"/>
-              </a:rPr>
-              <a:t>add_library</a:t>
-            </a:r>
-            <a:r>
-              <a:rPr lang="en-IN" dirty="0">
-                <a:solidFill>
-                  <a:srgbClr val="000000"/>
-                </a:solidFill>
-                <a:latin typeface="Consolas" panose="020B0609020204030204" pitchFamily="49" charset="0"/>
-              </a:rPr>
-              <a:t>(logger SHARED </a:t>
-            </a:r>
-            <a:r>
-              <a:rPr lang="en-IN" b="1" dirty="0">
-                <a:solidFill>
-                  <a:srgbClr val="008800"/>
-                </a:solidFill>
-                <a:latin typeface="Consolas" panose="020B0609020204030204" pitchFamily="49" charset="0"/>
-              </a:rPr>
-              <a:t>${LOGGER_LIB_FILES}</a:t>
-            </a:r>
-            <a:r>
-              <a:rPr lang="en-IN" dirty="0">
-                <a:solidFill>
-                  <a:srgbClr val="000000"/>
-                </a:solidFill>
-                <a:latin typeface="Consolas" panose="020B0609020204030204" pitchFamily="49" charset="0"/>
-              </a:rPr>
-              <a:t>)</a:t>
-            </a:r>
-          </a:p>
-          <a:p>
-            <a:r>
-              <a:rPr lang="fr-FR" dirty="0" err="1">
-                <a:solidFill>
-                  <a:srgbClr val="0000FF"/>
-                </a:solidFill>
-                <a:latin typeface="Consolas" panose="020B0609020204030204" pitchFamily="49" charset="0"/>
-              </a:rPr>
-              <a:t>target_compile_definitions</a:t>
-            </a:r>
-            <a:r>
-              <a:rPr lang="fr-FR" dirty="0">
-                <a:solidFill>
-                  <a:srgbClr val="000000"/>
-                </a:solidFill>
-                <a:latin typeface="Consolas" panose="020B0609020204030204" pitchFamily="49" charset="0"/>
-              </a:rPr>
-              <a:t>(logger </a:t>
-            </a:r>
-            <a:r>
-              <a:rPr lang="fr-FR" dirty="0">
-                <a:solidFill>
-                  <a:srgbClr val="0000FF"/>
-                </a:solidFill>
-                <a:latin typeface="Consolas" panose="020B0609020204030204" pitchFamily="49" charset="0"/>
-              </a:rPr>
-              <a:t>PRIVATE</a:t>
-            </a:r>
-            <a:r>
-              <a:rPr lang="fr-FR" dirty="0">
-                <a:solidFill>
-                  <a:srgbClr val="000000"/>
-                </a:solidFill>
-                <a:latin typeface="Consolas" panose="020B0609020204030204" pitchFamily="49" charset="0"/>
-              </a:rPr>
-              <a:t> LOGGER_LIB_EXPORT=1)</a:t>
-            </a:r>
-          </a:p>
-        </p:txBody>
-      </p:sp>
-      <p:sp>
-        <p:nvSpPr>
-          <p:cNvPr id="4" name="Rectangle 3">
-            <a:extLst>
-              <a:ext uri="{FF2B5EF4-FFF2-40B4-BE49-F238E27FC236}">
-                <a16:creationId xmlns:a16="http://schemas.microsoft.com/office/drawing/2014/main" id="{D62D86BC-8C1A-45F2-AF1A-74EA4AB6E41A}"/>
-              </a:ext>
-            </a:extLst>
-          </p:cNvPr>
-          <p:cNvSpPr/>
-          <p:nvPr/>
-        </p:nvSpPr>
-        <p:spPr>
-          <a:xfrm>
-            <a:off x="411060" y="5730993"/>
-            <a:ext cx="10125512" cy="369332"/>
-          </a:xfrm>
-          <a:prstGeom prst="rect">
-            <a:avLst/>
-          </a:prstGeom>
-        </p:spPr>
-        <p:txBody>
-          <a:bodyPr wrap="square">
-            <a:spAutoFit/>
-          </a:bodyPr>
-          <a:lstStyle/>
-          <a:p>
-            <a:r>
-              <a:rPr lang="en-IN" dirty="0" err="1">
-                <a:solidFill>
-                  <a:srgbClr val="0000FF"/>
-                </a:solidFill>
-                <a:latin typeface="Consolas" panose="020B0609020204030204" pitchFamily="49" charset="0"/>
-              </a:rPr>
-              <a:t>target_link_libraries</a:t>
-            </a:r>
-            <a:r>
-              <a:rPr lang="en-IN" dirty="0">
-                <a:solidFill>
-                  <a:srgbClr val="000000"/>
-                </a:solidFill>
-                <a:latin typeface="Consolas" panose="020B0609020204030204" pitchFamily="49" charset="0"/>
-              </a:rPr>
-              <a:t>(</a:t>
-            </a:r>
-            <a:r>
-              <a:rPr lang="en-IN" dirty="0" err="1">
-                <a:solidFill>
-                  <a:srgbClr val="000000"/>
-                </a:solidFill>
-                <a:latin typeface="Consolas" panose="020B0609020204030204" pitchFamily="49" charset="0"/>
-              </a:rPr>
-              <a:t>mytarget</a:t>
-            </a:r>
-            <a:r>
-              <a:rPr lang="en-IN" dirty="0">
-                <a:solidFill>
-                  <a:srgbClr val="000000"/>
-                </a:solidFill>
-                <a:latin typeface="Consolas" panose="020B0609020204030204" pitchFamily="49" charset="0"/>
-              </a:rPr>
-              <a:t> ${MYLIB_LIBRARIES} logger)</a:t>
-            </a:r>
-            <a:endParaRPr lang="en-IN" dirty="0"/>
-          </a:p>
-        </p:txBody>
-      </p:sp>
-      <p:sp>
-        <p:nvSpPr>
-          <p:cNvPr id="5" name="Rectangle 4">
-            <a:extLst>
-              <a:ext uri="{FF2B5EF4-FFF2-40B4-BE49-F238E27FC236}">
-                <a16:creationId xmlns:a16="http://schemas.microsoft.com/office/drawing/2014/main" id="{D4D654AE-FD10-469D-BEFE-0DEE128E022A}"/>
-              </a:ext>
-            </a:extLst>
-          </p:cNvPr>
-          <p:cNvSpPr/>
-          <p:nvPr/>
-        </p:nvSpPr>
-        <p:spPr>
-          <a:xfrm>
-            <a:off x="2821497" y="756917"/>
-            <a:ext cx="8411362" cy="830997"/>
-          </a:xfrm>
-          <a:prstGeom prst="rect">
-            <a:avLst/>
-          </a:prstGeom>
-        </p:spPr>
-        <p:txBody>
-          <a:bodyPr wrap="square">
-            <a:spAutoFit/>
-          </a:bodyPr>
-          <a:lstStyle/>
-          <a:p>
-            <a:r>
-              <a:rPr lang="en-IN" sz="2400" dirty="0"/>
-              <a:t>Creating shared library(</a:t>
-            </a:r>
-            <a:r>
-              <a:rPr lang="en-IN" sz="2400" dirty="0" err="1"/>
-              <a:t>dll</a:t>
-            </a:r>
-            <a:r>
-              <a:rPr lang="en-IN" sz="2400" dirty="0"/>
-              <a:t>) from given source files.</a:t>
-            </a:r>
-          </a:p>
-          <a:p>
-            <a:r>
-              <a:rPr lang="en-IN" sz="2400" dirty="0"/>
-              <a:t>Using this shared library in another project</a:t>
-            </a:r>
-          </a:p>
-        </p:txBody>
-      </p:sp>
-      <p:sp>
-        <p:nvSpPr>
-          <p:cNvPr id="7" name="Rectangle 6">
-            <a:extLst>
-              <a:ext uri="{FF2B5EF4-FFF2-40B4-BE49-F238E27FC236}">
-                <a16:creationId xmlns:a16="http://schemas.microsoft.com/office/drawing/2014/main" id="{F08A9AC9-50B0-44D4-810A-CF6801A03DED}"/>
-              </a:ext>
-            </a:extLst>
-          </p:cNvPr>
-          <p:cNvSpPr/>
-          <p:nvPr/>
-        </p:nvSpPr>
-        <p:spPr>
-          <a:xfrm>
-            <a:off x="5964572" y="2281806"/>
-            <a:ext cx="5816367" cy="1477328"/>
-          </a:xfrm>
-          <a:prstGeom prst="rect">
-            <a:avLst/>
-          </a:prstGeom>
-        </p:spPr>
-        <p:style>
-          <a:lnRef idx="2">
-            <a:schemeClr val="accent1">
-              <a:shade val="50000"/>
-            </a:schemeClr>
-          </a:lnRef>
-          <a:fillRef idx="1">
-            <a:schemeClr val="accent1"/>
-          </a:fillRef>
-          <a:effectRef idx="0">
-            <a:schemeClr val="accent1"/>
-          </a:effectRef>
-          <a:fontRef idx="minor">
-            <a:schemeClr val="lt1"/>
-          </a:fontRef>
-        </p:style>
-        <p:txBody>
-          <a:bodyPr rtlCol="0" anchor="ctr"/>
-          <a:lstStyle/>
-          <a:p>
-            <a:pPr algn="ctr"/>
-            <a:endParaRPr lang="en-IN" dirty="0"/>
-          </a:p>
-          <a:p>
-            <a:pPr algn="ctr"/>
-            <a:r>
-              <a:rPr lang="en-IN" dirty="0"/>
-              <a:t>Specifies compile definitions to use when compiling a given &lt;target&gt;. The named &lt;target&gt; must have been created by a command such as </a:t>
-            </a:r>
-            <a:r>
-              <a:rPr lang="en-IN" dirty="0" err="1"/>
-              <a:t>add_executable</a:t>
-            </a:r>
-            <a:r>
-              <a:rPr lang="en-IN" dirty="0"/>
-              <a:t>() or </a:t>
-            </a:r>
-            <a:r>
-              <a:rPr lang="en-IN" dirty="0" err="1"/>
-              <a:t>add_library</a:t>
-            </a:r>
-            <a:r>
-              <a:rPr lang="en-IN" dirty="0"/>
-              <a:t>() </a:t>
-            </a:r>
-          </a:p>
-          <a:p>
-            <a:pPr algn="ctr"/>
-            <a:endParaRPr lang="en-IN" dirty="0"/>
-          </a:p>
-        </p:txBody>
-      </p:sp>
-    </p:spTree>
-    <p:extLst>
-      <p:ext uri="{BB962C8B-B14F-4D97-AF65-F5344CB8AC3E}">
-        <p14:creationId xmlns:p14="http://schemas.microsoft.com/office/powerpoint/2010/main" val="209094426"/>
       </p:ext>
     </p:extLst>
   </p:cSld>

--- a/learnings.pptx
+++ b/learnings.pptx
@@ -8,21 +8,26 @@
     <p:sldId id="256" r:id="rId2"/>
     <p:sldId id="276" r:id="rId3"/>
     <p:sldId id="260" r:id="rId4"/>
-    <p:sldId id="261" r:id="rId5"/>
-    <p:sldId id="262" r:id="rId6"/>
-    <p:sldId id="263" r:id="rId7"/>
-    <p:sldId id="264" r:id="rId8"/>
+    <p:sldId id="279" r:id="rId5"/>
+    <p:sldId id="277" r:id="rId6"/>
+    <p:sldId id="269" r:id="rId7"/>
+    <p:sldId id="281" r:id="rId8"/>
     <p:sldId id="265" r:id="rId9"/>
-    <p:sldId id="268" r:id="rId10"/>
-    <p:sldId id="266" r:id="rId11"/>
-    <p:sldId id="267" r:id="rId12"/>
-    <p:sldId id="269" r:id="rId13"/>
-    <p:sldId id="270" r:id="rId14"/>
-    <p:sldId id="271" r:id="rId15"/>
-    <p:sldId id="274" r:id="rId16"/>
-    <p:sldId id="273" r:id="rId17"/>
-    <p:sldId id="275" r:id="rId18"/>
-    <p:sldId id="272" r:id="rId19"/>
+    <p:sldId id="280" r:id="rId10"/>
+    <p:sldId id="278" r:id="rId11"/>
+    <p:sldId id="261" r:id="rId12"/>
+    <p:sldId id="262" r:id="rId13"/>
+    <p:sldId id="263" r:id="rId14"/>
+    <p:sldId id="264" r:id="rId15"/>
+    <p:sldId id="268" r:id="rId16"/>
+    <p:sldId id="266" r:id="rId17"/>
+    <p:sldId id="267" r:id="rId18"/>
+    <p:sldId id="270" r:id="rId19"/>
+    <p:sldId id="271" r:id="rId20"/>
+    <p:sldId id="274" r:id="rId21"/>
+    <p:sldId id="273" r:id="rId22"/>
+    <p:sldId id="275" r:id="rId23"/>
+    <p:sldId id="272" r:id="rId24"/>
   </p:sldIdLst>
   <p:sldSz cx="12192000" cy="6858000"/>
   <p:notesSz cx="6858000" cy="9144000"/>
@@ -2476,7 +2481,7 @@
           <a:p>
             <a:fld id="{3C04E684-10F4-4CC3-A0B9-F03AA7BE37CF}" type="datetimeFigureOut">
               <a:rPr lang="en-US" smtClean="0"/>
-              <a:t>5/4/2020</a:t>
+              <a:t>6/21/2020</a:t>
             </a:fld>
             <a:endParaRPr lang="en-US"/>
           </a:p>
@@ -4966,7 +4971,7 @@
           <a:p>
             <a:fld id="{3C04E684-10F4-4CC3-A0B9-F03AA7BE37CF}" type="datetimeFigureOut">
               <a:rPr lang="en-US" smtClean="0"/>
-              <a:t>5/4/2020</a:t>
+              <a:t>6/21/2020</a:t>
             </a:fld>
             <a:endParaRPr lang="en-US"/>
           </a:p>
@@ -5164,7 +5169,7 @@
           <a:p>
             <a:fld id="{3C04E684-10F4-4CC3-A0B9-F03AA7BE37CF}" type="datetimeFigureOut">
               <a:rPr lang="en-US" smtClean="0"/>
-              <a:t>5/4/2020</a:t>
+              <a:t>6/21/2020</a:t>
             </a:fld>
             <a:endParaRPr lang="en-US"/>
           </a:p>
@@ -5372,7 +5377,7 @@
           <a:p>
             <a:fld id="{3C04E684-10F4-4CC3-A0B9-F03AA7BE37CF}" type="datetimeFigureOut">
               <a:rPr lang="en-US" smtClean="0"/>
-              <a:t>5/4/2020</a:t>
+              <a:t>6/21/2020</a:t>
             </a:fld>
             <a:endParaRPr lang="en-US"/>
           </a:p>
@@ -6109,7 +6114,7 @@
           <a:p>
             <a:fld id="{3C04E684-10F4-4CC3-A0B9-F03AA7BE37CF}" type="datetimeFigureOut">
               <a:rPr lang="en-US" smtClean="0"/>
-              <a:t>5/4/2020</a:t>
+              <a:t>6/21/2020</a:t>
             </a:fld>
             <a:endParaRPr lang="en-US"/>
           </a:p>
@@ -6751,7 +6756,7 @@
           <a:p>
             <a:fld id="{3C04E684-10F4-4CC3-A0B9-F03AA7BE37CF}" type="datetimeFigureOut">
               <a:rPr lang="en-US" smtClean="0"/>
-              <a:t>5/4/2020</a:t>
+              <a:t>6/21/2020</a:t>
             </a:fld>
             <a:endParaRPr lang="en-US"/>
           </a:p>
@@ -7551,7 +7556,7 @@
           <a:p>
             <a:fld id="{3C04E684-10F4-4CC3-A0B9-F03AA7BE37CF}" type="datetimeFigureOut">
               <a:rPr lang="en-US" smtClean="0"/>
-              <a:t>5/4/2020</a:t>
+              <a:t>6/21/2020</a:t>
             </a:fld>
             <a:endParaRPr lang="en-US"/>
           </a:p>
@@ -8502,7 +8507,7 @@
           <a:p>
             <a:fld id="{3C04E684-10F4-4CC3-A0B9-F03AA7BE37CF}" type="datetimeFigureOut">
               <a:rPr lang="en-US" smtClean="0"/>
-              <a:t>5/4/2020</a:t>
+              <a:t>6/21/2020</a:t>
             </a:fld>
             <a:endParaRPr lang="en-US"/>
           </a:p>
@@ -10851,7 +10856,7 @@
           <a:p>
             <a:fld id="{3C04E684-10F4-4CC3-A0B9-F03AA7BE37CF}" type="datetimeFigureOut">
               <a:rPr lang="en-US" smtClean="0"/>
-              <a:t>5/4/2020</a:t>
+              <a:t>6/21/2020</a:t>
             </a:fld>
             <a:endParaRPr lang="en-US"/>
           </a:p>
@@ -10964,7 +10969,7 @@
           <a:p>
             <a:fld id="{3C04E684-10F4-4CC3-A0B9-F03AA7BE37CF}" type="datetimeFigureOut">
               <a:rPr lang="en-US" smtClean="0"/>
-              <a:t>5/4/2020</a:t>
+              <a:t>6/21/2020</a:t>
             </a:fld>
             <a:endParaRPr lang="en-US"/>
           </a:p>
@@ -11471,7 +11476,7 @@
           <a:p>
             <a:fld id="{3C04E684-10F4-4CC3-A0B9-F03AA7BE37CF}" type="datetimeFigureOut">
               <a:rPr lang="en-US" smtClean="0"/>
-              <a:t>5/4/2020</a:t>
+              <a:t>6/21/2020</a:t>
             </a:fld>
             <a:endParaRPr lang="en-US"/>
           </a:p>
@@ -12774,7 +12779,7 @@
           <a:p>
             <a:fld id="{3C04E684-10F4-4CC3-A0B9-F03AA7BE37CF}" type="datetimeFigureOut">
               <a:rPr lang="en-US" smtClean="0"/>
-              <a:t>5/4/2020</a:t>
+              <a:t>6/21/2020</a:t>
             </a:fld>
             <a:endParaRPr lang="en-US"/>
           </a:p>
@@ -13021,7 +13026,7 @@
           <a:p>
             <a:fld id="{3C04E684-10F4-4CC3-A0B9-F03AA7BE37CF}" type="datetimeFigureOut">
               <a:rPr lang="en-US" smtClean="0"/>
-              <a:t>5/4/2020</a:t>
+              <a:t>6/21/2020</a:t>
             </a:fld>
             <a:endParaRPr lang="en-US"/>
           </a:p>
@@ -14087,6 +14092,2729 @@
       </p:grpSpPr>
       <p:sp>
         <p:nvSpPr>
+          <p:cNvPr id="8" name="TextBox 7">
+            <a:extLst>
+              <a:ext uri="{FF2B5EF4-FFF2-40B4-BE49-F238E27FC236}">
+                <a16:creationId xmlns:a16="http://schemas.microsoft.com/office/drawing/2014/main" id="{135D5769-DD77-47AF-A9BD-6309DA210FFA}"/>
+              </a:ext>
+            </a:extLst>
+          </p:cNvPr>
+          <p:cNvSpPr txBox="1"/>
+          <p:nvPr/>
+        </p:nvSpPr>
+        <p:spPr>
+          <a:xfrm>
+            <a:off x="2701255" y="845958"/>
+            <a:ext cx="6096000" cy="461665"/>
+          </a:xfrm>
+          <a:prstGeom prst="rect">
+            <a:avLst/>
+          </a:prstGeom>
+          <a:noFill/>
+        </p:spPr>
+        <p:txBody>
+          <a:bodyPr wrap="square" rtlCol="0">
+            <a:spAutoFit/>
+          </a:bodyPr>
+          <a:lstStyle/>
+          <a:p>
+            <a:r>
+              <a:rPr lang="en-IN" sz="2400" dirty="0"/>
+              <a:t>functions</a:t>
+            </a:r>
+          </a:p>
+        </p:txBody>
+      </p:sp>
+      <p:sp>
+        <p:nvSpPr>
+          <p:cNvPr id="10" name="Rectangle: Rounded Corners 9">
+            <a:extLst>
+              <a:ext uri="{FF2B5EF4-FFF2-40B4-BE49-F238E27FC236}">
+                <a16:creationId xmlns:a16="http://schemas.microsoft.com/office/drawing/2014/main" id="{59BEE6E4-97F1-48DD-9C94-10453ED0ABDB}"/>
+              </a:ext>
+            </a:extLst>
+          </p:cNvPr>
+          <p:cNvSpPr/>
+          <p:nvPr/>
+        </p:nvSpPr>
+        <p:spPr>
+          <a:xfrm>
+            <a:off x="7626990" y="576322"/>
+            <a:ext cx="2340529" cy="369332"/>
+          </a:xfrm>
+          <a:prstGeom prst="roundRect">
+            <a:avLst/>
+          </a:prstGeom>
+        </p:spPr>
+        <p:style>
+          <a:lnRef idx="2">
+            <a:schemeClr val="accent1">
+              <a:shade val="50000"/>
+            </a:schemeClr>
+          </a:lnRef>
+          <a:fillRef idx="1">
+            <a:schemeClr val="accent1"/>
+          </a:fillRef>
+          <a:effectRef idx="0">
+            <a:schemeClr val="accent1"/>
+          </a:effectRef>
+          <a:fontRef idx="minor">
+            <a:schemeClr val="lt1"/>
+          </a:fontRef>
+        </p:style>
+        <p:txBody>
+          <a:bodyPr rtlCol="0" anchor="ctr"/>
+          <a:lstStyle/>
+          <a:p>
+            <a:pPr algn="ctr"/>
+            <a:r>
+              <a:rPr lang="en-IN" dirty="0"/>
+              <a:t>Example</a:t>
+            </a:r>
+          </a:p>
+        </p:txBody>
+      </p:sp>
+      <p:sp>
+        <p:nvSpPr>
+          <p:cNvPr id="2" name="Rectangle 1">
+            <a:extLst>
+              <a:ext uri="{FF2B5EF4-FFF2-40B4-BE49-F238E27FC236}">
+                <a16:creationId xmlns:a16="http://schemas.microsoft.com/office/drawing/2014/main" id="{92AF3811-050C-488D-94C9-9FD31995ECFE}"/>
+              </a:ext>
+            </a:extLst>
+          </p:cNvPr>
+          <p:cNvSpPr/>
+          <p:nvPr/>
+        </p:nvSpPr>
+        <p:spPr>
+          <a:xfrm>
+            <a:off x="5844333" y="1397675"/>
+            <a:ext cx="6666451" cy="2031325"/>
+          </a:xfrm>
+          <a:prstGeom prst="rect">
+            <a:avLst/>
+          </a:prstGeom>
+        </p:spPr>
+        <p:txBody>
+          <a:bodyPr wrap="square">
+            <a:spAutoFit/>
+          </a:bodyPr>
+          <a:lstStyle/>
+          <a:p>
+            <a:r>
+              <a:rPr lang="en-IN" dirty="0">
+                <a:solidFill>
+                  <a:srgbClr val="2B91AF"/>
+                </a:solidFill>
+                <a:latin typeface="Consolas" panose="020B0609020204030204" pitchFamily="49" charset="0"/>
+              </a:rPr>
+              <a:t>function</a:t>
+            </a:r>
+            <a:r>
+              <a:rPr lang="en-IN" dirty="0">
+                <a:solidFill>
+                  <a:srgbClr val="000000"/>
+                </a:solidFill>
+                <a:latin typeface="Consolas" panose="020B0609020204030204" pitchFamily="49" charset="0"/>
+              </a:rPr>
+              <a:t>(foo)</a:t>
+            </a:r>
+          </a:p>
+          <a:p>
+            <a:r>
+              <a:rPr lang="en-IN" dirty="0">
+                <a:solidFill>
+                  <a:srgbClr val="0000FF"/>
+                </a:solidFill>
+                <a:latin typeface="Consolas" panose="020B0609020204030204" pitchFamily="49" charset="0"/>
+              </a:rPr>
+              <a:t>    message</a:t>
+            </a:r>
+            <a:r>
+              <a:rPr lang="en-IN" dirty="0">
+                <a:solidFill>
+                  <a:srgbClr val="000000"/>
+                </a:solidFill>
+                <a:latin typeface="Consolas" panose="020B0609020204030204" pitchFamily="49" charset="0"/>
+              </a:rPr>
+              <a:t>(</a:t>
+            </a:r>
+            <a:r>
+              <a:rPr lang="en-IN" dirty="0">
+                <a:solidFill>
+                  <a:srgbClr val="0000FF"/>
+                </a:solidFill>
+                <a:latin typeface="Consolas" panose="020B0609020204030204" pitchFamily="49" charset="0"/>
+              </a:rPr>
+              <a:t>STATUS</a:t>
+            </a:r>
+            <a:r>
+              <a:rPr lang="en-IN" dirty="0">
+                <a:solidFill>
+                  <a:srgbClr val="000000"/>
+                </a:solidFill>
+                <a:latin typeface="Consolas" panose="020B0609020204030204" pitchFamily="49" charset="0"/>
+              </a:rPr>
+              <a:t> </a:t>
+            </a:r>
+            <a:r>
+              <a:rPr lang="en-IN" dirty="0">
+                <a:solidFill>
+                  <a:srgbClr val="A31515"/>
+                </a:solidFill>
+                <a:latin typeface="Consolas" panose="020B0609020204030204" pitchFamily="49" charset="0"/>
+              </a:rPr>
+              <a:t>"Girish informative message"</a:t>
+            </a:r>
+            <a:r>
+              <a:rPr lang="en-IN" dirty="0">
+                <a:solidFill>
+                  <a:srgbClr val="000000"/>
+                </a:solidFill>
+                <a:latin typeface="Consolas" panose="020B0609020204030204" pitchFamily="49" charset="0"/>
+              </a:rPr>
+              <a:t>)</a:t>
+            </a:r>
+          </a:p>
+          <a:p>
+            <a:r>
+              <a:rPr lang="en-IN" dirty="0" err="1">
+                <a:solidFill>
+                  <a:srgbClr val="2B91AF"/>
+                </a:solidFill>
+                <a:latin typeface="Consolas" panose="020B0609020204030204" pitchFamily="49" charset="0"/>
+              </a:rPr>
+              <a:t>endfunction</a:t>
+            </a:r>
+            <a:r>
+              <a:rPr lang="en-IN" dirty="0">
+                <a:solidFill>
+                  <a:srgbClr val="000000"/>
+                </a:solidFill>
+                <a:latin typeface="Consolas" panose="020B0609020204030204" pitchFamily="49" charset="0"/>
+              </a:rPr>
+              <a:t>()</a:t>
+            </a:r>
+          </a:p>
+          <a:p>
+            <a:endParaRPr lang="en-IN" dirty="0">
+              <a:solidFill>
+                <a:srgbClr val="000000"/>
+              </a:solidFill>
+              <a:latin typeface="Consolas" panose="020B0609020204030204" pitchFamily="49" charset="0"/>
+            </a:endParaRPr>
+          </a:p>
+          <a:p>
+            <a:r>
+              <a:rPr lang="en-IN" dirty="0">
+                <a:solidFill>
+                  <a:srgbClr val="000000"/>
+                </a:solidFill>
+                <a:latin typeface="Consolas" panose="020B0609020204030204" pitchFamily="49" charset="0"/>
+              </a:rPr>
+              <a:t>foo()</a:t>
+            </a:r>
+          </a:p>
+          <a:p>
+            <a:r>
+              <a:rPr lang="en-IN" dirty="0">
+                <a:solidFill>
+                  <a:srgbClr val="000000"/>
+                </a:solidFill>
+                <a:latin typeface="Consolas" panose="020B0609020204030204" pitchFamily="49" charset="0"/>
+              </a:rPr>
+              <a:t>Foo()</a:t>
+            </a:r>
+          </a:p>
+          <a:p>
+            <a:endParaRPr lang="en-IN" dirty="0">
+              <a:solidFill>
+                <a:srgbClr val="000000"/>
+              </a:solidFill>
+              <a:latin typeface="Consolas" panose="020B0609020204030204" pitchFamily="49" charset="0"/>
+            </a:endParaRPr>
+          </a:p>
+        </p:txBody>
+      </p:sp>
+      <p:sp>
+        <p:nvSpPr>
+          <p:cNvPr id="3" name="Rectangle 2">
+            <a:extLst>
+              <a:ext uri="{FF2B5EF4-FFF2-40B4-BE49-F238E27FC236}">
+                <a16:creationId xmlns:a16="http://schemas.microsoft.com/office/drawing/2014/main" id="{40CCB3B8-888B-4DCE-93EB-8050F44DC514}"/>
+              </a:ext>
+            </a:extLst>
+          </p:cNvPr>
+          <p:cNvSpPr/>
+          <p:nvPr/>
+        </p:nvSpPr>
+        <p:spPr>
+          <a:xfrm>
+            <a:off x="170575" y="1707373"/>
+            <a:ext cx="5282269" cy="3416320"/>
+          </a:xfrm>
+          <a:prstGeom prst="rect">
+            <a:avLst/>
+          </a:prstGeom>
+        </p:spPr>
+        <p:txBody>
+          <a:bodyPr wrap="square">
+            <a:spAutoFit/>
+          </a:bodyPr>
+          <a:lstStyle/>
+          <a:p>
+            <a:r>
+              <a:rPr lang="en-IN" dirty="0"/>
+              <a:t>Start recording a function for later invocation as a command.</a:t>
+            </a:r>
+          </a:p>
+          <a:p>
+            <a:endParaRPr lang="en-IN" dirty="0"/>
+          </a:p>
+          <a:p>
+            <a:r>
+              <a:rPr lang="en-IN" dirty="0"/>
+              <a:t>function(&lt;name&gt; [&lt;arg1&gt; ...])</a:t>
+            </a:r>
+          </a:p>
+          <a:p>
+            <a:r>
+              <a:rPr lang="en-IN" dirty="0"/>
+              <a:t>  &lt;commands&gt;</a:t>
+            </a:r>
+          </a:p>
+          <a:p>
+            <a:r>
+              <a:rPr lang="en-IN" dirty="0" err="1"/>
+              <a:t>endfunction</a:t>
+            </a:r>
+            <a:r>
+              <a:rPr lang="en-IN" dirty="0"/>
+              <a:t>()</a:t>
+            </a:r>
+          </a:p>
+          <a:p>
+            <a:endParaRPr lang="en-IN" dirty="0"/>
+          </a:p>
+          <a:p>
+            <a:r>
+              <a:rPr lang="en-IN" dirty="0"/>
+              <a:t>Defines a function named &lt;name&gt; that takes arguments named &lt;arg1&gt;, … The &lt;commands&gt; in the function definition are recorded; they are not executed until the function is invoked.</a:t>
+            </a:r>
+          </a:p>
+        </p:txBody>
+      </p:sp>
+      <p:sp>
+        <p:nvSpPr>
+          <p:cNvPr id="4" name="Rectangle 3">
+            <a:extLst>
+              <a:ext uri="{FF2B5EF4-FFF2-40B4-BE49-F238E27FC236}">
+                <a16:creationId xmlns:a16="http://schemas.microsoft.com/office/drawing/2014/main" id="{C44533D4-A15C-4202-B4F8-0C9997C3704E}"/>
+              </a:ext>
+            </a:extLst>
+          </p:cNvPr>
+          <p:cNvSpPr/>
+          <p:nvPr/>
+        </p:nvSpPr>
+        <p:spPr>
+          <a:xfrm>
+            <a:off x="5749255" y="3696355"/>
+            <a:ext cx="6096000" cy="2308324"/>
+          </a:xfrm>
+          <a:prstGeom prst="rect">
+            <a:avLst/>
+          </a:prstGeom>
+        </p:spPr>
+        <p:txBody>
+          <a:bodyPr>
+            <a:spAutoFit/>
+          </a:bodyPr>
+          <a:lstStyle/>
+          <a:p>
+            <a:r>
+              <a:rPr lang="en-IN" dirty="0">
+                <a:solidFill>
+                  <a:srgbClr val="2B91AF"/>
+                </a:solidFill>
+                <a:latin typeface="Consolas" panose="020B0609020204030204" pitchFamily="49" charset="0"/>
+              </a:rPr>
+              <a:t>function</a:t>
+            </a:r>
+            <a:r>
+              <a:rPr lang="en-IN" dirty="0">
+                <a:solidFill>
+                  <a:srgbClr val="000000"/>
+                </a:solidFill>
+                <a:latin typeface="Consolas" panose="020B0609020204030204" pitchFamily="49" charset="0"/>
+              </a:rPr>
+              <a:t>(foo ARG1 ARG2)</a:t>
+            </a:r>
+          </a:p>
+          <a:p>
+            <a:r>
+              <a:rPr lang="en-IN" dirty="0">
+                <a:solidFill>
+                  <a:srgbClr val="0000FF"/>
+                </a:solidFill>
+                <a:latin typeface="Consolas" panose="020B0609020204030204" pitchFamily="49" charset="0"/>
+              </a:rPr>
+              <a:t>  message</a:t>
+            </a:r>
+            <a:r>
+              <a:rPr lang="en-IN" dirty="0">
+                <a:solidFill>
+                  <a:srgbClr val="000000"/>
+                </a:solidFill>
+                <a:latin typeface="Consolas" panose="020B0609020204030204" pitchFamily="49" charset="0"/>
+              </a:rPr>
+              <a:t>(</a:t>
+            </a:r>
+            <a:r>
+              <a:rPr lang="en-IN" dirty="0">
+                <a:solidFill>
+                  <a:srgbClr val="0000FF"/>
+                </a:solidFill>
+                <a:latin typeface="Consolas" panose="020B0609020204030204" pitchFamily="49" charset="0"/>
+              </a:rPr>
+              <a:t>STATUS</a:t>
+            </a:r>
+            <a:r>
+              <a:rPr lang="en-IN" dirty="0">
+                <a:solidFill>
+                  <a:srgbClr val="000000"/>
+                </a:solidFill>
+                <a:latin typeface="Consolas" panose="020B0609020204030204" pitchFamily="49" charset="0"/>
+              </a:rPr>
+              <a:t> </a:t>
+            </a:r>
+            <a:r>
+              <a:rPr lang="en-IN" dirty="0">
+                <a:solidFill>
+                  <a:srgbClr val="A31515"/>
+                </a:solidFill>
+                <a:latin typeface="Consolas" panose="020B0609020204030204" pitchFamily="49" charset="0"/>
+              </a:rPr>
+              <a:t>"foo()"  </a:t>
+            </a:r>
+            <a:r>
+              <a:rPr lang="en-IN" b="1" dirty="0">
+                <a:solidFill>
+                  <a:srgbClr val="008800"/>
+                </a:solidFill>
+                <a:latin typeface="Consolas" panose="020B0609020204030204" pitchFamily="49" charset="0"/>
+              </a:rPr>
+              <a:t>${ARG1}</a:t>
+            </a:r>
+            <a:r>
+              <a:rPr lang="en-IN" dirty="0">
+                <a:solidFill>
+                  <a:srgbClr val="000000"/>
+                </a:solidFill>
+                <a:latin typeface="Consolas" panose="020B0609020204030204" pitchFamily="49" charset="0"/>
+              </a:rPr>
+              <a:t>  </a:t>
+            </a:r>
+            <a:r>
+              <a:rPr lang="en-IN" b="1" dirty="0">
+                <a:solidFill>
+                  <a:srgbClr val="008800"/>
+                </a:solidFill>
+                <a:latin typeface="Consolas" panose="020B0609020204030204" pitchFamily="49" charset="0"/>
+              </a:rPr>
+              <a:t>${ARG2}</a:t>
+            </a:r>
+            <a:r>
+              <a:rPr lang="en-IN" dirty="0">
+                <a:solidFill>
+                  <a:srgbClr val="000000"/>
+                </a:solidFill>
+                <a:latin typeface="Consolas" panose="020B0609020204030204" pitchFamily="49" charset="0"/>
+              </a:rPr>
+              <a:t>)</a:t>
+            </a:r>
+          </a:p>
+          <a:p>
+            <a:r>
+              <a:rPr lang="en-IN" dirty="0" err="1">
+                <a:solidFill>
+                  <a:srgbClr val="2B91AF"/>
+                </a:solidFill>
+                <a:latin typeface="Consolas" panose="020B0609020204030204" pitchFamily="49" charset="0"/>
+              </a:rPr>
+              <a:t>endfunction</a:t>
+            </a:r>
+            <a:r>
+              <a:rPr lang="en-IN" dirty="0">
+                <a:solidFill>
+                  <a:srgbClr val="000000"/>
+                </a:solidFill>
+                <a:latin typeface="Consolas" panose="020B0609020204030204" pitchFamily="49" charset="0"/>
+              </a:rPr>
+              <a:t>()</a:t>
+            </a:r>
+          </a:p>
+          <a:p>
+            <a:endParaRPr lang="en-IN" dirty="0">
+              <a:solidFill>
+                <a:srgbClr val="000000"/>
+              </a:solidFill>
+              <a:latin typeface="Consolas" panose="020B0609020204030204" pitchFamily="49" charset="0"/>
+            </a:endParaRPr>
+          </a:p>
+          <a:p>
+            <a:endParaRPr lang="en-IN" dirty="0">
+              <a:solidFill>
+                <a:srgbClr val="000000"/>
+              </a:solidFill>
+              <a:latin typeface="Consolas" panose="020B0609020204030204" pitchFamily="49" charset="0"/>
+            </a:endParaRPr>
+          </a:p>
+          <a:p>
+            <a:r>
+              <a:rPr lang="en-IN" dirty="0">
+                <a:solidFill>
+                  <a:srgbClr val="000000"/>
+                </a:solidFill>
+                <a:latin typeface="Consolas" panose="020B0609020204030204" pitchFamily="49" charset="0"/>
+              </a:rPr>
+              <a:t>foo(10 20)</a:t>
+            </a:r>
+          </a:p>
+          <a:p>
+            <a:r>
+              <a:rPr lang="en-IN" dirty="0">
+                <a:solidFill>
+                  <a:srgbClr val="000000"/>
+                </a:solidFill>
+                <a:latin typeface="Consolas" panose="020B0609020204030204" pitchFamily="49" charset="0"/>
+              </a:rPr>
+              <a:t>foo(</a:t>
+            </a:r>
+            <a:r>
+              <a:rPr lang="en-IN" dirty="0">
+                <a:solidFill>
+                  <a:srgbClr val="A31515"/>
+                </a:solidFill>
+                <a:latin typeface="Consolas" panose="020B0609020204030204" pitchFamily="49" charset="0"/>
+              </a:rPr>
+              <a:t>"GIRISH"</a:t>
+            </a:r>
+            <a:r>
+              <a:rPr lang="en-IN" dirty="0">
+                <a:solidFill>
+                  <a:srgbClr val="000000"/>
+                </a:solidFill>
+                <a:latin typeface="Consolas" panose="020B0609020204030204" pitchFamily="49" charset="0"/>
+              </a:rPr>
+              <a:t> </a:t>
+            </a:r>
+            <a:r>
+              <a:rPr lang="en-IN" dirty="0">
+                <a:solidFill>
+                  <a:srgbClr val="A31515"/>
+                </a:solidFill>
+                <a:latin typeface="Consolas" panose="020B0609020204030204" pitchFamily="49" charset="0"/>
+              </a:rPr>
+              <a:t>"AJIT"</a:t>
+            </a:r>
+            <a:r>
+              <a:rPr lang="en-IN" dirty="0">
+                <a:solidFill>
+                  <a:srgbClr val="000000"/>
+                </a:solidFill>
+                <a:latin typeface="Consolas" panose="020B0609020204030204" pitchFamily="49" charset="0"/>
+              </a:rPr>
+              <a:t>)</a:t>
+            </a:r>
+            <a:endParaRPr lang="en-IN" dirty="0"/>
+          </a:p>
+          <a:p>
+            <a:endParaRPr lang="en-IN" dirty="0"/>
+          </a:p>
+        </p:txBody>
+      </p:sp>
+    </p:spTree>
+    <p:extLst>
+      <p:ext uri="{BB962C8B-B14F-4D97-AF65-F5344CB8AC3E}">
+        <p14:creationId xmlns:p14="http://schemas.microsoft.com/office/powerpoint/2010/main" val="1320799238"/>
+      </p:ext>
+    </p:extLst>
+  </p:cSld>
+  <p:clrMapOvr>
+    <a:masterClrMapping/>
+  </p:clrMapOvr>
+</p:sld>
+</file>
+
+<file path=ppt/slides/slide11.xml><?xml version="1.0" encoding="utf-8"?>
+<p:sld xmlns:a="http://schemas.openxmlformats.org/drawingml/2006/main" xmlns:r="http://schemas.openxmlformats.org/officeDocument/2006/relationships" xmlns:p="http://schemas.openxmlformats.org/presentationml/2006/main">
+  <p:cSld>
+    <p:spTree>
+      <p:nvGrpSpPr>
+        <p:cNvPr id="1" name=""/>
+        <p:cNvGrpSpPr/>
+        <p:nvPr/>
+      </p:nvGrpSpPr>
+      <p:grpSpPr>
+        <a:xfrm>
+          <a:off x="0" y="0"/>
+          <a:ext cx="0" cy="0"/>
+          <a:chOff x="0" y="0"/>
+          <a:chExt cx="0" cy="0"/>
+        </a:xfrm>
+      </p:grpSpPr>
+      <p:sp>
+        <p:nvSpPr>
+          <p:cNvPr id="2" name="TextBox 1">
+            <a:extLst>
+              <a:ext uri="{FF2B5EF4-FFF2-40B4-BE49-F238E27FC236}">
+                <a16:creationId xmlns:a16="http://schemas.microsoft.com/office/drawing/2014/main" id="{13E9F4E8-A8B0-4F4C-9B57-D1E15CA364F4}"/>
+              </a:ext>
+            </a:extLst>
+          </p:cNvPr>
+          <p:cNvSpPr txBox="1"/>
+          <p:nvPr/>
+        </p:nvSpPr>
+        <p:spPr>
+          <a:xfrm>
+            <a:off x="2699854" y="302100"/>
+            <a:ext cx="6560191" cy="461665"/>
+          </a:xfrm>
+          <a:prstGeom prst="rect">
+            <a:avLst/>
+          </a:prstGeom>
+          <a:noFill/>
+        </p:spPr>
+        <p:txBody>
+          <a:bodyPr wrap="square" rtlCol="0">
+            <a:spAutoFit/>
+          </a:bodyPr>
+          <a:lstStyle/>
+          <a:p>
+            <a:r>
+              <a:rPr lang="en-IN" sz="2400" dirty="0"/>
+              <a:t>Specifying Include directories of project </a:t>
+            </a:r>
+          </a:p>
+        </p:txBody>
+      </p:sp>
+      <p:sp>
+        <p:nvSpPr>
+          <p:cNvPr id="3" name="Rectangle 2">
+            <a:extLst>
+              <a:ext uri="{FF2B5EF4-FFF2-40B4-BE49-F238E27FC236}">
+                <a16:creationId xmlns:a16="http://schemas.microsoft.com/office/drawing/2014/main" id="{46416CC3-0873-4F71-A11F-665D84A13F8B}"/>
+              </a:ext>
+            </a:extLst>
+          </p:cNvPr>
+          <p:cNvSpPr/>
+          <p:nvPr/>
+        </p:nvSpPr>
+        <p:spPr>
+          <a:xfrm>
+            <a:off x="187354" y="1495419"/>
+            <a:ext cx="11053893" cy="369332"/>
+          </a:xfrm>
+          <a:prstGeom prst="rect">
+            <a:avLst/>
+          </a:prstGeom>
+        </p:spPr>
+        <p:txBody>
+          <a:bodyPr wrap="square">
+            <a:spAutoFit/>
+          </a:bodyPr>
+          <a:lstStyle/>
+          <a:p>
+            <a:r>
+              <a:rPr lang="en-IN" dirty="0" err="1">
+                <a:solidFill>
+                  <a:srgbClr val="0000FF"/>
+                </a:solidFill>
+                <a:latin typeface="Consolas" panose="020B0609020204030204" pitchFamily="49" charset="0"/>
+              </a:rPr>
+              <a:t>include_directories</a:t>
+            </a:r>
+            <a:r>
+              <a:rPr lang="en-IN" dirty="0">
+                <a:solidFill>
+                  <a:srgbClr val="000000"/>
+                </a:solidFill>
+                <a:latin typeface="Consolas" panose="020B0609020204030204" pitchFamily="49" charset="0"/>
+              </a:rPr>
+              <a:t>(</a:t>
+            </a:r>
+            <a:r>
+              <a:rPr lang="en-IN" b="1" dirty="0">
+                <a:solidFill>
+                  <a:srgbClr val="008800"/>
+                </a:solidFill>
+                <a:latin typeface="Consolas" panose="020B0609020204030204" pitchFamily="49" charset="0"/>
+              </a:rPr>
+              <a:t>${CMAKE_SOURCE_DIR}</a:t>
+            </a:r>
+            <a:r>
+              <a:rPr lang="en-IN" dirty="0">
+                <a:solidFill>
+                  <a:srgbClr val="000000"/>
+                </a:solidFill>
+                <a:latin typeface="Consolas" panose="020B0609020204030204" pitchFamily="49" charset="0"/>
+              </a:rPr>
+              <a:t>/</a:t>
+            </a:r>
+            <a:r>
+              <a:rPr lang="en-IN" dirty="0" err="1">
+                <a:solidFill>
+                  <a:srgbClr val="000000"/>
+                </a:solidFill>
+                <a:latin typeface="Consolas" panose="020B0609020204030204" pitchFamily="49" charset="0"/>
+              </a:rPr>
+              <a:t>inc</a:t>
+            </a:r>
+            <a:r>
+              <a:rPr lang="en-IN" dirty="0">
+                <a:solidFill>
+                  <a:srgbClr val="000000"/>
+                </a:solidFill>
+                <a:latin typeface="Consolas" panose="020B0609020204030204" pitchFamily="49" charset="0"/>
+              </a:rPr>
+              <a:t>)</a:t>
+            </a:r>
+          </a:p>
+        </p:txBody>
+      </p:sp>
+      <p:sp>
+        <p:nvSpPr>
+          <p:cNvPr id="4" name="Rectangle 3">
+            <a:extLst>
+              <a:ext uri="{FF2B5EF4-FFF2-40B4-BE49-F238E27FC236}">
+                <a16:creationId xmlns:a16="http://schemas.microsoft.com/office/drawing/2014/main" id="{65A5A12D-DC1B-45FC-B160-3A28635EAD06}"/>
+              </a:ext>
+            </a:extLst>
+          </p:cNvPr>
+          <p:cNvSpPr/>
+          <p:nvPr/>
+        </p:nvSpPr>
+        <p:spPr>
+          <a:xfrm>
+            <a:off x="187354" y="2022440"/>
+            <a:ext cx="7975134" cy="369332"/>
+          </a:xfrm>
+          <a:prstGeom prst="rect">
+            <a:avLst/>
+          </a:prstGeom>
+        </p:spPr>
+        <p:txBody>
+          <a:bodyPr wrap="square">
+            <a:spAutoFit/>
+          </a:bodyPr>
+          <a:lstStyle/>
+          <a:p>
+            <a:r>
+              <a:rPr lang="en-IN" dirty="0" err="1">
+                <a:solidFill>
+                  <a:srgbClr val="0000FF"/>
+                </a:solidFill>
+                <a:latin typeface="Consolas" panose="020B0609020204030204" pitchFamily="49" charset="0"/>
+              </a:rPr>
+              <a:t>include_directories</a:t>
+            </a:r>
+            <a:r>
+              <a:rPr lang="en-IN" dirty="0">
+                <a:solidFill>
+                  <a:srgbClr val="000000"/>
+                </a:solidFill>
+                <a:latin typeface="Consolas" panose="020B0609020204030204" pitchFamily="49" charset="0"/>
+              </a:rPr>
+              <a:t>(${LIBCONFIG++_INCLUDE_DIRS})</a:t>
+            </a:r>
+            <a:endParaRPr lang="en-IN" dirty="0"/>
+          </a:p>
+        </p:txBody>
+      </p:sp>
+      <p:sp>
+        <p:nvSpPr>
+          <p:cNvPr id="6" name="Rectangle 5">
+            <a:extLst>
+              <a:ext uri="{FF2B5EF4-FFF2-40B4-BE49-F238E27FC236}">
+                <a16:creationId xmlns:a16="http://schemas.microsoft.com/office/drawing/2014/main" id="{B7A84899-AF7F-41E9-B19E-C2E93FFFA82D}"/>
+              </a:ext>
+            </a:extLst>
+          </p:cNvPr>
+          <p:cNvSpPr/>
+          <p:nvPr/>
+        </p:nvSpPr>
+        <p:spPr>
+          <a:xfrm>
+            <a:off x="187354" y="3385720"/>
+            <a:ext cx="8805644" cy="369332"/>
+          </a:xfrm>
+          <a:prstGeom prst="rect">
+            <a:avLst/>
+          </a:prstGeom>
+        </p:spPr>
+        <p:txBody>
+          <a:bodyPr wrap="square">
+            <a:spAutoFit/>
+          </a:bodyPr>
+          <a:lstStyle/>
+          <a:p>
+            <a:r>
+              <a:rPr lang="en-IN" dirty="0">
+                <a:solidFill>
+                  <a:srgbClr val="0000FF"/>
+                </a:solidFill>
+                <a:latin typeface="Consolas" panose="020B0609020204030204" pitchFamily="49" charset="0"/>
+              </a:rPr>
+              <a:t>message</a:t>
+            </a:r>
+            <a:r>
+              <a:rPr lang="en-IN" dirty="0">
+                <a:solidFill>
+                  <a:srgbClr val="000000"/>
+                </a:solidFill>
+                <a:latin typeface="Consolas" panose="020B0609020204030204" pitchFamily="49" charset="0"/>
+              </a:rPr>
+              <a:t> (</a:t>
+            </a:r>
+            <a:r>
+              <a:rPr lang="en-IN" dirty="0">
+                <a:solidFill>
+                  <a:srgbClr val="A31515"/>
+                </a:solidFill>
+                <a:latin typeface="Consolas" panose="020B0609020204030204" pitchFamily="49" charset="0"/>
+              </a:rPr>
+              <a:t>"Include </a:t>
+            </a:r>
+            <a:r>
+              <a:rPr lang="en-IN" dirty="0" err="1">
+                <a:solidFill>
+                  <a:srgbClr val="A31515"/>
+                </a:solidFill>
+                <a:latin typeface="Consolas" panose="020B0609020204030204" pitchFamily="49" charset="0"/>
+              </a:rPr>
+              <a:t>dirs</a:t>
+            </a:r>
+            <a:r>
+              <a:rPr lang="en-IN" dirty="0">
+                <a:solidFill>
+                  <a:srgbClr val="A31515"/>
+                </a:solidFill>
+                <a:latin typeface="Consolas" panose="020B0609020204030204" pitchFamily="49" charset="0"/>
+              </a:rPr>
+              <a:t>: "</a:t>
+            </a:r>
+            <a:r>
+              <a:rPr lang="en-IN" dirty="0">
+                <a:solidFill>
+                  <a:srgbClr val="000000"/>
+                </a:solidFill>
+                <a:latin typeface="Consolas" panose="020B0609020204030204" pitchFamily="49" charset="0"/>
+              </a:rPr>
+              <a:t> </a:t>
+            </a:r>
+            <a:r>
+              <a:rPr lang="en-IN" b="1" dirty="0">
+                <a:solidFill>
+                  <a:srgbClr val="008800"/>
+                </a:solidFill>
+                <a:latin typeface="Consolas" panose="020B0609020204030204" pitchFamily="49" charset="0"/>
+              </a:rPr>
+              <a:t>${INCLUDE_DIRECTORIES}</a:t>
+            </a:r>
+            <a:r>
+              <a:rPr lang="en-IN" dirty="0">
+                <a:solidFill>
+                  <a:srgbClr val="000000"/>
+                </a:solidFill>
+                <a:latin typeface="Consolas" panose="020B0609020204030204" pitchFamily="49" charset="0"/>
+              </a:rPr>
+              <a:t>)</a:t>
+            </a:r>
+            <a:endParaRPr lang="en-IN" dirty="0"/>
+          </a:p>
+        </p:txBody>
+      </p:sp>
+      <p:sp>
+        <p:nvSpPr>
+          <p:cNvPr id="7" name="Rectangle: Rounded Corners 6">
+            <a:extLst>
+              <a:ext uri="{FF2B5EF4-FFF2-40B4-BE49-F238E27FC236}">
+                <a16:creationId xmlns:a16="http://schemas.microsoft.com/office/drawing/2014/main" id="{26F7C876-7C11-498C-832F-D5F11ED724B8}"/>
+              </a:ext>
+            </a:extLst>
+          </p:cNvPr>
+          <p:cNvSpPr/>
+          <p:nvPr/>
+        </p:nvSpPr>
+        <p:spPr>
+          <a:xfrm>
+            <a:off x="6202261" y="1491571"/>
+            <a:ext cx="5581474" cy="369332"/>
+          </a:xfrm>
+          <a:prstGeom prst="roundRect">
+            <a:avLst/>
+          </a:prstGeom>
+        </p:spPr>
+        <p:style>
+          <a:lnRef idx="2">
+            <a:schemeClr val="accent1">
+              <a:shade val="50000"/>
+            </a:schemeClr>
+          </a:lnRef>
+          <a:fillRef idx="1">
+            <a:schemeClr val="accent1"/>
+          </a:fillRef>
+          <a:effectRef idx="0">
+            <a:schemeClr val="accent1"/>
+          </a:effectRef>
+          <a:fontRef idx="minor">
+            <a:schemeClr val="lt1"/>
+          </a:fontRef>
+        </p:style>
+        <p:txBody>
+          <a:bodyPr rtlCol="0" anchor="ctr"/>
+          <a:lstStyle/>
+          <a:p>
+            <a:pPr algn="ctr"/>
+            <a:r>
+              <a:rPr lang="en-IN" dirty="0"/>
+              <a:t>Specify include directories for the project</a:t>
+            </a:r>
+          </a:p>
+        </p:txBody>
+      </p:sp>
+      <p:sp>
+        <p:nvSpPr>
+          <p:cNvPr id="8" name="Rectangle: Rounded Corners 7">
+            <a:extLst>
+              <a:ext uri="{FF2B5EF4-FFF2-40B4-BE49-F238E27FC236}">
+                <a16:creationId xmlns:a16="http://schemas.microsoft.com/office/drawing/2014/main" id="{B0EF9FC4-D9B7-4408-9CD8-FE2F206EAA94}"/>
+              </a:ext>
+            </a:extLst>
+          </p:cNvPr>
+          <p:cNvSpPr/>
+          <p:nvPr/>
+        </p:nvSpPr>
+        <p:spPr>
+          <a:xfrm>
+            <a:off x="6600735" y="2399107"/>
+            <a:ext cx="5318621" cy="369332"/>
+          </a:xfrm>
+          <a:prstGeom prst="roundRect">
+            <a:avLst/>
+          </a:prstGeom>
+        </p:spPr>
+        <p:style>
+          <a:lnRef idx="2">
+            <a:schemeClr val="accent1">
+              <a:shade val="50000"/>
+            </a:schemeClr>
+          </a:lnRef>
+          <a:fillRef idx="1">
+            <a:schemeClr val="accent1"/>
+          </a:fillRef>
+          <a:effectRef idx="0">
+            <a:schemeClr val="accent1"/>
+          </a:effectRef>
+          <a:fontRef idx="minor">
+            <a:schemeClr val="lt1"/>
+          </a:fontRef>
+        </p:style>
+        <p:txBody>
+          <a:bodyPr rtlCol="0" anchor="ctr"/>
+          <a:lstStyle/>
+          <a:p>
+            <a:pPr algn="ctr"/>
+            <a:r>
+              <a:rPr lang="en-IN" dirty="0"/>
+              <a:t>Add Include directories from third party library</a:t>
+            </a:r>
+          </a:p>
+        </p:txBody>
+      </p:sp>
+      <p:sp>
+        <p:nvSpPr>
+          <p:cNvPr id="9" name="Rectangle: Rounded Corners 8">
+            <a:extLst>
+              <a:ext uri="{FF2B5EF4-FFF2-40B4-BE49-F238E27FC236}">
+                <a16:creationId xmlns:a16="http://schemas.microsoft.com/office/drawing/2014/main" id="{E7C7F058-FEA4-4672-9550-118634FBE027}"/>
+              </a:ext>
+            </a:extLst>
+          </p:cNvPr>
+          <p:cNvSpPr/>
+          <p:nvPr/>
+        </p:nvSpPr>
+        <p:spPr>
+          <a:xfrm>
+            <a:off x="6821646" y="3310492"/>
+            <a:ext cx="5097710" cy="369332"/>
+          </a:xfrm>
+          <a:prstGeom prst="roundRect">
+            <a:avLst/>
+          </a:prstGeom>
+        </p:spPr>
+        <p:style>
+          <a:lnRef idx="2">
+            <a:schemeClr val="accent1">
+              <a:shade val="50000"/>
+            </a:schemeClr>
+          </a:lnRef>
+          <a:fillRef idx="1">
+            <a:schemeClr val="accent1"/>
+          </a:fillRef>
+          <a:effectRef idx="0">
+            <a:schemeClr val="accent1"/>
+          </a:effectRef>
+          <a:fontRef idx="minor">
+            <a:schemeClr val="lt1"/>
+          </a:fontRef>
+        </p:style>
+        <p:txBody>
+          <a:bodyPr rtlCol="0" anchor="ctr"/>
+          <a:lstStyle/>
+          <a:p>
+            <a:pPr algn="ctr"/>
+            <a:r>
+              <a:rPr lang="en-IN" dirty="0"/>
+              <a:t>Display include directories of project</a:t>
+            </a:r>
+          </a:p>
+        </p:txBody>
+      </p:sp>
+      <p:sp>
+        <p:nvSpPr>
+          <p:cNvPr id="10" name="Rectangle 9">
+            <a:extLst>
+              <a:ext uri="{FF2B5EF4-FFF2-40B4-BE49-F238E27FC236}">
+                <a16:creationId xmlns:a16="http://schemas.microsoft.com/office/drawing/2014/main" id="{9EFCD71F-F42C-4B79-8FA9-2F5D639A1960}"/>
+              </a:ext>
+            </a:extLst>
+          </p:cNvPr>
+          <p:cNvSpPr/>
+          <p:nvPr/>
+        </p:nvSpPr>
+        <p:spPr>
+          <a:xfrm>
+            <a:off x="187354" y="2467000"/>
+            <a:ext cx="6096000" cy="646331"/>
+          </a:xfrm>
+          <a:prstGeom prst="rect">
+            <a:avLst/>
+          </a:prstGeom>
+        </p:spPr>
+        <p:txBody>
+          <a:bodyPr>
+            <a:spAutoFit/>
+          </a:bodyPr>
+          <a:lstStyle/>
+          <a:p>
+            <a:r>
+              <a:rPr lang="en-IN" dirty="0" err="1">
+                <a:solidFill>
+                  <a:srgbClr val="0000FF"/>
+                </a:solidFill>
+                <a:latin typeface="Consolas" panose="020B0609020204030204" pitchFamily="49" charset="0"/>
+              </a:rPr>
+              <a:t>find_package</a:t>
+            </a:r>
+            <a:r>
+              <a:rPr lang="en-IN" dirty="0">
+                <a:solidFill>
+                  <a:srgbClr val="000000"/>
+                </a:solidFill>
+                <a:latin typeface="Consolas" panose="020B0609020204030204" pitchFamily="49" charset="0"/>
+              </a:rPr>
+              <a:t> (CUDA 10.1 REQUIRED)</a:t>
+            </a:r>
+          </a:p>
+          <a:p>
+            <a:r>
+              <a:rPr lang="en-IN" dirty="0" err="1">
+                <a:solidFill>
+                  <a:srgbClr val="0000FF"/>
+                </a:solidFill>
+                <a:latin typeface="Consolas" panose="020B0609020204030204" pitchFamily="49" charset="0"/>
+              </a:rPr>
+              <a:t>include_directories</a:t>
+            </a:r>
+            <a:r>
+              <a:rPr lang="en-IN" dirty="0">
+                <a:solidFill>
+                  <a:srgbClr val="000000"/>
+                </a:solidFill>
+                <a:latin typeface="Consolas" panose="020B0609020204030204" pitchFamily="49" charset="0"/>
+              </a:rPr>
+              <a:t> (</a:t>
+            </a:r>
+            <a:r>
+              <a:rPr lang="en-IN" b="1" dirty="0">
+                <a:solidFill>
+                  <a:srgbClr val="008800"/>
+                </a:solidFill>
+                <a:latin typeface="Consolas" panose="020B0609020204030204" pitchFamily="49" charset="0"/>
+              </a:rPr>
+              <a:t>${CUDA_INCLUDE_DIRS}</a:t>
+            </a:r>
+            <a:r>
+              <a:rPr lang="en-IN" dirty="0">
+                <a:solidFill>
+                  <a:srgbClr val="000000"/>
+                </a:solidFill>
+                <a:latin typeface="Consolas" panose="020B0609020204030204" pitchFamily="49" charset="0"/>
+              </a:rPr>
+              <a:t>)</a:t>
+            </a:r>
+            <a:endParaRPr lang="en-IN" dirty="0"/>
+          </a:p>
+        </p:txBody>
+      </p:sp>
+      <p:sp>
+        <p:nvSpPr>
+          <p:cNvPr id="11" name="Rectangle 10">
+            <a:extLst>
+              <a:ext uri="{FF2B5EF4-FFF2-40B4-BE49-F238E27FC236}">
+                <a16:creationId xmlns:a16="http://schemas.microsoft.com/office/drawing/2014/main" id="{2268178D-DC95-4232-9E51-1B9F5F3455CF}"/>
+              </a:ext>
+            </a:extLst>
+          </p:cNvPr>
+          <p:cNvSpPr/>
+          <p:nvPr/>
+        </p:nvSpPr>
+        <p:spPr>
+          <a:xfrm>
+            <a:off x="187354" y="3853778"/>
+            <a:ext cx="9854268" cy="1969770"/>
+          </a:xfrm>
+          <a:prstGeom prst="rect">
+            <a:avLst/>
+          </a:prstGeom>
+        </p:spPr>
+        <p:txBody>
+          <a:bodyPr wrap="square">
+            <a:spAutoFit/>
+          </a:bodyPr>
+          <a:lstStyle/>
+          <a:p>
+            <a:endParaRPr lang="en-IN" sz="1600" dirty="0">
+              <a:latin typeface="Arial" panose="020B0604020202020204" pitchFamily="34" charset="0"/>
+              <a:cs typeface="Arial" panose="020B0604020202020204" pitchFamily="34" charset="0"/>
+            </a:endParaRPr>
+          </a:p>
+          <a:p>
+            <a:r>
+              <a:rPr lang="en-IN" dirty="0">
+                <a:solidFill>
+                  <a:srgbClr val="0000FF"/>
+                </a:solidFill>
+                <a:latin typeface="Consolas" panose="020B0609020204030204" pitchFamily="49" charset="0"/>
+              </a:rPr>
+              <a:t>set</a:t>
+            </a:r>
+            <a:r>
+              <a:rPr lang="en-IN" sz="1600" dirty="0">
+                <a:latin typeface="Arial" panose="020B0604020202020204" pitchFamily="34" charset="0"/>
+                <a:cs typeface="Arial" panose="020B0604020202020204" pitchFamily="34" charset="0"/>
+              </a:rPr>
+              <a:t>(DCMTK_INCLUDE_DIR "${DCMTK_BINARY_DIR}/config/include")</a:t>
+            </a:r>
+          </a:p>
+          <a:p>
+            <a:r>
+              <a:rPr lang="en-IN" dirty="0">
+                <a:solidFill>
+                  <a:srgbClr val="0000FF"/>
+                </a:solidFill>
+                <a:latin typeface="Consolas" panose="020B0609020204030204" pitchFamily="49" charset="0"/>
+              </a:rPr>
+              <a:t>foreach</a:t>
+            </a:r>
+            <a:r>
+              <a:rPr lang="en-IN" sz="1600" dirty="0">
+                <a:latin typeface="Arial" panose="020B0604020202020204" pitchFamily="34" charset="0"/>
+                <a:cs typeface="Arial" panose="020B0604020202020204" pitchFamily="34" charset="0"/>
+              </a:rPr>
+              <a:t>(</a:t>
+            </a:r>
+            <a:r>
+              <a:rPr lang="en-IN" sz="1600" dirty="0" err="1">
+                <a:latin typeface="Arial" panose="020B0604020202020204" pitchFamily="34" charset="0"/>
+                <a:cs typeface="Arial" panose="020B0604020202020204" pitchFamily="34" charset="0"/>
+              </a:rPr>
+              <a:t>inc</a:t>
+            </a:r>
+            <a:r>
+              <a:rPr lang="en-IN" sz="1600" dirty="0">
+                <a:latin typeface="Arial" panose="020B0604020202020204" pitchFamily="34" charset="0"/>
+                <a:cs typeface="Arial" panose="020B0604020202020204" pitchFamily="34" charset="0"/>
+              </a:rPr>
+              <a:t> ${DCMTK_MODULES})</a:t>
+            </a:r>
+          </a:p>
+          <a:p>
+            <a:r>
+              <a:rPr lang="en-IN" sz="1600" dirty="0">
+                <a:latin typeface="Arial" panose="020B0604020202020204" pitchFamily="34" charset="0"/>
+                <a:cs typeface="Arial" panose="020B0604020202020204" pitchFamily="34" charset="0"/>
+              </a:rPr>
+              <a:t>  </a:t>
+            </a:r>
+            <a:r>
+              <a:rPr lang="en-IN" dirty="0">
+                <a:solidFill>
+                  <a:srgbClr val="0000FF"/>
+                </a:solidFill>
+                <a:latin typeface="Consolas" panose="020B0609020204030204" pitchFamily="49" charset="0"/>
+              </a:rPr>
+              <a:t>list</a:t>
+            </a:r>
+            <a:r>
+              <a:rPr lang="en-IN" sz="1600" dirty="0">
+                <a:latin typeface="Arial" panose="020B0604020202020204" pitchFamily="34" charset="0"/>
+                <a:cs typeface="Arial" panose="020B0604020202020204" pitchFamily="34" charset="0"/>
+              </a:rPr>
+              <a:t>(APPEND DCMTK_INCLUDE_DIR "${DCMTK_SOURCE_DIR}/${</a:t>
+            </a:r>
+            <a:r>
+              <a:rPr lang="en-IN" sz="1600" dirty="0" err="1">
+                <a:latin typeface="Arial" panose="020B0604020202020204" pitchFamily="34" charset="0"/>
+                <a:cs typeface="Arial" panose="020B0604020202020204" pitchFamily="34" charset="0"/>
+              </a:rPr>
+              <a:t>inc</a:t>
+            </a:r>
+            <a:r>
+              <a:rPr lang="en-IN" sz="1600" dirty="0">
+                <a:latin typeface="Arial" panose="020B0604020202020204" pitchFamily="34" charset="0"/>
+                <a:cs typeface="Arial" panose="020B0604020202020204" pitchFamily="34" charset="0"/>
+              </a:rPr>
+              <a:t>}/include")</a:t>
+            </a:r>
+          </a:p>
+          <a:p>
+            <a:r>
+              <a:rPr lang="en-IN" dirty="0" err="1">
+                <a:solidFill>
+                  <a:srgbClr val="0000FF"/>
+                </a:solidFill>
+                <a:latin typeface="Consolas" panose="020B0609020204030204" pitchFamily="49" charset="0"/>
+              </a:rPr>
+              <a:t>endforeach</a:t>
+            </a:r>
+            <a:r>
+              <a:rPr lang="en-IN" sz="1600" dirty="0">
+                <a:latin typeface="Arial" panose="020B0604020202020204" pitchFamily="34" charset="0"/>
+                <a:cs typeface="Arial" panose="020B0604020202020204" pitchFamily="34" charset="0"/>
+              </a:rPr>
+              <a:t>()</a:t>
+            </a:r>
+          </a:p>
+          <a:p>
+            <a:endParaRPr lang="en-IN" sz="1600" dirty="0">
+              <a:latin typeface="Arial" panose="020B0604020202020204" pitchFamily="34" charset="0"/>
+              <a:cs typeface="Arial" panose="020B0604020202020204" pitchFamily="34" charset="0"/>
+            </a:endParaRPr>
+          </a:p>
+          <a:p>
+            <a:r>
+              <a:rPr lang="en-IN" dirty="0" err="1">
+                <a:solidFill>
+                  <a:srgbClr val="0000FF"/>
+                </a:solidFill>
+                <a:latin typeface="Consolas" panose="020B0609020204030204" pitchFamily="49" charset="0"/>
+              </a:rPr>
+              <a:t>include_directories</a:t>
+            </a:r>
+            <a:r>
+              <a:rPr lang="en-IN" sz="1600" dirty="0">
+                <a:latin typeface="Arial" panose="020B0604020202020204" pitchFamily="34" charset="0"/>
+                <a:cs typeface="Arial" panose="020B0604020202020204" pitchFamily="34" charset="0"/>
+              </a:rPr>
+              <a:t>(${DCMTK_INCLUDE_DIR})</a:t>
+            </a:r>
+          </a:p>
+        </p:txBody>
+      </p:sp>
+      <p:sp>
+        <p:nvSpPr>
+          <p:cNvPr id="12" name="Rectangle: Rounded Corners 11">
+            <a:extLst>
+              <a:ext uri="{FF2B5EF4-FFF2-40B4-BE49-F238E27FC236}">
+                <a16:creationId xmlns:a16="http://schemas.microsoft.com/office/drawing/2014/main" id="{8EE3668B-441C-4B69-84F7-3B5B8E84EF83}"/>
+              </a:ext>
+            </a:extLst>
+          </p:cNvPr>
+          <p:cNvSpPr/>
+          <p:nvPr/>
+        </p:nvSpPr>
+        <p:spPr>
+          <a:xfrm>
+            <a:off x="6821646" y="5023754"/>
+            <a:ext cx="5097710" cy="369332"/>
+          </a:xfrm>
+          <a:prstGeom prst="roundRect">
+            <a:avLst/>
+          </a:prstGeom>
+        </p:spPr>
+        <p:style>
+          <a:lnRef idx="2">
+            <a:schemeClr val="accent1">
+              <a:shade val="50000"/>
+            </a:schemeClr>
+          </a:lnRef>
+          <a:fillRef idx="1">
+            <a:schemeClr val="accent1"/>
+          </a:fillRef>
+          <a:effectRef idx="0">
+            <a:schemeClr val="accent1"/>
+          </a:effectRef>
+          <a:fontRef idx="minor">
+            <a:schemeClr val="lt1"/>
+          </a:fontRef>
+        </p:style>
+        <p:txBody>
+          <a:bodyPr rtlCol="0" anchor="ctr"/>
+          <a:lstStyle/>
+          <a:p>
+            <a:pPr algn="ctr"/>
+            <a:r>
+              <a:rPr lang="en-IN" dirty="0"/>
+              <a:t>Include directories from sub-modules</a:t>
+            </a:r>
+          </a:p>
+        </p:txBody>
+      </p:sp>
+    </p:spTree>
+    <p:extLst>
+      <p:ext uri="{BB962C8B-B14F-4D97-AF65-F5344CB8AC3E}">
+        <p14:creationId xmlns:p14="http://schemas.microsoft.com/office/powerpoint/2010/main" val="3270717687"/>
+      </p:ext>
+    </p:extLst>
+  </p:cSld>
+  <p:clrMapOvr>
+    <a:masterClrMapping/>
+  </p:clrMapOvr>
+</p:sld>
+</file>
+
+<file path=ppt/slides/slide12.xml><?xml version="1.0" encoding="utf-8"?>
+<p:sld xmlns:a="http://schemas.openxmlformats.org/drawingml/2006/main" xmlns:r="http://schemas.openxmlformats.org/officeDocument/2006/relationships" xmlns:p="http://schemas.openxmlformats.org/presentationml/2006/main">
+  <p:cSld>
+    <p:spTree>
+      <p:nvGrpSpPr>
+        <p:cNvPr id="1" name=""/>
+        <p:cNvGrpSpPr/>
+        <p:nvPr/>
+      </p:nvGrpSpPr>
+      <p:grpSpPr>
+        <a:xfrm>
+          <a:off x="0" y="0"/>
+          <a:ext cx="0" cy="0"/>
+          <a:chOff x="0" y="0"/>
+          <a:chExt cx="0" cy="0"/>
+        </a:xfrm>
+      </p:grpSpPr>
+      <p:sp>
+        <p:nvSpPr>
+          <p:cNvPr id="5" name="Rectangle 4">
+            <a:extLst>
+              <a:ext uri="{FF2B5EF4-FFF2-40B4-BE49-F238E27FC236}">
+                <a16:creationId xmlns:a16="http://schemas.microsoft.com/office/drawing/2014/main" id="{F8E08408-77FE-494F-95F0-FC35A3FBAE0D}"/>
+              </a:ext>
+            </a:extLst>
+          </p:cNvPr>
+          <p:cNvSpPr/>
+          <p:nvPr/>
+        </p:nvSpPr>
+        <p:spPr>
+          <a:xfrm>
+            <a:off x="240487" y="2123607"/>
+            <a:ext cx="4616970" cy="369332"/>
+          </a:xfrm>
+          <a:prstGeom prst="rect">
+            <a:avLst/>
+          </a:prstGeom>
+        </p:spPr>
+        <p:txBody>
+          <a:bodyPr wrap="none">
+            <a:spAutoFit/>
+          </a:bodyPr>
+          <a:lstStyle/>
+          <a:p>
+            <a:r>
+              <a:rPr lang="en-IN" dirty="0" err="1">
+                <a:solidFill>
+                  <a:srgbClr val="0000FF"/>
+                </a:solidFill>
+                <a:latin typeface="Consolas" panose="020B0609020204030204" pitchFamily="49" charset="0"/>
+              </a:rPr>
+              <a:t>find_package</a:t>
+            </a:r>
+            <a:r>
+              <a:rPr lang="en-IN" dirty="0">
+                <a:solidFill>
+                  <a:srgbClr val="000000"/>
+                </a:solidFill>
+                <a:latin typeface="Consolas" panose="020B0609020204030204" pitchFamily="49" charset="0"/>
+              </a:rPr>
+              <a:t> (</a:t>
+            </a:r>
+            <a:r>
+              <a:rPr lang="en-IN" dirty="0" err="1">
+                <a:solidFill>
+                  <a:srgbClr val="000000"/>
+                </a:solidFill>
+                <a:latin typeface="Consolas" panose="020B0609020204030204" pitchFamily="49" charset="0"/>
+              </a:rPr>
+              <a:t>packagename</a:t>
+            </a:r>
+            <a:r>
+              <a:rPr lang="en-IN" dirty="0">
+                <a:solidFill>
+                  <a:srgbClr val="000000"/>
+                </a:solidFill>
+                <a:latin typeface="Consolas" panose="020B0609020204030204" pitchFamily="49" charset="0"/>
+              </a:rPr>
+              <a:t> REQUIRED)</a:t>
+            </a:r>
+            <a:endParaRPr lang="en-IN" dirty="0"/>
+          </a:p>
+        </p:txBody>
+      </p:sp>
+      <p:sp>
+        <p:nvSpPr>
+          <p:cNvPr id="11" name="Rectangle 10">
+            <a:extLst>
+              <a:ext uri="{FF2B5EF4-FFF2-40B4-BE49-F238E27FC236}">
+                <a16:creationId xmlns:a16="http://schemas.microsoft.com/office/drawing/2014/main" id="{D1B5262C-4061-401B-BD03-0963471C94C5}"/>
+              </a:ext>
+            </a:extLst>
+          </p:cNvPr>
+          <p:cNvSpPr/>
+          <p:nvPr/>
+        </p:nvSpPr>
+        <p:spPr>
+          <a:xfrm>
+            <a:off x="240487" y="2734925"/>
+            <a:ext cx="6096000" cy="2031325"/>
+          </a:xfrm>
+          <a:prstGeom prst="rect">
+            <a:avLst/>
+          </a:prstGeom>
+        </p:spPr>
+        <p:txBody>
+          <a:bodyPr>
+            <a:spAutoFit/>
+          </a:bodyPr>
+          <a:lstStyle/>
+          <a:p>
+            <a:r>
+              <a:rPr lang="en-IN" dirty="0" err="1">
+                <a:solidFill>
+                  <a:srgbClr val="0000FF"/>
+                </a:solidFill>
+                <a:latin typeface="Consolas" panose="020B0609020204030204" pitchFamily="49" charset="0"/>
+              </a:rPr>
+              <a:t>find_package</a:t>
+            </a:r>
+            <a:r>
+              <a:rPr lang="en-IN" dirty="0"/>
+              <a:t>(</a:t>
+            </a:r>
+            <a:r>
+              <a:rPr lang="en-IN" dirty="0">
+                <a:solidFill>
+                  <a:srgbClr val="000000"/>
+                </a:solidFill>
+                <a:latin typeface="Consolas" panose="020B0609020204030204" pitchFamily="49" charset="0"/>
+              </a:rPr>
+              <a:t>Qt5</a:t>
+            </a:r>
+          </a:p>
+          <a:p>
+            <a:r>
+              <a:rPr lang="en-IN" dirty="0">
+                <a:solidFill>
+                  <a:srgbClr val="000000"/>
+                </a:solidFill>
+                <a:latin typeface="Consolas" panose="020B0609020204030204" pitchFamily="49" charset="0"/>
+              </a:rPr>
+              <a:t>  COMPONENTS</a:t>
+            </a:r>
+          </a:p>
+          <a:p>
+            <a:r>
+              <a:rPr lang="en-IN" dirty="0">
+                <a:solidFill>
+                  <a:srgbClr val="000000"/>
+                </a:solidFill>
+                <a:latin typeface="Consolas" panose="020B0609020204030204" pitchFamily="49" charset="0"/>
+              </a:rPr>
+              <a:t>    Core</a:t>
+            </a:r>
+          </a:p>
+          <a:p>
+            <a:r>
+              <a:rPr lang="en-IN" dirty="0">
+                <a:solidFill>
+                  <a:srgbClr val="000000"/>
+                </a:solidFill>
+                <a:latin typeface="Consolas" panose="020B0609020204030204" pitchFamily="49" charset="0"/>
+              </a:rPr>
+              <a:t>    </a:t>
+            </a:r>
+            <a:r>
+              <a:rPr lang="en-IN" dirty="0" err="1">
+                <a:solidFill>
+                  <a:srgbClr val="000000"/>
+                </a:solidFill>
+                <a:latin typeface="Consolas" panose="020B0609020204030204" pitchFamily="49" charset="0"/>
+              </a:rPr>
+              <a:t>Gui</a:t>
+            </a:r>
+            <a:endParaRPr lang="en-IN" dirty="0">
+              <a:solidFill>
+                <a:srgbClr val="000000"/>
+              </a:solidFill>
+              <a:latin typeface="Consolas" panose="020B0609020204030204" pitchFamily="49" charset="0"/>
+            </a:endParaRPr>
+          </a:p>
+          <a:p>
+            <a:r>
+              <a:rPr lang="en-IN" dirty="0">
+                <a:solidFill>
+                  <a:srgbClr val="000000"/>
+                </a:solidFill>
+                <a:latin typeface="Consolas" panose="020B0609020204030204" pitchFamily="49" charset="0"/>
+              </a:rPr>
+              <a:t>    Widgets</a:t>
+            </a:r>
+          </a:p>
+          <a:p>
+            <a:r>
+              <a:rPr lang="en-IN" dirty="0">
+                <a:solidFill>
+                  <a:srgbClr val="000000"/>
+                </a:solidFill>
+                <a:latin typeface="Consolas" panose="020B0609020204030204" pitchFamily="49" charset="0"/>
+              </a:rPr>
+              <a:t>  REQUIRED</a:t>
+            </a:r>
+          </a:p>
+          <a:p>
+            <a:r>
+              <a:rPr lang="en-IN" dirty="0"/>
+              <a:t>)</a:t>
+            </a:r>
+          </a:p>
+        </p:txBody>
+      </p:sp>
+      <p:sp>
+        <p:nvSpPr>
+          <p:cNvPr id="12" name="Rectangle 11">
+            <a:extLst>
+              <a:ext uri="{FF2B5EF4-FFF2-40B4-BE49-F238E27FC236}">
+                <a16:creationId xmlns:a16="http://schemas.microsoft.com/office/drawing/2014/main" id="{CF12E8B2-8D01-45B7-A2B1-B7D8AB41BA22}"/>
+              </a:ext>
+            </a:extLst>
+          </p:cNvPr>
+          <p:cNvSpPr/>
+          <p:nvPr/>
+        </p:nvSpPr>
+        <p:spPr>
+          <a:xfrm>
+            <a:off x="240487" y="4766250"/>
+            <a:ext cx="6096000" cy="1477328"/>
+          </a:xfrm>
+          <a:prstGeom prst="rect">
+            <a:avLst/>
+          </a:prstGeom>
+        </p:spPr>
+        <p:txBody>
+          <a:bodyPr>
+            <a:spAutoFit/>
+          </a:bodyPr>
+          <a:lstStyle/>
+          <a:p>
+            <a:r>
+              <a:rPr lang="en-IN" dirty="0" err="1">
+                <a:solidFill>
+                  <a:srgbClr val="0000FF"/>
+                </a:solidFill>
+                <a:latin typeface="Consolas" panose="020B0609020204030204" pitchFamily="49" charset="0"/>
+              </a:rPr>
+              <a:t>find_package</a:t>
+            </a:r>
+            <a:r>
+              <a:rPr lang="en-IN" dirty="0"/>
+              <a:t>(</a:t>
+            </a:r>
+            <a:r>
+              <a:rPr lang="en-IN" dirty="0">
+                <a:solidFill>
+                  <a:srgbClr val="000000"/>
+                </a:solidFill>
+                <a:latin typeface="Consolas" panose="020B0609020204030204" pitchFamily="49" charset="0"/>
+              </a:rPr>
+              <a:t>VTK 8.2 COMPONENTS</a:t>
+            </a:r>
+          </a:p>
+          <a:p>
+            <a:r>
+              <a:rPr lang="en-IN" dirty="0">
+                <a:solidFill>
+                  <a:srgbClr val="000000"/>
+                </a:solidFill>
+                <a:latin typeface="Consolas" panose="020B0609020204030204" pitchFamily="49" charset="0"/>
+              </a:rPr>
+              <a:t>  </a:t>
+            </a:r>
+            <a:r>
+              <a:rPr lang="en-IN" dirty="0" err="1">
+                <a:solidFill>
+                  <a:srgbClr val="000000"/>
+                </a:solidFill>
+                <a:latin typeface="Consolas" panose="020B0609020204030204" pitchFamily="49" charset="0"/>
+              </a:rPr>
+              <a:t>vtkFiltersModeling</a:t>
+            </a:r>
+            <a:endParaRPr lang="en-IN" dirty="0">
+              <a:solidFill>
+                <a:srgbClr val="000000"/>
+              </a:solidFill>
+              <a:latin typeface="Consolas" panose="020B0609020204030204" pitchFamily="49" charset="0"/>
+            </a:endParaRPr>
+          </a:p>
+          <a:p>
+            <a:r>
+              <a:rPr lang="en-IN" dirty="0">
+                <a:solidFill>
+                  <a:srgbClr val="000000"/>
+                </a:solidFill>
+                <a:latin typeface="Consolas" panose="020B0609020204030204" pitchFamily="49" charset="0"/>
+              </a:rPr>
+              <a:t>  </a:t>
+            </a:r>
+            <a:r>
+              <a:rPr lang="en-IN" dirty="0" err="1">
+                <a:solidFill>
+                  <a:srgbClr val="000000"/>
+                </a:solidFill>
+                <a:latin typeface="Consolas" panose="020B0609020204030204" pitchFamily="49" charset="0"/>
+              </a:rPr>
+              <a:t>vtkGUISupportQt</a:t>
+            </a:r>
+            <a:endParaRPr lang="en-IN" dirty="0">
+              <a:solidFill>
+                <a:srgbClr val="000000"/>
+              </a:solidFill>
+              <a:latin typeface="Consolas" panose="020B0609020204030204" pitchFamily="49" charset="0"/>
+            </a:endParaRPr>
+          </a:p>
+          <a:p>
+            <a:r>
+              <a:rPr lang="en-IN" dirty="0">
+                <a:solidFill>
+                  <a:srgbClr val="000000"/>
+                </a:solidFill>
+                <a:latin typeface="Consolas" panose="020B0609020204030204" pitchFamily="49" charset="0"/>
+              </a:rPr>
+              <a:t>  REQUIRED</a:t>
+            </a:r>
+          </a:p>
+          <a:p>
+            <a:r>
+              <a:rPr lang="en-IN" dirty="0"/>
+              <a:t>)</a:t>
+            </a:r>
+          </a:p>
+        </p:txBody>
+      </p:sp>
+      <p:sp>
+        <p:nvSpPr>
+          <p:cNvPr id="13" name="Rectangle 12">
+            <a:extLst>
+              <a:ext uri="{FF2B5EF4-FFF2-40B4-BE49-F238E27FC236}">
+                <a16:creationId xmlns:a16="http://schemas.microsoft.com/office/drawing/2014/main" id="{9228BB16-3CD1-4AB1-B5BD-8A958DDC83CA}"/>
+              </a:ext>
+            </a:extLst>
+          </p:cNvPr>
+          <p:cNvSpPr/>
+          <p:nvPr/>
+        </p:nvSpPr>
+        <p:spPr>
+          <a:xfrm>
+            <a:off x="5732475" y="1781145"/>
+            <a:ext cx="6096000" cy="2308324"/>
+          </a:xfrm>
+          <a:prstGeom prst="rect">
+            <a:avLst/>
+          </a:prstGeom>
+        </p:spPr>
+        <p:txBody>
+          <a:bodyPr>
+            <a:spAutoFit/>
+          </a:bodyPr>
+          <a:lstStyle/>
+          <a:p>
+            <a:r>
+              <a:rPr lang="en-IN" dirty="0"/>
+              <a:t>Finds and loads settings from an external project. &lt;</a:t>
+            </a:r>
+            <a:r>
+              <a:rPr lang="en-IN" dirty="0" err="1"/>
+              <a:t>PackageName</a:t>
+            </a:r>
+            <a:r>
+              <a:rPr lang="en-IN" dirty="0"/>
+              <a:t>&gt;_FOUND will be set to indicate whether the package was found. When the package is found package-specific information is provided through variables and Imported Targets documented by the package itself</a:t>
+            </a:r>
+          </a:p>
+          <a:p>
+            <a:endParaRPr lang="en-IN" dirty="0"/>
+          </a:p>
+          <a:p>
+            <a:endParaRPr lang="en-IN" dirty="0"/>
+          </a:p>
+        </p:txBody>
+      </p:sp>
+      <p:sp>
+        <p:nvSpPr>
+          <p:cNvPr id="14" name="TextBox 13">
+            <a:extLst>
+              <a:ext uri="{FF2B5EF4-FFF2-40B4-BE49-F238E27FC236}">
+                <a16:creationId xmlns:a16="http://schemas.microsoft.com/office/drawing/2014/main" id="{89749369-8464-4CE9-A4B3-A89B49D9B0EC}"/>
+              </a:ext>
+            </a:extLst>
+          </p:cNvPr>
+          <p:cNvSpPr txBox="1"/>
+          <p:nvPr/>
+        </p:nvSpPr>
+        <p:spPr>
+          <a:xfrm>
+            <a:off x="3649211" y="788565"/>
+            <a:ext cx="6560191" cy="461665"/>
+          </a:xfrm>
+          <a:prstGeom prst="rect">
+            <a:avLst/>
+          </a:prstGeom>
+          <a:noFill/>
+        </p:spPr>
+        <p:txBody>
+          <a:bodyPr wrap="square" rtlCol="0">
+            <a:spAutoFit/>
+          </a:bodyPr>
+          <a:lstStyle/>
+          <a:p>
+            <a:r>
+              <a:rPr lang="en-IN" sz="2400" dirty="0" err="1"/>
+              <a:t>Find_package</a:t>
+            </a:r>
+            <a:r>
+              <a:rPr lang="en-IN" sz="2400" dirty="0"/>
+              <a:t>()</a:t>
+            </a:r>
+          </a:p>
+        </p:txBody>
+      </p:sp>
+      <p:sp>
+        <p:nvSpPr>
+          <p:cNvPr id="15" name="Rectangle 14">
+            <a:extLst>
+              <a:ext uri="{FF2B5EF4-FFF2-40B4-BE49-F238E27FC236}">
+                <a16:creationId xmlns:a16="http://schemas.microsoft.com/office/drawing/2014/main" id="{9B38E79F-0108-4B98-BC94-48446FCBCF69}"/>
+              </a:ext>
+            </a:extLst>
+          </p:cNvPr>
+          <p:cNvSpPr/>
+          <p:nvPr/>
+        </p:nvSpPr>
+        <p:spPr>
+          <a:xfrm>
+            <a:off x="240487" y="6370926"/>
+            <a:ext cx="5630067" cy="369332"/>
+          </a:xfrm>
+          <a:prstGeom prst="rect">
+            <a:avLst/>
+          </a:prstGeom>
+        </p:spPr>
+        <p:txBody>
+          <a:bodyPr wrap="none">
+            <a:spAutoFit/>
+          </a:bodyPr>
+          <a:lstStyle/>
+          <a:p>
+            <a:r>
+              <a:rPr lang="en-IN" dirty="0" err="1">
+                <a:solidFill>
+                  <a:srgbClr val="0000FF"/>
+                </a:solidFill>
+                <a:latin typeface="Consolas" panose="020B0609020204030204" pitchFamily="49" charset="0"/>
+              </a:rPr>
+              <a:t>find_package</a:t>
+            </a:r>
+            <a:r>
+              <a:rPr lang="en-IN" dirty="0">
+                <a:solidFill>
+                  <a:srgbClr val="000000"/>
+                </a:solidFill>
+                <a:latin typeface="Consolas" panose="020B0609020204030204" pitchFamily="49" charset="0"/>
+              </a:rPr>
+              <a:t> (</a:t>
+            </a:r>
+            <a:r>
+              <a:rPr lang="en-IN" dirty="0" err="1">
+                <a:solidFill>
+                  <a:srgbClr val="000000"/>
+                </a:solidFill>
+                <a:latin typeface="Consolas" panose="020B0609020204030204" pitchFamily="49" charset="0"/>
+              </a:rPr>
+              <a:t>nlohmann_json</a:t>
+            </a:r>
+            <a:r>
+              <a:rPr lang="en-IN" dirty="0">
+                <a:solidFill>
+                  <a:srgbClr val="000000"/>
+                </a:solidFill>
+                <a:latin typeface="Consolas" panose="020B0609020204030204" pitchFamily="49" charset="0"/>
+              </a:rPr>
+              <a:t> 3.2.0 REQUIRED)</a:t>
+            </a:r>
+            <a:endParaRPr lang="en-IN" dirty="0"/>
+          </a:p>
+        </p:txBody>
+      </p:sp>
+      <p:sp>
+        <p:nvSpPr>
+          <p:cNvPr id="17" name="Rectangle: Rounded Corners 16">
+            <a:extLst>
+              <a:ext uri="{FF2B5EF4-FFF2-40B4-BE49-F238E27FC236}">
+                <a16:creationId xmlns:a16="http://schemas.microsoft.com/office/drawing/2014/main" id="{655C6816-268B-493F-B424-AA5AFCFEE137}"/>
+              </a:ext>
+            </a:extLst>
+          </p:cNvPr>
+          <p:cNvSpPr/>
+          <p:nvPr/>
+        </p:nvSpPr>
+        <p:spPr>
+          <a:xfrm>
+            <a:off x="5732475" y="3842158"/>
+            <a:ext cx="6414779" cy="2898100"/>
+          </a:xfrm>
+          <a:prstGeom prst="roundRect">
+            <a:avLst/>
+          </a:prstGeom>
+        </p:spPr>
+        <p:style>
+          <a:lnRef idx="2">
+            <a:schemeClr val="accent1">
+              <a:shade val="50000"/>
+            </a:schemeClr>
+          </a:lnRef>
+          <a:fillRef idx="1">
+            <a:schemeClr val="accent1"/>
+          </a:fillRef>
+          <a:effectRef idx="0">
+            <a:schemeClr val="accent1"/>
+          </a:effectRef>
+          <a:fontRef idx="minor">
+            <a:schemeClr val="lt1"/>
+          </a:fontRef>
+        </p:style>
+        <p:txBody>
+          <a:bodyPr rtlCol="0" anchor="ctr"/>
+          <a:lstStyle/>
+          <a:p>
+            <a:r>
+              <a:rPr lang="en-IN" dirty="0" err="1"/>
+              <a:t>find_package</a:t>
+            </a:r>
+            <a:r>
+              <a:rPr lang="en-IN" dirty="0"/>
+              <a:t> (Python COMPONENTS Development)</a:t>
+            </a:r>
+          </a:p>
+          <a:p>
+            <a:r>
+              <a:rPr lang="en-IN" dirty="0"/>
+              <a:t>if (</a:t>
+            </a:r>
+            <a:r>
+              <a:rPr lang="en-IN" dirty="0" err="1"/>
+              <a:t>Python_FOUND</a:t>
+            </a:r>
+            <a:r>
+              <a:rPr lang="en-IN" dirty="0"/>
+              <a:t>)</a:t>
+            </a:r>
+          </a:p>
+          <a:p>
+            <a:r>
+              <a:rPr lang="en-IN" dirty="0"/>
+              <a:t> message ("Found PYTHON  !")</a:t>
+            </a:r>
+          </a:p>
+          <a:p>
+            <a:endParaRPr lang="en-IN" dirty="0"/>
+          </a:p>
+          <a:p>
+            <a:r>
+              <a:rPr lang="en-IN" dirty="0"/>
+              <a:t> #</a:t>
+            </a:r>
+            <a:r>
+              <a:rPr lang="en-IN" dirty="0" err="1"/>
+              <a:t>add_definitions</a:t>
+            </a:r>
+            <a:r>
+              <a:rPr lang="en-IN" dirty="0"/>
+              <a:t> (-DBUILD_WITH_PYTHON)</a:t>
+            </a:r>
+          </a:p>
+          <a:p>
+            <a:r>
+              <a:rPr lang="en-IN" dirty="0"/>
+              <a:t>else()</a:t>
+            </a:r>
+          </a:p>
+          <a:p>
+            <a:r>
+              <a:rPr lang="en-IN" dirty="0"/>
+              <a:t>  message ("Python NOT found :(")</a:t>
+            </a:r>
+          </a:p>
+          <a:p>
+            <a:r>
+              <a:rPr lang="en-IN" dirty="0"/>
+              <a:t>endif ()</a:t>
+            </a:r>
+          </a:p>
+        </p:txBody>
+      </p:sp>
+    </p:spTree>
+    <p:extLst>
+      <p:ext uri="{BB962C8B-B14F-4D97-AF65-F5344CB8AC3E}">
+        <p14:creationId xmlns:p14="http://schemas.microsoft.com/office/powerpoint/2010/main" val="2795884933"/>
+      </p:ext>
+    </p:extLst>
+  </p:cSld>
+  <p:clrMapOvr>
+    <a:masterClrMapping/>
+  </p:clrMapOvr>
+</p:sld>
+</file>
+
+<file path=ppt/slides/slide13.xml><?xml version="1.0" encoding="utf-8"?>
+<p:sld xmlns:a="http://schemas.openxmlformats.org/drawingml/2006/main" xmlns:r="http://schemas.openxmlformats.org/officeDocument/2006/relationships" xmlns:p="http://schemas.openxmlformats.org/presentationml/2006/main">
+  <p:cSld>
+    <p:spTree>
+      <p:nvGrpSpPr>
+        <p:cNvPr id="1" name=""/>
+        <p:cNvGrpSpPr/>
+        <p:nvPr/>
+      </p:nvGrpSpPr>
+      <p:grpSpPr>
+        <a:xfrm>
+          <a:off x="0" y="0"/>
+          <a:ext cx="0" cy="0"/>
+          <a:chOff x="0" y="0"/>
+          <a:chExt cx="0" cy="0"/>
+        </a:xfrm>
+      </p:grpSpPr>
+      <p:sp>
+        <p:nvSpPr>
+          <p:cNvPr id="2" name="Rectangle 1">
+            <a:extLst>
+              <a:ext uri="{FF2B5EF4-FFF2-40B4-BE49-F238E27FC236}">
+                <a16:creationId xmlns:a16="http://schemas.microsoft.com/office/drawing/2014/main" id="{7EA72526-9BF1-4F71-94AB-2FDB34554F6D}"/>
+              </a:ext>
+            </a:extLst>
+          </p:cNvPr>
+          <p:cNvSpPr/>
+          <p:nvPr/>
+        </p:nvSpPr>
+        <p:spPr>
+          <a:xfrm>
+            <a:off x="329966" y="3650958"/>
+            <a:ext cx="10181439" cy="646331"/>
+          </a:xfrm>
+          <a:prstGeom prst="rect">
+            <a:avLst/>
+          </a:prstGeom>
+        </p:spPr>
+        <p:txBody>
+          <a:bodyPr wrap="square">
+            <a:spAutoFit/>
+          </a:bodyPr>
+          <a:lstStyle/>
+          <a:p>
+            <a:r>
+              <a:rPr lang="en-IN" dirty="0">
+                <a:solidFill>
+                  <a:srgbClr val="008000"/>
+                </a:solidFill>
+                <a:latin typeface="Consolas" panose="020B0609020204030204" pitchFamily="49" charset="0"/>
+              </a:rPr>
+              <a:t># put the libs in the main bin directory for easy access from execs</a:t>
+            </a:r>
+            <a:endParaRPr lang="en-IN" dirty="0">
+              <a:solidFill>
+                <a:srgbClr val="000000"/>
+              </a:solidFill>
+              <a:latin typeface="Consolas" panose="020B0609020204030204" pitchFamily="49" charset="0"/>
+            </a:endParaRPr>
+          </a:p>
+          <a:p>
+            <a:r>
+              <a:rPr lang="en-IN" dirty="0">
+                <a:solidFill>
+                  <a:srgbClr val="0000FF"/>
+                </a:solidFill>
+                <a:latin typeface="Consolas" panose="020B0609020204030204" pitchFamily="49" charset="0"/>
+              </a:rPr>
+              <a:t>set</a:t>
+            </a:r>
+            <a:r>
+              <a:rPr lang="en-IN" dirty="0">
+                <a:solidFill>
+                  <a:srgbClr val="000000"/>
+                </a:solidFill>
+                <a:latin typeface="Consolas" panose="020B0609020204030204" pitchFamily="49" charset="0"/>
+              </a:rPr>
+              <a:t>(CMAKE_RUNTIME_OUTPUT_DIRECTORY </a:t>
+            </a:r>
+            <a:r>
+              <a:rPr lang="en-IN" b="1" dirty="0">
+                <a:solidFill>
+                  <a:srgbClr val="008800"/>
+                </a:solidFill>
+                <a:latin typeface="Consolas" panose="020B0609020204030204" pitchFamily="49" charset="0"/>
+              </a:rPr>
+              <a:t>${CMAKE_BINARY_DIR}</a:t>
+            </a:r>
+            <a:r>
+              <a:rPr lang="en-IN" dirty="0">
+                <a:solidFill>
+                  <a:srgbClr val="000000"/>
+                </a:solidFill>
+                <a:latin typeface="Consolas" panose="020B0609020204030204" pitchFamily="49" charset="0"/>
+              </a:rPr>
+              <a:t>)</a:t>
+            </a:r>
+            <a:endParaRPr lang="en-IN" dirty="0"/>
+          </a:p>
+        </p:txBody>
+      </p:sp>
+      <p:sp>
+        <p:nvSpPr>
+          <p:cNvPr id="3" name="Rectangle 2">
+            <a:extLst>
+              <a:ext uri="{FF2B5EF4-FFF2-40B4-BE49-F238E27FC236}">
+                <a16:creationId xmlns:a16="http://schemas.microsoft.com/office/drawing/2014/main" id="{9CB45557-C09B-44B9-9683-705A84A08812}"/>
+              </a:ext>
+            </a:extLst>
+          </p:cNvPr>
+          <p:cNvSpPr/>
+          <p:nvPr/>
+        </p:nvSpPr>
+        <p:spPr>
+          <a:xfrm>
+            <a:off x="606802" y="2006713"/>
+            <a:ext cx="9652933" cy="923330"/>
+          </a:xfrm>
+          <a:prstGeom prst="rect">
+            <a:avLst/>
+          </a:prstGeom>
+        </p:spPr>
+        <p:txBody>
+          <a:bodyPr wrap="square">
+            <a:spAutoFit/>
+          </a:bodyPr>
+          <a:lstStyle/>
+          <a:p>
+            <a:pPr algn="just"/>
+            <a:r>
+              <a:rPr lang="en-IN" dirty="0">
+                <a:solidFill>
+                  <a:srgbClr val="444444"/>
+                </a:solidFill>
+                <a:latin typeface="Arial" panose="020B0604020202020204" pitchFamily="34" charset="0"/>
+              </a:rPr>
+              <a:t>Where to put all the RUNTIME targets when built.</a:t>
+            </a:r>
+          </a:p>
+          <a:p>
+            <a:pPr algn="just"/>
+            <a:r>
+              <a:rPr lang="en-IN" dirty="0">
+                <a:solidFill>
+                  <a:srgbClr val="444444"/>
+                </a:solidFill>
+                <a:latin typeface="Arial" panose="020B0604020202020204" pitchFamily="34" charset="0"/>
+              </a:rPr>
+              <a:t>This variable is used to initialize the RUNTIME_OUTPUT_DIRECTORY property on all the targets. See that target property for additional information.</a:t>
+            </a:r>
+            <a:endParaRPr lang="en-IN" b="0" i="0" dirty="0">
+              <a:solidFill>
+                <a:srgbClr val="444444"/>
+              </a:solidFill>
+              <a:effectLst/>
+              <a:latin typeface="Arial" panose="020B0604020202020204" pitchFamily="34" charset="0"/>
+            </a:endParaRPr>
+          </a:p>
+        </p:txBody>
+      </p:sp>
+      <p:sp>
+        <p:nvSpPr>
+          <p:cNvPr id="9" name="TextBox 8">
+            <a:extLst>
+              <a:ext uri="{FF2B5EF4-FFF2-40B4-BE49-F238E27FC236}">
+                <a16:creationId xmlns:a16="http://schemas.microsoft.com/office/drawing/2014/main" id="{2BEEA149-8A6E-49AE-845E-EF0BC81CD1AB}"/>
+              </a:ext>
+            </a:extLst>
+          </p:cNvPr>
+          <p:cNvSpPr txBox="1"/>
+          <p:nvPr/>
+        </p:nvSpPr>
+        <p:spPr>
+          <a:xfrm>
+            <a:off x="3187816" y="824133"/>
+            <a:ext cx="6560191" cy="461665"/>
+          </a:xfrm>
+          <a:prstGeom prst="rect">
+            <a:avLst/>
+          </a:prstGeom>
+          <a:noFill/>
+        </p:spPr>
+        <p:txBody>
+          <a:bodyPr wrap="square" rtlCol="0">
+            <a:spAutoFit/>
+          </a:bodyPr>
+          <a:lstStyle/>
+          <a:p>
+            <a:r>
+              <a:rPr lang="en-IN" sz="2400" dirty="0"/>
+              <a:t>CMAKE_RUNTIME_OUTPUT_DIRECTORY</a:t>
+            </a:r>
+          </a:p>
+        </p:txBody>
+      </p:sp>
+      <p:sp>
+        <p:nvSpPr>
+          <p:cNvPr id="6" name="Rectangle 5">
+            <a:extLst>
+              <a:ext uri="{FF2B5EF4-FFF2-40B4-BE49-F238E27FC236}">
+                <a16:creationId xmlns:a16="http://schemas.microsoft.com/office/drawing/2014/main" id="{375B40C2-D818-4963-89A6-6330185AFB16}"/>
+              </a:ext>
+            </a:extLst>
+          </p:cNvPr>
+          <p:cNvSpPr/>
+          <p:nvPr/>
+        </p:nvSpPr>
+        <p:spPr>
+          <a:xfrm>
+            <a:off x="464191" y="4741205"/>
+            <a:ext cx="10047214" cy="923330"/>
+          </a:xfrm>
+          <a:prstGeom prst="rect">
+            <a:avLst/>
+          </a:prstGeom>
+        </p:spPr>
+        <p:txBody>
+          <a:bodyPr wrap="square">
+            <a:spAutoFit/>
+          </a:bodyPr>
+          <a:lstStyle/>
+          <a:p>
+            <a:r>
+              <a:rPr lang="en-IN" dirty="0"/>
+              <a:t>set(CMAKE_ARCHIVE_OUTPUT_DIRECTORY ${CMAKE_BINARY_DIR}/lib)</a:t>
+            </a:r>
+          </a:p>
+          <a:p>
+            <a:r>
+              <a:rPr lang="en-IN" dirty="0"/>
+              <a:t>set(CMAKE_LIBRARY_OUTPUT_DIRECTORY ${CMAKE_BINARY_DIR}/lib)</a:t>
+            </a:r>
+          </a:p>
+          <a:p>
+            <a:r>
+              <a:rPr lang="en-IN" dirty="0"/>
+              <a:t>set(CMAKE_RUNTIME_OUTPUT_DIRECTORY ${CMAKE_BINARY_DIR}/bin)</a:t>
+            </a:r>
+          </a:p>
+        </p:txBody>
+      </p:sp>
+    </p:spTree>
+    <p:extLst>
+      <p:ext uri="{BB962C8B-B14F-4D97-AF65-F5344CB8AC3E}">
+        <p14:creationId xmlns:p14="http://schemas.microsoft.com/office/powerpoint/2010/main" val="104768567"/>
+      </p:ext>
+    </p:extLst>
+  </p:cSld>
+  <p:clrMapOvr>
+    <a:masterClrMapping/>
+  </p:clrMapOvr>
+</p:sld>
+</file>
+
+<file path=ppt/slides/slide14.xml><?xml version="1.0" encoding="utf-8"?>
+<p:sld xmlns:a="http://schemas.openxmlformats.org/drawingml/2006/main" xmlns:r="http://schemas.openxmlformats.org/officeDocument/2006/relationships" xmlns:p="http://schemas.openxmlformats.org/presentationml/2006/main">
+  <p:cSld>
+    <p:spTree>
+      <p:nvGrpSpPr>
+        <p:cNvPr id="1" name=""/>
+        <p:cNvGrpSpPr/>
+        <p:nvPr/>
+      </p:nvGrpSpPr>
+      <p:grpSpPr>
+        <a:xfrm>
+          <a:off x="0" y="0"/>
+          <a:ext cx="0" cy="0"/>
+          <a:chOff x="0" y="0"/>
+          <a:chExt cx="0" cy="0"/>
+        </a:xfrm>
+      </p:grpSpPr>
+      <p:sp>
+        <p:nvSpPr>
+          <p:cNvPr id="2" name="Rectangle 1">
+            <a:extLst>
+              <a:ext uri="{FF2B5EF4-FFF2-40B4-BE49-F238E27FC236}">
+                <a16:creationId xmlns:a16="http://schemas.microsoft.com/office/drawing/2014/main" id="{08987034-E70F-456F-8863-2986AA909F66}"/>
+              </a:ext>
+            </a:extLst>
+          </p:cNvPr>
+          <p:cNvSpPr/>
+          <p:nvPr/>
+        </p:nvSpPr>
+        <p:spPr>
+          <a:xfrm>
+            <a:off x="262856" y="2278790"/>
+            <a:ext cx="11929144" cy="2585323"/>
+          </a:xfrm>
+          <a:prstGeom prst="rect">
+            <a:avLst/>
+          </a:prstGeom>
+        </p:spPr>
+        <p:txBody>
+          <a:bodyPr wrap="square">
+            <a:spAutoFit/>
+          </a:bodyPr>
+          <a:lstStyle/>
+          <a:p>
+            <a:r>
+              <a:rPr lang="en-IN" dirty="0"/>
+              <a:t># get </a:t>
+            </a:r>
+            <a:r>
+              <a:rPr lang="en-IN" dirty="0" err="1"/>
+              <a:t>libconfig</a:t>
+            </a:r>
+            <a:endParaRPr lang="en-IN" dirty="0"/>
+          </a:p>
+          <a:p>
+            <a:r>
+              <a:rPr lang="en-IN" dirty="0"/>
+              <a:t>if (WIN32)</a:t>
+            </a:r>
+          </a:p>
+          <a:p>
+            <a:r>
+              <a:rPr lang="en-IN" dirty="0"/>
+              <a:t>  set(LIBCONFIG++_INCLUDE_DIRS "C:/Program\ Files\ (x86)/</a:t>
+            </a:r>
+            <a:r>
+              <a:rPr lang="en-IN" dirty="0" err="1"/>
+              <a:t>libconfig</a:t>
+            </a:r>
+            <a:r>
+              <a:rPr lang="en-IN" dirty="0"/>
+              <a:t>/include/")</a:t>
+            </a:r>
+          </a:p>
+          <a:p>
+            <a:r>
+              <a:rPr lang="en-IN" dirty="0"/>
+              <a:t>  set(LIBCONFIG++_LIBRARIES "C:/Program\ Files\ (x86)/</a:t>
+            </a:r>
+            <a:r>
+              <a:rPr lang="en-IN" dirty="0" err="1"/>
+              <a:t>libconfig</a:t>
+            </a:r>
+            <a:r>
+              <a:rPr lang="en-IN" dirty="0"/>
+              <a:t>/lib/</a:t>
+            </a:r>
+            <a:r>
+              <a:rPr lang="en-IN" dirty="0" err="1"/>
+              <a:t>libconfig</a:t>
+            </a:r>
+            <a:r>
+              <a:rPr lang="en-IN" dirty="0"/>
+              <a:t>++.lib")</a:t>
+            </a:r>
+          </a:p>
+          <a:p>
+            <a:r>
+              <a:rPr lang="en-IN" dirty="0"/>
+              <a:t>else()</a:t>
+            </a:r>
+          </a:p>
+          <a:p>
+            <a:r>
+              <a:rPr lang="en-IN" dirty="0"/>
+              <a:t>  </a:t>
+            </a:r>
+            <a:r>
+              <a:rPr lang="en-IN" dirty="0" err="1"/>
+              <a:t>find_package</a:t>
+            </a:r>
+            <a:r>
+              <a:rPr lang="en-IN" dirty="0"/>
+              <a:t> (</a:t>
+            </a:r>
+            <a:r>
+              <a:rPr lang="en-IN" dirty="0" err="1"/>
+              <a:t>libconfig</a:t>
+            </a:r>
+            <a:r>
+              <a:rPr lang="en-IN" dirty="0"/>
+              <a:t>++ REQUIRED)</a:t>
+            </a:r>
+          </a:p>
+          <a:p>
+            <a:r>
+              <a:rPr lang="en-IN" dirty="0"/>
+              <a:t>endif()</a:t>
+            </a:r>
+          </a:p>
+          <a:p>
+            <a:endParaRPr lang="en-IN" dirty="0"/>
+          </a:p>
+          <a:p>
+            <a:r>
+              <a:rPr lang="en-IN" dirty="0" err="1"/>
+              <a:t>include_directories</a:t>
+            </a:r>
+            <a:r>
+              <a:rPr lang="en-IN" dirty="0"/>
+              <a:t>(${LIBCONFIG++_INCLUDE_DIRS})</a:t>
+            </a:r>
+          </a:p>
+        </p:txBody>
+      </p:sp>
+      <p:sp>
+        <p:nvSpPr>
+          <p:cNvPr id="3" name="TextBox 2">
+            <a:extLst>
+              <a:ext uri="{FF2B5EF4-FFF2-40B4-BE49-F238E27FC236}">
+                <a16:creationId xmlns:a16="http://schemas.microsoft.com/office/drawing/2014/main" id="{F39416D7-2B0F-4CCA-B5A7-F2F78648BBC3}"/>
+              </a:ext>
+            </a:extLst>
+          </p:cNvPr>
+          <p:cNvSpPr txBox="1"/>
+          <p:nvPr/>
+        </p:nvSpPr>
+        <p:spPr>
+          <a:xfrm>
+            <a:off x="2785145" y="788565"/>
+            <a:ext cx="8078598" cy="461665"/>
+          </a:xfrm>
+          <a:prstGeom prst="rect">
+            <a:avLst/>
+          </a:prstGeom>
+          <a:noFill/>
+        </p:spPr>
+        <p:txBody>
+          <a:bodyPr wrap="square" rtlCol="0">
+            <a:spAutoFit/>
+          </a:bodyPr>
+          <a:lstStyle/>
+          <a:p>
+            <a:r>
+              <a:rPr lang="en-IN" sz="2400" dirty="0"/>
+              <a:t>Manually specifying Include directories and libraries</a:t>
+            </a:r>
+          </a:p>
+        </p:txBody>
+      </p:sp>
+    </p:spTree>
+    <p:extLst>
+      <p:ext uri="{BB962C8B-B14F-4D97-AF65-F5344CB8AC3E}">
+        <p14:creationId xmlns:p14="http://schemas.microsoft.com/office/powerpoint/2010/main" val="565261341"/>
+      </p:ext>
+    </p:extLst>
+  </p:cSld>
+  <p:clrMapOvr>
+    <a:masterClrMapping/>
+  </p:clrMapOvr>
+</p:sld>
+</file>
+
+<file path=ppt/slides/slide15.xml><?xml version="1.0" encoding="utf-8"?>
+<p:sld xmlns:a="http://schemas.openxmlformats.org/drawingml/2006/main" xmlns:r="http://schemas.openxmlformats.org/officeDocument/2006/relationships" xmlns:p="http://schemas.openxmlformats.org/presentationml/2006/main">
+  <p:cSld>
+    <p:spTree>
+      <p:nvGrpSpPr>
+        <p:cNvPr id="1" name=""/>
+        <p:cNvGrpSpPr/>
+        <p:nvPr/>
+      </p:nvGrpSpPr>
+      <p:grpSpPr>
+        <a:xfrm>
+          <a:off x="0" y="0"/>
+          <a:ext cx="0" cy="0"/>
+          <a:chOff x="0" y="0"/>
+          <a:chExt cx="0" cy="0"/>
+        </a:xfrm>
+      </p:grpSpPr>
+      <p:sp>
+        <p:nvSpPr>
+          <p:cNvPr id="2" name="Rectangle 1">
+            <a:extLst>
+              <a:ext uri="{FF2B5EF4-FFF2-40B4-BE49-F238E27FC236}">
+                <a16:creationId xmlns:a16="http://schemas.microsoft.com/office/drawing/2014/main" id="{FD8C5DE6-C5A4-4AD7-AD06-1F054DCA10EA}"/>
+              </a:ext>
+            </a:extLst>
+          </p:cNvPr>
+          <p:cNvSpPr/>
+          <p:nvPr/>
+        </p:nvSpPr>
+        <p:spPr>
+          <a:xfrm>
+            <a:off x="167780" y="1812308"/>
+            <a:ext cx="11610363" cy="4247317"/>
+          </a:xfrm>
+          <a:prstGeom prst="rect">
+            <a:avLst/>
+          </a:prstGeom>
+        </p:spPr>
+        <p:txBody>
+          <a:bodyPr wrap="square">
+            <a:spAutoFit/>
+          </a:bodyPr>
+          <a:lstStyle/>
+          <a:p>
+            <a:r>
+              <a:rPr lang="en-IN" dirty="0">
+                <a:latin typeface="Arial" panose="020B0604020202020204" pitchFamily="34" charset="0"/>
+                <a:cs typeface="Arial" panose="020B0604020202020204" pitchFamily="34" charset="0"/>
+              </a:rPr>
+              <a:t>The idea is that you build modules in </a:t>
+            </a:r>
+            <a:r>
+              <a:rPr lang="en-IN" dirty="0" err="1">
+                <a:latin typeface="Arial" panose="020B0604020202020204" pitchFamily="34" charset="0"/>
+                <a:cs typeface="Arial" panose="020B0604020202020204" pitchFamily="34" charset="0"/>
+              </a:rPr>
+              <a:t>CMake</a:t>
+            </a:r>
+            <a:r>
+              <a:rPr lang="en-IN" dirty="0">
+                <a:latin typeface="Arial" panose="020B0604020202020204" pitchFamily="34" charset="0"/>
+                <a:cs typeface="Arial" panose="020B0604020202020204" pitchFamily="34" charset="0"/>
+              </a:rPr>
+              <a:t>, and link them together. Let's ignore header files for now, as they can be all included in your source files.</a:t>
+            </a:r>
+          </a:p>
+          <a:p>
+            <a:endParaRPr lang="en-IN" dirty="0">
+              <a:latin typeface="Arial" panose="020B0604020202020204" pitchFamily="34" charset="0"/>
+              <a:cs typeface="Arial" panose="020B0604020202020204" pitchFamily="34" charset="0"/>
+            </a:endParaRPr>
+          </a:p>
+          <a:p>
+            <a:r>
+              <a:rPr lang="en-IN" dirty="0">
+                <a:latin typeface="Arial" panose="020B0604020202020204" pitchFamily="34" charset="0"/>
+                <a:cs typeface="Arial" panose="020B0604020202020204" pitchFamily="34" charset="0"/>
+              </a:rPr>
+              <a:t>Say you have file1.cpp, file2.cpp, main.cpp. You add them to your project with:</a:t>
+            </a:r>
+          </a:p>
+          <a:p>
+            <a:endParaRPr lang="en-IN" dirty="0">
+              <a:latin typeface="Arial" panose="020B0604020202020204" pitchFamily="34" charset="0"/>
+              <a:cs typeface="Arial" panose="020B0604020202020204" pitchFamily="34" charset="0"/>
+            </a:endParaRPr>
+          </a:p>
+          <a:p>
+            <a:r>
+              <a:rPr lang="en-IN" dirty="0" err="1">
+                <a:latin typeface="Arial" panose="020B0604020202020204" pitchFamily="34" charset="0"/>
+                <a:cs typeface="Arial" panose="020B0604020202020204" pitchFamily="34" charset="0"/>
+              </a:rPr>
+              <a:t>add_library</a:t>
+            </a:r>
+            <a:r>
+              <a:rPr lang="en-IN" dirty="0">
+                <a:latin typeface="Arial" panose="020B0604020202020204" pitchFamily="34" charset="0"/>
+                <a:cs typeface="Arial" panose="020B0604020202020204" pitchFamily="34" charset="0"/>
+              </a:rPr>
+              <a:t>(</a:t>
+            </a:r>
+            <a:r>
+              <a:rPr lang="en-IN" dirty="0" err="1">
+                <a:latin typeface="Arial" panose="020B0604020202020204" pitchFamily="34" charset="0"/>
+                <a:cs typeface="Arial" panose="020B0604020202020204" pitchFamily="34" charset="0"/>
+              </a:rPr>
+              <a:t>LibsModule</a:t>
+            </a:r>
+            <a:r>
+              <a:rPr lang="en-IN" dirty="0">
+                <a:latin typeface="Arial" panose="020B0604020202020204" pitchFamily="34" charset="0"/>
+                <a:cs typeface="Arial" panose="020B0604020202020204" pitchFamily="34" charset="0"/>
+              </a:rPr>
+              <a:t> </a:t>
+            </a:r>
+          </a:p>
+          <a:p>
+            <a:r>
+              <a:rPr lang="en-IN" dirty="0">
+                <a:latin typeface="Arial" panose="020B0604020202020204" pitchFamily="34" charset="0"/>
+                <a:cs typeface="Arial" panose="020B0604020202020204" pitchFamily="34" charset="0"/>
+              </a:rPr>
+              <a:t>    file1.cpp</a:t>
+            </a:r>
+          </a:p>
+          <a:p>
+            <a:r>
+              <a:rPr lang="en-IN" dirty="0">
+                <a:latin typeface="Arial" panose="020B0604020202020204" pitchFamily="34" charset="0"/>
+                <a:cs typeface="Arial" panose="020B0604020202020204" pitchFamily="34" charset="0"/>
+              </a:rPr>
+              <a:t>    file2.cpp</a:t>
+            </a:r>
+          </a:p>
+          <a:p>
+            <a:r>
+              <a:rPr lang="en-IN" dirty="0">
+                <a:latin typeface="Arial" panose="020B0604020202020204" pitchFamily="34" charset="0"/>
+                <a:cs typeface="Arial" panose="020B0604020202020204" pitchFamily="34" charset="0"/>
+              </a:rPr>
+              <a:t>)</a:t>
+            </a:r>
+          </a:p>
+          <a:p>
+            <a:r>
+              <a:rPr lang="en-IN" dirty="0">
+                <a:latin typeface="Arial" panose="020B0604020202020204" pitchFamily="34" charset="0"/>
+                <a:cs typeface="Arial" panose="020B0604020202020204" pitchFamily="34" charset="0"/>
+              </a:rPr>
+              <a:t>Now you added them to a module called </a:t>
+            </a:r>
+            <a:r>
+              <a:rPr lang="en-IN" dirty="0" err="1">
+                <a:latin typeface="Arial" panose="020B0604020202020204" pitchFamily="34" charset="0"/>
+                <a:cs typeface="Arial" panose="020B0604020202020204" pitchFamily="34" charset="0"/>
+              </a:rPr>
+              <a:t>LibsModule</a:t>
+            </a:r>
+            <a:r>
+              <a:rPr lang="en-IN" dirty="0">
+                <a:latin typeface="Arial" panose="020B0604020202020204" pitchFamily="34" charset="0"/>
+                <a:cs typeface="Arial" panose="020B0604020202020204" pitchFamily="34" charset="0"/>
+              </a:rPr>
+              <a:t>. Keep that in mind. Say you want to link to </a:t>
+            </a:r>
+            <a:r>
+              <a:rPr lang="en-IN" dirty="0" err="1">
+                <a:latin typeface="Arial" panose="020B0604020202020204" pitchFamily="34" charset="0"/>
+                <a:cs typeface="Arial" panose="020B0604020202020204" pitchFamily="34" charset="0"/>
+              </a:rPr>
+              <a:t>pthread</a:t>
+            </a:r>
+            <a:r>
+              <a:rPr lang="en-IN" dirty="0">
+                <a:latin typeface="Arial" panose="020B0604020202020204" pitchFamily="34" charset="0"/>
+                <a:cs typeface="Arial" panose="020B0604020202020204" pitchFamily="34" charset="0"/>
+              </a:rPr>
+              <a:t> for example that's already in the system. You can combine it with </a:t>
+            </a:r>
+            <a:r>
+              <a:rPr lang="en-IN" dirty="0" err="1">
+                <a:latin typeface="Arial" panose="020B0604020202020204" pitchFamily="34" charset="0"/>
+                <a:cs typeface="Arial" panose="020B0604020202020204" pitchFamily="34" charset="0"/>
+              </a:rPr>
+              <a:t>LibsModule</a:t>
+            </a:r>
+            <a:r>
+              <a:rPr lang="en-IN" dirty="0">
+                <a:latin typeface="Arial" panose="020B0604020202020204" pitchFamily="34" charset="0"/>
+                <a:cs typeface="Arial" panose="020B0604020202020204" pitchFamily="34" charset="0"/>
+              </a:rPr>
+              <a:t> using the command:</a:t>
+            </a:r>
+          </a:p>
+          <a:p>
+            <a:r>
+              <a:rPr lang="en-IN" dirty="0" err="1">
+                <a:latin typeface="Arial" panose="020B0604020202020204" pitchFamily="34" charset="0"/>
+                <a:cs typeface="Arial" panose="020B0604020202020204" pitchFamily="34" charset="0"/>
+              </a:rPr>
+              <a:t>target_link_libraries</a:t>
+            </a:r>
+            <a:r>
+              <a:rPr lang="en-IN" dirty="0">
+                <a:latin typeface="Arial" panose="020B0604020202020204" pitchFamily="34" charset="0"/>
+                <a:cs typeface="Arial" panose="020B0604020202020204" pitchFamily="34" charset="0"/>
+              </a:rPr>
+              <a:t>(</a:t>
+            </a:r>
+            <a:r>
+              <a:rPr lang="en-IN" dirty="0" err="1">
+                <a:latin typeface="Arial" panose="020B0604020202020204" pitchFamily="34" charset="0"/>
+                <a:cs typeface="Arial" panose="020B0604020202020204" pitchFamily="34" charset="0"/>
+              </a:rPr>
+              <a:t>LibsModule</a:t>
+            </a:r>
+            <a:r>
+              <a:rPr lang="en-IN" dirty="0">
+                <a:latin typeface="Arial" panose="020B0604020202020204" pitchFamily="34" charset="0"/>
+                <a:cs typeface="Arial" panose="020B0604020202020204" pitchFamily="34" charset="0"/>
+              </a:rPr>
+              <a:t> -</a:t>
+            </a:r>
+            <a:r>
+              <a:rPr lang="en-IN" dirty="0" err="1">
+                <a:latin typeface="Arial" panose="020B0604020202020204" pitchFamily="34" charset="0"/>
+                <a:cs typeface="Arial" panose="020B0604020202020204" pitchFamily="34" charset="0"/>
+              </a:rPr>
+              <a:t>lpthread</a:t>
+            </a:r>
+            <a:r>
+              <a:rPr lang="en-IN" dirty="0">
+                <a:latin typeface="Arial" panose="020B0604020202020204" pitchFamily="34" charset="0"/>
+                <a:cs typeface="Arial" panose="020B0604020202020204" pitchFamily="34" charset="0"/>
+              </a:rPr>
+              <a:t>)</a:t>
+            </a:r>
+          </a:p>
+          <a:p>
+            <a:endParaRPr lang="en-IN" dirty="0">
+              <a:latin typeface="Arial" panose="020B0604020202020204" pitchFamily="34" charset="0"/>
+              <a:cs typeface="Arial" panose="020B0604020202020204" pitchFamily="34" charset="0"/>
+            </a:endParaRPr>
+          </a:p>
+          <a:p>
+            <a:r>
+              <a:rPr lang="en-IN" dirty="0">
+                <a:latin typeface="Arial" panose="020B0604020202020204" pitchFamily="34" charset="0"/>
+                <a:cs typeface="Arial" panose="020B0604020202020204" pitchFamily="34" charset="0"/>
+              </a:rPr>
+              <a:t>And if you want to link a static library to that too, you do this:</a:t>
+            </a:r>
+          </a:p>
+          <a:p>
+            <a:r>
+              <a:rPr lang="en-IN" dirty="0" err="1">
+                <a:latin typeface="Arial" panose="020B0604020202020204" pitchFamily="34" charset="0"/>
+                <a:cs typeface="Arial" panose="020B0604020202020204" pitchFamily="34" charset="0"/>
+              </a:rPr>
+              <a:t>target_link_libraries</a:t>
+            </a:r>
+            <a:r>
+              <a:rPr lang="en-IN" dirty="0">
+                <a:latin typeface="Arial" panose="020B0604020202020204" pitchFamily="34" charset="0"/>
+                <a:cs typeface="Arial" panose="020B0604020202020204" pitchFamily="34" charset="0"/>
+              </a:rPr>
+              <a:t>(</a:t>
+            </a:r>
+            <a:r>
+              <a:rPr lang="en-IN" dirty="0" err="1">
+                <a:latin typeface="Arial" panose="020B0604020202020204" pitchFamily="34" charset="0"/>
+                <a:cs typeface="Arial" panose="020B0604020202020204" pitchFamily="34" charset="0"/>
+              </a:rPr>
+              <a:t>LibsModule</a:t>
+            </a:r>
+            <a:r>
+              <a:rPr lang="en-IN" dirty="0">
+                <a:latin typeface="Arial" panose="020B0604020202020204" pitchFamily="34" charset="0"/>
+                <a:cs typeface="Arial" panose="020B0604020202020204" pitchFamily="34" charset="0"/>
+              </a:rPr>
+              <a:t> </a:t>
+            </a:r>
+            <a:r>
+              <a:rPr lang="en-IN" dirty="0" err="1">
+                <a:latin typeface="Arial" panose="020B0604020202020204" pitchFamily="34" charset="0"/>
+                <a:cs typeface="Arial" panose="020B0604020202020204" pitchFamily="34" charset="0"/>
+              </a:rPr>
+              <a:t>liblapack.a</a:t>
+            </a:r>
+            <a:r>
+              <a:rPr lang="en-IN" dirty="0">
+                <a:latin typeface="Arial" panose="020B0604020202020204" pitchFamily="34" charset="0"/>
+                <a:cs typeface="Arial" panose="020B0604020202020204" pitchFamily="34" charset="0"/>
+              </a:rPr>
+              <a:t>)</a:t>
+            </a:r>
+          </a:p>
+        </p:txBody>
+      </p:sp>
+      <p:sp>
+        <p:nvSpPr>
+          <p:cNvPr id="3" name="Rectangle 2">
+            <a:extLst>
+              <a:ext uri="{FF2B5EF4-FFF2-40B4-BE49-F238E27FC236}">
+                <a16:creationId xmlns:a16="http://schemas.microsoft.com/office/drawing/2014/main" id="{EFF64A88-CE58-4409-9201-CDF52F5A8C27}"/>
+              </a:ext>
+            </a:extLst>
+          </p:cNvPr>
+          <p:cNvSpPr/>
+          <p:nvPr/>
+        </p:nvSpPr>
+        <p:spPr>
+          <a:xfrm>
+            <a:off x="3366781" y="631082"/>
+            <a:ext cx="8411362" cy="461665"/>
+          </a:xfrm>
+          <a:prstGeom prst="rect">
+            <a:avLst/>
+          </a:prstGeom>
+        </p:spPr>
+        <p:txBody>
+          <a:bodyPr wrap="square">
+            <a:spAutoFit/>
+          </a:bodyPr>
+          <a:lstStyle/>
+          <a:p>
+            <a:r>
+              <a:rPr lang="en-IN" sz="2400" dirty="0"/>
+              <a:t>Creating module (library)</a:t>
+            </a:r>
+          </a:p>
+        </p:txBody>
+      </p:sp>
+    </p:spTree>
+    <p:extLst>
+      <p:ext uri="{BB962C8B-B14F-4D97-AF65-F5344CB8AC3E}">
+        <p14:creationId xmlns:p14="http://schemas.microsoft.com/office/powerpoint/2010/main" val="3598228542"/>
+      </p:ext>
+    </p:extLst>
+  </p:cSld>
+  <p:clrMapOvr>
+    <a:masterClrMapping/>
+  </p:clrMapOvr>
+</p:sld>
+</file>
+
+<file path=ppt/slides/slide16.xml><?xml version="1.0" encoding="utf-8"?>
+<p:sld xmlns:a="http://schemas.openxmlformats.org/drawingml/2006/main" xmlns:r="http://schemas.openxmlformats.org/officeDocument/2006/relationships" xmlns:p="http://schemas.openxmlformats.org/presentationml/2006/main">
+  <p:cSld>
+    <p:spTree>
+      <p:nvGrpSpPr>
+        <p:cNvPr id="1" name=""/>
+        <p:cNvGrpSpPr/>
+        <p:nvPr/>
+      </p:nvGrpSpPr>
+      <p:grpSpPr>
+        <a:xfrm>
+          <a:off x="0" y="0"/>
+          <a:ext cx="0" cy="0"/>
+          <a:chOff x="0" y="0"/>
+          <a:chExt cx="0" cy="0"/>
+        </a:xfrm>
+      </p:grpSpPr>
+      <p:sp>
+        <p:nvSpPr>
           <p:cNvPr id="2" name="Rectangle 1">
             <a:extLst>
               <a:ext uri="{FF2B5EF4-FFF2-40B4-BE49-F238E27FC236}">
@@ -14483,7 +17211,7 @@
 </p:sld>
 </file>
 
-<file path=ppt/slides/slide11.xml><?xml version="1.0" encoding="utf-8"?>
+<file path=ppt/slides/slide17.xml><?xml version="1.0" encoding="utf-8"?>
 <p:sld xmlns:a="http://schemas.openxmlformats.org/drawingml/2006/main" xmlns:r="http://schemas.openxmlformats.org/officeDocument/2006/relationships" xmlns:p="http://schemas.openxmlformats.org/presentationml/2006/main">
   <p:cSld>
     <p:spTree>
@@ -14915,159 +17643,7 @@
 </p:sld>
 </file>
 
-<file path=ppt/slides/slide12.xml><?xml version="1.0" encoding="utf-8"?>
-<p:sld xmlns:a="http://schemas.openxmlformats.org/drawingml/2006/main" xmlns:r="http://schemas.openxmlformats.org/officeDocument/2006/relationships" xmlns:p="http://schemas.openxmlformats.org/presentationml/2006/main">
-  <p:cSld>
-    <p:spTree>
-      <p:nvGrpSpPr>
-        <p:cNvPr id="1" name=""/>
-        <p:cNvGrpSpPr/>
-        <p:nvPr/>
-      </p:nvGrpSpPr>
-      <p:grpSpPr>
-        <a:xfrm>
-          <a:off x="0" y="0"/>
-          <a:ext cx="0" cy="0"/>
-          <a:chOff x="0" y="0"/>
-          <a:chExt cx="0" cy="0"/>
-        </a:xfrm>
-      </p:grpSpPr>
-      <p:sp>
-        <p:nvSpPr>
-          <p:cNvPr id="2" name="Rectangle 1">
-            <a:extLst>
-              <a:ext uri="{FF2B5EF4-FFF2-40B4-BE49-F238E27FC236}">
-                <a16:creationId xmlns:a16="http://schemas.microsoft.com/office/drawing/2014/main" id="{1352816F-B162-4BB5-B132-31431B23C72F}"/>
-              </a:ext>
-            </a:extLst>
-          </p:cNvPr>
-          <p:cNvSpPr/>
-          <p:nvPr/>
-        </p:nvSpPr>
-        <p:spPr>
-          <a:xfrm>
-            <a:off x="662730" y="3197302"/>
-            <a:ext cx="8330268" cy="3139321"/>
-          </a:xfrm>
-          <a:prstGeom prst="rect">
-            <a:avLst/>
-          </a:prstGeom>
-        </p:spPr>
-        <p:txBody>
-          <a:bodyPr wrap="square">
-            <a:spAutoFit/>
-          </a:bodyPr>
-          <a:lstStyle/>
-          <a:p>
-            <a:r>
-              <a:rPr lang="en-IN" dirty="0"/>
-              <a:t>set(CMAKE_CXX_STANDARD 11)</a:t>
-            </a:r>
-          </a:p>
-          <a:p>
-            <a:r>
-              <a:rPr lang="en-IN" dirty="0"/>
-              <a:t>set(CMAKE_CXX_STANDARD_REQUIRED ON)</a:t>
-            </a:r>
-          </a:p>
-          <a:p>
-            <a:endParaRPr lang="en-IN" dirty="0"/>
-          </a:p>
-          <a:p>
-            <a:r>
-              <a:rPr lang="en-IN" dirty="0"/>
-              <a:t>set (CMAKE_CXX_FLAGS_RELEASE "-DQT_NO_DEBUG")</a:t>
-            </a:r>
-          </a:p>
-          <a:p>
-            <a:endParaRPr lang="en-IN" dirty="0"/>
-          </a:p>
-          <a:p>
-            <a:r>
-              <a:rPr lang="en-IN" dirty="0"/>
-              <a:t>if (NOT CMAKE_SIZEOF_VOID_P EQUAL 8)</a:t>
-            </a:r>
-          </a:p>
-          <a:p>
-            <a:r>
-              <a:rPr lang="en-IN" dirty="0"/>
-              <a:t>  MESSAGE(</a:t>
-            </a:r>
-          </a:p>
-          <a:p>
-            <a:r>
-              <a:rPr lang="en-IN" dirty="0"/>
-              <a:t>    FATAL_ERROR</a:t>
-            </a:r>
-          </a:p>
-          <a:p>
-            <a:r>
-              <a:rPr lang="en-IN" dirty="0"/>
-              <a:t>    "A non-64-bit compiler was detected.\n</a:t>
-            </a:r>
-          </a:p>
-          <a:p>
-            <a:r>
-              <a:rPr lang="en-IN" dirty="0"/>
-              <a:t>     projects should target a 64-bit architecture.")</a:t>
-            </a:r>
-          </a:p>
-          <a:p>
-            <a:r>
-              <a:rPr lang="en-IN" dirty="0"/>
-              <a:t>endif ()</a:t>
-            </a:r>
-          </a:p>
-        </p:txBody>
-      </p:sp>
-      <p:sp>
-        <p:nvSpPr>
-          <p:cNvPr id="3" name="Rectangle 2">
-            <a:extLst>
-              <a:ext uri="{FF2B5EF4-FFF2-40B4-BE49-F238E27FC236}">
-                <a16:creationId xmlns:a16="http://schemas.microsoft.com/office/drawing/2014/main" id="{225FE0BE-8D84-431C-96AE-B7322F127C73}"/>
-              </a:ext>
-            </a:extLst>
-          </p:cNvPr>
-          <p:cNvSpPr/>
-          <p:nvPr/>
-        </p:nvSpPr>
-        <p:spPr>
-          <a:xfrm>
-            <a:off x="2670495" y="714972"/>
-            <a:ext cx="8411362" cy="461665"/>
-          </a:xfrm>
-          <a:prstGeom prst="rect">
-            <a:avLst/>
-          </a:prstGeom>
-        </p:spPr>
-        <p:txBody>
-          <a:bodyPr wrap="square">
-            <a:spAutoFit/>
-          </a:bodyPr>
-          <a:lstStyle/>
-          <a:p>
-            <a:r>
-              <a:rPr lang="en-IN" sz="2400" dirty="0"/>
-              <a:t>Use of set() for defining variables and Conditions</a:t>
-            </a:r>
-          </a:p>
-        </p:txBody>
-      </p:sp>
-    </p:spTree>
-    <p:extLst>
-      <p:ext uri="{BB962C8B-B14F-4D97-AF65-F5344CB8AC3E}">
-        <p14:creationId xmlns:p14="http://schemas.microsoft.com/office/powerpoint/2010/main" val="3447351012"/>
-      </p:ext>
-    </p:extLst>
-  </p:cSld>
-  <p:clrMapOvr>
-    <a:masterClrMapping/>
-  </p:clrMapOvr>
-</p:sld>
-</file>
-
-<file path=ppt/slides/slide13.xml><?xml version="1.0" encoding="utf-8"?>
+<file path=ppt/slides/slide18.xml><?xml version="1.0" encoding="utf-8"?>
 <p:sld xmlns:a="http://schemas.openxmlformats.org/drawingml/2006/main" xmlns:r="http://schemas.openxmlformats.org/officeDocument/2006/relationships" xmlns:p="http://schemas.openxmlformats.org/presentationml/2006/main">
   <p:cSld>
     <p:spTree>
@@ -15646,7 +18222,7 @@
 </p:sld>
 </file>
 
-<file path=ppt/slides/slide14.xml><?xml version="1.0" encoding="utf-8"?>
+<file path=ppt/slides/slide19.xml><?xml version="1.0" encoding="utf-8"?>
 <p:sld xmlns:a="http://schemas.openxmlformats.org/drawingml/2006/main" xmlns:r="http://schemas.openxmlformats.org/officeDocument/2006/relationships" xmlns:p="http://schemas.openxmlformats.org/presentationml/2006/main">
   <p:cSld>
     <p:spTree>
@@ -15780,7 +18356,753 @@
 </p:sld>
 </file>
 
-<file path=ppt/slides/slide15.xml><?xml version="1.0" encoding="utf-8"?>
+<file path=ppt/slides/slide2.xml><?xml version="1.0" encoding="utf-8"?>
+<p:sld xmlns:a="http://schemas.openxmlformats.org/drawingml/2006/main" xmlns:r="http://schemas.openxmlformats.org/officeDocument/2006/relationships" xmlns:p="http://schemas.openxmlformats.org/presentationml/2006/main">
+  <p:cSld>
+    <p:spTree>
+      <p:nvGrpSpPr>
+        <p:cNvPr id="1" name=""/>
+        <p:cNvGrpSpPr/>
+        <p:nvPr/>
+      </p:nvGrpSpPr>
+      <p:grpSpPr>
+        <a:xfrm>
+          <a:off x="0" y="0"/>
+          <a:ext cx="0" cy="0"/>
+          <a:chOff x="0" y="0"/>
+          <a:chExt cx="0" cy="0"/>
+        </a:xfrm>
+      </p:grpSpPr>
+      <p:sp>
+        <p:nvSpPr>
+          <p:cNvPr id="4" name="TextBox 3">
+            <a:extLst>
+              <a:ext uri="{FF2B5EF4-FFF2-40B4-BE49-F238E27FC236}">
+                <a16:creationId xmlns:a16="http://schemas.microsoft.com/office/drawing/2014/main" id="{3DB981D8-4283-44C2-A773-2768AFB58070}"/>
+              </a:ext>
+            </a:extLst>
+          </p:cNvPr>
+          <p:cNvSpPr txBox="1"/>
+          <p:nvPr/>
+        </p:nvSpPr>
+        <p:spPr>
+          <a:xfrm>
+            <a:off x="2919369" y="133571"/>
+            <a:ext cx="6096000" cy="461665"/>
+          </a:xfrm>
+          <a:prstGeom prst="rect">
+            <a:avLst/>
+          </a:prstGeom>
+          <a:noFill/>
+        </p:spPr>
+        <p:txBody>
+          <a:bodyPr wrap="square" rtlCol="0">
+            <a:spAutoFit/>
+          </a:bodyPr>
+          <a:lstStyle/>
+          <a:p>
+            <a:r>
+              <a:rPr lang="en-IN" sz="2400" dirty="0"/>
+              <a:t>Typical Folder structure of Project</a:t>
+            </a:r>
+          </a:p>
+        </p:txBody>
+      </p:sp>
+      <p:sp>
+        <p:nvSpPr>
+          <p:cNvPr id="6" name="Rectangle: Rounded Corners 5">
+            <a:extLst>
+              <a:ext uri="{FF2B5EF4-FFF2-40B4-BE49-F238E27FC236}">
+                <a16:creationId xmlns:a16="http://schemas.microsoft.com/office/drawing/2014/main" id="{A8EA0FB1-A184-427A-A10B-6D2F0E795F67}"/>
+              </a:ext>
+            </a:extLst>
+          </p:cNvPr>
+          <p:cNvSpPr/>
+          <p:nvPr/>
+        </p:nvSpPr>
+        <p:spPr>
+          <a:xfrm>
+            <a:off x="713064" y="1057013"/>
+            <a:ext cx="2516697" cy="461665"/>
+          </a:xfrm>
+          <a:prstGeom prst="roundRect">
+            <a:avLst/>
+          </a:prstGeom>
+        </p:spPr>
+        <p:style>
+          <a:lnRef idx="2">
+            <a:schemeClr val="accent1">
+              <a:shade val="50000"/>
+            </a:schemeClr>
+          </a:lnRef>
+          <a:fillRef idx="1">
+            <a:schemeClr val="accent1"/>
+          </a:fillRef>
+          <a:effectRef idx="0">
+            <a:schemeClr val="accent1"/>
+          </a:effectRef>
+          <a:fontRef idx="minor">
+            <a:schemeClr val="lt1"/>
+          </a:fontRef>
+        </p:style>
+        <p:txBody>
+          <a:bodyPr rtlCol="0" anchor="ctr"/>
+          <a:lstStyle/>
+          <a:p>
+            <a:pPr algn="ctr"/>
+            <a:r>
+              <a:rPr lang="en-IN" dirty="0"/>
+              <a:t>Project Folder</a:t>
+            </a:r>
+          </a:p>
+        </p:txBody>
+      </p:sp>
+      <p:sp>
+        <p:nvSpPr>
+          <p:cNvPr id="7" name="Rectangle: Rounded Corners 6">
+            <a:extLst>
+              <a:ext uri="{FF2B5EF4-FFF2-40B4-BE49-F238E27FC236}">
+                <a16:creationId xmlns:a16="http://schemas.microsoft.com/office/drawing/2014/main" id="{5281F067-43FD-45C3-9B61-F6827B4B4175}"/>
+              </a:ext>
+            </a:extLst>
+          </p:cNvPr>
+          <p:cNvSpPr/>
+          <p:nvPr/>
+        </p:nvSpPr>
+        <p:spPr>
+          <a:xfrm>
+            <a:off x="2701253" y="2115987"/>
+            <a:ext cx="2516697" cy="461665"/>
+          </a:xfrm>
+          <a:prstGeom prst="roundRect">
+            <a:avLst/>
+          </a:prstGeom>
+        </p:spPr>
+        <p:style>
+          <a:lnRef idx="2">
+            <a:schemeClr val="accent5">
+              <a:shade val="50000"/>
+            </a:schemeClr>
+          </a:lnRef>
+          <a:fillRef idx="1">
+            <a:schemeClr val="accent5"/>
+          </a:fillRef>
+          <a:effectRef idx="0">
+            <a:schemeClr val="accent5"/>
+          </a:effectRef>
+          <a:fontRef idx="minor">
+            <a:schemeClr val="lt1"/>
+          </a:fontRef>
+        </p:style>
+        <p:txBody>
+          <a:bodyPr rtlCol="0" anchor="ctr"/>
+          <a:lstStyle/>
+          <a:p>
+            <a:pPr algn="ctr"/>
+            <a:r>
+              <a:rPr lang="en-IN" dirty="0"/>
+              <a:t>Source</a:t>
+            </a:r>
+          </a:p>
+        </p:txBody>
+      </p:sp>
+      <p:sp>
+        <p:nvSpPr>
+          <p:cNvPr id="8" name="Rectangle: Rounded Corners 7">
+            <a:extLst>
+              <a:ext uri="{FF2B5EF4-FFF2-40B4-BE49-F238E27FC236}">
+                <a16:creationId xmlns:a16="http://schemas.microsoft.com/office/drawing/2014/main" id="{9D1DCC18-9F7E-42CC-88C2-B1D07DB73980}"/>
+              </a:ext>
+            </a:extLst>
+          </p:cNvPr>
+          <p:cNvSpPr/>
+          <p:nvPr/>
+        </p:nvSpPr>
+        <p:spPr>
+          <a:xfrm>
+            <a:off x="2701252" y="4468197"/>
+            <a:ext cx="2516697" cy="461665"/>
+          </a:xfrm>
+          <a:prstGeom prst="roundRect">
+            <a:avLst/>
+          </a:prstGeom>
+          <a:solidFill>
+            <a:srgbClr val="FFC000"/>
+          </a:solidFill>
+        </p:spPr>
+        <p:style>
+          <a:lnRef idx="2">
+            <a:schemeClr val="accent1"/>
+          </a:lnRef>
+          <a:fillRef idx="1">
+            <a:schemeClr val="lt1"/>
+          </a:fillRef>
+          <a:effectRef idx="0">
+            <a:schemeClr val="accent1"/>
+          </a:effectRef>
+          <a:fontRef idx="minor">
+            <a:schemeClr val="dk1"/>
+          </a:fontRef>
+        </p:style>
+        <p:txBody>
+          <a:bodyPr rtlCol="0" anchor="ctr"/>
+          <a:lstStyle/>
+          <a:p>
+            <a:pPr algn="ctr"/>
+            <a:r>
+              <a:rPr lang="en-IN" dirty="0"/>
+              <a:t>Build</a:t>
+            </a:r>
+          </a:p>
+        </p:txBody>
+      </p:sp>
+      <p:sp>
+        <p:nvSpPr>
+          <p:cNvPr id="9" name="Rectangle: Rounded Corners 8">
+            <a:extLst>
+              <a:ext uri="{FF2B5EF4-FFF2-40B4-BE49-F238E27FC236}">
+                <a16:creationId xmlns:a16="http://schemas.microsoft.com/office/drawing/2014/main" id="{5B272F71-8577-49C2-BD01-69218E072F0C}"/>
+              </a:ext>
+            </a:extLst>
+          </p:cNvPr>
+          <p:cNvSpPr/>
+          <p:nvPr/>
+        </p:nvSpPr>
+        <p:spPr>
+          <a:xfrm>
+            <a:off x="6974052" y="2115987"/>
+            <a:ext cx="2516697" cy="461665"/>
+          </a:xfrm>
+          <a:prstGeom prst="roundRect">
+            <a:avLst/>
+          </a:prstGeom>
+        </p:spPr>
+        <p:style>
+          <a:lnRef idx="2">
+            <a:schemeClr val="accent2">
+              <a:shade val="50000"/>
+            </a:schemeClr>
+          </a:lnRef>
+          <a:fillRef idx="1">
+            <a:schemeClr val="accent2"/>
+          </a:fillRef>
+          <a:effectRef idx="0">
+            <a:schemeClr val="accent2"/>
+          </a:effectRef>
+          <a:fontRef idx="minor">
+            <a:schemeClr val="lt1"/>
+          </a:fontRef>
+        </p:style>
+        <p:txBody>
+          <a:bodyPr rtlCol="0" anchor="ctr"/>
+          <a:lstStyle/>
+          <a:p>
+            <a:pPr algn="ctr"/>
+            <a:r>
+              <a:rPr lang="en-IN" dirty="0" err="1"/>
+              <a:t>inc</a:t>
+            </a:r>
+            <a:endParaRPr lang="en-IN" dirty="0"/>
+          </a:p>
+        </p:txBody>
+      </p:sp>
+      <p:sp>
+        <p:nvSpPr>
+          <p:cNvPr id="10" name="Rectangle: Rounded Corners 9">
+            <a:extLst>
+              <a:ext uri="{FF2B5EF4-FFF2-40B4-BE49-F238E27FC236}">
+                <a16:creationId xmlns:a16="http://schemas.microsoft.com/office/drawing/2014/main" id="{3D8CE6E3-2729-4051-939A-984595B95AD6}"/>
+              </a:ext>
+            </a:extLst>
+          </p:cNvPr>
+          <p:cNvSpPr/>
+          <p:nvPr/>
+        </p:nvSpPr>
+        <p:spPr>
+          <a:xfrm>
+            <a:off x="7002015" y="2825828"/>
+            <a:ext cx="2516697" cy="461665"/>
+          </a:xfrm>
+          <a:prstGeom prst="roundRect">
+            <a:avLst/>
+          </a:prstGeom>
+        </p:spPr>
+        <p:style>
+          <a:lnRef idx="2">
+            <a:schemeClr val="accent2">
+              <a:shade val="50000"/>
+            </a:schemeClr>
+          </a:lnRef>
+          <a:fillRef idx="1">
+            <a:schemeClr val="accent2"/>
+          </a:fillRef>
+          <a:effectRef idx="0">
+            <a:schemeClr val="accent2"/>
+          </a:effectRef>
+          <a:fontRef idx="minor">
+            <a:schemeClr val="lt1"/>
+          </a:fontRef>
+        </p:style>
+        <p:txBody>
+          <a:bodyPr rtlCol="0" anchor="ctr"/>
+          <a:lstStyle/>
+          <a:p>
+            <a:pPr algn="ctr"/>
+            <a:r>
+              <a:rPr lang="en-IN" dirty="0" err="1"/>
+              <a:t>src</a:t>
+            </a:r>
+            <a:endParaRPr lang="en-IN" dirty="0"/>
+          </a:p>
+        </p:txBody>
+      </p:sp>
+      <p:sp>
+        <p:nvSpPr>
+          <p:cNvPr id="11" name="Rectangle: Rounded Corners 10">
+            <a:extLst>
+              <a:ext uri="{FF2B5EF4-FFF2-40B4-BE49-F238E27FC236}">
+                <a16:creationId xmlns:a16="http://schemas.microsoft.com/office/drawing/2014/main" id="{1637D206-FEB1-4191-AD0A-FC1147F895AA}"/>
+              </a:ext>
+            </a:extLst>
+          </p:cNvPr>
+          <p:cNvSpPr/>
+          <p:nvPr/>
+        </p:nvSpPr>
+        <p:spPr>
+          <a:xfrm>
+            <a:off x="7002015" y="3640822"/>
+            <a:ext cx="2516697" cy="461664"/>
+          </a:xfrm>
+          <a:prstGeom prst="roundRect">
+            <a:avLst/>
+          </a:prstGeom>
+        </p:spPr>
+        <p:style>
+          <a:lnRef idx="2">
+            <a:schemeClr val="accent1">
+              <a:shade val="50000"/>
+            </a:schemeClr>
+          </a:lnRef>
+          <a:fillRef idx="1">
+            <a:schemeClr val="accent1"/>
+          </a:fillRef>
+          <a:effectRef idx="0">
+            <a:schemeClr val="accent1"/>
+          </a:effectRef>
+          <a:fontRef idx="minor">
+            <a:schemeClr val="lt1"/>
+          </a:fontRef>
+        </p:style>
+        <p:txBody>
+          <a:bodyPr rtlCol="0" anchor="ctr"/>
+          <a:lstStyle/>
+          <a:p>
+            <a:pPr algn="ctr"/>
+            <a:r>
+              <a:rPr lang="en-IN" dirty="0"/>
+              <a:t>CMakeLists.txt</a:t>
+            </a:r>
+          </a:p>
+        </p:txBody>
+      </p:sp>
+      <p:cxnSp>
+        <p:nvCxnSpPr>
+          <p:cNvPr id="15" name="Straight Connector 14">
+            <a:extLst>
+              <a:ext uri="{FF2B5EF4-FFF2-40B4-BE49-F238E27FC236}">
+                <a16:creationId xmlns:a16="http://schemas.microsoft.com/office/drawing/2014/main" id="{BB230394-5B84-4F68-8F2E-91FF474AFAB3}"/>
+              </a:ext>
+            </a:extLst>
+          </p:cNvPr>
+          <p:cNvCxnSpPr>
+            <a:stCxn id="6" idx="2"/>
+          </p:cNvCxnSpPr>
+          <p:nvPr/>
+        </p:nvCxnSpPr>
+        <p:spPr>
+          <a:xfrm flipH="1">
+            <a:off x="1971412" y="1518678"/>
+            <a:ext cx="1" cy="3330159"/>
+          </a:xfrm>
+          <a:prstGeom prst="line">
+            <a:avLst/>
+          </a:prstGeom>
+        </p:spPr>
+        <p:style>
+          <a:lnRef idx="1">
+            <a:schemeClr val="accent1"/>
+          </a:lnRef>
+          <a:fillRef idx="0">
+            <a:schemeClr val="accent1"/>
+          </a:fillRef>
+          <a:effectRef idx="0">
+            <a:schemeClr val="accent1"/>
+          </a:effectRef>
+          <a:fontRef idx="minor">
+            <a:schemeClr val="tx1"/>
+          </a:fontRef>
+        </p:style>
+      </p:cxnSp>
+      <p:cxnSp>
+        <p:nvCxnSpPr>
+          <p:cNvPr id="17" name="Straight Connector 16">
+            <a:extLst>
+              <a:ext uri="{FF2B5EF4-FFF2-40B4-BE49-F238E27FC236}">
+                <a16:creationId xmlns:a16="http://schemas.microsoft.com/office/drawing/2014/main" id="{B0D9413F-087D-40C2-BB31-B54EB0C2FC34}"/>
+              </a:ext>
+            </a:extLst>
+          </p:cNvPr>
+          <p:cNvCxnSpPr>
+            <a:stCxn id="7" idx="1"/>
+          </p:cNvCxnSpPr>
+          <p:nvPr/>
+        </p:nvCxnSpPr>
+        <p:spPr>
+          <a:xfrm flipH="1" flipV="1">
+            <a:off x="1971412" y="2346819"/>
+            <a:ext cx="729841" cy="1"/>
+          </a:xfrm>
+          <a:prstGeom prst="line">
+            <a:avLst/>
+          </a:prstGeom>
+        </p:spPr>
+        <p:style>
+          <a:lnRef idx="1">
+            <a:schemeClr val="accent1"/>
+          </a:lnRef>
+          <a:fillRef idx="0">
+            <a:schemeClr val="accent1"/>
+          </a:fillRef>
+          <a:effectRef idx="0">
+            <a:schemeClr val="accent1"/>
+          </a:effectRef>
+          <a:fontRef idx="minor">
+            <a:schemeClr val="tx1"/>
+          </a:fontRef>
+        </p:style>
+      </p:cxnSp>
+      <p:cxnSp>
+        <p:nvCxnSpPr>
+          <p:cNvPr id="19" name="Straight Connector 18">
+            <a:extLst>
+              <a:ext uri="{FF2B5EF4-FFF2-40B4-BE49-F238E27FC236}">
+                <a16:creationId xmlns:a16="http://schemas.microsoft.com/office/drawing/2014/main" id="{C55AED74-50A7-4644-A5A3-0F3DBC578A6A}"/>
+              </a:ext>
+            </a:extLst>
+          </p:cNvPr>
+          <p:cNvCxnSpPr>
+            <a:stCxn id="8" idx="1"/>
+          </p:cNvCxnSpPr>
+          <p:nvPr/>
+        </p:nvCxnSpPr>
+        <p:spPr>
+          <a:xfrm flipH="1" flipV="1">
+            <a:off x="1971412" y="4699029"/>
+            <a:ext cx="729840" cy="1"/>
+          </a:xfrm>
+          <a:prstGeom prst="line">
+            <a:avLst/>
+          </a:prstGeom>
+        </p:spPr>
+        <p:style>
+          <a:lnRef idx="1">
+            <a:schemeClr val="accent1"/>
+          </a:lnRef>
+          <a:fillRef idx="0">
+            <a:schemeClr val="accent1"/>
+          </a:fillRef>
+          <a:effectRef idx="0">
+            <a:schemeClr val="accent1"/>
+          </a:effectRef>
+          <a:fontRef idx="minor">
+            <a:schemeClr val="tx1"/>
+          </a:fontRef>
+        </p:style>
+      </p:cxnSp>
+      <p:cxnSp>
+        <p:nvCxnSpPr>
+          <p:cNvPr id="21" name="Straight Connector 20">
+            <a:extLst>
+              <a:ext uri="{FF2B5EF4-FFF2-40B4-BE49-F238E27FC236}">
+                <a16:creationId xmlns:a16="http://schemas.microsoft.com/office/drawing/2014/main" id="{9C07B2B1-BAAA-4077-BEED-4992BE2883CA}"/>
+              </a:ext>
+            </a:extLst>
+          </p:cNvPr>
+          <p:cNvCxnSpPr>
+            <a:stCxn id="9" idx="1"/>
+            <a:endCxn id="7" idx="3"/>
+          </p:cNvCxnSpPr>
+          <p:nvPr/>
+        </p:nvCxnSpPr>
+        <p:spPr>
+          <a:xfrm flipH="1">
+            <a:off x="5217950" y="2346820"/>
+            <a:ext cx="1756102" cy="0"/>
+          </a:xfrm>
+          <a:prstGeom prst="line">
+            <a:avLst/>
+          </a:prstGeom>
+        </p:spPr>
+        <p:style>
+          <a:lnRef idx="1">
+            <a:schemeClr val="accent1"/>
+          </a:lnRef>
+          <a:fillRef idx="0">
+            <a:schemeClr val="accent1"/>
+          </a:fillRef>
+          <a:effectRef idx="0">
+            <a:schemeClr val="accent1"/>
+          </a:effectRef>
+          <a:fontRef idx="minor">
+            <a:schemeClr val="tx1"/>
+          </a:fontRef>
+        </p:style>
+      </p:cxnSp>
+      <p:cxnSp>
+        <p:nvCxnSpPr>
+          <p:cNvPr id="24" name="Straight Connector 23">
+            <a:extLst>
+              <a:ext uri="{FF2B5EF4-FFF2-40B4-BE49-F238E27FC236}">
+                <a16:creationId xmlns:a16="http://schemas.microsoft.com/office/drawing/2014/main" id="{2C3623B5-739C-4CE8-9072-CB21057D7599}"/>
+              </a:ext>
+            </a:extLst>
+          </p:cNvPr>
+          <p:cNvCxnSpPr>
+            <a:stCxn id="10" idx="1"/>
+          </p:cNvCxnSpPr>
+          <p:nvPr/>
+        </p:nvCxnSpPr>
+        <p:spPr>
+          <a:xfrm flipH="1" flipV="1">
+            <a:off x="6392411" y="3056660"/>
+            <a:ext cx="609604" cy="1"/>
+          </a:xfrm>
+          <a:prstGeom prst="line">
+            <a:avLst/>
+          </a:prstGeom>
+        </p:spPr>
+        <p:style>
+          <a:lnRef idx="1">
+            <a:schemeClr val="accent1"/>
+          </a:lnRef>
+          <a:fillRef idx="0">
+            <a:schemeClr val="accent1"/>
+          </a:fillRef>
+          <a:effectRef idx="0">
+            <a:schemeClr val="accent1"/>
+          </a:effectRef>
+          <a:fontRef idx="minor">
+            <a:schemeClr val="tx1"/>
+          </a:fontRef>
+        </p:style>
+      </p:cxnSp>
+      <p:cxnSp>
+        <p:nvCxnSpPr>
+          <p:cNvPr id="25" name="Straight Connector 24">
+            <a:extLst>
+              <a:ext uri="{FF2B5EF4-FFF2-40B4-BE49-F238E27FC236}">
+                <a16:creationId xmlns:a16="http://schemas.microsoft.com/office/drawing/2014/main" id="{BE523404-1828-4755-A512-E5A9E982A84E}"/>
+              </a:ext>
+            </a:extLst>
+          </p:cNvPr>
+          <p:cNvCxnSpPr/>
+          <p:nvPr/>
+        </p:nvCxnSpPr>
+        <p:spPr>
+          <a:xfrm flipH="1" flipV="1">
+            <a:off x="6392411" y="3871654"/>
+            <a:ext cx="609604" cy="1"/>
+          </a:xfrm>
+          <a:prstGeom prst="line">
+            <a:avLst/>
+          </a:prstGeom>
+        </p:spPr>
+        <p:style>
+          <a:lnRef idx="1">
+            <a:schemeClr val="accent1"/>
+          </a:lnRef>
+          <a:fillRef idx="0">
+            <a:schemeClr val="accent1"/>
+          </a:fillRef>
+          <a:effectRef idx="0">
+            <a:schemeClr val="accent1"/>
+          </a:effectRef>
+          <a:fontRef idx="minor">
+            <a:schemeClr val="tx1"/>
+          </a:fontRef>
+        </p:style>
+      </p:cxnSp>
+      <p:cxnSp>
+        <p:nvCxnSpPr>
+          <p:cNvPr id="27" name="Straight Connector 26">
+            <a:extLst>
+              <a:ext uri="{FF2B5EF4-FFF2-40B4-BE49-F238E27FC236}">
+                <a16:creationId xmlns:a16="http://schemas.microsoft.com/office/drawing/2014/main" id="{97786F1F-E51B-4431-AEE4-3022C7DEB13C}"/>
+              </a:ext>
+            </a:extLst>
+          </p:cNvPr>
+          <p:cNvCxnSpPr/>
+          <p:nvPr/>
+        </p:nvCxnSpPr>
+        <p:spPr>
+          <a:xfrm flipV="1">
+            <a:off x="6392411" y="2346819"/>
+            <a:ext cx="0" cy="1524835"/>
+          </a:xfrm>
+          <a:prstGeom prst="line">
+            <a:avLst/>
+          </a:prstGeom>
+        </p:spPr>
+        <p:style>
+          <a:lnRef idx="1">
+            <a:schemeClr val="accent1"/>
+          </a:lnRef>
+          <a:fillRef idx="0">
+            <a:schemeClr val="accent1"/>
+          </a:fillRef>
+          <a:effectRef idx="0">
+            <a:schemeClr val="accent1"/>
+          </a:effectRef>
+          <a:fontRef idx="minor">
+            <a:schemeClr val="tx1"/>
+          </a:fontRef>
+        </p:style>
+      </p:cxnSp>
+      <p:sp>
+        <p:nvSpPr>
+          <p:cNvPr id="2" name="Rectangle 1">
+            <a:extLst>
+              <a:ext uri="{FF2B5EF4-FFF2-40B4-BE49-F238E27FC236}">
+                <a16:creationId xmlns:a16="http://schemas.microsoft.com/office/drawing/2014/main" id="{8D3DFA9D-C628-4446-982D-407B23B6F297}"/>
+              </a:ext>
+            </a:extLst>
+          </p:cNvPr>
+          <p:cNvSpPr/>
+          <p:nvPr/>
+        </p:nvSpPr>
+        <p:spPr>
+          <a:xfrm>
+            <a:off x="74118" y="5354341"/>
+            <a:ext cx="11434164" cy="1477328"/>
+          </a:xfrm>
+          <a:prstGeom prst="rect">
+            <a:avLst/>
+          </a:prstGeom>
+        </p:spPr>
+        <p:txBody>
+          <a:bodyPr wrap="square">
+            <a:spAutoFit/>
+          </a:bodyPr>
+          <a:lstStyle/>
+          <a:p>
+            <a:r>
+              <a:rPr lang="en-IN" dirty="0" err="1">
+                <a:solidFill>
+                  <a:srgbClr val="666666"/>
+                </a:solidFill>
+                <a:latin typeface="Open Sans"/>
+              </a:rPr>
+              <a:t>CMake</a:t>
+            </a:r>
+            <a:r>
+              <a:rPr lang="en-IN" dirty="0">
+                <a:solidFill>
+                  <a:srgbClr val="666666"/>
+                </a:solidFill>
+                <a:latin typeface="Open Sans"/>
+              </a:rPr>
+              <a:t> is an open-source, cross-platform family of tools designed to build, test and package software. </a:t>
+            </a:r>
+            <a:r>
+              <a:rPr lang="en-IN" dirty="0" err="1">
+                <a:solidFill>
+                  <a:srgbClr val="666666"/>
+                </a:solidFill>
+                <a:latin typeface="Open Sans"/>
+              </a:rPr>
+              <a:t>CMake</a:t>
+            </a:r>
+            <a:r>
+              <a:rPr lang="en-IN" dirty="0">
+                <a:solidFill>
+                  <a:srgbClr val="666666"/>
+                </a:solidFill>
+                <a:latin typeface="Open Sans"/>
+              </a:rPr>
+              <a:t> is used to control the software compilation process using simple platform and compiler independent configuration files, and generate native </a:t>
+            </a:r>
+            <a:r>
+              <a:rPr lang="en-IN" dirty="0" err="1">
+                <a:solidFill>
+                  <a:srgbClr val="666666"/>
+                </a:solidFill>
+                <a:latin typeface="Open Sans"/>
+              </a:rPr>
+              <a:t>makefiles</a:t>
+            </a:r>
+            <a:r>
+              <a:rPr lang="en-IN" dirty="0">
+                <a:solidFill>
+                  <a:srgbClr val="666666"/>
+                </a:solidFill>
+                <a:latin typeface="Open Sans"/>
+              </a:rPr>
+              <a:t> and workspaces that can be used in the compiler environment of your choice. The suite of </a:t>
+            </a:r>
+            <a:r>
+              <a:rPr lang="en-IN" dirty="0" err="1">
+                <a:solidFill>
+                  <a:srgbClr val="666666"/>
+                </a:solidFill>
+                <a:latin typeface="Open Sans"/>
+              </a:rPr>
+              <a:t>CMake</a:t>
+            </a:r>
+            <a:r>
+              <a:rPr lang="en-IN" dirty="0">
+                <a:solidFill>
+                  <a:srgbClr val="666666"/>
+                </a:solidFill>
+                <a:latin typeface="Open Sans"/>
+              </a:rPr>
+              <a:t> tools were created by </a:t>
+            </a:r>
+            <a:r>
+              <a:rPr lang="en-IN" dirty="0" err="1">
+                <a:solidFill>
+                  <a:srgbClr val="666666"/>
+                </a:solidFill>
+                <a:latin typeface="Open Sans"/>
+              </a:rPr>
+              <a:t>Kitware</a:t>
+            </a:r>
+            <a:r>
+              <a:rPr lang="en-IN" dirty="0">
+                <a:solidFill>
+                  <a:srgbClr val="666666"/>
+                </a:solidFill>
+                <a:latin typeface="Open Sans"/>
+              </a:rPr>
+              <a:t> in response to the need for a powerful, cross-platform build environment for open-source projects such as ITK and VTK.</a:t>
+            </a:r>
+            <a:endParaRPr lang="en-IN" dirty="0"/>
+          </a:p>
+        </p:txBody>
+      </p:sp>
+    </p:spTree>
+    <p:extLst>
+      <p:ext uri="{BB962C8B-B14F-4D97-AF65-F5344CB8AC3E}">
+        <p14:creationId xmlns:p14="http://schemas.microsoft.com/office/powerpoint/2010/main" val="3559210132"/>
+      </p:ext>
+    </p:extLst>
+  </p:cSld>
+  <p:clrMapOvr>
+    <a:masterClrMapping/>
+  </p:clrMapOvr>
+</p:sld>
+</file>
+
+<file path=ppt/slides/slide20.xml><?xml version="1.0" encoding="utf-8"?>
 <p:sld xmlns:a="http://schemas.openxmlformats.org/drawingml/2006/main" xmlns:r="http://schemas.openxmlformats.org/officeDocument/2006/relationships" xmlns:p="http://schemas.openxmlformats.org/presentationml/2006/main">
   <p:cSld>
     <p:spTree>
@@ -15987,7 +19309,7 @@
                 </a:solidFill>
                 <a:latin typeface="Consolas" panose="020B0609020204030204" pitchFamily="49" charset="0"/>
               </a:rPr>
-              <a:t> (CMAKE_PREFIX_PATH </a:t>
+              <a:t>(CMAKE_PREFIX_PATH </a:t>
             </a:r>
             <a:r>
               <a:rPr lang="en-IN" dirty="0">
@@ -16212,7 +19534,7 @@
                 </a:solidFill>
                 <a:latin typeface="Consolas" panose="020B0609020204030204" pitchFamily="49" charset="0"/>
               </a:rPr>
-              <a:t>  message</a:t>
+              <a:t> message</a:t>
             </a:r>
             <a:r>
               <a:rPr lang="en-IN" dirty="0">
@@ -16396,97 +19718,7 @@
 </p:sld>
 </file>
 
-<file path=ppt/slides/slide16.xml><?xml version="1.0" encoding="utf-8"?>
-<p:sld xmlns:a="http://schemas.openxmlformats.org/drawingml/2006/main" xmlns:r="http://schemas.openxmlformats.org/officeDocument/2006/relationships" xmlns:p="http://schemas.openxmlformats.org/presentationml/2006/main">
-  <p:cSld>
-    <p:spTree>
-      <p:nvGrpSpPr>
-        <p:cNvPr id="1" name=""/>
-        <p:cNvGrpSpPr/>
-        <p:nvPr/>
-      </p:nvGrpSpPr>
-      <p:grpSpPr>
-        <a:xfrm>
-          <a:off x="0" y="0"/>
-          <a:ext cx="0" cy="0"/>
-          <a:chOff x="0" y="0"/>
-          <a:chExt cx="0" cy="0"/>
-        </a:xfrm>
-      </p:grpSpPr>
-    </p:spTree>
-    <p:extLst>
-      <p:ext uri="{BB962C8B-B14F-4D97-AF65-F5344CB8AC3E}">
-        <p14:creationId xmlns:p14="http://schemas.microsoft.com/office/powerpoint/2010/main" val="2312739637"/>
-      </p:ext>
-    </p:extLst>
-  </p:cSld>
-  <p:clrMapOvr>
-    <a:masterClrMapping/>
-  </p:clrMapOvr>
-</p:sld>
-</file>
-
-<file path=ppt/slides/slide17.xml><?xml version="1.0" encoding="utf-8"?>
-<p:sld xmlns:a="http://schemas.openxmlformats.org/drawingml/2006/main" xmlns:r="http://schemas.openxmlformats.org/officeDocument/2006/relationships" xmlns:p="http://schemas.openxmlformats.org/presentationml/2006/main">
-  <p:cSld>
-    <p:spTree>
-      <p:nvGrpSpPr>
-        <p:cNvPr id="1" name=""/>
-        <p:cNvGrpSpPr/>
-        <p:nvPr/>
-      </p:nvGrpSpPr>
-      <p:grpSpPr>
-        <a:xfrm>
-          <a:off x="0" y="0"/>
-          <a:ext cx="0" cy="0"/>
-          <a:chOff x="0" y="0"/>
-          <a:chExt cx="0" cy="0"/>
-        </a:xfrm>
-      </p:grpSpPr>
-    </p:spTree>
-    <p:extLst>
-      <p:ext uri="{BB962C8B-B14F-4D97-AF65-F5344CB8AC3E}">
-        <p14:creationId xmlns:p14="http://schemas.microsoft.com/office/powerpoint/2010/main" val="837950150"/>
-      </p:ext>
-    </p:extLst>
-  </p:cSld>
-  <p:clrMapOvr>
-    <a:masterClrMapping/>
-  </p:clrMapOvr>
-</p:sld>
-</file>
-
-<file path=ppt/slides/slide18.xml><?xml version="1.0" encoding="utf-8"?>
-<p:sld xmlns:a="http://schemas.openxmlformats.org/drawingml/2006/main" xmlns:r="http://schemas.openxmlformats.org/officeDocument/2006/relationships" xmlns:p="http://schemas.openxmlformats.org/presentationml/2006/main">
-  <p:cSld>
-    <p:spTree>
-      <p:nvGrpSpPr>
-        <p:cNvPr id="1" name=""/>
-        <p:cNvGrpSpPr/>
-        <p:nvPr/>
-      </p:nvGrpSpPr>
-      <p:grpSpPr>
-        <a:xfrm>
-          <a:off x="0" y="0"/>
-          <a:ext cx="0" cy="0"/>
-          <a:chOff x="0" y="0"/>
-          <a:chExt cx="0" cy="0"/>
-        </a:xfrm>
-      </p:grpSpPr>
-    </p:spTree>
-    <p:extLst>
-      <p:ext uri="{BB962C8B-B14F-4D97-AF65-F5344CB8AC3E}">
-        <p14:creationId xmlns:p14="http://schemas.microsoft.com/office/powerpoint/2010/main" val="3362754493"/>
-      </p:ext>
-    </p:extLst>
-  </p:cSld>
-  <p:clrMapOvr>
-    <a:masterClrMapping/>
-  </p:clrMapOvr>
-</p:sld>
-</file>
-
-<file path=ppt/slides/slide2.xml><?xml version="1.0" encoding="utf-8"?>
+<file path=ppt/slides/slide21.xml><?xml version="1.0" encoding="utf-8"?>
 <p:sld xmlns:a="http://schemas.openxmlformats.org/drawingml/2006/main" xmlns:r="http://schemas.openxmlformats.org/officeDocument/2006/relationships" xmlns:p="http://schemas.openxmlformats.org/presentationml/2006/main">
   <p:cSld>
     <p:spTree>
@@ -16505,45 +19737,10 @@
       </p:grpSpPr>
       <p:sp>
         <p:nvSpPr>
-          <p:cNvPr id="4" name="TextBox 3">
+          <p:cNvPr id="3" name="Rectangle 2">
             <a:extLst>
               <a:ext uri="{FF2B5EF4-FFF2-40B4-BE49-F238E27FC236}">
-                <a16:creationId xmlns:a16="http://schemas.microsoft.com/office/drawing/2014/main" id="{3DB981D8-4283-44C2-A773-2768AFB58070}"/>
-              </a:ext>
-            </a:extLst>
-          </p:cNvPr>
-          <p:cNvSpPr txBox="1"/>
-          <p:nvPr/>
-        </p:nvSpPr>
-        <p:spPr>
-          <a:xfrm>
-            <a:off x="2701255" y="845958"/>
-            <a:ext cx="6096000" cy="461665"/>
-          </a:xfrm>
-          <a:prstGeom prst="rect">
-            <a:avLst/>
-          </a:prstGeom>
-          <a:noFill/>
-        </p:spPr>
-        <p:txBody>
-          <a:bodyPr wrap="square" rtlCol="0">
-            <a:spAutoFit/>
-          </a:bodyPr>
-          <a:lstStyle/>
-          <a:p>
-            <a:r>
-              <a:rPr lang="en-IN" sz="2400" dirty="0"/>
-              <a:t>Typical Folder structure of Project</a:t>
-            </a:r>
-          </a:p>
-        </p:txBody>
-      </p:sp>
-      <p:sp>
-        <p:nvSpPr>
-          <p:cNvPr id="6" name="Rectangle: Rounded Corners 5">
-            <a:extLst>
-              <a:ext uri="{FF2B5EF4-FFF2-40B4-BE49-F238E27FC236}">
-                <a16:creationId xmlns:a16="http://schemas.microsoft.com/office/drawing/2014/main" id="{A8EA0FB1-A184-427A-A10B-6D2F0E795F67}"/>
+                <a16:creationId xmlns:a16="http://schemas.microsoft.com/office/drawing/2014/main" id="{66117D39-6A53-40A5-9A25-D99900587E86}"/>
               </a:ext>
             </a:extLst>
           </p:cNvPr>
@@ -16552,8 +19749,185 @@
         </p:nvSpPr>
         <p:spPr>
           <a:xfrm>
-            <a:off x="713064" y="2139193"/>
-            <a:ext cx="2516697" cy="461665"/>
+            <a:off x="240484" y="1069963"/>
+            <a:ext cx="11711031" cy="5632311"/>
+          </a:xfrm>
+          <a:prstGeom prst="rect">
+            <a:avLst/>
+          </a:prstGeom>
+        </p:spPr>
+        <p:txBody>
+          <a:bodyPr wrap="square">
+            <a:spAutoFit/>
+          </a:bodyPr>
+          <a:lstStyle/>
+          <a:p>
+            <a:r>
+              <a:rPr lang="en-IN" b="1" dirty="0"/>
+              <a:t>Treat </a:t>
+            </a:r>
+            <a:r>
+              <a:rPr lang="en-IN" b="1" dirty="0" err="1"/>
+              <a:t>CMake</a:t>
+            </a:r>
+            <a:r>
+              <a:rPr lang="en-IN" b="1" dirty="0"/>
+              <a:t> as code</a:t>
+            </a:r>
+            <a:r>
+              <a:rPr lang="en-IN" dirty="0"/>
+              <a:t>: It is code. It should be as clean and readable as all other code.</a:t>
+            </a:r>
+          </a:p>
+          <a:p>
+            <a:endParaRPr lang="en-IN" dirty="0"/>
+          </a:p>
+          <a:p>
+            <a:r>
+              <a:rPr lang="en-IN" b="1" dirty="0"/>
+              <a:t>Think in targets</a:t>
+            </a:r>
+            <a:r>
+              <a:rPr lang="en-IN" dirty="0"/>
+              <a:t>: Your targets should represent concepts. Make an (IMPORTED) INTERFACE target for anything that should stay together and link to that.</a:t>
+            </a:r>
+          </a:p>
+          <a:p>
+            <a:endParaRPr lang="en-IN" dirty="0"/>
+          </a:p>
+          <a:p>
+            <a:r>
+              <a:rPr lang="en-IN" b="1" dirty="0"/>
+              <a:t>Export your interface</a:t>
+            </a:r>
+            <a:r>
+              <a:rPr lang="en-IN" dirty="0"/>
+              <a:t>: You should be able to run from build or install.</a:t>
+            </a:r>
+          </a:p>
+          <a:p>
+            <a:endParaRPr lang="en-IN" dirty="0"/>
+          </a:p>
+          <a:p>
+            <a:r>
+              <a:rPr lang="en-IN" b="1" dirty="0"/>
+              <a:t>Write a </a:t>
+            </a:r>
+            <a:r>
+              <a:rPr lang="en-IN" b="1" dirty="0" err="1"/>
+              <a:t>Config.cmake</a:t>
+            </a:r>
+            <a:r>
+              <a:rPr lang="en-IN" b="1" dirty="0"/>
+              <a:t> file</a:t>
+            </a:r>
+            <a:r>
+              <a:rPr lang="en-IN" dirty="0"/>
+              <a:t>: This is what a library author should do to support clients.</a:t>
+            </a:r>
+          </a:p>
+          <a:p>
+            <a:endParaRPr lang="en-IN" dirty="0"/>
+          </a:p>
+          <a:p>
+            <a:r>
+              <a:rPr lang="en-IN" b="1" dirty="0"/>
+              <a:t>Make ALIAS targets to keep usage consistent</a:t>
+            </a:r>
+            <a:r>
+              <a:rPr lang="en-IN" dirty="0"/>
+              <a:t>: Using </a:t>
+            </a:r>
+            <a:r>
+              <a:rPr lang="en-IN" dirty="0" err="1"/>
+              <a:t>add_subdirectory</a:t>
+            </a:r>
+            <a:r>
+              <a:rPr lang="en-IN" dirty="0"/>
+              <a:t> and </a:t>
+            </a:r>
+            <a:r>
+              <a:rPr lang="en-IN" dirty="0" err="1"/>
+              <a:t>find_package</a:t>
+            </a:r>
+            <a:r>
+              <a:rPr lang="en-IN" dirty="0"/>
+              <a:t> should provide the same targets and namespaces.</a:t>
+            </a:r>
+          </a:p>
+          <a:p>
+            <a:endParaRPr lang="en-IN" dirty="0"/>
+          </a:p>
+          <a:p>
+            <a:r>
+              <a:rPr lang="en-IN" b="1" dirty="0"/>
+              <a:t>Combine common functionality into clearly documented functions or macros</a:t>
+            </a:r>
+            <a:r>
+              <a:rPr lang="en-IN" dirty="0"/>
+              <a:t>: Functions are better usually.</a:t>
+            </a:r>
+          </a:p>
+          <a:p>
+            <a:endParaRPr lang="en-IN" dirty="0"/>
+          </a:p>
+          <a:p>
+            <a:r>
+              <a:rPr lang="en-IN" b="1" dirty="0"/>
+              <a:t>Use lowercase function names</a:t>
+            </a:r>
+            <a:r>
+              <a:rPr lang="en-IN" dirty="0"/>
+              <a:t>: </a:t>
+            </a:r>
+            <a:r>
+              <a:rPr lang="en-IN" dirty="0" err="1"/>
+              <a:t>CMake</a:t>
+            </a:r>
+            <a:r>
+              <a:rPr lang="en-IN" dirty="0"/>
+              <a:t> functions and macros can be called lower or upper case. Always user lower case. Upper case is for variables.</a:t>
+            </a:r>
+          </a:p>
+          <a:p>
+            <a:endParaRPr lang="en-IN" dirty="0"/>
+          </a:p>
+          <a:p>
+            <a:r>
+              <a:rPr lang="en-IN" b="1" dirty="0"/>
+              <a:t>Use </a:t>
+            </a:r>
+            <a:r>
+              <a:rPr lang="en-IN" b="1" dirty="0" err="1"/>
+              <a:t>cmake_policy</a:t>
+            </a:r>
+            <a:r>
+              <a:rPr lang="en-IN" b="1" dirty="0"/>
+              <a:t> and/or range of versions</a:t>
+            </a:r>
+            <a:r>
+              <a:rPr lang="en-IN" dirty="0"/>
+              <a:t>: Policies change for a reason. Only piecemeal set OLD policies if you have to.</a:t>
+            </a:r>
+          </a:p>
+        </p:txBody>
+      </p:sp>
+      <p:sp>
+        <p:nvSpPr>
+          <p:cNvPr id="4" name="Rectangle: Rounded Corners 3">
+            <a:extLst>
+              <a:ext uri="{FF2B5EF4-FFF2-40B4-BE49-F238E27FC236}">
+                <a16:creationId xmlns:a16="http://schemas.microsoft.com/office/drawing/2014/main" id="{D3325643-A7F5-447D-B974-82FC42BEC9EB}"/>
+              </a:ext>
+            </a:extLst>
+          </p:cNvPr>
+          <p:cNvSpPr/>
+          <p:nvPr/>
+        </p:nvSpPr>
+        <p:spPr>
+          <a:xfrm>
+            <a:off x="1937856" y="310394"/>
+            <a:ext cx="2424419" cy="419450"/>
           </a:xfrm>
           <a:prstGeom prst="roundRect">
             <a:avLst/>
@@ -16582,17 +19956,47 @@
             <a:pPr algn="ctr"/>
             <a:r>
               <a:rPr lang="en-IN" dirty="0"/>
-              <a:t>Project Folder</a:t>
+              <a:t>Good practices</a:t>
             </a:r>
           </a:p>
         </p:txBody>
       </p:sp>
+    </p:spTree>
+    <p:extLst>
+      <p:ext uri="{BB962C8B-B14F-4D97-AF65-F5344CB8AC3E}">
+        <p14:creationId xmlns:p14="http://schemas.microsoft.com/office/powerpoint/2010/main" val="2312739637"/>
+      </p:ext>
+    </p:extLst>
+  </p:cSld>
+  <p:clrMapOvr>
+    <a:masterClrMapping/>
+  </p:clrMapOvr>
+</p:sld>
+</file>
+
+<file path=ppt/slides/slide22.xml><?xml version="1.0" encoding="utf-8"?>
+<p:sld xmlns:a="http://schemas.openxmlformats.org/drawingml/2006/main" xmlns:r="http://schemas.openxmlformats.org/officeDocument/2006/relationships" xmlns:p="http://schemas.openxmlformats.org/presentationml/2006/main">
+  <p:cSld>
+    <p:spTree>
+      <p:nvGrpSpPr>
+        <p:cNvPr id="1" name=""/>
+        <p:cNvGrpSpPr/>
+        <p:nvPr/>
+      </p:nvGrpSpPr>
+      <p:grpSpPr>
+        <a:xfrm>
+          <a:off x="0" y="0"/>
+          <a:ext cx="0" cy="0"/>
+          <a:chOff x="0" y="0"/>
+          <a:chExt cx="0" cy="0"/>
+        </a:xfrm>
+      </p:grpSpPr>
       <p:sp>
         <p:nvSpPr>
-          <p:cNvPr id="7" name="Rectangle: Rounded Corners 6">
+          <p:cNvPr id="2" name="Rectangle 1">
             <a:extLst>
               <a:ext uri="{FF2B5EF4-FFF2-40B4-BE49-F238E27FC236}">
-                <a16:creationId xmlns:a16="http://schemas.microsoft.com/office/drawing/2014/main" id="{5281F067-43FD-45C3-9B61-F6827B4B4175}"/>
+                <a16:creationId xmlns:a16="http://schemas.microsoft.com/office/drawing/2014/main" id="{5B370CD8-9C41-4DDF-B211-20B25C2468BC}"/>
               </a:ext>
             </a:extLst>
           </p:cNvPr>
@@ -16601,47 +20005,333 @@
         </p:nvSpPr>
         <p:spPr>
           <a:xfrm>
-            <a:off x="2701253" y="3198167"/>
-            <a:ext cx="2516697" cy="461665"/>
+            <a:off x="9026554" y="260021"/>
+            <a:ext cx="2937558" cy="6709529"/>
           </a:xfrm>
-          <a:prstGeom prst="roundRect">
+          <a:prstGeom prst="rect">
             <a:avLst/>
           </a:prstGeom>
         </p:spPr>
-        <p:style>
-          <a:lnRef idx="2">
-            <a:schemeClr val="accent5">
-              <a:shade val="50000"/>
-            </a:schemeClr>
-          </a:lnRef>
-          <a:fillRef idx="1">
-            <a:schemeClr val="accent5"/>
-          </a:fillRef>
-          <a:effectRef idx="0">
-            <a:schemeClr val="accent5"/>
-          </a:effectRef>
-          <a:fontRef idx="minor">
-            <a:schemeClr val="lt1"/>
-          </a:fontRef>
-        </p:style>
         <p:txBody>
-          <a:bodyPr rtlCol="0" anchor="ctr"/>
+          <a:bodyPr wrap="square">
+            <a:spAutoFit/>
+          </a:bodyPr>
           <a:lstStyle/>
           <a:p>
-            <a:pPr algn="ctr"/>
-            <a:r>
-              <a:rPr lang="en-IN" dirty="0"/>
-              <a:t>Source</a:t>
+            <a:r>
+              <a:rPr lang="en-IN" sz="1600" dirty="0">
+                <a:latin typeface="Arial" panose="020B0604020202020204" pitchFamily="34" charset="0"/>
+                <a:cs typeface="Arial" panose="020B0604020202020204" pitchFamily="34" charset="0"/>
+              </a:rPr>
+              <a:t>- </a:t>
+            </a:r>
+            <a:r>
+              <a:rPr lang="en-IN" sz="1600" b="1" dirty="0">
+                <a:latin typeface="Arial" panose="020B0604020202020204" pitchFamily="34" charset="0"/>
+                <a:cs typeface="Arial" panose="020B0604020202020204" pitchFamily="34" charset="0"/>
+              </a:rPr>
+              <a:t>project</a:t>
+            </a:r>
+          </a:p>
+          <a:p>
+            <a:r>
+              <a:rPr lang="en-IN" sz="1600" dirty="0">
+                <a:latin typeface="Arial" panose="020B0604020202020204" pitchFamily="34" charset="0"/>
+                <a:cs typeface="Arial" panose="020B0604020202020204" pitchFamily="34" charset="0"/>
+              </a:rPr>
+              <a:t>  - .</a:t>
+            </a:r>
+            <a:r>
+              <a:rPr lang="en-IN" sz="1600" dirty="0" err="1">
+                <a:latin typeface="Arial" panose="020B0604020202020204" pitchFamily="34" charset="0"/>
+                <a:cs typeface="Arial" panose="020B0604020202020204" pitchFamily="34" charset="0"/>
+              </a:rPr>
+              <a:t>gitignore</a:t>
+            </a:r>
+            <a:endParaRPr lang="en-IN" sz="1600" dirty="0">
+              <a:latin typeface="Arial" panose="020B0604020202020204" pitchFamily="34" charset="0"/>
+              <a:cs typeface="Arial" panose="020B0604020202020204" pitchFamily="34" charset="0"/>
+            </a:endParaRPr>
+          </a:p>
+          <a:p>
+            <a:r>
+              <a:rPr lang="en-IN" sz="1600" dirty="0">
+                <a:latin typeface="Arial" panose="020B0604020202020204" pitchFamily="34" charset="0"/>
+                <a:cs typeface="Arial" panose="020B0604020202020204" pitchFamily="34" charset="0"/>
+              </a:rPr>
+              <a:t>  - README.md</a:t>
+            </a:r>
+          </a:p>
+          <a:p>
+            <a:r>
+              <a:rPr lang="en-IN" sz="1600" dirty="0">
+                <a:latin typeface="Arial" panose="020B0604020202020204" pitchFamily="34" charset="0"/>
+                <a:cs typeface="Arial" panose="020B0604020202020204" pitchFamily="34" charset="0"/>
+              </a:rPr>
+              <a:t>  - LICENCE.md</a:t>
+            </a:r>
+          </a:p>
+          <a:p>
+            <a:r>
+              <a:rPr lang="en-IN" sz="1600" dirty="0">
+                <a:latin typeface="Arial" panose="020B0604020202020204" pitchFamily="34" charset="0"/>
+                <a:cs typeface="Arial" panose="020B0604020202020204" pitchFamily="34" charset="0"/>
+              </a:rPr>
+              <a:t>  - CMakeLists.txt</a:t>
+            </a:r>
+          </a:p>
+          <a:p>
+            <a:r>
+              <a:rPr lang="en-IN" sz="1600" dirty="0">
+                <a:latin typeface="Arial" panose="020B0604020202020204" pitchFamily="34" charset="0"/>
+                <a:cs typeface="Arial" panose="020B0604020202020204" pitchFamily="34" charset="0"/>
+              </a:rPr>
+              <a:t>  - </a:t>
+            </a:r>
+            <a:r>
+              <a:rPr lang="en-IN" sz="1600" dirty="0" err="1">
+                <a:latin typeface="Arial" panose="020B0604020202020204" pitchFamily="34" charset="0"/>
+                <a:cs typeface="Arial" panose="020B0604020202020204" pitchFamily="34" charset="0"/>
+              </a:rPr>
+              <a:t>cmake</a:t>
+            </a:r>
+            <a:endParaRPr lang="en-IN" sz="1600" dirty="0">
+              <a:latin typeface="Arial" panose="020B0604020202020204" pitchFamily="34" charset="0"/>
+              <a:cs typeface="Arial" panose="020B0604020202020204" pitchFamily="34" charset="0"/>
+            </a:endParaRPr>
+          </a:p>
+          <a:p>
+            <a:r>
+              <a:rPr lang="en-IN" sz="1600" dirty="0">
+                <a:latin typeface="Arial" panose="020B0604020202020204" pitchFamily="34" charset="0"/>
+                <a:cs typeface="Arial" panose="020B0604020202020204" pitchFamily="34" charset="0"/>
+              </a:rPr>
+              <a:t>    - </a:t>
+            </a:r>
+            <a:r>
+              <a:rPr lang="en-IN" sz="1600" dirty="0" err="1">
+                <a:latin typeface="Arial" panose="020B0604020202020204" pitchFamily="34" charset="0"/>
+                <a:cs typeface="Arial" panose="020B0604020202020204" pitchFamily="34" charset="0"/>
+              </a:rPr>
+              <a:t>FindSomeLib.cmake</a:t>
+            </a:r>
+            <a:endParaRPr lang="en-IN" sz="1600" dirty="0">
+              <a:latin typeface="Arial" panose="020B0604020202020204" pitchFamily="34" charset="0"/>
+              <a:cs typeface="Arial" panose="020B0604020202020204" pitchFamily="34" charset="0"/>
+            </a:endParaRPr>
+          </a:p>
+          <a:p>
+            <a:r>
+              <a:rPr lang="en-IN" sz="1600" dirty="0">
+                <a:latin typeface="Arial" panose="020B0604020202020204" pitchFamily="34" charset="0"/>
+                <a:cs typeface="Arial" panose="020B0604020202020204" pitchFamily="34" charset="0"/>
+              </a:rPr>
+              <a:t>    - </a:t>
+            </a:r>
+            <a:r>
+              <a:rPr lang="en-IN" sz="1600" dirty="0" err="1">
+                <a:latin typeface="Arial" panose="020B0604020202020204" pitchFamily="34" charset="0"/>
+                <a:cs typeface="Arial" panose="020B0604020202020204" pitchFamily="34" charset="0"/>
+              </a:rPr>
+              <a:t>something_else.cmake</a:t>
+            </a:r>
+            <a:endParaRPr lang="en-IN" sz="1600" dirty="0">
+              <a:latin typeface="Arial" panose="020B0604020202020204" pitchFamily="34" charset="0"/>
+              <a:cs typeface="Arial" panose="020B0604020202020204" pitchFamily="34" charset="0"/>
+            </a:endParaRPr>
+          </a:p>
+          <a:p>
+            <a:r>
+              <a:rPr lang="en-IN" sz="1600" dirty="0">
+                <a:latin typeface="Arial" panose="020B0604020202020204" pitchFamily="34" charset="0"/>
+                <a:cs typeface="Arial" panose="020B0604020202020204" pitchFamily="34" charset="0"/>
+              </a:rPr>
+              <a:t>  - include</a:t>
+            </a:r>
+          </a:p>
+          <a:p>
+            <a:r>
+              <a:rPr lang="en-IN" sz="1600" dirty="0">
+                <a:latin typeface="Arial" panose="020B0604020202020204" pitchFamily="34" charset="0"/>
+                <a:cs typeface="Arial" panose="020B0604020202020204" pitchFamily="34" charset="0"/>
+              </a:rPr>
+              <a:t>    - project</a:t>
+            </a:r>
+          </a:p>
+          <a:p>
+            <a:r>
+              <a:rPr lang="en-IN" sz="1600" dirty="0">
+                <a:latin typeface="Arial" panose="020B0604020202020204" pitchFamily="34" charset="0"/>
+                <a:cs typeface="Arial" panose="020B0604020202020204" pitchFamily="34" charset="0"/>
+              </a:rPr>
+              <a:t>      - lib.hpp</a:t>
+            </a:r>
+          </a:p>
+          <a:p>
+            <a:r>
+              <a:rPr lang="en-IN" sz="1600" dirty="0">
+                <a:latin typeface="Arial" panose="020B0604020202020204" pitchFamily="34" charset="0"/>
+                <a:cs typeface="Arial" panose="020B0604020202020204" pitchFamily="34" charset="0"/>
+              </a:rPr>
+              <a:t>  - </a:t>
+            </a:r>
+            <a:r>
+              <a:rPr lang="en-IN" sz="1600" dirty="0" err="1">
+                <a:latin typeface="Arial" panose="020B0604020202020204" pitchFamily="34" charset="0"/>
+                <a:cs typeface="Arial" panose="020B0604020202020204" pitchFamily="34" charset="0"/>
+              </a:rPr>
+              <a:t>src</a:t>
+            </a:r>
+            <a:endParaRPr lang="en-IN" sz="1600" dirty="0">
+              <a:latin typeface="Arial" panose="020B0604020202020204" pitchFamily="34" charset="0"/>
+              <a:cs typeface="Arial" panose="020B0604020202020204" pitchFamily="34" charset="0"/>
+            </a:endParaRPr>
+          </a:p>
+          <a:p>
+            <a:r>
+              <a:rPr lang="en-IN" sz="1600" dirty="0">
+                <a:latin typeface="Arial" panose="020B0604020202020204" pitchFamily="34" charset="0"/>
+                <a:cs typeface="Arial" panose="020B0604020202020204" pitchFamily="34" charset="0"/>
+              </a:rPr>
+              <a:t>    - CMakeLists.txt</a:t>
+            </a:r>
+          </a:p>
+          <a:p>
+            <a:r>
+              <a:rPr lang="en-IN" sz="1600" dirty="0">
+                <a:latin typeface="Arial" panose="020B0604020202020204" pitchFamily="34" charset="0"/>
+                <a:cs typeface="Arial" panose="020B0604020202020204" pitchFamily="34" charset="0"/>
+              </a:rPr>
+              <a:t>    - lib.cpp</a:t>
+            </a:r>
+          </a:p>
+          <a:p>
+            <a:r>
+              <a:rPr lang="en-IN" sz="1600" dirty="0">
+                <a:latin typeface="Arial" panose="020B0604020202020204" pitchFamily="34" charset="0"/>
+                <a:cs typeface="Arial" panose="020B0604020202020204" pitchFamily="34" charset="0"/>
+              </a:rPr>
+              <a:t>  - apps</a:t>
+            </a:r>
+          </a:p>
+          <a:p>
+            <a:r>
+              <a:rPr lang="en-IN" sz="1600" dirty="0">
+                <a:latin typeface="Arial" panose="020B0604020202020204" pitchFamily="34" charset="0"/>
+                <a:cs typeface="Arial" panose="020B0604020202020204" pitchFamily="34" charset="0"/>
+              </a:rPr>
+              <a:t>    - CMakeLists.txt</a:t>
+            </a:r>
+          </a:p>
+          <a:p>
+            <a:r>
+              <a:rPr lang="en-IN" sz="1600" dirty="0">
+                <a:latin typeface="Arial" panose="020B0604020202020204" pitchFamily="34" charset="0"/>
+                <a:cs typeface="Arial" panose="020B0604020202020204" pitchFamily="34" charset="0"/>
+              </a:rPr>
+              <a:t>    - app.cpp</a:t>
+            </a:r>
+          </a:p>
+          <a:p>
+            <a:r>
+              <a:rPr lang="en-IN" sz="1600" dirty="0">
+                <a:latin typeface="Arial" panose="020B0604020202020204" pitchFamily="34" charset="0"/>
+                <a:cs typeface="Arial" panose="020B0604020202020204" pitchFamily="34" charset="0"/>
+              </a:rPr>
+              <a:t>  - tests</a:t>
+            </a:r>
+          </a:p>
+          <a:p>
+            <a:r>
+              <a:rPr lang="en-IN" sz="1600" dirty="0">
+                <a:latin typeface="Arial" panose="020B0604020202020204" pitchFamily="34" charset="0"/>
+                <a:cs typeface="Arial" panose="020B0604020202020204" pitchFamily="34" charset="0"/>
+              </a:rPr>
+              <a:t>    - CMakeLists.txt</a:t>
+            </a:r>
+          </a:p>
+          <a:p>
+            <a:r>
+              <a:rPr lang="en-IN" sz="1600" dirty="0">
+                <a:latin typeface="Arial" panose="020B0604020202020204" pitchFamily="34" charset="0"/>
+                <a:cs typeface="Arial" panose="020B0604020202020204" pitchFamily="34" charset="0"/>
+              </a:rPr>
+              <a:t>    - testlib.cpp</a:t>
+            </a:r>
+          </a:p>
+          <a:p>
+            <a:r>
+              <a:rPr lang="en-IN" sz="1600" dirty="0">
+                <a:latin typeface="Arial" panose="020B0604020202020204" pitchFamily="34" charset="0"/>
+                <a:cs typeface="Arial" panose="020B0604020202020204" pitchFamily="34" charset="0"/>
+              </a:rPr>
+              <a:t>  - docs</a:t>
+            </a:r>
+          </a:p>
+          <a:p>
+            <a:r>
+              <a:rPr lang="en-IN" sz="1600" dirty="0">
+                <a:latin typeface="Arial" panose="020B0604020202020204" pitchFamily="34" charset="0"/>
+                <a:cs typeface="Arial" panose="020B0604020202020204" pitchFamily="34" charset="0"/>
+              </a:rPr>
+              <a:t>    - CMakeLists.txt</a:t>
+            </a:r>
+          </a:p>
+          <a:p>
+            <a:r>
+              <a:rPr lang="en-IN" sz="1600" dirty="0">
+                <a:latin typeface="Arial" panose="020B0604020202020204" pitchFamily="34" charset="0"/>
+                <a:cs typeface="Arial" panose="020B0604020202020204" pitchFamily="34" charset="0"/>
+              </a:rPr>
+              <a:t>  - extern</a:t>
+            </a:r>
+          </a:p>
+          <a:p>
+            <a:r>
+              <a:rPr lang="en-IN" sz="1600" dirty="0">
+                <a:latin typeface="Arial" panose="020B0604020202020204" pitchFamily="34" charset="0"/>
+                <a:cs typeface="Arial" panose="020B0604020202020204" pitchFamily="34" charset="0"/>
+              </a:rPr>
+              <a:t>    - </a:t>
+            </a:r>
+            <a:r>
+              <a:rPr lang="en-IN" sz="1600" dirty="0" err="1">
+                <a:latin typeface="Arial" panose="020B0604020202020204" pitchFamily="34" charset="0"/>
+                <a:cs typeface="Arial" panose="020B0604020202020204" pitchFamily="34" charset="0"/>
+              </a:rPr>
+              <a:t>googletest</a:t>
+            </a:r>
+            <a:endParaRPr lang="en-IN" sz="1600" dirty="0">
+              <a:latin typeface="Arial" panose="020B0604020202020204" pitchFamily="34" charset="0"/>
+              <a:cs typeface="Arial" panose="020B0604020202020204" pitchFamily="34" charset="0"/>
+            </a:endParaRPr>
+          </a:p>
+          <a:p>
+            <a:r>
+              <a:rPr lang="en-IN" sz="1600" dirty="0">
+                <a:latin typeface="Arial" panose="020B0604020202020204" pitchFamily="34" charset="0"/>
+                <a:cs typeface="Arial" panose="020B0604020202020204" pitchFamily="34" charset="0"/>
+              </a:rPr>
+              <a:t>  - scripts</a:t>
+            </a:r>
+          </a:p>
+          <a:p>
+            <a:r>
+              <a:rPr lang="en-IN" sz="1600" dirty="0">
+                <a:latin typeface="Arial" panose="020B0604020202020204" pitchFamily="34" charset="0"/>
+                <a:cs typeface="Arial" panose="020B0604020202020204" pitchFamily="34" charset="0"/>
+              </a:rPr>
+              <a:t>    - helper.py</a:t>
             </a:r>
           </a:p>
         </p:txBody>
       </p:sp>
       <p:sp>
         <p:nvSpPr>
-          <p:cNvPr id="8" name="Rectangle: Rounded Corners 7">
+          <p:cNvPr id="3" name="Rectangle: Rounded Corners 2">
             <a:extLst>
               <a:ext uri="{FF2B5EF4-FFF2-40B4-BE49-F238E27FC236}">
-                <a16:creationId xmlns:a16="http://schemas.microsoft.com/office/drawing/2014/main" id="{9D1DCC18-9F7E-42CC-88C2-B1D07DB73980}"/>
+                <a16:creationId xmlns:a16="http://schemas.microsoft.com/office/drawing/2014/main" id="{80B8D163-AF57-4C78-A5BB-39A5EB2BD389}"/>
               </a:ext>
             </a:extLst>
           </p:cNvPr>
@@ -16650,158 +20340,8 @@
         </p:nvSpPr>
         <p:spPr>
           <a:xfrm>
-            <a:off x="2701252" y="5550377"/>
-            <a:ext cx="2516697" cy="461665"/>
-          </a:xfrm>
-          <a:prstGeom prst="roundRect">
-            <a:avLst/>
-          </a:prstGeom>
-          <a:solidFill>
-            <a:srgbClr val="FFC000"/>
-          </a:solidFill>
-        </p:spPr>
-        <p:style>
-          <a:lnRef idx="2">
-            <a:schemeClr val="accent1"/>
-          </a:lnRef>
-          <a:fillRef idx="1">
-            <a:schemeClr val="lt1"/>
-          </a:fillRef>
-          <a:effectRef idx="0">
-            <a:schemeClr val="accent1"/>
-          </a:effectRef>
-          <a:fontRef idx="minor">
-            <a:schemeClr val="dk1"/>
-          </a:fontRef>
-        </p:style>
-        <p:txBody>
-          <a:bodyPr rtlCol="0" anchor="ctr"/>
-          <a:lstStyle/>
-          <a:p>
-            <a:pPr algn="ctr"/>
-            <a:r>
-              <a:rPr lang="en-IN" dirty="0"/>
-              <a:t>Build</a:t>
-            </a:r>
-          </a:p>
-        </p:txBody>
-      </p:sp>
-      <p:sp>
-        <p:nvSpPr>
-          <p:cNvPr id="9" name="Rectangle: Rounded Corners 8">
-            <a:extLst>
-              <a:ext uri="{FF2B5EF4-FFF2-40B4-BE49-F238E27FC236}">
-                <a16:creationId xmlns:a16="http://schemas.microsoft.com/office/drawing/2014/main" id="{5B272F71-8577-49C2-BD01-69218E072F0C}"/>
-              </a:ext>
-            </a:extLst>
-          </p:cNvPr>
-          <p:cNvSpPr/>
-          <p:nvPr/>
-        </p:nvSpPr>
-        <p:spPr>
-          <a:xfrm>
-            <a:off x="6974052" y="3198167"/>
-            <a:ext cx="2516697" cy="461665"/>
-          </a:xfrm>
-          <a:prstGeom prst="roundRect">
-            <a:avLst/>
-          </a:prstGeom>
-        </p:spPr>
-        <p:style>
-          <a:lnRef idx="2">
-            <a:schemeClr val="accent2">
-              <a:shade val="50000"/>
-            </a:schemeClr>
-          </a:lnRef>
-          <a:fillRef idx="1">
-            <a:schemeClr val="accent2"/>
-          </a:fillRef>
-          <a:effectRef idx="0">
-            <a:schemeClr val="accent2"/>
-          </a:effectRef>
-          <a:fontRef idx="minor">
-            <a:schemeClr val="lt1"/>
-          </a:fontRef>
-        </p:style>
-        <p:txBody>
-          <a:bodyPr rtlCol="0" anchor="ctr"/>
-          <a:lstStyle/>
-          <a:p>
-            <a:pPr algn="ctr"/>
-            <a:r>
-              <a:rPr lang="en-IN" dirty="0" err="1"/>
-              <a:t>inc</a:t>
-            </a:r>
-            <a:endParaRPr lang="en-IN" dirty="0"/>
-          </a:p>
-        </p:txBody>
-      </p:sp>
-      <p:sp>
-        <p:nvSpPr>
-          <p:cNvPr id="10" name="Rectangle: Rounded Corners 9">
-            <a:extLst>
-              <a:ext uri="{FF2B5EF4-FFF2-40B4-BE49-F238E27FC236}">
-                <a16:creationId xmlns:a16="http://schemas.microsoft.com/office/drawing/2014/main" id="{3D8CE6E3-2729-4051-939A-984595B95AD6}"/>
-              </a:ext>
-            </a:extLst>
-          </p:cNvPr>
-          <p:cNvSpPr/>
-          <p:nvPr/>
-        </p:nvSpPr>
-        <p:spPr>
-          <a:xfrm>
-            <a:off x="7002015" y="3908008"/>
-            <a:ext cx="2516697" cy="461665"/>
-          </a:xfrm>
-          <a:prstGeom prst="roundRect">
-            <a:avLst/>
-          </a:prstGeom>
-        </p:spPr>
-        <p:style>
-          <a:lnRef idx="2">
-            <a:schemeClr val="accent2">
-              <a:shade val="50000"/>
-            </a:schemeClr>
-          </a:lnRef>
-          <a:fillRef idx="1">
-            <a:schemeClr val="accent2"/>
-          </a:fillRef>
-          <a:effectRef idx="0">
-            <a:schemeClr val="accent2"/>
-          </a:effectRef>
-          <a:fontRef idx="minor">
-            <a:schemeClr val="lt1"/>
-          </a:fontRef>
-        </p:style>
-        <p:txBody>
-          <a:bodyPr rtlCol="0" anchor="ctr"/>
-          <a:lstStyle/>
-          <a:p>
-            <a:pPr algn="ctr"/>
-            <a:r>
-              <a:rPr lang="en-IN" dirty="0" err="1"/>
-              <a:t>src</a:t>
-            </a:r>
-            <a:endParaRPr lang="en-IN" dirty="0"/>
-          </a:p>
-        </p:txBody>
-      </p:sp>
-      <p:sp>
-        <p:nvSpPr>
-          <p:cNvPr id="11" name="Rectangle: Rounded Corners 10">
-            <a:extLst>
-              <a:ext uri="{FF2B5EF4-FFF2-40B4-BE49-F238E27FC236}">
-                <a16:creationId xmlns:a16="http://schemas.microsoft.com/office/drawing/2014/main" id="{1637D206-FEB1-4191-AD0A-FC1147F895AA}"/>
-              </a:ext>
-            </a:extLst>
-          </p:cNvPr>
-          <p:cNvSpPr/>
-          <p:nvPr/>
-        </p:nvSpPr>
-        <p:spPr>
-          <a:xfrm>
-            <a:off x="7002015" y="4723002"/>
-            <a:ext cx="2516697" cy="461664"/>
+            <a:off x="1803633" y="553673"/>
+            <a:ext cx="4563611" cy="687898"/>
           </a:xfrm>
           <a:prstGeom prst="roundRect">
             <a:avLst/>
@@ -16830,278 +20370,45 @@
             <a:pPr algn="ctr"/>
             <a:r>
               <a:rPr lang="en-IN" dirty="0"/>
-              <a:t>CMakeLists.txt</a:t>
+              <a:t>Folder structure</a:t>
             </a:r>
           </a:p>
         </p:txBody>
       </p:sp>
-      <p:cxnSp>
-        <p:nvCxnSpPr>
-          <p:cNvPr id="15" name="Straight Connector 14">
-            <a:extLst>
-              <a:ext uri="{FF2B5EF4-FFF2-40B4-BE49-F238E27FC236}">
-                <a16:creationId xmlns:a16="http://schemas.microsoft.com/office/drawing/2014/main" id="{BB230394-5B84-4F68-8F2E-91FF474AFAB3}"/>
-              </a:ext>
-            </a:extLst>
-          </p:cNvPr>
-          <p:cNvCxnSpPr>
-            <a:stCxn id="6" idx="2"/>
-          </p:cNvCxnSpPr>
-          <p:nvPr/>
-        </p:nvCxnSpPr>
-        <p:spPr>
-          <a:xfrm flipH="1">
-            <a:off x="1971412" y="2600858"/>
-            <a:ext cx="1" cy="3330159"/>
-          </a:xfrm>
-          <a:prstGeom prst="line">
-            <a:avLst/>
-          </a:prstGeom>
-        </p:spPr>
-        <p:style>
-          <a:lnRef idx="1">
-            <a:schemeClr val="accent1"/>
-          </a:lnRef>
-          <a:fillRef idx="0">
-            <a:schemeClr val="accent1"/>
-          </a:fillRef>
-          <a:effectRef idx="0">
-            <a:schemeClr val="accent1"/>
-          </a:effectRef>
-          <a:fontRef idx="minor">
-            <a:schemeClr val="tx1"/>
-          </a:fontRef>
-        </p:style>
-      </p:cxnSp>
-      <p:cxnSp>
-        <p:nvCxnSpPr>
-          <p:cNvPr id="17" name="Straight Connector 16">
-            <a:extLst>
-              <a:ext uri="{FF2B5EF4-FFF2-40B4-BE49-F238E27FC236}">
-                <a16:creationId xmlns:a16="http://schemas.microsoft.com/office/drawing/2014/main" id="{B0D9413F-087D-40C2-BB31-B54EB0C2FC34}"/>
-              </a:ext>
-            </a:extLst>
-          </p:cNvPr>
-          <p:cNvCxnSpPr>
-            <a:stCxn id="7" idx="1"/>
-          </p:cNvCxnSpPr>
-          <p:nvPr/>
-        </p:nvCxnSpPr>
-        <p:spPr>
-          <a:xfrm flipH="1" flipV="1">
-            <a:off x="1971412" y="3428999"/>
-            <a:ext cx="729841" cy="1"/>
-          </a:xfrm>
-          <a:prstGeom prst="line">
-            <a:avLst/>
-          </a:prstGeom>
-        </p:spPr>
-        <p:style>
-          <a:lnRef idx="1">
-            <a:schemeClr val="accent1"/>
-          </a:lnRef>
-          <a:fillRef idx="0">
-            <a:schemeClr val="accent1"/>
-          </a:fillRef>
-          <a:effectRef idx="0">
-            <a:schemeClr val="accent1"/>
-          </a:effectRef>
-          <a:fontRef idx="minor">
-            <a:schemeClr val="tx1"/>
-          </a:fontRef>
-        </p:style>
-      </p:cxnSp>
-      <p:cxnSp>
-        <p:nvCxnSpPr>
-          <p:cNvPr id="19" name="Straight Connector 18">
-            <a:extLst>
-              <a:ext uri="{FF2B5EF4-FFF2-40B4-BE49-F238E27FC236}">
-                <a16:creationId xmlns:a16="http://schemas.microsoft.com/office/drawing/2014/main" id="{C55AED74-50A7-4644-A5A3-0F3DBC578A6A}"/>
-              </a:ext>
-            </a:extLst>
-          </p:cNvPr>
-          <p:cNvCxnSpPr>
-            <a:stCxn id="8" idx="1"/>
-          </p:cNvCxnSpPr>
-          <p:nvPr/>
-        </p:nvCxnSpPr>
-        <p:spPr>
-          <a:xfrm flipH="1" flipV="1">
-            <a:off x="1971412" y="5781209"/>
-            <a:ext cx="729840" cy="1"/>
-          </a:xfrm>
-          <a:prstGeom prst="line">
-            <a:avLst/>
-          </a:prstGeom>
-        </p:spPr>
-        <p:style>
-          <a:lnRef idx="1">
-            <a:schemeClr val="accent1"/>
-          </a:lnRef>
-          <a:fillRef idx="0">
-            <a:schemeClr val="accent1"/>
-          </a:fillRef>
-          <a:effectRef idx="0">
-            <a:schemeClr val="accent1"/>
-          </a:effectRef>
-          <a:fontRef idx="minor">
-            <a:schemeClr val="tx1"/>
-          </a:fontRef>
-        </p:style>
-      </p:cxnSp>
-      <p:cxnSp>
-        <p:nvCxnSpPr>
-          <p:cNvPr id="21" name="Straight Connector 20">
-            <a:extLst>
-              <a:ext uri="{FF2B5EF4-FFF2-40B4-BE49-F238E27FC236}">
-                <a16:creationId xmlns:a16="http://schemas.microsoft.com/office/drawing/2014/main" id="{9C07B2B1-BAAA-4077-BEED-4992BE2883CA}"/>
-              </a:ext>
-            </a:extLst>
-          </p:cNvPr>
-          <p:cNvCxnSpPr>
-            <a:stCxn id="9" idx="1"/>
-            <a:endCxn id="7" idx="3"/>
-          </p:cNvCxnSpPr>
-          <p:nvPr/>
-        </p:nvCxnSpPr>
-        <p:spPr>
-          <a:xfrm flipH="1">
-            <a:off x="5217950" y="3429000"/>
-            <a:ext cx="1756102" cy="0"/>
-          </a:xfrm>
-          <a:prstGeom prst="line">
-            <a:avLst/>
-          </a:prstGeom>
-        </p:spPr>
-        <p:style>
-          <a:lnRef idx="1">
-            <a:schemeClr val="accent1"/>
-          </a:lnRef>
-          <a:fillRef idx="0">
-            <a:schemeClr val="accent1"/>
-          </a:fillRef>
-          <a:effectRef idx="0">
-            <a:schemeClr val="accent1"/>
-          </a:effectRef>
-          <a:fontRef idx="minor">
-            <a:schemeClr val="tx1"/>
-          </a:fontRef>
-        </p:style>
-      </p:cxnSp>
-      <p:cxnSp>
-        <p:nvCxnSpPr>
-          <p:cNvPr id="24" name="Straight Connector 23">
-            <a:extLst>
-              <a:ext uri="{FF2B5EF4-FFF2-40B4-BE49-F238E27FC236}">
-                <a16:creationId xmlns:a16="http://schemas.microsoft.com/office/drawing/2014/main" id="{2C3623B5-739C-4CE8-9072-CB21057D7599}"/>
-              </a:ext>
-            </a:extLst>
-          </p:cNvPr>
-          <p:cNvCxnSpPr>
-            <a:stCxn id="10" idx="1"/>
-          </p:cNvCxnSpPr>
-          <p:nvPr/>
-        </p:nvCxnSpPr>
-        <p:spPr>
-          <a:xfrm flipH="1" flipV="1">
-            <a:off x="6392411" y="4138840"/>
-            <a:ext cx="609604" cy="1"/>
-          </a:xfrm>
-          <a:prstGeom prst="line">
-            <a:avLst/>
-          </a:prstGeom>
-        </p:spPr>
-        <p:style>
-          <a:lnRef idx="1">
-            <a:schemeClr val="accent1"/>
-          </a:lnRef>
-          <a:fillRef idx="0">
-            <a:schemeClr val="accent1"/>
-          </a:fillRef>
-          <a:effectRef idx="0">
-            <a:schemeClr val="accent1"/>
-          </a:effectRef>
-          <a:fontRef idx="minor">
-            <a:schemeClr val="tx1"/>
-          </a:fontRef>
-        </p:style>
-      </p:cxnSp>
-      <p:cxnSp>
-        <p:nvCxnSpPr>
-          <p:cNvPr id="25" name="Straight Connector 24">
-            <a:extLst>
-              <a:ext uri="{FF2B5EF4-FFF2-40B4-BE49-F238E27FC236}">
-                <a16:creationId xmlns:a16="http://schemas.microsoft.com/office/drawing/2014/main" id="{BE523404-1828-4755-A512-E5A9E982A84E}"/>
-              </a:ext>
-            </a:extLst>
-          </p:cNvPr>
-          <p:cNvCxnSpPr/>
-          <p:nvPr/>
-        </p:nvCxnSpPr>
-        <p:spPr>
-          <a:xfrm flipH="1" flipV="1">
-            <a:off x="6392411" y="4953834"/>
-            <a:ext cx="609604" cy="1"/>
-          </a:xfrm>
-          <a:prstGeom prst="line">
-            <a:avLst/>
-          </a:prstGeom>
-        </p:spPr>
-        <p:style>
-          <a:lnRef idx="1">
-            <a:schemeClr val="accent1"/>
-          </a:lnRef>
-          <a:fillRef idx="0">
-            <a:schemeClr val="accent1"/>
-          </a:fillRef>
-          <a:effectRef idx="0">
-            <a:schemeClr val="accent1"/>
-          </a:effectRef>
-          <a:fontRef idx="minor">
-            <a:schemeClr val="tx1"/>
-          </a:fontRef>
-        </p:style>
-      </p:cxnSp>
-      <p:cxnSp>
-        <p:nvCxnSpPr>
-          <p:cNvPr id="27" name="Straight Connector 26">
-            <a:extLst>
-              <a:ext uri="{FF2B5EF4-FFF2-40B4-BE49-F238E27FC236}">
-                <a16:creationId xmlns:a16="http://schemas.microsoft.com/office/drawing/2014/main" id="{97786F1F-E51B-4431-AEE4-3022C7DEB13C}"/>
-              </a:ext>
-            </a:extLst>
-          </p:cNvPr>
-          <p:cNvCxnSpPr/>
-          <p:nvPr/>
-        </p:nvCxnSpPr>
-        <p:spPr>
-          <a:xfrm flipV="1">
-            <a:off x="6392411" y="3428999"/>
-            <a:ext cx="0" cy="1524835"/>
-          </a:xfrm>
-          <a:prstGeom prst="line">
-            <a:avLst/>
-          </a:prstGeom>
-        </p:spPr>
-        <p:style>
-          <a:lnRef idx="1">
-            <a:schemeClr val="accent1"/>
-          </a:lnRef>
-          <a:fillRef idx="0">
-            <a:schemeClr val="accent1"/>
-          </a:fillRef>
-          <a:effectRef idx="0">
-            <a:schemeClr val="accent1"/>
-          </a:effectRef>
-          <a:fontRef idx="minor">
-            <a:schemeClr val="tx1"/>
-          </a:fontRef>
-        </p:style>
-      </p:cxnSp>
     </p:spTree>
     <p:extLst>
       <p:ext uri="{BB962C8B-B14F-4D97-AF65-F5344CB8AC3E}">
-        <p14:creationId xmlns:p14="http://schemas.microsoft.com/office/powerpoint/2010/main" val="3559210132"/>
+        <p14:creationId xmlns:p14="http://schemas.microsoft.com/office/powerpoint/2010/main" val="837950150"/>
+      </p:ext>
+    </p:extLst>
+  </p:cSld>
+  <p:clrMapOvr>
+    <a:masterClrMapping/>
+  </p:clrMapOvr>
+</p:sld>
+</file>
+
+<file path=ppt/slides/slide23.xml><?xml version="1.0" encoding="utf-8"?>
+<p:sld xmlns:a="http://schemas.openxmlformats.org/drawingml/2006/main" xmlns:r="http://schemas.openxmlformats.org/officeDocument/2006/relationships" xmlns:p="http://schemas.openxmlformats.org/presentationml/2006/main">
+  <p:cSld>
+    <p:spTree>
+      <p:nvGrpSpPr>
+        <p:cNvPr id="1" name=""/>
+        <p:cNvGrpSpPr/>
+        <p:nvPr/>
+      </p:nvGrpSpPr>
+      <p:grpSpPr>
+        <a:xfrm>
+          <a:off x="0" y="0"/>
+          <a:ext cx="0" cy="0"/>
+          <a:chOff x="0" y="0"/>
+          <a:chExt cx="0" cy="0"/>
+        </a:xfrm>
+      </p:grpSpPr>
+    </p:spTree>
+    <p:extLst>
+      <p:ext uri="{BB962C8B-B14F-4D97-AF65-F5344CB8AC3E}">
+        <p14:creationId xmlns:p14="http://schemas.microsoft.com/office/powerpoint/2010/main" val="3362754493"/>
       </p:ext>
     </p:extLst>
   </p:cSld>
@@ -17577,10 +20884,10 @@
       </p:grpSpPr>
       <p:sp>
         <p:nvSpPr>
-          <p:cNvPr id="2" name="TextBox 1">
+          <p:cNvPr id="3" name="TextBox 2">
             <a:extLst>
               <a:ext uri="{FF2B5EF4-FFF2-40B4-BE49-F238E27FC236}">
-                <a16:creationId xmlns:a16="http://schemas.microsoft.com/office/drawing/2014/main" id="{13E9F4E8-A8B0-4F4C-9B57-D1E15CA364F4}"/>
+                <a16:creationId xmlns:a16="http://schemas.microsoft.com/office/drawing/2014/main" id="{B0ADCABF-13C3-48B9-A73C-D46D00783E0A}"/>
               </a:ext>
             </a:extLst>
           </p:cNvPr>
@@ -17589,8 +20896,8 @@
         </p:nvSpPr>
         <p:spPr>
           <a:xfrm>
-            <a:off x="2810310" y="658643"/>
-            <a:ext cx="6560191" cy="461665"/>
+            <a:off x="2701255" y="845958"/>
+            <a:ext cx="6096000" cy="461665"/>
           </a:xfrm>
           <a:prstGeom prst="rect">
             <a:avLst/>
@@ -17605,17 +20912,25 @@
           <a:p>
             <a:r>
               <a:rPr lang="en-IN" sz="2400" dirty="0"/>
-              <a:t>Specifying Include directories of project </a:t>
+              <a:t>Classic </a:t>
+            </a:r>
+            <a:r>
+              <a:rPr lang="en-IN" sz="2400" dirty="0" err="1"/>
+              <a:t>cmake</a:t>
+            </a:r>
+            <a:r>
+              <a:rPr lang="en-IN" sz="2400" dirty="0"/>
+              <a:t> build/install procedure</a:t>
             </a:r>
           </a:p>
         </p:txBody>
       </p:sp>
       <p:sp>
         <p:nvSpPr>
-          <p:cNvPr id="3" name="Rectangle 2">
+          <p:cNvPr id="11" name="Rectangle: Rounded Corners 10">
             <a:extLst>
               <a:ext uri="{FF2B5EF4-FFF2-40B4-BE49-F238E27FC236}">
-                <a16:creationId xmlns:a16="http://schemas.microsoft.com/office/drawing/2014/main" id="{46416CC3-0873-4F71-A11F-665D84A13F8B}"/>
+                <a16:creationId xmlns:a16="http://schemas.microsoft.com/office/drawing/2014/main" id="{76800BDB-E051-4C78-AB7E-1A28F0356380}"/>
               </a:ext>
             </a:extLst>
           </p:cNvPr>
@@ -17624,244 +20939,8 @@
         </p:nvSpPr>
         <p:spPr>
           <a:xfrm>
-            <a:off x="187354" y="1495419"/>
-            <a:ext cx="11053893" cy="369332"/>
-          </a:xfrm>
-          <a:prstGeom prst="rect">
-            <a:avLst/>
-          </a:prstGeom>
-        </p:spPr>
-        <p:txBody>
-          <a:bodyPr wrap="square">
-            <a:spAutoFit/>
-          </a:bodyPr>
-          <a:lstStyle/>
-          <a:p>
-            <a:r>
-              <a:rPr lang="en-IN" dirty="0" err="1">
-                <a:solidFill>
-                  <a:srgbClr val="0000FF"/>
-                </a:solidFill>
-                <a:latin typeface="Consolas" panose="020B0609020204030204" pitchFamily="49" charset="0"/>
-              </a:rPr>
-              <a:t>include_directories</a:t>
-            </a:r>
-            <a:r>
-              <a:rPr lang="en-IN" dirty="0">
-                <a:solidFill>
-                  <a:srgbClr val="000000"/>
-                </a:solidFill>
-                <a:latin typeface="Consolas" panose="020B0609020204030204" pitchFamily="49" charset="0"/>
-              </a:rPr>
-              <a:t>(</a:t>
-            </a:r>
-            <a:r>
-              <a:rPr lang="en-IN" b="1" dirty="0">
-                <a:solidFill>
-                  <a:srgbClr val="008800"/>
-                </a:solidFill>
-                <a:latin typeface="Consolas" panose="020B0609020204030204" pitchFamily="49" charset="0"/>
-              </a:rPr>
-              <a:t>${CMAKE_SOURCE_DIR}</a:t>
-            </a:r>
-            <a:r>
-              <a:rPr lang="en-IN" dirty="0">
-                <a:solidFill>
-                  <a:srgbClr val="000000"/>
-                </a:solidFill>
-                <a:latin typeface="Consolas" panose="020B0609020204030204" pitchFamily="49" charset="0"/>
-              </a:rPr>
-              <a:t>/</a:t>
-            </a:r>
-            <a:r>
-              <a:rPr lang="en-IN" dirty="0" err="1">
-                <a:solidFill>
-                  <a:srgbClr val="000000"/>
-                </a:solidFill>
-                <a:latin typeface="Consolas" panose="020B0609020204030204" pitchFamily="49" charset="0"/>
-              </a:rPr>
-              <a:t>inc</a:t>
-            </a:r>
-            <a:r>
-              <a:rPr lang="en-IN" dirty="0">
-                <a:solidFill>
-                  <a:srgbClr val="000000"/>
-                </a:solidFill>
-                <a:latin typeface="Consolas" panose="020B0609020204030204" pitchFamily="49" charset="0"/>
-              </a:rPr>
-              <a:t>)</a:t>
-            </a:r>
-          </a:p>
-        </p:txBody>
-      </p:sp>
-      <p:sp>
-        <p:nvSpPr>
-          <p:cNvPr id="4" name="Rectangle 3">
-            <a:extLst>
-              <a:ext uri="{FF2B5EF4-FFF2-40B4-BE49-F238E27FC236}">
-                <a16:creationId xmlns:a16="http://schemas.microsoft.com/office/drawing/2014/main" id="{65A5A12D-DC1B-45FC-B160-3A28635EAD06}"/>
-              </a:ext>
-            </a:extLst>
-          </p:cNvPr>
-          <p:cNvSpPr/>
-          <p:nvPr/>
-        </p:nvSpPr>
-        <p:spPr>
-          <a:xfrm>
-            <a:off x="187354" y="2022440"/>
-            <a:ext cx="7975134" cy="369332"/>
-          </a:xfrm>
-          <a:prstGeom prst="rect">
-            <a:avLst/>
-          </a:prstGeom>
-        </p:spPr>
-        <p:txBody>
-          <a:bodyPr wrap="square">
-            <a:spAutoFit/>
-          </a:bodyPr>
-          <a:lstStyle/>
-          <a:p>
-            <a:r>
-              <a:rPr lang="en-IN" dirty="0" err="1">
-                <a:solidFill>
-                  <a:srgbClr val="0000FF"/>
-                </a:solidFill>
-                <a:latin typeface="Consolas" panose="020B0609020204030204" pitchFamily="49" charset="0"/>
-              </a:rPr>
-              <a:t>include_directories</a:t>
-            </a:r>
-            <a:r>
-              <a:rPr lang="en-IN" dirty="0">
-                <a:solidFill>
-                  <a:srgbClr val="000000"/>
-                </a:solidFill>
-                <a:latin typeface="Consolas" panose="020B0609020204030204" pitchFamily="49" charset="0"/>
-              </a:rPr>
-              <a:t>(${LIBCONFIG++_INCLUDE_DIRS})</a:t>
-            </a:r>
-            <a:endParaRPr lang="en-IN" dirty="0"/>
-          </a:p>
-        </p:txBody>
-      </p:sp>
-      <p:sp>
-        <p:nvSpPr>
-          <p:cNvPr id="6" name="Rectangle 5">
-            <a:extLst>
-              <a:ext uri="{FF2B5EF4-FFF2-40B4-BE49-F238E27FC236}">
-                <a16:creationId xmlns:a16="http://schemas.microsoft.com/office/drawing/2014/main" id="{B7A84899-AF7F-41E9-B19E-C2E93FFFA82D}"/>
-              </a:ext>
-            </a:extLst>
-          </p:cNvPr>
-          <p:cNvSpPr/>
-          <p:nvPr/>
-        </p:nvSpPr>
-        <p:spPr>
-          <a:xfrm>
-            <a:off x="187354" y="3385720"/>
-            <a:ext cx="8805644" cy="369332"/>
-          </a:xfrm>
-          <a:prstGeom prst="rect">
-            <a:avLst/>
-          </a:prstGeom>
-        </p:spPr>
-        <p:txBody>
-          <a:bodyPr wrap="square">
-            <a:spAutoFit/>
-          </a:bodyPr>
-          <a:lstStyle/>
-          <a:p>
-            <a:r>
-              <a:rPr lang="en-IN" dirty="0">
-                <a:solidFill>
-                  <a:srgbClr val="0000FF"/>
-                </a:solidFill>
-                <a:latin typeface="Consolas" panose="020B0609020204030204" pitchFamily="49" charset="0"/>
-              </a:rPr>
-              <a:t>message</a:t>
-            </a:r>
-            <a:r>
-              <a:rPr lang="en-IN" dirty="0">
-                <a:solidFill>
-                  <a:srgbClr val="000000"/>
-                </a:solidFill>
-                <a:latin typeface="Consolas" panose="020B0609020204030204" pitchFamily="49" charset="0"/>
-              </a:rPr>
-              <a:t> (</a:t>
-            </a:r>
-            <a:r>
-              <a:rPr lang="en-IN" dirty="0">
-                <a:solidFill>
-                  <a:srgbClr val="A31515"/>
-                </a:solidFill>
-                <a:latin typeface="Consolas" panose="020B0609020204030204" pitchFamily="49" charset="0"/>
-              </a:rPr>
-              <a:t>"Include </a:t>
-            </a:r>
-            <a:r>
-              <a:rPr lang="en-IN" dirty="0" err="1">
-                <a:solidFill>
-                  <a:srgbClr val="A31515"/>
-                </a:solidFill>
-                <a:latin typeface="Consolas" panose="020B0609020204030204" pitchFamily="49" charset="0"/>
-              </a:rPr>
-              <a:t>dirs</a:t>
-            </a:r>
-            <a:r>
-              <a:rPr lang="en-IN" dirty="0">
-                <a:solidFill>
-                  <a:srgbClr val="A31515"/>
-                </a:solidFill>
-                <a:latin typeface="Consolas" panose="020B0609020204030204" pitchFamily="49" charset="0"/>
-              </a:rPr>
-              <a:t>: "</a:t>
-            </a:r>
-            <a:r>
-              <a:rPr lang="en-IN" dirty="0">
-                <a:solidFill>
-                  <a:srgbClr val="000000"/>
-                </a:solidFill>
-                <a:latin typeface="Consolas" panose="020B0609020204030204" pitchFamily="49" charset="0"/>
-              </a:rPr>
-              <a:t> </a:t>
-            </a:r>
-            <a:r>
-              <a:rPr lang="en-IN" b="1" dirty="0">
-                <a:solidFill>
-                  <a:srgbClr val="008800"/>
-                </a:solidFill>
-                <a:latin typeface="Consolas" panose="020B0609020204030204" pitchFamily="49" charset="0"/>
-              </a:rPr>
-              <a:t>${INCLUDE_DIRECTORIES}</a:t>
-            </a:r>
-            <a:r>
-              <a:rPr lang="en-IN" dirty="0">
-                <a:solidFill>
-                  <a:srgbClr val="000000"/>
-                </a:solidFill>
-                <a:latin typeface="Consolas" panose="020B0609020204030204" pitchFamily="49" charset="0"/>
-              </a:rPr>
-              <a:t>)</a:t>
-            </a:r>
-            <a:endParaRPr lang="en-IN" dirty="0"/>
-          </a:p>
-        </p:txBody>
-      </p:sp>
-      <p:sp>
-        <p:nvSpPr>
-          <p:cNvPr id="7" name="Rectangle: Rounded Corners 6">
-            <a:extLst>
-              <a:ext uri="{FF2B5EF4-FFF2-40B4-BE49-F238E27FC236}">
-                <a16:creationId xmlns:a16="http://schemas.microsoft.com/office/drawing/2014/main" id="{26F7C876-7C11-498C-832F-D5F11ED724B8}"/>
-              </a:ext>
-            </a:extLst>
-          </p:cNvPr>
-          <p:cNvSpPr/>
-          <p:nvPr/>
-        </p:nvSpPr>
-        <p:spPr>
-          <a:xfrm>
-            <a:off x="6202261" y="1491571"/>
-            <a:ext cx="5581474" cy="369332"/>
+            <a:off x="746620" y="2039794"/>
+            <a:ext cx="2332140" cy="1366815"/>
           </a:xfrm>
           <a:prstGeom prst="roundRect">
             <a:avLst/>
@@ -17887,20 +20966,49 @@
           <a:bodyPr rtlCol="0" anchor="ctr"/>
           <a:lstStyle/>
           <a:p>
-            <a:pPr algn="ctr"/>
+            <a:r>
+              <a:rPr lang="en-IN" dirty="0" err="1"/>
+              <a:t>mkdir</a:t>
+            </a:r>
             <a:r>
               <a:rPr lang="en-IN" dirty="0"/>
-              <a:t>Specify include directories for the project</a:t>
+              <a:t> build</a:t>
+            </a:r>
+          </a:p>
+          <a:p>
+            <a:r>
+              <a:rPr lang="en-IN" dirty="0"/>
+              <a:t>cd build</a:t>
+            </a:r>
+          </a:p>
+          <a:p>
+            <a:r>
+              <a:rPr lang="en-IN" dirty="0" err="1"/>
+              <a:t>cmake</a:t>
+            </a:r>
+            <a:r>
+              <a:rPr lang="en-IN" dirty="0"/>
+              <a:t> ..</a:t>
+            </a:r>
+          </a:p>
+          <a:p>
+            <a:r>
+              <a:rPr lang="en-IN" dirty="0" err="1"/>
+              <a:t>cmake</a:t>
+            </a:r>
+            <a:r>
+              <a:rPr lang="en-IN" dirty="0"/>
+              <a:t> --build .</a:t>
             </a:r>
           </a:p>
         </p:txBody>
       </p:sp>
       <p:sp>
         <p:nvSpPr>
-          <p:cNvPr id="8" name="Rectangle: Rounded Corners 7">
+          <p:cNvPr id="15" name="Rectangle: Rounded Corners 14">
             <a:extLst>
               <a:ext uri="{FF2B5EF4-FFF2-40B4-BE49-F238E27FC236}">
-                <a16:creationId xmlns:a16="http://schemas.microsoft.com/office/drawing/2014/main" id="{B0EF9FC4-D9B7-4408-9CD8-FE2F206EAA94}"/>
+                <a16:creationId xmlns:a16="http://schemas.microsoft.com/office/drawing/2014/main" id="{4B716616-F5E7-49E3-9DDB-D7FC0BF3B3EE}"/>
               </a:ext>
             </a:extLst>
           </p:cNvPr>
@@ -17909,8 +21017,8 @@
         </p:nvSpPr>
         <p:spPr>
           <a:xfrm>
-            <a:off x="6600735" y="2399107"/>
-            <a:ext cx="5318621" cy="369332"/>
+            <a:off x="6200862" y="4181404"/>
+            <a:ext cx="5283666" cy="1510697"/>
           </a:xfrm>
           <a:prstGeom prst="roundRect">
             <a:avLst/>
@@ -17936,20 +21044,54 @@
           <a:bodyPr rtlCol="0" anchor="ctr"/>
           <a:lstStyle/>
           <a:p>
+            <a:r>
+              <a:rPr lang="en-IN" dirty="0"/>
+              <a:t>From the build directory (pick one)</a:t>
+            </a:r>
+          </a:p>
+          <a:p>
+            <a:endParaRPr lang="en-IN" dirty="0"/>
+          </a:p>
+          <a:p>
+            <a:r>
+              <a:rPr lang="en-IN" dirty="0" err="1"/>
+              <a:t>cmake</a:t>
+            </a:r>
+            <a:r>
+              <a:rPr lang="en-IN" dirty="0"/>
+              <a:t> --build . --target install</a:t>
+            </a:r>
+          </a:p>
+          <a:p>
+            <a:r>
+              <a:rPr lang="en-IN" dirty="0" err="1"/>
+              <a:t>cmake</a:t>
+            </a:r>
+            <a:r>
+              <a:rPr lang="en-IN" dirty="0"/>
+              <a:t> --install . # </a:t>
+            </a:r>
+            <a:r>
+              <a:rPr lang="en-IN" dirty="0" err="1"/>
+              <a:t>CMake</a:t>
+            </a:r>
+            <a:r>
+              <a:rPr lang="en-IN" dirty="0"/>
+              <a:t> 3.15+ only</a:t>
+            </a:r>
+          </a:p>
+          <a:p>
             <a:pPr algn="ctr"/>
-            <a:r>
-              <a:rPr lang="en-IN" dirty="0"/>
-              <a:t>Add Include directories from third party library</a:t>
-            </a:r>
+            <a:endParaRPr lang="en-IN" dirty="0"/>
           </a:p>
         </p:txBody>
       </p:sp>
       <p:sp>
         <p:nvSpPr>
-          <p:cNvPr id="9" name="Rectangle: Rounded Corners 8">
+          <p:cNvPr id="16" name="Rectangle: Rounded Corners 15">
             <a:extLst>
               <a:ext uri="{FF2B5EF4-FFF2-40B4-BE49-F238E27FC236}">
-                <a16:creationId xmlns:a16="http://schemas.microsoft.com/office/drawing/2014/main" id="{E7C7F058-FEA4-4672-9550-118634FBE027}"/>
+                <a16:creationId xmlns:a16="http://schemas.microsoft.com/office/drawing/2014/main" id="{FA699259-361B-4082-A1AE-71D15E9AF3B7}"/>
               </a:ext>
             </a:extLst>
           </p:cNvPr>
@@ -17958,8 +21100,8 @@
         </p:nvSpPr>
         <p:spPr>
           <a:xfrm>
-            <a:off x="6821646" y="3310492"/>
-            <a:ext cx="5097710" cy="369332"/>
+            <a:off x="707472" y="4181404"/>
+            <a:ext cx="5041783" cy="1510697"/>
           </a:xfrm>
           <a:prstGeom prst="roundRect">
             <a:avLst/>
@@ -17985,319 +21127,57 @@
           <a:bodyPr rtlCol="0" anchor="ctr"/>
           <a:lstStyle/>
           <a:p>
+            <a:r>
+              <a:rPr lang="en-IN" dirty="0"/>
+              <a:t>From the source directory (pick one)</a:t>
+            </a:r>
+          </a:p>
+          <a:p>
+            <a:r>
+              <a:rPr lang="en-IN" dirty="0" err="1"/>
+              <a:t>cmake</a:t>
+            </a:r>
+            <a:r>
+              <a:rPr lang="en-IN" dirty="0"/>
+              <a:t> --build </a:t>
+            </a:r>
+            <a:r>
+              <a:rPr lang="en-IN" dirty="0" err="1"/>
+              <a:t>build</a:t>
+            </a:r>
+            <a:r>
+              <a:rPr lang="en-IN" dirty="0"/>
+              <a:t> --target install</a:t>
+            </a:r>
+          </a:p>
+          <a:p>
+            <a:r>
+              <a:rPr lang="en-IN" dirty="0" err="1"/>
+              <a:t>cmake</a:t>
+            </a:r>
+            <a:r>
+              <a:rPr lang="en-IN" dirty="0"/>
+              <a:t> --install build # </a:t>
+            </a:r>
+            <a:r>
+              <a:rPr lang="en-IN" dirty="0" err="1"/>
+              <a:t>CMake</a:t>
+            </a:r>
+            <a:r>
+              <a:rPr lang="en-IN" dirty="0"/>
+              <a:t> 3.15+ only</a:t>
+            </a:r>
+          </a:p>
+          <a:p>
             <a:pPr algn="ctr"/>
-            <a:r>
-              <a:rPr lang="en-IN" dirty="0"/>
-              <a:t>Display include directories of project</a:t>
-            </a:r>
-          </a:p>
-        </p:txBody>
-      </p:sp>
-      <p:sp>
-        <p:nvSpPr>
-          <p:cNvPr id="10" name="Rectangle 9">
-            <a:extLst>
-              <a:ext uri="{FF2B5EF4-FFF2-40B4-BE49-F238E27FC236}">
-                <a16:creationId xmlns:a16="http://schemas.microsoft.com/office/drawing/2014/main" id="{9EFCD71F-F42C-4B79-8FA9-2F5D639A1960}"/>
-              </a:ext>
-            </a:extLst>
-          </p:cNvPr>
-          <p:cNvSpPr/>
-          <p:nvPr/>
-        </p:nvSpPr>
-        <p:spPr>
-          <a:xfrm>
-            <a:off x="187354" y="2467000"/>
-            <a:ext cx="6096000" cy="646331"/>
-          </a:xfrm>
-          <a:prstGeom prst="rect">
-            <a:avLst/>
-          </a:prstGeom>
-        </p:spPr>
-        <p:txBody>
-          <a:bodyPr>
-            <a:spAutoFit/>
-          </a:bodyPr>
-          <a:lstStyle/>
-          <a:p>
-            <a:r>
-              <a:rPr lang="en-IN" dirty="0" err="1">
-                <a:solidFill>
-                  <a:srgbClr val="0000FF"/>
-                </a:solidFill>
-                <a:latin typeface="Consolas" panose="020B0609020204030204" pitchFamily="49" charset="0"/>
-              </a:rPr>
-              <a:t>find_package</a:t>
-            </a:r>
-            <a:r>
-              <a:rPr lang="en-IN" dirty="0">
-                <a:solidFill>
-                  <a:srgbClr val="000000"/>
-                </a:solidFill>
-                <a:latin typeface="Consolas" panose="020B0609020204030204" pitchFamily="49" charset="0"/>
-              </a:rPr>
-              <a:t> (CUDA 10.1 REQUIRED)</a:t>
-            </a:r>
-          </a:p>
-          <a:p>
-            <a:r>
-              <a:rPr lang="en-IN" dirty="0" err="1">
-                <a:solidFill>
-                  <a:srgbClr val="0000FF"/>
-                </a:solidFill>
-                <a:latin typeface="Consolas" panose="020B0609020204030204" pitchFamily="49" charset="0"/>
-              </a:rPr>
-              <a:t>include_directories</a:t>
-            </a:r>
-            <a:r>
-              <a:rPr lang="en-IN" dirty="0">
-                <a:solidFill>
-                  <a:srgbClr val="000000"/>
-                </a:solidFill>
-                <a:latin typeface="Consolas" panose="020B0609020204030204" pitchFamily="49" charset="0"/>
-              </a:rPr>
-              <a:t> (</a:t>
-            </a:r>
-            <a:r>
-              <a:rPr lang="en-IN" b="1" dirty="0">
-                <a:solidFill>
-                  <a:srgbClr val="008800"/>
-                </a:solidFill>
-                <a:latin typeface="Consolas" panose="020B0609020204030204" pitchFamily="49" charset="0"/>
-              </a:rPr>
-              <a:t>${CUDA_INCLUDE_DIRS}</a:t>
-            </a:r>
-            <a:r>
-              <a:rPr lang="en-IN" dirty="0">
-                <a:solidFill>
-                  <a:srgbClr val="000000"/>
-                </a:solidFill>
-                <a:latin typeface="Consolas" panose="020B0609020204030204" pitchFamily="49" charset="0"/>
-              </a:rPr>
-              <a:t>)</a:t>
-            </a:r>
             <a:endParaRPr lang="en-IN" dirty="0"/>
-          </a:p>
-        </p:txBody>
-      </p:sp>
-      <p:sp>
-        <p:nvSpPr>
-          <p:cNvPr id="11" name="Rectangle 10">
-            <a:extLst>
-              <a:ext uri="{FF2B5EF4-FFF2-40B4-BE49-F238E27FC236}">
-                <a16:creationId xmlns:a16="http://schemas.microsoft.com/office/drawing/2014/main" id="{2268178D-DC95-4232-9E51-1B9F5F3455CF}"/>
-              </a:ext>
-            </a:extLst>
-          </p:cNvPr>
-          <p:cNvSpPr/>
-          <p:nvPr/>
-        </p:nvSpPr>
-        <p:spPr>
-          <a:xfrm>
-            <a:off x="187354" y="3853778"/>
-            <a:ext cx="9854268" cy="1969770"/>
-          </a:xfrm>
-          <a:prstGeom prst="rect">
-            <a:avLst/>
-          </a:prstGeom>
-        </p:spPr>
-        <p:txBody>
-          <a:bodyPr wrap="square">
-            <a:spAutoFit/>
-          </a:bodyPr>
-          <a:lstStyle/>
-          <a:p>
-            <a:endParaRPr lang="en-IN" sz="1600" dirty="0">
-              <a:latin typeface="Arial" panose="020B0604020202020204" pitchFamily="34" charset="0"/>
-              <a:cs typeface="Arial" panose="020B0604020202020204" pitchFamily="34" charset="0"/>
-            </a:endParaRPr>
-          </a:p>
-          <a:p>
-            <a:r>
-              <a:rPr lang="en-IN" dirty="0">
-                <a:solidFill>
-                  <a:srgbClr val="0000FF"/>
-                </a:solidFill>
-                <a:latin typeface="Consolas" panose="020B0609020204030204" pitchFamily="49" charset="0"/>
-              </a:rPr>
-              <a:t>set</a:t>
-            </a:r>
-            <a:r>
-              <a:rPr lang="en-IN" sz="1600" dirty="0">
-                <a:latin typeface="Arial" panose="020B0604020202020204" pitchFamily="34" charset="0"/>
-                <a:cs typeface="Arial" panose="020B0604020202020204" pitchFamily="34" charset="0"/>
-              </a:rPr>
-              <a:t>(DCMTK_INCLUDE_DIR "${DCMTK_BINARY_DIR}/config/include")</a:t>
-            </a:r>
-          </a:p>
-          <a:p>
-            <a:r>
-              <a:rPr lang="en-IN" dirty="0">
-                <a:solidFill>
-                  <a:srgbClr val="0000FF"/>
-                </a:solidFill>
-                <a:latin typeface="Consolas" panose="020B0609020204030204" pitchFamily="49" charset="0"/>
-              </a:rPr>
-              <a:t>foreach</a:t>
-            </a:r>
-            <a:r>
-              <a:rPr lang="en-IN" sz="1600" dirty="0">
-                <a:latin typeface="Arial" panose="020B0604020202020204" pitchFamily="34" charset="0"/>
-                <a:cs typeface="Arial" panose="020B0604020202020204" pitchFamily="34" charset="0"/>
-              </a:rPr>
-              <a:t>(</a:t>
-            </a:r>
-            <a:r>
-              <a:rPr lang="en-IN" sz="1600" dirty="0" err="1">
-                <a:latin typeface="Arial" panose="020B0604020202020204" pitchFamily="34" charset="0"/>
-                <a:cs typeface="Arial" panose="020B0604020202020204" pitchFamily="34" charset="0"/>
-              </a:rPr>
-              <a:t>inc</a:t>
-            </a:r>
-            <a:r>
-              <a:rPr lang="en-IN" sz="1600" dirty="0">
-                <a:latin typeface="Arial" panose="020B0604020202020204" pitchFamily="34" charset="0"/>
-                <a:cs typeface="Arial" panose="020B0604020202020204" pitchFamily="34" charset="0"/>
-              </a:rPr>
-              <a:t> ${DCMTK_MODULES})</a:t>
-            </a:r>
-          </a:p>
-          <a:p>
-            <a:r>
-              <a:rPr lang="en-IN" sz="1600" dirty="0">
-                <a:latin typeface="Arial" panose="020B0604020202020204" pitchFamily="34" charset="0"/>
-                <a:cs typeface="Arial" panose="020B0604020202020204" pitchFamily="34" charset="0"/>
-              </a:rPr>
-              <a:t>  </a:t>
-            </a:r>
-            <a:r>
-              <a:rPr lang="en-IN" dirty="0">
-                <a:solidFill>
-                  <a:srgbClr val="0000FF"/>
-                </a:solidFill>
-                <a:latin typeface="Consolas" panose="020B0609020204030204" pitchFamily="49" charset="0"/>
-              </a:rPr>
-              <a:t>list</a:t>
-            </a:r>
-            <a:r>
-              <a:rPr lang="en-IN" sz="1600" dirty="0">
-                <a:latin typeface="Arial" panose="020B0604020202020204" pitchFamily="34" charset="0"/>
-                <a:cs typeface="Arial" panose="020B0604020202020204" pitchFamily="34" charset="0"/>
-              </a:rPr>
-              <a:t>(APPEND DCMTK_INCLUDE_DIR "${DCMTK_SOURCE_DIR}/${</a:t>
-            </a:r>
-            <a:r>
-              <a:rPr lang="en-IN" sz="1600" dirty="0" err="1">
-                <a:latin typeface="Arial" panose="020B0604020202020204" pitchFamily="34" charset="0"/>
-                <a:cs typeface="Arial" panose="020B0604020202020204" pitchFamily="34" charset="0"/>
-              </a:rPr>
-              <a:t>inc</a:t>
-            </a:r>
-            <a:r>
-              <a:rPr lang="en-IN" sz="1600" dirty="0">
-                <a:latin typeface="Arial" panose="020B0604020202020204" pitchFamily="34" charset="0"/>
-                <a:cs typeface="Arial" panose="020B0604020202020204" pitchFamily="34" charset="0"/>
-              </a:rPr>
-              <a:t>}/include")</a:t>
-            </a:r>
-          </a:p>
-          <a:p>
-            <a:r>
-              <a:rPr lang="en-IN" dirty="0" err="1">
-                <a:solidFill>
-                  <a:srgbClr val="0000FF"/>
-                </a:solidFill>
-                <a:latin typeface="Consolas" panose="020B0609020204030204" pitchFamily="49" charset="0"/>
-              </a:rPr>
-              <a:t>endforeach</a:t>
-            </a:r>
-            <a:r>
-              <a:rPr lang="en-IN" sz="1600" dirty="0">
-                <a:latin typeface="Arial" panose="020B0604020202020204" pitchFamily="34" charset="0"/>
-                <a:cs typeface="Arial" panose="020B0604020202020204" pitchFamily="34" charset="0"/>
-              </a:rPr>
-              <a:t>()</a:t>
-            </a:r>
-          </a:p>
-          <a:p>
-            <a:endParaRPr lang="en-IN" sz="1600" dirty="0">
-              <a:latin typeface="Arial" panose="020B0604020202020204" pitchFamily="34" charset="0"/>
-              <a:cs typeface="Arial" panose="020B0604020202020204" pitchFamily="34" charset="0"/>
-            </a:endParaRPr>
-          </a:p>
-          <a:p>
-            <a:r>
-              <a:rPr lang="en-IN" dirty="0" err="1">
-                <a:solidFill>
-                  <a:srgbClr val="0000FF"/>
-                </a:solidFill>
-                <a:latin typeface="Consolas" panose="020B0609020204030204" pitchFamily="49" charset="0"/>
-              </a:rPr>
-              <a:t>include_directories</a:t>
-            </a:r>
-            <a:r>
-              <a:rPr lang="en-IN" sz="1600" dirty="0">
-                <a:latin typeface="Arial" panose="020B0604020202020204" pitchFamily="34" charset="0"/>
-                <a:cs typeface="Arial" panose="020B0604020202020204" pitchFamily="34" charset="0"/>
-              </a:rPr>
-              <a:t>(${DCMTK_INCLUDE_DIR})</a:t>
-            </a:r>
-          </a:p>
-        </p:txBody>
-      </p:sp>
-      <p:sp>
-        <p:nvSpPr>
-          <p:cNvPr id="12" name="Rectangle: Rounded Corners 11">
-            <a:extLst>
-              <a:ext uri="{FF2B5EF4-FFF2-40B4-BE49-F238E27FC236}">
-                <a16:creationId xmlns:a16="http://schemas.microsoft.com/office/drawing/2014/main" id="{8EE3668B-441C-4B69-84F7-3B5B8E84EF83}"/>
-              </a:ext>
-            </a:extLst>
-          </p:cNvPr>
-          <p:cNvSpPr/>
-          <p:nvPr/>
-        </p:nvSpPr>
-        <p:spPr>
-          <a:xfrm>
-            <a:off x="6821646" y="5023754"/>
-            <a:ext cx="5097710" cy="369332"/>
-          </a:xfrm>
-          <a:prstGeom prst="roundRect">
-            <a:avLst/>
-          </a:prstGeom>
-        </p:spPr>
-        <p:style>
-          <a:lnRef idx="2">
-            <a:schemeClr val="accent1">
-              <a:shade val="50000"/>
-            </a:schemeClr>
-          </a:lnRef>
-          <a:fillRef idx="1">
-            <a:schemeClr val="accent1"/>
-          </a:fillRef>
-          <a:effectRef idx="0">
-            <a:schemeClr val="accent1"/>
-          </a:effectRef>
-          <a:fontRef idx="minor">
-            <a:schemeClr val="lt1"/>
-          </a:fontRef>
-        </p:style>
-        <p:txBody>
-          <a:bodyPr rtlCol="0" anchor="ctr"/>
-          <a:lstStyle/>
-          <a:p>
-            <a:pPr algn="ctr"/>
-            <a:r>
-              <a:rPr lang="en-IN" dirty="0"/>
-              <a:t>Include directories from sub-modules</a:t>
-            </a:r>
           </a:p>
         </p:txBody>
       </p:sp>
     </p:spTree>
     <p:extLst>
       <p:ext uri="{BB962C8B-B14F-4D97-AF65-F5344CB8AC3E}">
-        <p14:creationId xmlns:p14="http://schemas.microsoft.com/office/powerpoint/2010/main" val="3270717687"/>
+        <p14:creationId xmlns:p14="http://schemas.microsoft.com/office/powerpoint/2010/main" val="2867032024"/>
       </p:ext>
     </p:extLst>
   </p:cSld>
@@ -18326,10 +21206,10 @@
       </p:grpSpPr>
       <p:sp>
         <p:nvSpPr>
-          <p:cNvPr id="5" name="Rectangle 4">
+          <p:cNvPr id="7" name="Rectangle 6">
             <a:extLst>
               <a:ext uri="{FF2B5EF4-FFF2-40B4-BE49-F238E27FC236}">
-                <a16:creationId xmlns:a16="http://schemas.microsoft.com/office/drawing/2014/main" id="{F8E08408-77FE-494F-95F0-FC35A3FBAE0D}"/>
+                <a16:creationId xmlns:a16="http://schemas.microsoft.com/office/drawing/2014/main" id="{558DA191-DBEA-4671-8821-7E03711A5524}"/>
               </a:ext>
             </a:extLst>
           </p:cNvPr>
@@ -18338,362 +21218,124 @@
         </p:nvSpPr>
         <p:spPr>
           <a:xfrm>
-            <a:off x="240487" y="2123607"/>
-            <a:ext cx="3730508" cy="369332"/>
+            <a:off x="511727" y="2702028"/>
+            <a:ext cx="7966745" cy="3416320"/>
           </a:xfrm>
           <a:prstGeom prst="rect">
             <a:avLst/>
           </a:prstGeom>
         </p:spPr>
         <p:txBody>
-          <a:bodyPr wrap="none">
+          <a:bodyPr wrap="square">
             <a:spAutoFit/>
           </a:bodyPr>
           <a:lstStyle/>
           <a:p>
             <a:r>
-              <a:rPr lang="en-IN" dirty="0" err="1">
-                <a:solidFill>
-                  <a:srgbClr val="0000FF"/>
-                </a:solidFill>
-                <a:latin typeface="Consolas" panose="020B0609020204030204" pitchFamily="49" charset="0"/>
-              </a:rPr>
-              <a:t>find_package</a:t>
-            </a:r>
-            <a:r>
-              <a:rPr lang="en-IN" dirty="0">
-                <a:solidFill>
-                  <a:srgbClr val="000000"/>
-                </a:solidFill>
-                <a:latin typeface="Consolas" panose="020B0609020204030204" pitchFamily="49" charset="0"/>
-              </a:rPr>
-              <a:t> (</a:t>
-            </a:r>
-            <a:r>
-              <a:rPr lang="en-IN" dirty="0" err="1">
-                <a:solidFill>
-                  <a:srgbClr val="000000"/>
-                </a:solidFill>
-                <a:latin typeface="Consolas" panose="020B0609020204030204" pitchFamily="49" charset="0"/>
-              </a:rPr>
-              <a:t>GCal</a:t>
-            </a:r>
-            <a:r>
-              <a:rPr lang="en-IN" dirty="0">
-                <a:solidFill>
-                  <a:srgbClr val="000000"/>
-                </a:solidFill>
-                <a:latin typeface="Consolas" panose="020B0609020204030204" pitchFamily="49" charset="0"/>
-              </a:rPr>
-              <a:t> REQUIRED)</a:t>
-            </a:r>
+              <a:rPr lang="en-IN" dirty="0"/>
+              <a:t>Display a message to the user.</a:t>
+            </a:r>
+          </a:p>
+          <a:p>
             <a:endParaRPr lang="en-IN" dirty="0"/>
+          </a:p>
+          <a:p>
+            <a:r>
+              <a:rPr lang="en-IN" dirty="0"/>
+              <a:t>message([&lt;mode&gt;] "message to display" ...)</a:t>
+            </a:r>
+          </a:p>
+          <a:p>
+            <a:r>
+              <a:rPr lang="en-IN" dirty="0"/>
+              <a:t>The optional &lt;mode&gt; keyword determines the type of message:</a:t>
+            </a:r>
+          </a:p>
+          <a:p>
+            <a:endParaRPr lang="en-IN" dirty="0"/>
+          </a:p>
+          <a:p>
+            <a:r>
+              <a:rPr lang="en-IN" dirty="0"/>
+              <a:t>(none)         = Important information</a:t>
+            </a:r>
+          </a:p>
+          <a:p>
+            <a:r>
+              <a:rPr lang="en-IN" dirty="0"/>
+              <a:t>STATUS         = Incidental information</a:t>
+            </a:r>
+          </a:p>
+          <a:p>
+            <a:r>
+              <a:rPr lang="en-IN" dirty="0"/>
+              <a:t>WARNING        = </a:t>
+            </a:r>
+            <a:r>
+              <a:rPr lang="en-IN" dirty="0" err="1"/>
+              <a:t>CMake</a:t>
+            </a:r>
+            <a:r>
+              <a:rPr lang="en-IN" dirty="0"/>
+              <a:t> Warning, continue processing</a:t>
+            </a:r>
+          </a:p>
+          <a:p>
+            <a:r>
+              <a:rPr lang="en-IN" dirty="0"/>
+              <a:t>AUTHOR_WARNING = </a:t>
+            </a:r>
+            <a:r>
+              <a:rPr lang="en-IN" dirty="0" err="1"/>
+              <a:t>CMake</a:t>
+            </a:r>
+            <a:r>
+              <a:rPr lang="en-IN" dirty="0"/>
+              <a:t> Warning (dev), continue processing</a:t>
+            </a:r>
+          </a:p>
+          <a:p>
+            <a:r>
+              <a:rPr lang="en-IN" dirty="0"/>
+              <a:t>SEND_ERROR     = </a:t>
+            </a:r>
+            <a:r>
+              <a:rPr lang="en-IN" dirty="0" err="1"/>
+              <a:t>CMake</a:t>
+            </a:r>
+            <a:r>
+              <a:rPr lang="en-IN" dirty="0"/>
+              <a:t> Error, continue processing,</a:t>
+            </a:r>
+          </a:p>
+          <a:p>
+            <a:r>
+              <a:rPr lang="en-IN" dirty="0"/>
+              <a:t>                              but skip generation</a:t>
+            </a:r>
+          </a:p>
+          <a:p>
+            <a:r>
+              <a:rPr lang="en-IN" dirty="0"/>
+              <a:t>FATAL_ERROR    = </a:t>
+            </a:r>
+            <a:r>
+              <a:rPr lang="en-IN" dirty="0" err="1"/>
+              <a:t>CMake</a:t>
+            </a:r>
+            <a:r>
+              <a:rPr lang="en-IN" dirty="0"/>
+              <a:t> Error, stop processing and generation</a:t>
+            </a:r>
           </a:p>
         </p:txBody>
       </p:sp>
       <p:sp>
         <p:nvSpPr>
-          <p:cNvPr id="11" name="Rectangle 10">
+          <p:cNvPr id="8" name="TextBox 7">
             <a:extLst>
               <a:ext uri="{FF2B5EF4-FFF2-40B4-BE49-F238E27FC236}">
-                <a16:creationId xmlns:a16="http://schemas.microsoft.com/office/drawing/2014/main" id="{D1B5262C-4061-401B-BD03-0963471C94C5}"/>
-              </a:ext>
-            </a:extLst>
-          </p:cNvPr>
-          <p:cNvSpPr/>
-          <p:nvPr/>
-        </p:nvSpPr>
-        <p:spPr>
-          <a:xfrm>
-            <a:off x="240487" y="2734925"/>
-            <a:ext cx="6096000" cy="2031325"/>
-          </a:xfrm>
-          <a:prstGeom prst="rect">
-            <a:avLst/>
-          </a:prstGeom>
-        </p:spPr>
-        <p:txBody>
-          <a:bodyPr>
-            <a:spAutoFit/>
-          </a:bodyPr>
-          <a:lstStyle/>
-          <a:p>
-            <a:r>
-              <a:rPr lang="en-IN" dirty="0" err="1">
-                <a:solidFill>
-                  <a:srgbClr val="0000FF"/>
-                </a:solidFill>
-                <a:latin typeface="Consolas" panose="020B0609020204030204" pitchFamily="49" charset="0"/>
-              </a:rPr>
-              <a:t>find_package</a:t>
-            </a:r>
-            <a:r>
-              <a:rPr lang="en-IN" dirty="0"/>
-              <a:t>(</a:t>
-            </a:r>
-            <a:r>
-              <a:rPr lang="en-IN" dirty="0">
-                <a:solidFill>
-                  <a:srgbClr val="000000"/>
-                </a:solidFill>
-                <a:latin typeface="Consolas" panose="020B0609020204030204" pitchFamily="49" charset="0"/>
-              </a:rPr>
-              <a:t>Qt5</a:t>
-            </a:r>
-          </a:p>
-          <a:p>
-            <a:r>
-              <a:rPr lang="en-IN" dirty="0">
-                <a:solidFill>
-                  <a:srgbClr val="000000"/>
-                </a:solidFill>
-                <a:latin typeface="Consolas" panose="020B0609020204030204" pitchFamily="49" charset="0"/>
-              </a:rPr>
-              <a:t>  COMPONENTS</a:t>
-            </a:r>
-          </a:p>
-          <a:p>
-            <a:r>
-              <a:rPr lang="en-IN" dirty="0">
-                <a:solidFill>
-                  <a:srgbClr val="000000"/>
-                </a:solidFill>
-                <a:latin typeface="Consolas" panose="020B0609020204030204" pitchFamily="49" charset="0"/>
-              </a:rPr>
-              <a:t>    Core</a:t>
-            </a:r>
-          </a:p>
-          <a:p>
-            <a:r>
-              <a:rPr lang="en-IN" dirty="0">
-                <a:solidFill>
-                  <a:srgbClr val="000000"/>
-                </a:solidFill>
-                <a:latin typeface="Consolas" panose="020B0609020204030204" pitchFamily="49" charset="0"/>
-              </a:rPr>
-              <a:t>    </a:t>
-            </a:r>
-            <a:r>
-              <a:rPr lang="en-IN" dirty="0" err="1">
-                <a:solidFill>
-                  <a:srgbClr val="000000"/>
-                </a:solidFill>
-                <a:latin typeface="Consolas" panose="020B0609020204030204" pitchFamily="49" charset="0"/>
-              </a:rPr>
-              <a:t>Gui</a:t>
-            </a:r>
-            <a:endParaRPr lang="en-IN" dirty="0">
-              <a:solidFill>
-                <a:srgbClr val="000000"/>
-              </a:solidFill>
-              <a:latin typeface="Consolas" panose="020B0609020204030204" pitchFamily="49" charset="0"/>
-            </a:endParaRPr>
-          </a:p>
-          <a:p>
-            <a:r>
-              <a:rPr lang="en-IN" dirty="0">
-                <a:solidFill>
-                  <a:srgbClr val="000000"/>
-                </a:solidFill>
-                <a:latin typeface="Consolas" panose="020B0609020204030204" pitchFamily="49" charset="0"/>
-              </a:rPr>
-              <a:t>    Widgets</a:t>
-            </a:r>
-          </a:p>
-          <a:p>
-            <a:r>
-              <a:rPr lang="en-IN" dirty="0">
-                <a:solidFill>
-                  <a:srgbClr val="000000"/>
-                </a:solidFill>
-                <a:latin typeface="Consolas" panose="020B0609020204030204" pitchFamily="49" charset="0"/>
-              </a:rPr>
-              <a:t>  REQUIRED</a:t>
-            </a:r>
-          </a:p>
-          <a:p>
-            <a:r>
-              <a:rPr lang="en-IN" dirty="0"/>
-              <a:t>)</a:t>
-            </a:r>
-          </a:p>
-        </p:txBody>
-      </p:sp>
-      <p:sp>
-        <p:nvSpPr>
-          <p:cNvPr id="12" name="Rectangle 11">
-            <a:extLst>
-              <a:ext uri="{FF2B5EF4-FFF2-40B4-BE49-F238E27FC236}">
-                <a16:creationId xmlns:a16="http://schemas.microsoft.com/office/drawing/2014/main" id="{CF12E8B2-8D01-45B7-A2B1-B7D8AB41BA22}"/>
-              </a:ext>
-            </a:extLst>
-          </p:cNvPr>
-          <p:cNvSpPr/>
-          <p:nvPr/>
-        </p:nvSpPr>
-        <p:spPr>
-          <a:xfrm>
-            <a:off x="240487" y="4766250"/>
-            <a:ext cx="6096000" cy="1477328"/>
-          </a:xfrm>
-          <a:prstGeom prst="rect">
-            <a:avLst/>
-          </a:prstGeom>
-        </p:spPr>
-        <p:txBody>
-          <a:bodyPr>
-            <a:spAutoFit/>
-          </a:bodyPr>
-          <a:lstStyle/>
-          <a:p>
-            <a:r>
-              <a:rPr lang="en-IN" dirty="0" err="1">
-                <a:solidFill>
-                  <a:srgbClr val="0000FF"/>
-                </a:solidFill>
-                <a:latin typeface="Consolas" panose="020B0609020204030204" pitchFamily="49" charset="0"/>
-              </a:rPr>
-              <a:t>find_package</a:t>
-            </a:r>
-            <a:r>
-              <a:rPr lang="en-IN" dirty="0"/>
-              <a:t>(</a:t>
-            </a:r>
-            <a:r>
-              <a:rPr lang="en-IN" dirty="0">
-                <a:solidFill>
-                  <a:srgbClr val="000000"/>
-                </a:solidFill>
-                <a:latin typeface="Consolas" panose="020B0609020204030204" pitchFamily="49" charset="0"/>
-              </a:rPr>
-              <a:t>VTK 8.2 COMPONENTS</a:t>
-            </a:r>
-          </a:p>
-          <a:p>
-            <a:r>
-              <a:rPr lang="en-IN" dirty="0">
-                <a:solidFill>
-                  <a:srgbClr val="000000"/>
-                </a:solidFill>
-                <a:latin typeface="Consolas" panose="020B0609020204030204" pitchFamily="49" charset="0"/>
-              </a:rPr>
-              <a:t>  </a:t>
-            </a:r>
-            <a:r>
-              <a:rPr lang="en-IN" dirty="0" err="1">
-                <a:solidFill>
-                  <a:srgbClr val="000000"/>
-                </a:solidFill>
-                <a:latin typeface="Consolas" panose="020B0609020204030204" pitchFamily="49" charset="0"/>
-              </a:rPr>
-              <a:t>vtkFiltersModeling</a:t>
-            </a:r>
-            <a:endParaRPr lang="en-IN" dirty="0">
-              <a:solidFill>
-                <a:srgbClr val="000000"/>
-              </a:solidFill>
-              <a:latin typeface="Consolas" panose="020B0609020204030204" pitchFamily="49" charset="0"/>
-            </a:endParaRPr>
-          </a:p>
-          <a:p>
-            <a:r>
-              <a:rPr lang="en-IN" dirty="0">
-                <a:solidFill>
-                  <a:srgbClr val="000000"/>
-                </a:solidFill>
-                <a:latin typeface="Consolas" panose="020B0609020204030204" pitchFamily="49" charset="0"/>
-              </a:rPr>
-              <a:t>  </a:t>
-            </a:r>
-            <a:r>
-              <a:rPr lang="en-IN" dirty="0" err="1">
-                <a:solidFill>
-                  <a:srgbClr val="000000"/>
-                </a:solidFill>
-                <a:latin typeface="Consolas" panose="020B0609020204030204" pitchFamily="49" charset="0"/>
-              </a:rPr>
-              <a:t>vtkGUISupportQt</a:t>
-            </a:r>
-            <a:endParaRPr lang="en-IN" dirty="0">
-              <a:solidFill>
-                <a:srgbClr val="000000"/>
-              </a:solidFill>
-              <a:latin typeface="Consolas" panose="020B0609020204030204" pitchFamily="49" charset="0"/>
-            </a:endParaRPr>
-          </a:p>
-          <a:p>
-            <a:r>
-              <a:rPr lang="en-IN" dirty="0">
-                <a:solidFill>
-                  <a:srgbClr val="000000"/>
-                </a:solidFill>
-                <a:latin typeface="Consolas" panose="020B0609020204030204" pitchFamily="49" charset="0"/>
-              </a:rPr>
-              <a:t>  REQUIRED</a:t>
-            </a:r>
-          </a:p>
-          <a:p>
-            <a:r>
-              <a:rPr lang="en-IN" dirty="0"/>
-              <a:t>)</a:t>
-            </a:r>
-          </a:p>
-        </p:txBody>
-      </p:sp>
-      <p:sp>
-        <p:nvSpPr>
-          <p:cNvPr id="13" name="Rectangle 12">
-            <a:extLst>
-              <a:ext uri="{FF2B5EF4-FFF2-40B4-BE49-F238E27FC236}">
-                <a16:creationId xmlns:a16="http://schemas.microsoft.com/office/drawing/2014/main" id="{9228BB16-3CD1-4AB1-B5BD-8A958DDC83CA}"/>
-              </a:ext>
-            </a:extLst>
-          </p:cNvPr>
-          <p:cNvSpPr/>
-          <p:nvPr/>
-        </p:nvSpPr>
-        <p:spPr>
-          <a:xfrm>
-            <a:off x="5732475" y="1781145"/>
-            <a:ext cx="6096000" cy="2308324"/>
-          </a:xfrm>
-          <a:prstGeom prst="rect">
-            <a:avLst/>
-          </a:prstGeom>
-        </p:spPr>
-        <p:txBody>
-          <a:bodyPr>
-            <a:spAutoFit/>
-          </a:bodyPr>
-          <a:lstStyle/>
-          <a:p>
-            <a:r>
-              <a:rPr lang="en-IN" dirty="0"/>
-              <a:t>Finds and loads settings from an external project. &lt;</a:t>
-            </a:r>
-            <a:r>
-              <a:rPr lang="en-IN" dirty="0" err="1"/>
-              <a:t>PackageName</a:t>
-            </a:r>
-            <a:r>
-              <a:rPr lang="en-IN" dirty="0"/>
-              <a:t>&gt;_FOUND will be set to indicate whether the package was found. When the package is found package-specific information is provided through variables and Imported Targets documented by the package itself</a:t>
-            </a:r>
-          </a:p>
-          <a:p>
-            <a:endParaRPr lang="en-IN" dirty="0"/>
-          </a:p>
-          <a:p>
-            <a:endParaRPr lang="en-IN" dirty="0"/>
-          </a:p>
-        </p:txBody>
-      </p:sp>
-      <p:sp>
-        <p:nvSpPr>
-          <p:cNvPr id="14" name="TextBox 13">
-            <a:extLst>
-              <a:ext uri="{FF2B5EF4-FFF2-40B4-BE49-F238E27FC236}">
-                <a16:creationId xmlns:a16="http://schemas.microsoft.com/office/drawing/2014/main" id="{89749369-8464-4CE9-A4B3-A89B49D9B0EC}"/>
+                <a16:creationId xmlns:a16="http://schemas.microsoft.com/office/drawing/2014/main" id="{135D5769-DD77-47AF-A9BD-6309DA210FFA}"/>
               </a:ext>
             </a:extLst>
           </p:cNvPr>
@@ -18702,8 +21344,8 @@
         </p:nvSpPr>
         <p:spPr>
           <a:xfrm>
-            <a:off x="3649211" y="788565"/>
-            <a:ext cx="6560191" cy="461665"/>
+            <a:off x="2701255" y="845958"/>
+            <a:ext cx="6096000" cy="461665"/>
           </a:xfrm>
           <a:prstGeom prst="rect">
             <a:avLst/>
@@ -18717,22 +21359,18 @@
           <a:lstStyle/>
           <a:p>
             <a:r>
-              <a:rPr lang="en-IN" sz="2400" dirty="0" err="1"/>
-              <a:t>Find_package</a:t>
-            </a:r>
-            <a:r>
               <a:rPr lang="en-IN" sz="2400" dirty="0"/>
-              <a:t>()</a:t>
+              <a:t>message() to print output message</a:t>
             </a:r>
           </a:p>
         </p:txBody>
       </p:sp>
       <p:sp>
         <p:nvSpPr>
-          <p:cNvPr id="15" name="Rectangle 14">
+          <p:cNvPr id="9" name="Rectangle 8">
             <a:extLst>
               <a:ext uri="{FF2B5EF4-FFF2-40B4-BE49-F238E27FC236}">
-                <a16:creationId xmlns:a16="http://schemas.microsoft.com/office/drawing/2014/main" id="{9B38E79F-0108-4B98-BC94-48446FCBCF69}"/>
+                <a16:creationId xmlns:a16="http://schemas.microsoft.com/office/drawing/2014/main" id="{8FB23833-DC5D-4973-A631-A466E3D9CA10}"/>
               </a:ext>
             </a:extLst>
           </p:cNvPr>
@@ -18741,27 +21379,27 @@
         </p:nvSpPr>
         <p:spPr>
           <a:xfrm>
-            <a:off x="240487" y="6370926"/>
-            <a:ext cx="5630067" cy="369332"/>
+            <a:off x="5052967" y="2443104"/>
+            <a:ext cx="6851009" cy="369332"/>
           </a:xfrm>
           <a:prstGeom prst="rect">
             <a:avLst/>
           </a:prstGeom>
         </p:spPr>
         <p:txBody>
-          <a:bodyPr wrap="none">
+          <a:bodyPr wrap="square">
             <a:spAutoFit/>
           </a:bodyPr>
           <a:lstStyle/>
           <a:p>
             <a:r>
-              <a:rPr lang="en-IN" dirty="0" err="1">
+              <a:rPr lang="en-IN" dirty="0">
                 <a:solidFill>
                   <a:srgbClr val="0000FF"/>
                 </a:solidFill>
                 <a:latin typeface="Consolas" panose="020B0609020204030204" pitchFamily="49" charset="0"/>
               </a:rPr>
-              <a:t>find_package</a:t>
+              <a:t> message</a:t>
             </a:r>
             <a:r>
               <a:rPr lang="en-IN" dirty="0">
@@ -18770,16 +21408,34 @@
                 </a:solidFill>
                 <a:latin typeface="Consolas" panose="020B0609020204030204" pitchFamily="49" charset="0"/>
               </a:rPr>
-              <a:t> (</a:t>
-            </a:r>
-            <a:r>
-              <a:rPr lang="en-IN" dirty="0" err="1">
+              <a:t>(</a:t>
+            </a:r>
+            <a:r>
+              <a:rPr lang="en-IN" dirty="0">
+                <a:solidFill>
+                  <a:srgbClr val="0000FF"/>
+                </a:solidFill>
+                <a:latin typeface="Consolas" panose="020B0609020204030204" pitchFamily="49" charset="0"/>
+              </a:rPr>
+              <a:t>STATUS</a:t>
+            </a:r>
+            <a:r>
+              <a:rPr lang="en-IN" dirty="0">
                 <a:solidFill>
                   <a:srgbClr val="000000"/>
                 </a:solidFill>
                 <a:latin typeface="Consolas" panose="020B0609020204030204" pitchFamily="49" charset="0"/>
               </a:rPr>
-              <a:t>nlohmann_json</a:t>
+              <a:t> </a:t>
+            </a:r>
+            <a:r>
+              <a:rPr lang="en-IN" dirty="0">
+                <a:solidFill>
+                  <a:srgbClr val="A31515"/>
+                </a:solidFill>
+                <a:latin typeface="Consolas" panose="020B0609020204030204" pitchFamily="49" charset="0"/>
+              </a:rPr>
+              <a:t>"Girish this is informative message"</a:t>
             </a:r>
             <a:r>
               <a:rPr lang="en-IN" dirty="0">
@@ -18788,7 +21444,7 @@
                 </a:solidFill>
                 <a:latin typeface="Consolas" panose="020B0609020204030204" pitchFamily="49" charset="0"/>
               </a:rPr>
-              <a:t> 3.2.0 REQUIRED)</a:t>
+              <a:t>)</a:t>
             </a:r>
             <a:endParaRPr lang="en-IN" dirty="0"/>
           </a:p>
@@ -18796,10 +21452,10 @@
       </p:sp>
       <p:sp>
         <p:nvSpPr>
-          <p:cNvPr id="17" name="Rectangle: Rounded Corners 16">
+          <p:cNvPr id="10" name="Rectangle: Rounded Corners 9">
             <a:extLst>
               <a:ext uri="{FF2B5EF4-FFF2-40B4-BE49-F238E27FC236}">
-                <a16:creationId xmlns:a16="http://schemas.microsoft.com/office/drawing/2014/main" id="{655C6816-268B-493F-B424-AA5AFCFEE137}"/>
+                <a16:creationId xmlns:a16="http://schemas.microsoft.com/office/drawing/2014/main" id="{59BEE6E4-97F1-48DD-9C94-10453ED0ABDB}"/>
               </a:ext>
             </a:extLst>
           </p:cNvPr>
@@ -18808,8 +21464,8 @@
         </p:nvSpPr>
         <p:spPr>
           <a:xfrm>
-            <a:off x="5732475" y="3842158"/>
-            <a:ext cx="6414779" cy="2898100"/>
+            <a:off x="7308206" y="1759644"/>
+            <a:ext cx="2340529" cy="369332"/>
           </a:xfrm>
           <a:prstGeom prst="roundRect">
             <a:avLst/>
@@ -18835,68 +21491,10 @@
           <a:bodyPr rtlCol="0" anchor="ctr"/>
           <a:lstStyle/>
           <a:p>
-            <a:r>
-              <a:rPr lang="en-IN" dirty="0" err="1"/>
-              <a:t>find_package</a:t>
-            </a:r>
+            <a:pPr algn="ctr"/>
             <a:r>
               <a:rPr lang="en-IN" dirty="0"/>
-              <a:t> (Python COMPONENTS Development)</a:t>
-            </a:r>
-          </a:p>
-          <a:p>
-            <a:r>
-              <a:rPr lang="en-IN" dirty="0"/>
-              <a:t>if (</a:t>
-            </a:r>
-            <a:r>
-              <a:rPr lang="en-IN" dirty="0" err="1"/>
-              <a:t>Python_FOUND</a:t>
-            </a:r>
-            <a:r>
-              <a:rPr lang="en-IN" dirty="0"/>
-              <a:t>)</a:t>
-            </a:r>
-          </a:p>
-          <a:p>
-            <a:r>
-              <a:rPr lang="en-IN" dirty="0"/>
-              <a:t> message ("Found PYTHON  !")</a:t>
-            </a:r>
-          </a:p>
-          <a:p>
-            <a:endParaRPr lang="en-IN" dirty="0"/>
-          </a:p>
-          <a:p>
-            <a:r>
-              <a:rPr lang="en-IN" dirty="0"/>
-              <a:t> #</a:t>
-            </a:r>
-            <a:r>
-              <a:rPr lang="en-IN" dirty="0" err="1"/>
-              <a:t>add_definitions</a:t>
-            </a:r>
-            <a:r>
-              <a:rPr lang="en-IN" dirty="0"/>
-              <a:t> (-DBUILD_WITH_PYTHON)</a:t>
-            </a:r>
-          </a:p>
-          <a:p>
-            <a:r>
-              <a:rPr lang="en-IN" dirty="0"/>
-              <a:t>else()</a:t>
-            </a:r>
-          </a:p>
-          <a:p>
-            <a:r>
-              <a:rPr lang="en-IN" dirty="0"/>
-              <a:t>  message ("Python NOT found :(")</a:t>
-            </a:r>
-          </a:p>
-          <a:p>
-            <a:r>
-              <a:rPr lang="en-IN" dirty="0"/>
-              <a:t>endif ()</a:t>
+              <a:t>Example</a:t>
             </a:r>
           </a:p>
         </p:txBody>
@@ -18904,7 +21502,7 @@
     </p:spTree>
     <p:extLst>
       <p:ext uri="{BB962C8B-B14F-4D97-AF65-F5344CB8AC3E}">
-        <p14:creationId xmlns:p14="http://schemas.microsoft.com/office/powerpoint/2010/main" val="2795884933"/>
+        <p14:creationId xmlns:p14="http://schemas.microsoft.com/office/powerpoint/2010/main" val="1388812823"/>
       </p:ext>
     </p:extLst>
   </p:cSld>
@@ -18936,7 +21534,7 @@
           <p:cNvPr id="2" name="Rectangle 1">
             <a:extLst>
               <a:ext uri="{FF2B5EF4-FFF2-40B4-BE49-F238E27FC236}">
-                <a16:creationId xmlns:a16="http://schemas.microsoft.com/office/drawing/2014/main" id="{7EA72526-9BF1-4F71-94AB-2FDB34554F6D}"/>
+                <a16:creationId xmlns:a16="http://schemas.microsoft.com/office/drawing/2014/main" id="{1352816F-B162-4BB5-B132-31431B23C72F}"/>
               </a:ext>
             </a:extLst>
           </p:cNvPr>
@@ -18945,8 +21543,8 @@
         </p:nvSpPr>
         <p:spPr>
           <a:xfrm>
-            <a:off x="329966" y="3650958"/>
-            <a:ext cx="10181439" cy="646331"/>
+            <a:off x="260058" y="2887560"/>
+            <a:ext cx="6300133" cy="923330"/>
           </a:xfrm>
           <a:prstGeom prst="rect">
             <a:avLst/>
@@ -18959,58 +21557,17 @@
           <a:lstStyle/>
           <a:p>
             <a:r>
-              <a:rPr lang="en-IN" dirty="0">
-                <a:solidFill>
-                  <a:srgbClr val="008000"/>
-                </a:solidFill>
-                <a:latin typeface="Consolas" panose="020B0609020204030204" pitchFamily="49" charset="0"/>
-              </a:rPr>
-              <a:t># put the libs in the main bin directory for easy access from execs</a:t>
-            </a:r>
-            <a:endParaRPr lang="en-IN" dirty="0">
-              <a:solidFill>
-                <a:srgbClr val="000000"/>
-              </a:solidFill>
-              <a:latin typeface="Consolas" panose="020B0609020204030204" pitchFamily="49" charset="0"/>
-            </a:endParaRPr>
-          </a:p>
-          <a:p>
-            <a:r>
-              <a:rPr lang="en-IN" dirty="0">
-                <a:solidFill>
-                  <a:srgbClr val="0000FF"/>
-                </a:solidFill>
-                <a:latin typeface="Consolas" panose="020B0609020204030204" pitchFamily="49" charset="0"/>
-              </a:rPr>
-              <a:t>set</a:t>
-            </a:r>
-            <a:r>
-              <a:rPr lang="en-IN" dirty="0">
-                <a:solidFill>
-                  <a:srgbClr val="000000"/>
-                </a:solidFill>
-                <a:latin typeface="Consolas" panose="020B0609020204030204" pitchFamily="49" charset="0"/>
-              </a:rPr>
-              <a:t>(CMAKE_RUNTIME_OUTPUT_DIRECTORY </a:t>
-            </a:r>
-            <a:r>
-              <a:rPr lang="en-IN" b="1" dirty="0">
-                <a:solidFill>
-                  <a:srgbClr val="008800"/>
-                </a:solidFill>
-                <a:latin typeface="Consolas" panose="020B0609020204030204" pitchFamily="49" charset="0"/>
-              </a:rPr>
-              <a:t>${CMAKE_BINARY_DIR}</a:t>
-            </a:r>
-            <a:r>
-              <a:rPr lang="en-IN" dirty="0">
-                <a:solidFill>
-                  <a:srgbClr val="000000"/>
-                </a:solidFill>
-                <a:latin typeface="Consolas" panose="020B0609020204030204" pitchFamily="49" charset="0"/>
-              </a:rPr>
-              <a:t>)</a:t>
-            </a:r>
+              <a:rPr lang="en-IN" dirty="0"/>
+              <a:t>set(CMAKE_CXX_STANDARD 11)</a:t>
+            </a:r>
+          </a:p>
+          <a:p>
+            <a:r>
+              <a:rPr lang="en-IN" dirty="0"/>
+              <a:t>set(CMAKE_CXX_STANDARD_REQUIRED ON)</a:t>
+            </a:r>
+          </a:p>
+          <a:p>
             <a:endParaRPr lang="en-IN" dirty="0"/>
           </a:p>
         </p:txBody>
@@ -19020,7 +21577,7 @@
           <p:cNvPr id="3" name="Rectangle 2">
             <a:extLst>
               <a:ext uri="{FF2B5EF4-FFF2-40B4-BE49-F238E27FC236}">
-                <a16:creationId xmlns:a16="http://schemas.microsoft.com/office/drawing/2014/main" id="{9CB45557-C09B-44B9-9683-705A84A08812}"/>
+                <a16:creationId xmlns:a16="http://schemas.microsoft.com/office/drawing/2014/main" id="{225FE0BE-8D84-431C-96AE-B7322F127C73}"/>
               </a:ext>
             </a:extLst>
           </p:cNvPr>
@@ -19029,8 +21586,8 @@
         </p:nvSpPr>
         <p:spPr>
           <a:xfrm>
-            <a:off x="606802" y="2006713"/>
-            <a:ext cx="9652933" cy="923330"/>
+            <a:off x="2670495" y="714972"/>
+            <a:ext cx="8411362" cy="461665"/>
           </a:xfrm>
           <a:prstGeom prst="rect">
             <a:avLst/>
@@ -19042,79 +21599,19 @@
           </a:bodyPr>
           <a:lstStyle/>
           <a:p>
-            <a:pPr algn="just"/>
-            <a:r>
-              <a:rPr lang="en-IN" dirty="0">
-                <a:solidFill>
-                  <a:srgbClr val="444444"/>
-                </a:solidFill>
-                <a:latin typeface="Arial" panose="020B0604020202020204" pitchFamily="34" charset="0"/>
-              </a:rPr>
-              <a:t>Where to put all the RUNTIME targets when built.</a:t>
-            </a:r>
-          </a:p>
-          <a:p>
-            <a:pPr algn="just"/>
-            <a:r>
-              <a:rPr lang="en-IN" dirty="0">
-                <a:solidFill>
-                  <a:srgbClr val="444444"/>
-                </a:solidFill>
-                <a:latin typeface="Arial" panose="020B0604020202020204" pitchFamily="34" charset="0"/>
-              </a:rPr>
-              <a:t>This variable is used to initialize the RUNTIME_OUTPUT_DIRECTORY property on all the targets. See that target property for additional information.</a:t>
-            </a:r>
-            <a:endParaRPr lang="en-IN" b="0" i="0" dirty="0">
-              <a:solidFill>
-                <a:srgbClr val="444444"/>
-              </a:solidFill>
-              <a:effectLst/>
-              <a:latin typeface="Arial" panose="020B0604020202020204" pitchFamily="34" charset="0"/>
-            </a:endParaRPr>
+            <a:r>
+              <a:rPr lang="en-IN" sz="2400" dirty="0"/>
+              <a:t>Use of set() for defining variables and Conditions</a:t>
+            </a:r>
           </a:p>
         </p:txBody>
       </p:sp>
       <p:sp>
         <p:nvSpPr>
-          <p:cNvPr id="9" name="TextBox 8">
+          <p:cNvPr id="4" name="Rectangle 3">
             <a:extLst>
               <a:ext uri="{FF2B5EF4-FFF2-40B4-BE49-F238E27FC236}">
-                <a16:creationId xmlns:a16="http://schemas.microsoft.com/office/drawing/2014/main" id="{2BEEA149-8A6E-49AE-845E-EF0BC81CD1AB}"/>
-              </a:ext>
-            </a:extLst>
-          </p:cNvPr>
-          <p:cNvSpPr txBox="1"/>
-          <p:nvPr/>
-        </p:nvSpPr>
-        <p:spPr>
-          <a:xfrm>
-            <a:off x="3187816" y="824133"/>
-            <a:ext cx="6560191" cy="461665"/>
-          </a:xfrm>
-          <a:prstGeom prst="rect">
-            <a:avLst/>
-          </a:prstGeom>
-          <a:noFill/>
-        </p:spPr>
-        <p:txBody>
-          <a:bodyPr wrap="square" rtlCol="0">
-            <a:spAutoFit/>
-          </a:bodyPr>
-          <a:lstStyle/>
-          <a:p>
-            <a:r>
-              <a:rPr lang="en-IN" sz="2400" dirty="0"/>
-              <a:t>CMAKE_RUNTIME_OUTPUT_DIRECTORY</a:t>
-            </a:r>
-          </a:p>
-        </p:txBody>
-      </p:sp>
-      <p:sp>
-        <p:nvSpPr>
-          <p:cNvPr id="6" name="Rectangle 5">
-            <a:extLst>
-              <a:ext uri="{FF2B5EF4-FFF2-40B4-BE49-F238E27FC236}">
-                <a16:creationId xmlns:a16="http://schemas.microsoft.com/office/drawing/2014/main" id="{375B40C2-D818-4963-89A6-6330185AFB16}"/>
+                <a16:creationId xmlns:a16="http://schemas.microsoft.com/office/drawing/2014/main" id="{5D540426-5F6F-4F50-B626-5D8A422AEC49}"/>
               </a:ext>
             </a:extLst>
           </p:cNvPr>
@@ -19123,34 +21620,437 @@
         </p:nvSpPr>
         <p:spPr>
           <a:xfrm>
-            <a:off x="464191" y="4741205"/>
-            <a:ext cx="10047214" cy="923330"/>
+            <a:off x="6965659" y="2887560"/>
+            <a:ext cx="6096000" cy="2308324"/>
           </a:xfrm>
           <a:prstGeom prst="rect">
             <a:avLst/>
           </a:prstGeom>
         </p:spPr>
         <p:txBody>
-          <a:bodyPr wrap="square">
+          <a:bodyPr>
             <a:spAutoFit/>
           </a:bodyPr>
           <a:lstStyle/>
           <a:p>
             <a:r>
+              <a:rPr lang="en-IN" dirty="0">
+                <a:solidFill>
+                  <a:srgbClr val="0000FF"/>
+                </a:solidFill>
+                <a:latin typeface="Consolas" panose="020B0609020204030204" pitchFamily="49" charset="0"/>
+              </a:rPr>
+              <a:t>set</a:t>
+            </a:r>
+            <a:r>
+              <a:rPr lang="en-IN" dirty="0">
+                <a:solidFill>
+                  <a:srgbClr val="000000"/>
+                </a:solidFill>
+                <a:latin typeface="Consolas" panose="020B0609020204030204" pitchFamily="49" charset="0"/>
+              </a:rPr>
+              <a:t>(MYVAR </a:t>
+            </a:r>
+            <a:r>
+              <a:rPr lang="en-IN" dirty="0">
+                <a:solidFill>
+                  <a:srgbClr val="A31515"/>
+                </a:solidFill>
+                <a:latin typeface="Consolas" panose="020B0609020204030204" pitchFamily="49" charset="0"/>
+              </a:rPr>
+              <a:t>"GIRISH"</a:t>
+            </a:r>
+            <a:r>
+              <a:rPr lang="en-IN" dirty="0">
+                <a:solidFill>
+                  <a:srgbClr val="000000"/>
+                </a:solidFill>
+                <a:latin typeface="Consolas" panose="020B0609020204030204" pitchFamily="49" charset="0"/>
+              </a:rPr>
+              <a:t>)</a:t>
+            </a:r>
+          </a:p>
+          <a:p>
+            <a:r>
+              <a:rPr lang="en-IN" dirty="0">
+                <a:solidFill>
+                  <a:srgbClr val="0000FF"/>
+                </a:solidFill>
+                <a:latin typeface="Consolas" panose="020B0609020204030204" pitchFamily="49" charset="0"/>
+              </a:rPr>
+              <a:t>message</a:t>
+            </a:r>
+            <a:r>
+              <a:rPr lang="en-IN" dirty="0">
+                <a:solidFill>
+                  <a:srgbClr val="000000"/>
+                </a:solidFill>
+                <a:latin typeface="Consolas" panose="020B0609020204030204" pitchFamily="49" charset="0"/>
+              </a:rPr>
+              <a:t>(</a:t>
+            </a:r>
+            <a:r>
+              <a:rPr lang="en-IN" dirty="0">
+                <a:solidFill>
+                  <a:srgbClr val="A31515"/>
+                </a:solidFill>
+                <a:latin typeface="Consolas" panose="020B0609020204030204" pitchFamily="49" charset="0"/>
+              </a:rPr>
+              <a:t>"MYVAR:"</a:t>
+            </a:r>
+            <a:r>
+              <a:rPr lang="en-IN" dirty="0">
+                <a:solidFill>
+                  <a:srgbClr val="000000"/>
+                </a:solidFill>
+                <a:latin typeface="Consolas" panose="020B0609020204030204" pitchFamily="49" charset="0"/>
+              </a:rPr>
+              <a:t> </a:t>
+            </a:r>
+            <a:r>
+              <a:rPr lang="en-IN" b="1" dirty="0">
+                <a:solidFill>
+                  <a:srgbClr val="008800"/>
+                </a:solidFill>
+                <a:latin typeface="Consolas" panose="020B0609020204030204" pitchFamily="49" charset="0"/>
+              </a:rPr>
+              <a:t>${MYVAR}</a:t>
+            </a:r>
+            <a:r>
+              <a:rPr lang="en-IN" dirty="0">
+                <a:solidFill>
+                  <a:srgbClr val="000000"/>
+                </a:solidFill>
+                <a:latin typeface="Consolas" panose="020B0609020204030204" pitchFamily="49" charset="0"/>
+              </a:rPr>
+              <a:t>)</a:t>
+            </a:r>
+          </a:p>
+          <a:p>
+            <a:endParaRPr lang="en-IN" dirty="0">
+              <a:solidFill>
+                <a:srgbClr val="000000"/>
+              </a:solidFill>
+              <a:latin typeface="Consolas" panose="020B0609020204030204" pitchFamily="49" charset="0"/>
+            </a:endParaRPr>
+          </a:p>
+          <a:p>
+            <a:r>
+              <a:rPr lang="en-IN" dirty="0">
+                <a:solidFill>
+                  <a:srgbClr val="0000FF"/>
+                </a:solidFill>
+                <a:latin typeface="Consolas" panose="020B0609020204030204" pitchFamily="49" charset="0"/>
+              </a:rPr>
+              <a:t>set</a:t>
+            </a:r>
+            <a:r>
+              <a:rPr lang="en-IN" dirty="0">
+                <a:solidFill>
+                  <a:srgbClr val="000000"/>
+                </a:solidFill>
+                <a:latin typeface="Consolas" panose="020B0609020204030204" pitchFamily="49" charset="0"/>
+              </a:rPr>
+              <a:t>(MYINT 11)</a:t>
+            </a:r>
+          </a:p>
+          <a:p>
+            <a:r>
+              <a:rPr lang="en-IN" dirty="0">
+                <a:solidFill>
+                  <a:srgbClr val="0000FF"/>
+                </a:solidFill>
+                <a:latin typeface="Consolas" panose="020B0609020204030204" pitchFamily="49" charset="0"/>
+              </a:rPr>
+              <a:t>message</a:t>
+            </a:r>
+            <a:r>
+              <a:rPr lang="en-IN" dirty="0">
+                <a:solidFill>
+                  <a:srgbClr val="000000"/>
+                </a:solidFill>
+                <a:latin typeface="Consolas" panose="020B0609020204030204" pitchFamily="49" charset="0"/>
+              </a:rPr>
+              <a:t>(</a:t>
+            </a:r>
+            <a:r>
+              <a:rPr lang="en-IN" dirty="0">
+                <a:solidFill>
+                  <a:srgbClr val="A31515"/>
+                </a:solidFill>
+                <a:latin typeface="Consolas" panose="020B0609020204030204" pitchFamily="49" charset="0"/>
+              </a:rPr>
+              <a:t>"MYINT:"</a:t>
+            </a:r>
+            <a:r>
+              <a:rPr lang="en-IN" dirty="0">
+                <a:solidFill>
+                  <a:srgbClr val="000000"/>
+                </a:solidFill>
+                <a:latin typeface="Consolas" panose="020B0609020204030204" pitchFamily="49" charset="0"/>
+              </a:rPr>
+              <a:t> </a:t>
+            </a:r>
+            <a:r>
+              <a:rPr lang="en-IN" b="1" dirty="0">
+                <a:solidFill>
+                  <a:srgbClr val="008800"/>
+                </a:solidFill>
+                <a:latin typeface="Consolas" panose="020B0609020204030204" pitchFamily="49" charset="0"/>
+              </a:rPr>
+              <a:t>${MYINT}</a:t>
+            </a:r>
+            <a:r>
+              <a:rPr lang="en-IN" dirty="0">
+                <a:solidFill>
+                  <a:srgbClr val="000000"/>
+                </a:solidFill>
+                <a:latin typeface="Consolas" panose="020B0609020204030204" pitchFamily="49" charset="0"/>
+              </a:rPr>
+              <a:t>)</a:t>
+            </a:r>
+          </a:p>
+          <a:p>
+            <a:endParaRPr lang="en-IN" dirty="0">
+              <a:solidFill>
+                <a:srgbClr val="000000"/>
+              </a:solidFill>
+              <a:latin typeface="Consolas" panose="020B0609020204030204" pitchFamily="49" charset="0"/>
+            </a:endParaRPr>
+          </a:p>
+          <a:p>
+            <a:r>
+              <a:rPr lang="en-IN" dirty="0">
+                <a:solidFill>
+                  <a:srgbClr val="0000FF"/>
+                </a:solidFill>
+                <a:latin typeface="Consolas" panose="020B0609020204030204" pitchFamily="49" charset="0"/>
+              </a:rPr>
+              <a:t>set</a:t>
+            </a:r>
+            <a:r>
+              <a:rPr lang="en-IN" dirty="0">
+                <a:solidFill>
+                  <a:srgbClr val="000000"/>
+                </a:solidFill>
+                <a:latin typeface="Consolas" panose="020B0609020204030204" pitchFamily="49" charset="0"/>
+              </a:rPr>
+              <a:t>(MYFLAG </a:t>
+            </a:r>
+            <a:r>
+              <a:rPr lang="en-IN" dirty="0">
+                <a:solidFill>
+                  <a:srgbClr val="0000FF"/>
+                </a:solidFill>
+                <a:latin typeface="Consolas" panose="020B0609020204030204" pitchFamily="49" charset="0"/>
+              </a:rPr>
+              <a:t>true</a:t>
+            </a:r>
+            <a:r>
+              <a:rPr lang="en-IN" dirty="0">
+                <a:solidFill>
+                  <a:srgbClr val="000000"/>
+                </a:solidFill>
+                <a:latin typeface="Consolas" panose="020B0609020204030204" pitchFamily="49" charset="0"/>
+              </a:rPr>
+              <a:t>)</a:t>
+            </a:r>
+          </a:p>
+          <a:p>
+            <a:r>
+              <a:rPr lang="en-IN" dirty="0">
+                <a:solidFill>
+                  <a:srgbClr val="0000FF"/>
+                </a:solidFill>
+                <a:latin typeface="Consolas" panose="020B0609020204030204" pitchFamily="49" charset="0"/>
+              </a:rPr>
+              <a:t>message</a:t>
+            </a:r>
+            <a:r>
+              <a:rPr lang="en-IN" dirty="0">
+                <a:solidFill>
+                  <a:srgbClr val="000000"/>
+                </a:solidFill>
+                <a:latin typeface="Consolas" panose="020B0609020204030204" pitchFamily="49" charset="0"/>
+              </a:rPr>
+              <a:t>(</a:t>
+            </a:r>
+            <a:r>
+              <a:rPr lang="en-IN" dirty="0">
+                <a:solidFill>
+                  <a:srgbClr val="A31515"/>
+                </a:solidFill>
+                <a:latin typeface="Consolas" panose="020B0609020204030204" pitchFamily="49" charset="0"/>
+              </a:rPr>
+              <a:t>"MYFLAG:"</a:t>
+            </a:r>
+            <a:r>
+              <a:rPr lang="en-IN" dirty="0">
+                <a:solidFill>
+                  <a:srgbClr val="000000"/>
+                </a:solidFill>
+                <a:latin typeface="Consolas" panose="020B0609020204030204" pitchFamily="49" charset="0"/>
+              </a:rPr>
+              <a:t> </a:t>
+            </a:r>
+            <a:r>
+              <a:rPr lang="en-IN" b="1" dirty="0">
+                <a:solidFill>
+                  <a:srgbClr val="008800"/>
+                </a:solidFill>
+                <a:latin typeface="Consolas" panose="020B0609020204030204" pitchFamily="49" charset="0"/>
+              </a:rPr>
+              <a:t>${MYFLAG}</a:t>
+            </a:r>
+            <a:r>
+              <a:rPr lang="en-IN" dirty="0">
+                <a:solidFill>
+                  <a:srgbClr val="000000"/>
+                </a:solidFill>
+                <a:latin typeface="Consolas" panose="020B0609020204030204" pitchFamily="49" charset="0"/>
+              </a:rPr>
+              <a:t>)</a:t>
+            </a:r>
+          </a:p>
+        </p:txBody>
+      </p:sp>
+      <p:sp>
+        <p:nvSpPr>
+          <p:cNvPr id="5" name="Rectangle: Rounded Corners 4">
+            <a:extLst>
+              <a:ext uri="{FF2B5EF4-FFF2-40B4-BE49-F238E27FC236}">
+                <a16:creationId xmlns:a16="http://schemas.microsoft.com/office/drawing/2014/main" id="{37A227A4-E832-4350-AADD-204A63830960}"/>
+              </a:ext>
+            </a:extLst>
+          </p:cNvPr>
+          <p:cNvSpPr/>
+          <p:nvPr/>
+        </p:nvSpPr>
+        <p:spPr>
+          <a:xfrm>
+            <a:off x="7466202" y="1837189"/>
+            <a:ext cx="2743200" cy="564892"/>
+          </a:xfrm>
+          <a:prstGeom prst="roundRect">
+            <a:avLst/>
+          </a:prstGeom>
+        </p:spPr>
+        <p:style>
+          <a:lnRef idx="2">
+            <a:schemeClr val="accent1">
+              <a:shade val="50000"/>
+            </a:schemeClr>
+          </a:lnRef>
+          <a:fillRef idx="1">
+            <a:schemeClr val="accent1"/>
+          </a:fillRef>
+          <a:effectRef idx="0">
+            <a:schemeClr val="accent1"/>
+          </a:effectRef>
+          <a:fontRef idx="minor">
+            <a:schemeClr val="lt1"/>
+          </a:fontRef>
+        </p:style>
+        <p:txBody>
+          <a:bodyPr rtlCol="0" anchor="ctr"/>
+          <a:lstStyle/>
+          <a:p>
+            <a:pPr algn="ctr"/>
+            <a:r>
               <a:rPr lang="en-IN" dirty="0"/>
-              <a:t>set(CMAKE_ARCHIVE_OUTPUT_DIRECTORY ${CMAKE_BINARY_DIR}/lib)</a:t>
-            </a:r>
-          </a:p>
+              <a:t>Example</a:t>
+            </a:r>
+          </a:p>
+        </p:txBody>
+      </p:sp>
+      <p:sp>
+        <p:nvSpPr>
+          <p:cNvPr id="6" name="Rectangle 5">
+            <a:extLst>
+              <a:ext uri="{FF2B5EF4-FFF2-40B4-BE49-F238E27FC236}">
+                <a16:creationId xmlns:a16="http://schemas.microsoft.com/office/drawing/2014/main" id="{252F2080-6E1E-4AA4-BA29-B93D49B136D7}"/>
+              </a:ext>
+            </a:extLst>
+          </p:cNvPr>
+          <p:cNvSpPr/>
+          <p:nvPr/>
+        </p:nvSpPr>
+        <p:spPr>
+          <a:xfrm>
+            <a:off x="260058" y="1708933"/>
+            <a:ext cx="6096000" cy="923330"/>
+          </a:xfrm>
+          <a:prstGeom prst="rect">
+            <a:avLst/>
+          </a:prstGeom>
+        </p:spPr>
+        <p:txBody>
+          <a:bodyPr>
+            <a:spAutoFit/>
+          </a:bodyPr>
+          <a:lstStyle/>
+          <a:p>
+            <a:r>
+              <a:rPr lang="en-IN" dirty="0">
+                <a:solidFill>
+                  <a:srgbClr val="444444"/>
+                </a:solidFill>
+                <a:latin typeface="Arial" panose="020B0604020202020204" pitchFamily="34" charset="0"/>
+              </a:rPr>
+              <a:t>Set a </a:t>
+            </a:r>
+            <a:r>
+              <a:rPr lang="en-IN" dirty="0" err="1">
+                <a:solidFill>
+                  <a:srgbClr val="444444"/>
+                </a:solidFill>
+                <a:latin typeface="Arial" panose="020B0604020202020204" pitchFamily="34" charset="0"/>
+              </a:rPr>
+              <a:t>CMake</a:t>
+            </a:r>
+            <a:r>
+              <a:rPr lang="en-IN" dirty="0">
+                <a:solidFill>
+                  <a:srgbClr val="444444"/>
+                </a:solidFill>
+                <a:latin typeface="Arial" panose="020B0604020202020204" pitchFamily="34" charset="0"/>
+              </a:rPr>
+              <a:t>, cache or environment variable to a given value. You access a variable by using ${}, such as ${MY_VARIABLE}</a:t>
+            </a:r>
+            <a:endParaRPr lang="en-IN" dirty="0"/>
+          </a:p>
+        </p:txBody>
+      </p:sp>
+      <p:sp>
+        <p:nvSpPr>
+          <p:cNvPr id="8" name="Rectangle 7">
+            <a:extLst>
+              <a:ext uri="{FF2B5EF4-FFF2-40B4-BE49-F238E27FC236}">
+                <a16:creationId xmlns:a16="http://schemas.microsoft.com/office/drawing/2014/main" id="{B17A22E6-0384-45F7-9075-D2FD7E07B30F}"/>
+              </a:ext>
+            </a:extLst>
+          </p:cNvPr>
+          <p:cNvSpPr/>
+          <p:nvPr/>
+        </p:nvSpPr>
+        <p:spPr>
+          <a:xfrm>
+            <a:off x="260058" y="3942042"/>
+            <a:ext cx="6096000" cy="1754326"/>
+          </a:xfrm>
+          <a:prstGeom prst="rect">
+            <a:avLst/>
+          </a:prstGeom>
+        </p:spPr>
+        <p:txBody>
+          <a:bodyPr>
+            <a:spAutoFit/>
+          </a:bodyPr>
+          <a:lstStyle/>
           <a:p>
             <a:r>
               <a:rPr lang="en-IN" dirty="0"/>
-              <a:t>set(CMAKE_LIBRARY_OUTPUT_DIRECTORY ${CMAKE_BINARY_DIR}/lib)</a:t>
-            </a:r>
-          </a:p>
-          <a:p>
-            <a:r>
-              <a:rPr lang="en-IN" dirty="0"/>
-              <a:t>set(CMAKE_RUNTIME_OUTPUT_DIRECTORY ${CMAKE_BINARY_DIR}/bin)</a:t>
+              <a:t>When a variable is expanded using ${} syntax, all the same rules about spaces apply. Be especially careful with paths; paths may contain a space at any time and should always be quoted when they are a variable (never write ${MY_PATH}, always should be "${MY_PATH}").</a:t>
             </a:r>
           </a:p>
         </p:txBody>
@@ -19158,7 +22058,7 @@
     </p:spTree>
     <p:extLst>
       <p:ext uri="{BB962C8B-B14F-4D97-AF65-F5344CB8AC3E}">
-        <p14:creationId xmlns:p14="http://schemas.microsoft.com/office/powerpoint/2010/main" val="104768567"/>
+        <p14:creationId xmlns:p14="http://schemas.microsoft.com/office/powerpoint/2010/main" val="3447351012"/>
       </p:ext>
     </p:extLst>
   </p:cSld>
@@ -19187,10 +22087,10 @@
       </p:grpSpPr>
       <p:sp>
         <p:nvSpPr>
-          <p:cNvPr id="2" name="Rectangle 1">
+          <p:cNvPr id="3" name="Rectangle 2">
             <a:extLst>
               <a:ext uri="{FF2B5EF4-FFF2-40B4-BE49-F238E27FC236}">
-                <a16:creationId xmlns:a16="http://schemas.microsoft.com/office/drawing/2014/main" id="{08987034-E70F-456F-8863-2986AA909F66}"/>
+                <a16:creationId xmlns:a16="http://schemas.microsoft.com/office/drawing/2014/main" id="{225FE0BE-8D84-431C-96AE-B7322F127C73}"/>
               </a:ext>
             </a:extLst>
           </p:cNvPr>
@@ -19199,8 +22099,8 @@
         </p:nvSpPr>
         <p:spPr>
           <a:xfrm>
-            <a:off x="262856" y="2278790"/>
-            <a:ext cx="11929144" cy="2585323"/>
+            <a:off x="2704678" y="262222"/>
+            <a:ext cx="8411362" cy="461665"/>
           </a:xfrm>
           <a:prstGeom prst="rect">
             <a:avLst/>
@@ -19213,137 +22113,584 @@
           <a:lstStyle/>
           <a:p>
             <a:r>
-              <a:rPr lang="en-IN" dirty="0"/>
-              <a:t># get </a:t>
-            </a:r>
-            <a:r>
-              <a:rPr lang="en-IN" dirty="0" err="1"/>
-              <a:t>libconfig</a:t>
-            </a:r>
-            <a:endParaRPr lang="en-IN" dirty="0"/>
-          </a:p>
-          <a:p>
-            <a:r>
-              <a:rPr lang="en-IN" dirty="0"/>
-              <a:t>if (WIN32)</a:t>
-            </a:r>
-          </a:p>
-          <a:p>
-            <a:r>
-              <a:rPr lang="en-IN" dirty="0"/>
-              <a:t>  set(LIBCONFIG++_INCLUDE_DIRS "C:/Program\ Files\ (x86)/</a:t>
-            </a:r>
-            <a:r>
-              <a:rPr lang="en-IN" dirty="0" err="1"/>
-              <a:t>libconfig</a:t>
-            </a:r>
-            <a:r>
-              <a:rPr lang="en-IN" dirty="0"/>
-              <a:t>/include/")</a:t>
-            </a:r>
-          </a:p>
-          <a:p>
-            <a:r>
-              <a:rPr lang="en-IN" dirty="0"/>
-              <a:t>  set(LIBCONFIG++_LIBRARIES "C:/Program\ Files\ (x86)/</a:t>
-            </a:r>
-            <a:r>
-              <a:rPr lang="en-IN" dirty="0" err="1"/>
-              <a:t>libconfig</a:t>
-            </a:r>
-            <a:r>
-              <a:rPr lang="en-IN" dirty="0"/>
-              <a:t>/lib/</a:t>
-            </a:r>
-            <a:r>
-              <a:rPr lang="en-IN" dirty="0" err="1"/>
-              <a:t>libconfig</a:t>
-            </a:r>
-            <a:r>
-              <a:rPr lang="en-IN" dirty="0"/>
-              <a:t>++.lib")</a:t>
-            </a:r>
-          </a:p>
-          <a:p>
-            <a:r>
-              <a:rPr lang="en-IN" dirty="0"/>
-              <a:t>else()</a:t>
-            </a:r>
-          </a:p>
-          <a:p>
-            <a:r>
-              <a:rPr lang="en-IN" dirty="0"/>
-              <a:t>  </a:t>
-            </a:r>
-            <a:r>
-              <a:rPr lang="en-IN" dirty="0" err="1"/>
-              <a:t>find_package</a:t>
-            </a:r>
-            <a:r>
-              <a:rPr lang="en-IN" dirty="0"/>
-              <a:t> (</a:t>
-            </a:r>
-            <a:r>
-              <a:rPr lang="en-IN" dirty="0" err="1"/>
-              <a:t>libconfig</a:t>
-            </a:r>
-            <a:r>
-              <a:rPr lang="en-IN" dirty="0"/>
-              <a:t>++ REQUIRED)</a:t>
-            </a:r>
-          </a:p>
-          <a:p>
-            <a:r>
-              <a:rPr lang="en-IN" dirty="0"/>
-              <a:t>endif()</a:t>
-            </a:r>
-          </a:p>
-          <a:p>
-            <a:endParaRPr lang="en-IN" dirty="0"/>
-          </a:p>
-          <a:p>
-            <a:r>
-              <a:rPr lang="en-IN" dirty="0" err="1"/>
-              <a:t>include_directories</a:t>
-            </a:r>
-            <a:r>
-              <a:rPr lang="en-IN" dirty="0"/>
-              <a:t>(${LIBCONFIG++_INCLUDE_DIRS})</a:t>
+              <a:rPr lang="en-IN" sz="2400" dirty="0"/>
+              <a:t>Set variables through command line </a:t>
             </a:r>
           </a:p>
         </p:txBody>
       </p:sp>
       <p:sp>
         <p:nvSpPr>
-          <p:cNvPr id="3" name="TextBox 2">
+          <p:cNvPr id="5" name="Rectangle: Rounded Corners 4">
             <a:extLst>
               <a:ext uri="{FF2B5EF4-FFF2-40B4-BE49-F238E27FC236}">
-                <a16:creationId xmlns:a16="http://schemas.microsoft.com/office/drawing/2014/main" id="{F39416D7-2B0F-4CCA-B5A7-F2F78648BBC3}"/>
+                <a16:creationId xmlns:a16="http://schemas.microsoft.com/office/drawing/2014/main" id="{37A227A4-E832-4350-AADD-204A63830960}"/>
               </a:ext>
             </a:extLst>
           </p:cNvPr>
-          <p:cNvSpPr txBox="1"/>
+          <p:cNvSpPr/>
           <p:nvPr/>
         </p:nvSpPr>
         <p:spPr>
           <a:xfrm>
-            <a:off x="2785145" y="788565"/>
-            <a:ext cx="8078598" cy="461665"/>
+            <a:off x="6527564" y="3663164"/>
+            <a:ext cx="2743200" cy="564892"/>
+          </a:xfrm>
+          <a:prstGeom prst="roundRect">
+            <a:avLst/>
+          </a:prstGeom>
+        </p:spPr>
+        <p:style>
+          <a:lnRef idx="2">
+            <a:schemeClr val="accent1">
+              <a:shade val="50000"/>
+            </a:schemeClr>
+          </a:lnRef>
+          <a:fillRef idx="1">
+            <a:schemeClr val="accent1"/>
+          </a:fillRef>
+          <a:effectRef idx="0">
+            <a:schemeClr val="accent1"/>
+          </a:effectRef>
+          <a:fontRef idx="minor">
+            <a:schemeClr val="lt1"/>
+          </a:fontRef>
+        </p:style>
+        <p:txBody>
+          <a:bodyPr rtlCol="0" anchor="ctr"/>
+          <a:lstStyle/>
+          <a:p>
+            <a:pPr algn="ctr"/>
+            <a:r>
+              <a:rPr lang="en-IN" dirty="0"/>
+              <a:t>Example</a:t>
+            </a:r>
+          </a:p>
+        </p:txBody>
+      </p:sp>
+      <p:sp>
+        <p:nvSpPr>
+          <p:cNvPr id="6" name="Rectangle 5">
+            <a:extLst>
+              <a:ext uri="{FF2B5EF4-FFF2-40B4-BE49-F238E27FC236}">
+                <a16:creationId xmlns:a16="http://schemas.microsoft.com/office/drawing/2014/main" id="{252F2080-6E1E-4AA4-BA29-B93D49B136D7}"/>
+              </a:ext>
+            </a:extLst>
+          </p:cNvPr>
+          <p:cNvSpPr/>
+          <p:nvPr/>
+        </p:nvSpPr>
+        <p:spPr>
+          <a:xfrm>
+            <a:off x="349984" y="1312457"/>
+            <a:ext cx="10382109" cy="2308324"/>
           </a:xfrm>
           <a:prstGeom prst="rect">
             <a:avLst/>
           </a:prstGeom>
-          <a:noFill/>
         </p:spPr>
         <p:txBody>
-          <a:bodyPr wrap="square" rtlCol="0">
+          <a:bodyPr wrap="square">
             <a:spAutoFit/>
           </a:bodyPr>
           <a:lstStyle/>
           <a:p>
             <a:r>
-              <a:rPr lang="en-IN" sz="2400" dirty="0"/>
-              <a:t>Manually specifying Include directories and libraries</a:t>
+              <a:rPr lang="en-IN" dirty="0">
+                <a:solidFill>
+                  <a:srgbClr val="444444"/>
+                </a:solidFill>
+                <a:latin typeface="Arial" panose="020B0604020202020204" pitchFamily="34" charset="0"/>
+              </a:rPr>
+              <a:t>In the CMakeLists.txt file, create a cache variable, as documented here:</a:t>
+            </a:r>
+          </a:p>
+          <a:p>
+            <a:endParaRPr lang="en-IN" dirty="0">
+              <a:solidFill>
+                <a:srgbClr val="444444"/>
+              </a:solidFill>
+              <a:latin typeface="Arial" panose="020B0604020202020204" pitchFamily="34" charset="0"/>
+            </a:endParaRPr>
+          </a:p>
+          <a:p>
+            <a:r>
+              <a:rPr lang="en-IN" dirty="0">
+                <a:solidFill>
+                  <a:srgbClr val="444444"/>
+                </a:solidFill>
+                <a:latin typeface="Arial" panose="020B0604020202020204" pitchFamily="34" charset="0"/>
+              </a:rPr>
+              <a:t>SET(MYOPTION “</a:t>
+            </a:r>
+            <a:r>
+              <a:rPr lang="en-IN" dirty="0" err="1">
+                <a:solidFill>
+                  <a:srgbClr val="444444"/>
+                </a:solidFill>
+                <a:latin typeface="Arial" panose="020B0604020202020204" pitchFamily="34" charset="0"/>
+              </a:rPr>
+              <a:t>defaultvalue</a:t>
+            </a:r>
+            <a:r>
+              <a:rPr lang="en-IN" dirty="0">
+                <a:solidFill>
+                  <a:srgbClr val="444444"/>
+                </a:solidFill>
+                <a:latin typeface="Arial" panose="020B0604020202020204" pitchFamily="34" charset="0"/>
+              </a:rPr>
+              <a:t>" CACHE STRING "Some user-specified option")</a:t>
+            </a:r>
+          </a:p>
+          <a:p>
+            <a:endParaRPr lang="en-IN" dirty="0">
+              <a:solidFill>
+                <a:srgbClr val="444444"/>
+              </a:solidFill>
+              <a:latin typeface="Arial" panose="020B0604020202020204" pitchFamily="34" charset="0"/>
+            </a:endParaRPr>
+          </a:p>
+          <a:p>
+            <a:r>
+              <a:rPr lang="en-IN" dirty="0">
+                <a:solidFill>
+                  <a:srgbClr val="444444"/>
+                </a:solidFill>
+                <a:latin typeface="Arial" panose="020B0604020202020204" pitchFamily="34" charset="0"/>
+              </a:rPr>
+              <a:t>Then, either use the GUI (</a:t>
+            </a:r>
+            <a:r>
+              <a:rPr lang="en-IN" dirty="0" err="1">
+                <a:solidFill>
+                  <a:srgbClr val="444444"/>
+                </a:solidFill>
+                <a:latin typeface="Arial" panose="020B0604020202020204" pitchFamily="34" charset="0"/>
+              </a:rPr>
+              <a:t>ccmake</a:t>
+            </a:r>
+            <a:r>
+              <a:rPr lang="en-IN" dirty="0">
+                <a:solidFill>
+                  <a:srgbClr val="444444"/>
+                </a:solidFill>
+                <a:latin typeface="Arial" panose="020B0604020202020204" pitchFamily="34" charset="0"/>
+              </a:rPr>
+              <a:t> or </a:t>
+            </a:r>
+            <a:r>
+              <a:rPr lang="en-IN" dirty="0" err="1">
+                <a:solidFill>
+                  <a:srgbClr val="444444"/>
+                </a:solidFill>
+                <a:latin typeface="Arial" panose="020B0604020202020204" pitchFamily="34" charset="0"/>
+              </a:rPr>
+              <a:t>cmake-gui</a:t>
+            </a:r>
+            <a:r>
+              <a:rPr lang="en-IN" dirty="0">
+                <a:solidFill>
+                  <a:srgbClr val="444444"/>
+                </a:solidFill>
+                <a:latin typeface="Arial" panose="020B0604020202020204" pitchFamily="34" charset="0"/>
+              </a:rPr>
+              <a:t>) to set the cache variable, or specify the value of the variable on the </a:t>
+            </a:r>
+            <a:r>
+              <a:rPr lang="en-IN" dirty="0" err="1">
+                <a:solidFill>
+                  <a:srgbClr val="444444"/>
+                </a:solidFill>
+                <a:latin typeface="Arial" panose="020B0604020202020204" pitchFamily="34" charset="0"/>
+              </a:rPr>
+              <a:t>cmake</a:t>
+            </a:r>
+            <a:r>
+              <a:rPr lang="en-IN" dirty="0">
+                <a:solidFill>
+                  <a:srgbClr val="444444"/>
+                </a:solidFill>
+                <a:latin typeface="Arial" panose="020B0604020202020204" pitchFamily="34" charset="0"/>
+              </a:rPr>
+              <a:t> command line:</a:t>
+            </a:r>
+          </a:p>
+          <a:p>
+            <a:endParaRPr lang="en-IN" dirty="0">
+              <a:solidFill>
+                <a:srgbClr val="444444"/>
+              </a:solidFill>
+              <a:latin typeface="Arial" panose="020B0604020202020204" pitchFamily="34" charset="0"/>
+            </a:endParaRPr>
+          </a:p>
+          <a:p>
+            <a:r>
+              <a:rPr lang="en-IN" dirty="0" err="1">
+                <a:solidFill>
+                  <a:srgbClr val="444444"/>
+                </a:solidFill>
+                <a:latin typeface="Arial" panose="020B0604020202020204" pitchFamily="34" charset="0"/>
+              </a:rPr>
+              <a:t>cmake</a:t>
+            </a:r>
+            <a:r>
+              <a:rPr lang="en-IN" dirty="0">
+                <a:solidFill>
+                  <a:srgbClr val="444444"/>
+                </a:solidFill>
+                <a:latin typeface="Arial" panose="020B0604020202020204" pitchFamily="34" charset="0"/>
+              </a:rPr>
+              <a:t> -D MYOPTION:STRING=“</a:t>
+            </a:r>
+            <a:r>
+              <a:rPr lang="en-IN" dirty="0" err="1">
+                <a:solidFill>
+                  <a:srgbClr val="444444"/>
+                </a:solidFill>
+                <a:latin typeface="Arial" panose="020B0604020202020204" pitchFamily="34" charset="0"/>
+              </a:rPr>
+              <a:t>newvalue</a:t>
+            </a:r>
+            <a:r>
+              <a:rPr lang="en-IN" dirty="0">
+                <a:solidFill>
+                  <a:srgbClr val="444444"/>
+                </a:solidFill>
+                <a:latin typeface="Arial" panose="020B0604020202020204" pitchFamily="34" charset="0"/>
+              </a:rPr>
+              <a:t>”</a:t>
+            </a:r>
+            <a:endParaRPr lang="en-IN" dirty="0"/>
+          </a:p>
+        </p:txBody>
+      </p:sp>
+      <p:sp>
+        <p:nvSpPr>
+          <p:cNvPr id="7" name="Rectangle 6">
+            <a:extLst>
+              <a:ext uri="{FF2B5EF4-FFF2-40B4-BE49-F238E27FC236}">
+                <a16:creationId xmlns:a16="http://schemas.microsoft.com/office/drawing/2014/main" id="{179885FE-9FBF-49E8-860F-46C4C3E4E048}"/>
+              </a:ext>
+            </a:extLst>
+          </p:cNvPr>
+          <p:cNvSpPr/>
+          <p:nvPr/>
+        </p:nvSpPr>
+        <p:spPr>
+          <a:xfrm>
+            <a:off x="6440681" y="4558332"/>
+            <a:ext cx="6096000" cy="2031325"/>
+          </a:xfrm>
+          <a:prstGeom prst="rect">
+            <a:avLst/>
+          </a:prstGeom>
+        </p:spPr>
+        <p:txBody>
+          <a:bodyPr>
+            <a:spAutoFit/>
+          </a:bodyPr>
+          <a:lstStyle/>
+          <a:p>
+            <a:r>
+              <a:rPr lang="en-IN" dirty="0">
+                <a:solidFill>
+                  <a:srgbClr val="0000FF"/>
+                </a:solidFill>
+                <a:latin typeface="Consolas" panose="020B0609020204030204" pitchFamily="49" charset="0"/>
+              </a:rPr>
+              <a:t>set</a:t>
+            </a:r>
+            <a:r>
+              <a:rPr lang="en-IN" dirty="0">
+                <a:solidFill>
+                  <a:srgbClr val="000000"/>
+                </a:solidFill>
+                <a:latin typeface="Consolas" panose="020B0609020204030204" pitchFamily="49" charset="0"/>
+              </a:rPr>
+              <a:t>(MYFLAG </a:t>
+            </a:r>
+            <a:r>
+              <a:rPr lang="en-IN" dirty="0">
+                <a:solidFill>
+                  <a:srgbClr val="0000FF"/>
+                </a:solidFill>
+                <a:latin typeface="Consolas" panose="020B0609020204030204" pitchFamily="49" charset="0"/>
+              </a:rPr>
+              <a:t>true</a:t>
+            </a:r>
+            <a:r>
+              <a:rPr lang="en-IN" dirty="0">
+                <a:solidFill>
+                  <a:srgbClr val="000000"/>
+                </a:solidFill>
+                <a:latin typeface="Consolas" panose="020B0609020204030204" pitchFamily="49" charset="0"/>
+              </a:rPr>
+              <a:t> </a:t>
+            </a:r>
+            <a:r>
+              <a:rPr lang="en-IN" dirty="0">
+                <a:solidFill>
+                  <a:srgbClr val="0000FF"/>
+                </a:solidFill>
+                <a:latin typeface="Consolas" panose="020B0609020204030204" pitchFamily="49" charset="0"/>
+              </a:rPr>
+              <a:t>CACHE</a:t>
+            </a:r>
+            <a:r>
+              <a:rPr lang="en-IN" dirty="0">
+                <a:solidFill>
+                  <a:srgbClr val="000000"/>
+                </a:solidFill>
+                <a:latin typeface="Consolas" panose="020B0609020204030204" pitchFamily="49" charset="0"/>
+              </a:rPr>
+              <a:t> BOOLEAN </a:t>
+            </a:r>
+            <a:r>
+              <a:rPr lang="en-IN" dirty="0">
+                <a:solidFill>
+                  <a:srgbClr val="A31515"/>
+                </a:solidFill>
+                <a:latin typeface="Consolas" panose="020B0609020204030204" pitchFamily="49" charset="0"/>
+              </a:rPr>
+              <a:t>"Some option"</a:t>
+            </a:r>
+            <a:r>
+              <a:rPr lang="en-IN" dirty="0">
+                <a:solidFill>
+                  <a:srgbClr val="000000"/>
+                </a:solidFill>
+                <a:latin typeface="Consolas" panose="020B0609020204030204" pitchFamily="49" charset="0"/>
+              </a:rPr>
+              <a:t>)</a:t>
+            </a:r>
+          </a:p>
+          <a:p>
+            <a:endParaRPr lang="en-IN" dirty="0">
+              <a:solidFill>
+                <a:srgbClr val="000000"/>
+              </a:solidFill>
+              <a:latin typeface="Consolas" panose="020B0609020204030204" pitchFamily="49" charset="0"/>
+            </a:endParaRPr>
+          </a:p>
+          <a:p>
+            <a:r>
+              <a:rPr lang="en-IN" dirty="0">
+                <a:solidFill>
+                  <a:srgbClr val="2B91AF"/>
+                </a:solidFill>
+                <a:latin typeface="Consolas" panose="020B0609020204030204" pitchFamily="49" charset="0"/>
+              </a:rPr>
+              <a:t>if</a:t>
+            </a:r>
+            <a:r>
+              <a:rPr lang="en-IN" dirty="0">
+                <a:solidFill>
+                  <a:srgbClr val="000000"/>
+                </a:solidFill>
+                <a:latin typeface="Consolas" panose="020B0609020204030204" pitchFamily="49" charset="0"/>
+              </a:rPr>
+              <a:t>(MYFLAG) </a:t>
+            </a:r>
+          </a:p>
+          <a:p>
+            <a:r>
+              <a:rPr lang="en-IN" dirty="0">
+                <a:solidFill>
+                  <a:srgbClr val="0000FF"/>
+                </a:solidFill>
+                <a:latin typeface="Consolas" panose="020B0609020204030204" pitchFamily="49" charset="0"/>
+              </a:rPr>
+              <a:t>  message</a:t>
+            </a:r>
+            <a:r>
+              <a:rPr lang="en-IN" dirty="0">
+                <a:solidFill>
+                  <a:srgbClr val="000000"/>
+                </a:solidFill>
+                <a:latin typeface="Consolas" panose="020B0609020204030204" pitchFamily="49" charset="0"/>
+              </a:rPr>
+              <a:t>(</a:t>
+            </a:r>
+            <a:r>
+              <a:rPr lang="en-IN" dirty="0">
+                <a:solidFill>
+                  <a:srgbClr val="A31515"/>
+                </a:solidFill>
+                <a:latin typeface="Consolas" panose="020B0609020204030204" pitchFamily="49" charset="0"/>
+              </a:rPr>
+              <a:t>"FLAG ON"</a:t>
+            </a:r>
+            <a:r>
+              <a:rPr lang="en-IN" dirty="0">
+                <a:solidFill>
+                  <a:srgbClr val="000000"/>
+                </a:solidFill>
+                <a:latin typeface="Consolas" panose="020B0609020204030204" pitchFamily="49" charset="0"/>
+              </a:rPr>
+              <a:t>)</a:t>
+            </a:r>
+          </a:p>
+          <a:p>
+            <a:r>
+              <a:rPr lang="en-IN" dirty="0">
+                <a:solidFill>
+                  <a:srgbClr val="2B91AF"/>
+                </a:solidFill>
+                <a:latin typeface="Consolas" panose="020B0609020204030204" pitchFamily="49" charset="0"/>
+              </a:rPr>
+              <a:t>else</a:t>
+            </a:r>
+            <a:r>
+              <a:rPr lang="en-IN" dirty="0">
+                <a:solidFill>
+                  <a:srgbClr val="000000"/>
+                </a:solidFill>
+                <a:latin typeface="Consolas" panose="020B0609020204030204" pitchFamily="49" charset="0"/>
+              </a:rPr>
+              <a:t>()</a:t>
+            </a:r>
+          </a:p>
+          <a:p>
+            <a:r>
+              <a:rPr lang="en-IN" dirty="0">
+                <a:solidFill>
+                  <a:srgbClr val="0000FF"/>
+                </a:solidFill>
+                <a:latin typeface="Consolas" panose="020B0609020204030204" pitchFamily="49" charset="0"/>
+              </a:rPr>
+              <a:t>  message</a:t>
+            </a:r>
+            <a:r>
+              <a:rPr lang="en-IN" dirty="0">
+                <a:solidFill>
+                  <a:srgbClr val="000000"/>
+                </a:solidFill>
+                <a:latin typeface="Consolas" panose="020B0609020204030204" pitchFamily="49" charset="0"/>
+              </a:rPr>
+              <a:t>(</a:t>
+            </a:r>
+            <a:r>
+              <a:rPr lang="en-IN" dirty="0">
+                <a:solidFill>
+                  <a:srgbClr val="A31515"/>
+                </a:solidFill>
+                <a:latin typeface="Consolas" panose="020B0609020204030204" pitchFamily="49" charset="0"/>
+              </a:rPr>
+              <a:t>"FLAG OFF"</a:t>
+            </a:r>
+            <a:r>
+              <a:rPr lang="en-IN" dirty="0">
+                <a:solidFill>
+                  <a:srgbClr val="000000"/>
+                </a:solidFill>
+                <a:latin typeface="Consolas" panose="020B0609020204030204" pitchFamily="49" charset="0"/>
+              </a:rPr>
+              <a:t>)</a:t>
+            </a:r>
+          </a:p>
+          <a:p>
+            <a:r>
+              <a:rPr lang="en-IN" dirty="0">
+                <a:solidFill>
+                  <a:srgbClr val="2B91AF"/>
+                </a:solidFill>
+                <a:latin typeface="Consolas" panose="020B0609020204030204" pitchFamily="49" charset="0"/>
+              </a:rPr>
+              <a:t>endif</a:t>
+            </a:r>
+            <a:r>
+              <a:rPr lang="en-IN" dirty="0">
+                <a:solidFill>
+                  <a:srgbClr val="000000"/>
+                </a:solidFill>
+                <a:latin typeface="Consolas" panose="020B0609020204030204" pitchFamily="49" charset="0"/>
+              </a:rPr>
+              <a:t>()</a:t>
+            </a:r>
+            <a:endParaRPr lang="en-IN" dirty="0"/>
+          </a:p>
+        </p:txBody>
+      </p:sp>
+      <p:sp>
+        <p:nvSpPr>
+          <p:cNvPr id="9" name="Rectangle 8">
+            <a:extLst>
+              <a:ext uri="{FF2B5EF4-FFF2-40B4-BE49-F238E27FC236}">
+                <a16:creationId xmlns:a16="http://schemas.microsoft.com/office/drawing/2014/main" id="{63C5B75F-6CF6-44D6-91B7-85B6ED2A29A5}"/>
+              </a:ext>
+            </a:extLst>
+          </p:cNvPr>
+          <p:cNvSpPr/>
+          <p:nvPr/>
+        </p:nvSpPr>
+        <p:spPr>
+          <a:xfrm>
+            <a:off x="2400178" y="5140737"/>
+            <a:ext cx="3238387" cy="369332"/>
+          </a:xfrm>
+          <a:prstGeom prst="rect">
+            <a:avLst/>
+          </a:prstGeom>
+        </p:spPr>
+        <p:txBody>
+          <a:bodyPr wrap="none">
+            <a:spAutoFit/>
+          </a:bodyPr>
+          <a:lstStyle/>
+          <a:p>
+            <a:r>
+              <a:rPr lang="en-IN" dirty="0"/>
+              <a:t>&gt;</a:t>
+            </a:r>
+            <a:r>
+              <a:rPr lang="en-IN" dirty="0" err="1"/>
+              <a:t>cmake</a:t>
+            </a:r>
+            <a:r>
+              <a:rPr lang="en-IN" dirty="0"/>
+              <a:t> ../ -DMYFLAG=true</a:t>
+            </a:r>
+          </a:p>
+        </p:txBody>
+      </p:sp>
+      <p:sp>
+        <p:nvSpPr>
+          <p:cNvPr id="10" name="Rectangle 9">
+            <a:extLst>
+              <a:ext uri="{FF2B5EF4-FFF2-40B4-BE49-F238E27FC236}">
+                <a16:creationId xmlns:a16="http://schemas.microsoft.com/office/drawing/2014/main" id="{CC575C6C-7FE1-425C-8E94-03313836C942}"/>
+              </a:ext>
+            </a:extLst>
+          </p:cNvPr>
+          <p:cNvSpPr/>
+          <p:nvPr/>
+        </p:nvSpPr>
+        <p:spPr>
+          <a:xfrm>
+            <a:off x="2400178" y="5574414"/>
+            <a:ext cx="3379451" cy="369332"/>
+          </a:xfrm>
+          <a:prstGeom prst="rect">
+            <a:avLst/>
+          </a:prstGeom>
+        </p:spPr>
+        <p:txBody>
+          <a:bodyPr wrap="none">
+            <a:spAutoFit/>
+          </a:bodyPr>
+          <a:lstStyle/>
+          <a:p>
+            <a:r>
+              <a:rPr lang="en-IN" dirty="0"/>
+              <a:t>&gt;</a:t>
+            </a:r>
+            <a:r>
+              <a:rPr lang="en-IN" dirty="0" err="1"/>
+              <a:t>cmake</a:t>
+            </a:r>
+            <a:r>
+              <a:rPr lang="en-IN" dirty="0"/>
+              <a:t> ../ -DMYFLAG=false</a:t>
             </a:r>
           </a:p>
         </p:txBody>
@@ -19351,7 +22698,7 @@
     </p:spTree>
     <p:extLst>
       <p:ext uri="{BB962C8B-B14F-4D97-AF65-F5344CB8AC3E}">
-        <p14:creationId xmlns:p14="http://schemas.microsoft.com/office/powerpoint/2010/main" val="565261341"/>
+        <p14:creationId xmlns:p14="http://schemas.microsoft.com/office/powerpoint/2010/main" val="286437582"/>
       </p:ext>
     </p:extLst>
   </p:cSld>
@@ -19392,8 +22739,8 @@
         </p:nvSpPr>
         <p:spPr>
           <a:xfrm>
-            <a:off x="285226" y="2035022"/>
-            <a:ext cx="8951053" cy="4524315"/>
+            <a:off x="279633" y="1582340"/>
+            <a:ext cx="5083727" cy="3693319"/>
           </a:xfrm>
           <a:prstGeom prst="rect">
             <a:avLst/>
@@ -19530,61 +22877,6 @@
               <a:latin typeface="Arial" panose="020B0604020202020204" pitchFamily="34" charset="0"/>
               <a:cs typeface="Arial" panose="020B0604020202020204" pitchFamily="34" charset="0"/>
             </a:endParaRPr>
-          </a:p>
-          <a:p>
-            <a:r>
-              <a:rPr lang="en-IN" dirty="0">
-                <a:latin typeface="Arial" panose="020B0604020202020204" pitchFamily="34" charset="0"/>
-                <a:cs typeface="Arial" panose="020B0604020202020204" pitchFamily="34" charset="0"/>
-              </a:rPr>
-              <a:t>if(UNIX)</a:t>
-            </a:r>
-          </a:p>
-          <a:p>
-            <a:r>
-              <a:rPr lang="en-IN" dirty="0">
-                <a:latin typeface="Arial" panose="020B0604020202020204" pitchFamily="34" charset="0"/>
-                <a:cs typeface="Arial" panose="020B0604020202020204" pitchFamily="34" charset="0"/>
-              </a:rPr>
-              <a:t>  set(CMAKE_CXX_FLAGS "${CMAKE_CXX_FLAGS} -g -</a:t>
-            </a:r>
-            <a:r>
-              <a:rPr lang="en-IN" dirty="0" err="1">
-                <a:latin typeface="Arial" panose="020B0604020202020204" pitchFamily="34" charset="0"/>
-                <a:cs typeface="Arial" panose="020B0604020202020204" pitchFamily="34" charset="0"/>
-              </a:rPr>
-              <a:t>Og</a:t>
-            </a:r>
-            <a:r>
-              <a:rPr lang="en-IN" dirty="0">
-                <a:latin typeface="Arial" panose="020B0604020202020204" pitchFamily="34" charset="0"/>
-                <a:cs typeface="Arial" panose="020B0604020202020204" pitchFamily="34" charset="0"/>
-              </a:rPr>
-              <a:t> -std=</a:t>
-            </a:r>
-            <a:r>
-              <a:rPr lang="en-IN" dirty="0" err="1">
-                <a:latin typeface="Arial" panose="020B0604020202020204" pitchFamily="34" charset="0"/>
-                <a:cs typeface="Arial" panose="020B0604020202020204" pitchFamily="34" charset="0"/>
-              </a:rPr>
-              <a:t>c++</a:t>
-            </a:r>
-            <a:r>
-              <a:rPr lang="en-IN" dirty="0">
-                <a:latin typeface="Arial" panose="020B0604020202020204" pitchFamily="34" charset="0"/>
-                <a:cs typeface="Arial" panose="020B0604020202020204" pitchFamily="34" charset="0"/>
-              </a:rPr>
-              <a:t>11")</a:t>
-            </a:r>
-          </a:p>
-          <a:p>
-            <a:r>
-              <a:rPr lang="en-IN" dirty="0">
-                <a:latin typeface="Arial" panose="020B0604020202020204" pitchFamily="34" charset="0"/>
-                <a:cs typeface="Arial" panose="020B0604020202020204" pitchFamily="34" charset="0"/>
-              </a:rPr>
-              <a:t>endif()</a:t>
-            </a:r>
           </a:p>
         </p:txBody>
       </p:sp>
@@ -19602,7 +22894,7 @@
         </p:nvSpPr>
         <p:spPr>
           <a:xfrm>
-            <a:off x="2821497" y="756917"/>
+            <a:off x="2032932" y="219543"/>
             <a:ext cx="8411362" cy="461665"/>
           </a:xfrm>
           <a:prstGeom prst="rect">
@@ -19619,6 +22911,521 @@
               <a:rPr lang="en-IN" sz="2400" dirty="0"/>
               <a:t>Conditionally setting variables and commands </a:t>
             </a:r>
+          </a:p>
+        </p:txBody>
+      </p:sp>
+      <p:sp>
+        <p:nvSpPr>
+          <p:cNvPr id="4" name="Rectangle 3">
+            <a:extLst>
+              <a:ext uri="{FF2B5EF4-FFF2-40B4-BE49-F238E27FC236}">
+                <a16:creationId xmlns:a16="http://schemas.microsoft.com/office/drawing/2014/main" id="{147D75B6-75D2-4F6E-96C8-5E7EA35D49A6}"/>
+              </a:ext>
+            </a:extLst>
+          </p:cNvPr>
+          <p:cNvSpPr/>
+          <p:nvPr/>
+        </p:nvSpPr>
+        <p:spPr>
+          <a:xfrm>
+            <a:off x="5698920" y="1582340"/>
+            <a:ext cx="6096000" cy="2308324"/>
+          </a:xfrm>
+          <a:prstGeom prst="rect">
+            <a:avLst/>
+          </a:prstGeom>
+        </p:spPr>
+        <p:txBody>
+          <a:bodyPr>
+            <a:spAutoFit/>
+          </a:bodyPr>
+          <a:lstStyle/>
+          <a:p>
+            <a:endParaRPr lang="en-IN" dirty="0">
+              <a:solidFill>
+                <a:srgbClr val="000000"/>
+              </a:solidFill>
+              <a:latin typeface="Consolas" panose="020B0609020204030204" pitchFamily="49" charset="0"/>
+            </a:endParaRPr>
+          </a:p>
+          <a:p>
+            <a:r>
+              <a:rPr lang="en-IN" dirty="0">
+                <a:solidFill>
+                  <a:srgbClr val="2B91AF"/>
+                </a:solidFill>
+                <a:latin typeface="Consolas" panose="020B0609020204030204" pitchFamily="49" charset="0"/>
+              </a:rPr>
+              <a:t>if</a:t>
+            </a:r>
+            <a:r>
+              <a:rPr lang="en-IN" dirty="0">
+                <a:solidFill>
+                  <a:srgbClr val="000000"/>
+                </a:solidFill>
+                <a:latin typeface="Consolas" panose="020B0609020204030204" pitchFamily="49" charset="0"/>
+              </a:rPr>
+              <a:t> (</a:t>
+            </a:r>
+            <a:r>
+              <a:rPr lang="en-IN" dirty="0">
+                <a:solidFill>
+                  <a:srgbClr val="0000FF"/>
+                </a:solidFill>
+                <a:latin typeface="Consolas" panose="020B0609020204030204" pitchFamily="49" charset="0"/>
+              </a:rPr>
+              <a:t>WIN32</a:t>
+            </a:r>
+            <a:r>
+              <a:rPr lang="en-IN" dirty="0">
+                <a:solidFill>
+                  <a:srgbClr val="000000"/>
+                </a:solidFill>
+                <a:latin typeface="Consolas" panose="020B0609020204030204" pitchFamily="49" charset="0"/>
+              </a:rPr>
+              <a:t>)</a:t>
+            </a:r>
+          </a:p>
+          <a:p>
+            <a:r>
+              <a:rPr lang="en-IN" dirty="0">
+                <a:solidFill>
+                  <a:srgbClr val="0000FF"/>
+                </a:solidFill>
+                <a:latin typeface="Consolas" panose="020B0609020204030204" pitchFamily="49" charset="0"/>
+              </a:rPr>
+              <a:t>  set</a:t>
+            </a:r>
+            <a:r>
+              <a:rPr lang="en-IN" dirty="0">
+                <a:solidFill>
+                  <a:srgbClr val="000000"/>
+                </a:solidFill>
+                <a:latin typeface="Consolas" panose="020B0609020204030204" pitchFamily="49" charset="0"/>
+              </a:rPr>
+              <a:t>(MYVAR </a:t>
+            </a:r>
+            <a:r>
+              <a:rPr lang="en-IN" dirty="0">
+                <a:solidFill>
+                  <a:srgbClr val="A31515"/>
+                </a:solidFill>
+                <a:latin typeface="Consolas" panose="020B0609020204030204" pitchFamily="49" charset="0"/>
+              </a:rPr>
+              <a:t>"GIRISH_WINDOWS"</a:t>
+            </a:r>
+            <a:r>
+              <a:rPr lang="en-IN" dirty="0">
+                <a:solidFill>
+                  <a:srgbClr val="000000"/>
+                </a:solidFill>
+                <a:latin typeface="Consolas" panose="020B0609020204030204" pitchFamily="49" charset="0"/>
+              </a:rPr>
+              <a:t>)</a:t>
+            </a:r>
+          </a:p>
+          <a:p>
+            <a:r>
+              <a:rPr lang="en-IN" dirty="0">
+                <a:solidFill>
+                  <a:srgbClr val="2B91AF"/>
+                </a:solidFill>
+                <a:latin typeface="Consolas" panose="020B0609020204030204" pitchFamily="49" charset="0"/>
+              </a:rPr>
+              <a:t>else</a:t>
+            </a:r>
+            <a:r>
+              <a:rPr lang="en-IN" dirty="0">
+                <a:solidFill>
+                  <a:srgbClr val="000000"/>
+                </a:solidFill>
+                <a:latin typeface="Consolas" panose="020B0609020204030204" pitchFamily="49" charset="0"/>
+              </a:rPr>
+              <a:t>()</a:t>
+            </a:r>
+          </a:p>
+          <a:p>
+            <a:r>
+              <a:rPr lang="en-IN" dirty="0">
+                <a:solidFill>
+                  <a:srgbClr val="0000FF"/>
+                </a:solidFill>
+                <a:latin typeface="Consolas" panose="020B0609020204030204" pitchFamily="49" charset="0"/>
+              </a:rPr>
+              <a:t>  set</a:t>
+            </a:r>
+            <a:r>
+              <a:rPr lang="en-IN" dirty="0">
+                <a:solidFill>
+                  <a:srgbClr val="000000"/>
+                </a:solidFill>
+                <a:latin typeface="Consolas" panose="020B0609020204030204" pitchFamily="49" charset="0"/>
+              </a:rPr>
+              <a:t>(MYVAR </a:t>
+            </a:r>
+            <a:r>
+              <a:rPr lang="en-IN" dirty="0">
+                <a:solidFill>
+                  <a:srgbClr val="A31515"/>
+                </a:solidFill>
+                <a:latin typeface="Consolas" panose="020B0609020204030204" pitchFamily="49" charset="0"/>
+              </a:rPr>
+              <a:t>"GIRISH_UNIX"</a:t>
+            </a:r>
+            <a:r>
+              <a:rPr lang="en-IN" dirty="0">
+                <a:solidFill>
+                  <a:srgbClr val="000000"/>
+                </a:solidFill>
+                <a:latin typeface="Consolas" panose="020B0609020204030204" pitchFamily="49" charset="0"/>
+              </a:rPr>
+              <a:t>)</a:t>
+            </a:r>
+          </a:p>
+          <a:p>
+            <a:r>
+              <a:rPr lang="en-IN" dirty="0">
+                <a:solidFill>
+                  <a:srgbClr val="2B91AF"/>
+                </a:solidFill>
+                <a:latin typeface="Consolas" panose="020B0609020204030204" pitchFamily="49" charset="0"/>
+              </a:rPr>
+              <a:t>endif</a:t>
+            </a:r>
+            <a:r>
+              <a:rPr lang="en-IN" dirty="0">
+                <a:solidFill>
+                  <a:srgbClr val="000000"/>
+                </a:solidFill>
+                <a:latin typeface="Consolas" panose="020B0609020204030204" pitchFamily="49" charset="0"/>
+              </a:rPr>
+              <a:t>()</a:t>
+            </a:r>
+          </a:p>
+          <a:p>
+            <a:endParaRPr lang="en-IN" dirty="0">
+              <a:solidFill>
+                <a:srgbClr val="000000"/>
+              </a:solidFill>
+              <a:latin typeface="Consolas" panose="020B0609020204030204" pitchFamily="49" charset="0"/>
+            </a:endParaRPr>
+          </a:p>
+          <a:p>
+            <a:r>
+              <a:rPr lang="en-IN" dirty="0">
+                <a:solidFill>
+                  <a:srgbClr val="0000FF"/>
+                </a:solidFill>
+                <a:latin typeface="Consolas" panose="020B0609020204030204" pitchFamily="49" charset="0"/>
+              </a:rPr>
+              <a:t>message</a:t>
+            </a:r>
+            <a:r>
+              <a:rPr lang="en-IN" dirty="0">
+                <a:solidFill>
+                  <a:srgbClr val="000000"/>
+                </a:solidFill>
+                <a:latin typeface="Consolas" panose="020B0609020204030204" pitchFamily="49" charset="0"/>
+              </a:rPr>
+              <a:t>(</a:t>
+            </a:r>
+            <a:r>
+              <a:rPr lang="en-IN" dirty="0">
+                <a:solidFill>
+                  <a:srgbClr val="A31515"/>
+                </a:solidFill>
+                <a:latin typeface="Consolas" panose="020B0609020204030204" pitchFamily="49" charset="0"/>
+              </a:rPr>
+              <a:t>"Configuration:"</a:t>
+            </a:r>
+            <a:r>
+              <a:rPr lang="en-IN" dirty="0">
+                <a:solidFill>
+                  <a:srgbClr val="000000"/>
+                </a:solidFill>
+                <a:latin typeface="Consolas" panose="020B0609020204030204" pitchFamily="49" charset="0"/>
+              </a:rPr>
+              <a:t> </a:t>
+            </a:r>
+            <a:r>
+              <a:rPr lang="en-IN" b="1" dirty="0">
+                <a:solidFill>
+                  <a:srgbClr val="008800"/>
+                </a:solidFill>
+                <a:latin typeface="Consolas" panose="020B0609020204030204" pitchFamily="49" charset="0"/>
+              </a:rPr>
+              <a:t>${MYVAR}</a:t>
+            </a:r>
+            <a:r>
+              <a:rPr lang="en-IN" dirty="0">
+                <a:solidFill>
+                  <a:srgbClr val="000000"/>
+                </a:solidFill>
+                <a:latin typeface="Consolas" panose="020B0609020204030204" pitchFamily="49" charset="0"/>
+              </a:rPr>
+              <a:t>)</a:t>
+            </a:r>
+            <a:endParaRPr lang="en-IN" dirty="0"/>
+          </a:p>
+        </p:txBody>
+      </p:sp>
+      <p:sp>
+        <p:nvSpPr>
+          <p:cNvPr id="5" name="Rectangle: Rounded Corners 4">
+            <a:extLst>
+              <a:ext uri="{FF2B5EF4-FFF2-40B4-BE49-F238E27FC236}">
+                <a16:creationId xmlns:a16="http://schemas.microsoft.com/office/drawing/2014/main" id="{10C249D0-2A21-4721-B3DC-9915EF2C4911}"/>
+              </a:ext>
+            </a:extLst>
+          </p:cNvPr>
+          <p:cNvSpPr/>
+          <p:nvPr/>
+        </p:nvSpPr>
+        <p:spPr>
+          <a:xfrm>
+            <a:off x="5640198" y="906467"/>
+            <a:ext cx="2332139" cy="578840"/>
+          </a:xfrm>
+          <a:prstGeom prst="roundRect">
+            <a:avLst/>
+          </a:prstGeom>
+        </p:spPr>
+        <p:style>
+          <a:lnRef idx="2">
+            <a:schemeClr val="accent1">
+              <a:shade val="50000"/>
+            </a:schemeClr>
+          </a:lnRef>
+          <a:fillRef idx="1">
+            <a:schemeClr val="accent1"/>
+          </a:fillRef>
+          <a:effectRef idx="0">
+            <a:schemeClr val="accent1"/>
+          </a:effectRef>
+          <a:fontRef idx="minor">
+            <a:schemeClr val="lt1"/>
+          </a:fontRef>
+        </p:style>
+        <p:txBody>
+          <a:bodyPr rtlCol="0" anchor="ctr"/>
+          <a:lstStyle/>
+          <a:p>
+            <a:pPr algn="ctr"/>
+            <a:r>
+              <a:rPr lang="en-IN" dirty="0"/>
+              <a:t>Example</a:t>
+            </a:r>
+          </a:p>
+        </p:txBody>
+      </p:sp>
+      <p:sp>
+        <p:nvSpPr>
+          <p:cNvPr id="7" name="Rectangle 6">
+            <a:extLst>
+              <a:ext uri="{FF2B5EF4-FFF2-40B4-BE49-F238E27FC236}">
+                <a16:creationId xmlns:a16="http://schemas.microsoft.com/office/drawing/2014/main" id="{F1A7930D-9310-4EF1-A0F6-25CF1C4D7AD6}"/>
+              </a:ext>
+            </a:extLst>
+          </p:cNvPr>
+          <p:cNvSpPr/>
+          <p:nvPr/>
+        </p:nvSpPr>
+        <p:spPr>
+          <a:xfrm>
+            <a:off x="5698920" y="4560764"/>
+            <a:ext cx="6096000" cy="2031325"/>
+          </a:xfrm>
+          <a:prstGeom prst="rect">
+            <a:avLst/>
+          </a:prstGeom>
+        </p:spPr>
+        <p:txBody>
+          <a:bodyPr>
+            <a:spAutoFit/>
+          </a:bodyPr>
+          <a:lstStyle/>
+          <a:p>
+            <a:r>
+              <a:rPr lang="en-IN" dirty="0">
+                <a:solidFill>
+                  <a:srgbClr val="0000FF"/>
+                </a:solidFill>
+                <a:latin typeface="Consolas" panose="020B0609020204030204" pitchFamily="49" charset="0"/>
+              </a:rPr>
+              <a:t>set</a:t>
+            </a:r>
+            <a:r>
+              <a:rPr lang="en-IN" dirty="0">
+                <a:solidFill>
+                  <a:srgbClr val="000000"/>
+                </a:solidFill>
+                <a:latin typeface="Consolas" panose="020B0609020204030204" pitchFamily="49" charset="0"/>
+              </a:rPr>
+              <a:t>(MYVAR </a:t>
+            </a:r>
+            <a:r>
+              <a:rPr lang="en-IN" dirty="0">
+                <a:solidFill>
+                  <a:srgbClr val="0000FF"/>
+                </a:solidFill>
+                <a:latin typeface="Consolas" panose="020B0609020204030204" pitchFamily="49" charset="0"/>
+              </a:rPr>
+              <a:t>true</a:t>
+            </a:r>
+            <a:r>
+              <a:rPr lang="en-IN" dirty="0">
+                <a:solidFill>
+                  <a:srgbClr val="000000"/>
+                </a:solidFill>
+                <a:latin typeface="Consolas" panose="020B0609020204030204" pitchFamily="49" charset="0"/>
+              </a:rPr>
+              <a:t>)</a:t>
+            </a:r>
+          </a:p>
+          <a:p>
+            <a:endParaRPr lang="en-IN" dirty="0">
+              <a:solidFill>
+                <a:srgbClr val="000000"/>
+              </a:solidFill>
+              <a:latin typeface="Consolas" panose="020B0609020204030204" pitchFamily="49" charset="0"/>
+            </a:endParaRPr>
+          </a:p>
+          <a:p>
+            <a:r>
+              <a:rPr lang="en-IN" dirty="0">
+                <a:solidFill>
+                  <a:srgbClr val="2B91AF"/>
+                </a:solidFill>
+                <a:latin typeface="Consolas" panose="020B0609020204030204" pitchFamily="49" charset="0"/>
+              </a:rPr>
+              <a:t>if</a:t>
+            </a:r>
+            <a:r>
+              <a:rPr lang="en-IN" dirty="0">
+                <a:solidFill>
+                  <a:srgbClr val="000000"/>
+                </a:solidFill>
+                <a:latin typeface="Consolas" panose="020B0609020204030204" pitchFamily="49" charset="0"/>
+              </a:rPr>
+              <a:t>(MYVAR)</a:t>
+            </a:r>
+          </a:p>
+          <a:p>
+            <a:r>
+              <a:rPr lang="en-IN" dirty="0">
+                <a:solidFill>
+                  <a:srgbClr val="0000FF"/>
+                </a:solidFill>
+                <a:latin typeface="Consolas" panose="020B0609020204030204" pitchFamily="49" charset="0"/>
+              </a:rPr>
+              <a:t>  message</a:t>
+            </a:r>
+            <a:r>
+              <a:rPr lang="en-IN" dirty="0">
+                <a:solidFill>
+                  <a:srgbClr val="000000"/>
+                </a:solidFill>
+                <a:latin typeface="Consolas" panose="020B0609020204030204" pitchFamily="49" charset="0"/>
+              </a:rPr>
+              <a:t>(</a:t>
+            </a:r>
+            <a:r>
+              <a:rPr lang="en-IN" dirty="0">
+                <a:solidFill>
+                  <a:srgbClr val="A31515"/>
+                </a:solidFill>
+                <a:latin typeface="Consolas" panose="020B0609020204030204" pitchFamily="49" charset="0"/>
+              </a:rPr>
+              <a:t>"INSIDE IF BLOCK"</a:t>
+            </a:r>
+            <a:r>
+              <a:rPr lang="en-IN" dirty="0">
+                <a:solidFill>
+                  <a:srgbClr val="000000"/>
+                </a:solidFill>
+                <a:latin typeface="Consolas" panose="020B0609020204030204" pitchFamily="49" charset="0"/>
+              </a:rPr>
+              <a:t>)</a:t>
+            </a:r>
+          </a:p>
+          <a:p>
+            <a:r>
+              <a:rPr lang="en-IN" dirty="0">
+                <a:solidFill>
+                  <a:srgbClr val="2B91AF"/>
+                </a:solidFill>
+                <a:latin typeface="Consolas" panose="020B0609020204030204" pitchFamily="49" charset="0"/>
+              </a:rPr>
+              <a:t>else</a:t>
+            </a:r>
+            <a:r>
+              <a:rPr lang="en-IN" dirty="0">
+                <a:solidFill>
+                  <a:srgbClr val="000000"/>
+                </a:solidFill>
+                <a:latin typeface="Consolas" panose="020B0609020204030204" pitchFamily="49" charset="0"/>
+              </a:rPr>
+              <a:t>()</a:t>
+            </a:r>
+          </a:p>
+          <a:p>
+            <a:r>
+              <a:rPr lang="en-IN" dirty="0">
+                <a:solidFill>
+                  <a:srgbClr val="0000FF"/>
+                </a:solidFill>
+                <a:latin typeface="Consolas" panose="020B0609020204030204" pitchFamily="49" charset="0"/>
+              </a:rPr>
+              <a:t>  message</a:t>
+            </a:r>
+            <a:r>
+              <a:rPr lang="en-IN" dirty="0">
+                <a:solidFill>
+                  <a:srgbClr val="000000"/>
+                </a:solidFill>
+                <a:latin typeface="Consolas" panose="020B0609020204030204" pitchFamily="49" charset="0"/>
+              </a:rPr>
+              <a:t>(</a:t>
+            </a:r>
+            <a:r>
+              <a:rPr lang="en-IN" dirty="0">
+                <a:solidFill>
+                  <a:srgbClr val="A31515"/>
+                </a:solidFill>
+                <a:latin typeface="Consolas" panose="020B0609020204030204" pitchFamily="49" charset="0"/>
+              </a:rPr>
+              <a:t>"INSIDE ELSE BLOCK"</a:t>
+            </a:r>
+            <a:r>
+              <a:rPr lang="en-IN" dirty="0">
+                <a:solidFill>
+                  <a:srgbClr val="000000"/>
+                </a:solidFill>
+                <a:latin typeface="Consolas" panose="020B0609020204030204" pitchFamily="49" charset="0"/>
+              </a:rPr>
+              <a:t>)</a:t>
+            </a:r>
+          </a:p>
+          <a:p>
+            <a:r>
+              <a:rPr lang="en-IN" dirty="0">
+                <a:solidFill>
+                  <a:srgbClr val="2B91AF"/>
+                </a:solidFill>
+                <a:latin typeface="Consolas" panose="020B0609020204030204" pitchFamily="49" charset="0"/>
+              </a:rPr>
+              <a:t>endif</a:t>
+            </a:r>
+            <a:r>
+              <a:rPr lang="en-IN" dirty="0">
+                <a:solidFill>
+                  <a:srgbClr val="000000"/>
+                </a:solidFill>
+                <a:latin typeface="Consolas" panose="020B0609020204030204" pitchFamily="49" charset="0"/>
+              </a:rPr>
+              <a:t>()</a:t>
+            </a:r>
+            <a:endParaRPr lang="en-IN" dirty="0"/>
           </a:p>
         </p:txBody>
       </p:sp>
@@ -19654,10 +23461,10 @@
       </p:grpSpPr>
       <p:sp>
         <p:nvSpPr>
-          <p:cNvPr id="2" name="Rectangle 1">
+          <p:cNvPr id="3" name="Rectangle 2">
             <a:extLst>
               <a:ext uri="{FF2B5EF4-FFF2-40B4-BE49-F238E27FC236}">
-                <a16:creationId xmlns:a16="http://schemas.microsoft.com/office/drawing/2014/main" id="{FD8C5DE6-C5A4-4AD7-AD06-1F054DCA10EA}"/>
+                <a16:creationId xmlns:a16="http://schemas.microsoft.com/office/drawing/2014/main" id="{225FE0BE-8D84-431C-96AE-B7322F127C73}"/>
               </a:ext>
             </a:extLst>
           </p:cNvPr>
@@ -19666,283 +23473,7 @@
         </p:nvSpPr>
         <p:spPr>
           <a:xfrm>
-            <a:off x="167780" y="1812308"/>
-            <a:ext cx="11610363" cy="4247317"/>
-          </a:xfrm>
-          <a:prstGeom prst="rect">
-            <a:avLst/>
-          </a:prstGeom>
-        </p:spPr>
-        <p:txBody>
-          <a:bodyPr wrap="square">
-            <a:spAutoFit/>
-          </a:bodyPr>
-          <a:lstStyle/>
-          <a:p>
-            <a:r>
-              <a:rPr lang="en-IN" dirty="0">
-                <a:latin typeface="Arial" panose="020B0604020202020204" pitchFamily="34" charset="0"/>
-                <a:cs typeface="Arial" panose="020B0604020202020204" pitchFamily="34" charset="0"/>
-              </a:rPr>
-              <a:t>The idea is that you build modules in </a:t>
-            </a:r>
-            <a:r>
-              <a:rPr lang="en-IN" dirty="0" err="1">
-                <a:latin typeface="Arial" panose="020B0604020202020204" pitchFamily="34" charset="0"/>
-                <a:cs typeface="Arial" panose="020B0604020202020204" pitchFamily="34" charset="0"/>
-              </a:rPr>
-              <a:t>CMake</a:t>
-            </a:r>
-            <a:r>
-              <a:rPr lang="en-IN" dirty="0">
-                <a:latin typeface="Arial" panose="020B0604020202020204" pitchFamily="34" charset="0"/>
-                <a:cs typeface="Arial" panose="020B0604020202020204" pitchFamily="34" charset="0"/>
-              </a:rPr>
-              <a:t>, and link them together. Let's ignore header files for now, as they can be all included in your source files.</a:t>
-            </a:r>
-          </a:p>
-          <a:p>
-            <a:endParaRPr lang="en-IN" dirty="0">
-              <a:latin typeface="Arial" panose="020B0604020202020204" pitchFamily="34" charset="0"/>
-              <a:cs typeface="Arial" panose="020B0604020202020204" pitchFamily="34" charset="0"/>
-            </a:endParaRPr>
-          </a:p>
-          <a:p>
-            <a:r>
-              <a:rPr lang="en-IN" dirty="0">
-                <a:latin typeface="Arial" panose="020B0604020202020204" pitchFamily="34" charset="0"/>
-                <a:cs typeface="Arial" panose="020B0604020202020204" pitchFamily="34" charset="0"/>
-              </a:rPr>
-              <a:t>Say you have file1.cpp, file2.cpp, main.cpp. You add them to your project with:</a:t>
-            </a:r>
-          </a:p>
-          <a:p>
-            <a:endParaRPr lang="en-IN" dirty="0">
-              <a:latin typeface="Arial" panose="020B0604020202020204" pitchFamily="34" charset="0"/>
-              <a:cs typeface="Arial" panose="020B0604020202020204" pitchFamily="34" charset="0"/>
-            </a:endParaRPr>
-          </a:p>
-          <a:p>
-            <a:r>
-              <a:rPr lang="en-IN" dirty="0">
-                <a:latin typeface="Arial" panose="020B0604020202020204" pitchFamily="34" charset="0"/>
-                <a:cs typeface="Arial" panose="020B0604020202020204" pitchFamily="34" charset="0"/>
-              </a:rPr>
-              <a:t>ADD_LIBRARY(</a:t>
-            </a:r>
-            <a:r>
-              <a:rPr lang="en-IN" dirty="0" err="1">
-                <a:latin typeface="Arial" panose="020B0604020202020204" pitchFamily="34" charset="0"/>
-                <a:cs typeface="Arial" panose="020B0604020202020204" pitchFamily="34" charset="0"/>
-              </a:rPr>
-              <a:t>LibsModule</a:t>
-            </a:r>
-            <a:r>
-              <a:rPr lang="en-IN" dirty="0">
-                <a:latin typeface="Arial" panose="020B0604020202020204" pitchFamily="34" charset="0"/>
-                <a:cs typeface="Arial" panose="020B0604020202020204" pitchFamily="34" charset="0"/>
-              </a:rPr>
-              <a:t> </a:t>
-            </a:r>
-          </a:p>
-          <a:p>
-            <a:r>
-              <a:rPr lang="en-IN" dirty="0">
-                <a:latin typeface="Arial" panose="020B0604020202020204" pitchFamily="34" charset="0"/>
-                <a:cs typeface="Arial" panose="020B0604020202020204" pitchFamily="34" charset="0"/>
-              </a:rPr>
-              <a:t>    file1.cpp</a:t>
-            </a:r>
-          </a:p>
-          <a:p>
-            <a:r>
-              <a:rPr lang="en-IN" dirty="0">
-                <a:latin typeface="Arial" panose="020B0604020202020204" pitchFamily="34" charset="0"/>
-                <a:cs typeface="Arial" panose="020B0604020202020204" pitchFamily="34" charset="0"/>
-              </a:rPr>
-              <a:t>    file2.cpp</a:t>
-            </a:r>
-          </a:p>
-          <a:p>
-            <a:r>
-              <a:rPr lang="en-IN" dirty="0">
-                <a:latin typeface="Arial" panose="020B0604020202020204" pitchFamily="34" charset="0"/>
-                <a:cs typeface="Arial" panose="020B0604020202020204" pitchFamily="34" charset="0"/>
-              </a:rPr>
-              <a:t>)</a:t>
-            </a:r>
-          </a:p>
-          <a:p>
-            <a:r>
-              <a:rPr lang="en-IN" dirty="0">
-                <a:latin typeface="Arial" panose="020B0604020202020204" pitchFamily="34" charset="0"/>
-                <a:cs typeface="Arial" panose="020B0604020202020204" pitchFamily="34" charset="0"/>
-              </a:rPr>
-              <a:t>Now you added them to a module called </a:t>
-            </a:r>
-            <a:r>
-              <a:rPr lang="en-IN" dirty="0" err="1">
-                <a:latin typeface="Arial" panose="020B0604020202020204" pitchFamily="34" charset="0"/>
-                <a:cs typeface="Arial" panose="020B0604020202020204" pitchFamily="34" charset="0"/>
-              </a:rPr>
-              <a:t>LibsModule</a:t>
-            </a:r>
-            <a:r>
-              <a:rPr lang="en-IN" dirty="0">
-                <a:latin typeface="Arial" panose="020B0604020202020204" pitchFamily="34" charset="0"/>
-                <a:cs typeface="Arial" panose="020B0604020202020204" pitchFamily="34" charset="0"/>
-              </a:rPr>
-              <a:t>. Keep that in mind. Say you want to link to </a:t>
-            </a:r>
-            <a:r>
-              <a:rPr lang="en-IN" dirty="0" err="1">
-                <a:latin typeface="Arial" panose="020B0604020202020204" pitchFamily="34" charset="0"/>
-                <a:cs typeface="Arial" panose="020B0604020202020204" pitchFamily="34" charset="0"/>
-              </a:rPr>
-              <a:t>pthread</a:t>
-            </a:r>
-            <a:r>
-              <a:rPr lang="en-IN" dirty="0">
-                <a:latin typeface="Arial" panose="020B0604020202020204" pitchFamily="34" charset="0"/>
-                <a:cs typeface="Arial" panose="020B0604020202020204" pitchFamily="34" charset="0"/>
-              </a:rPr>
-              <a:t> for example that's already in the system. You can combine it with </a:t>
-            </a:r>
-            <a:r>
-              <a:rPr lang="en-IN" dirty="0" err="1">
-                <a:latin typeface="Arial" panose="020B0604020202020204" pitchFamily="34" charset="0"/>
-                <a:cs typeface="Arial" panose="020B0604020202020204" pitchFamily="34" charset="0"/>
-              </a:rPr>
-              <a:t>LibsModule</a:t>
-            </a:r>
-            <a:r>
-              <a:rPr lang="en-IN" dirty="0">
-                <a:latin typeface="Arial" panose="020B0604020202020204" pitchFamily="34" charset="0"/>
-                <a:cs typeface="Arial" panose="020B0604020202020204" pitchFamily="34" charset="0"/>
-              </a:rPr>
-              <a:t> using the command:</a:t>
-            </a:r>
-          </a:p>
-          <a:p>
-            <a:r>
-              <a:rPr lang="en-IN" dirty="0" err="1">
-                <a:latin typeface="Arial" panose="020B0604020202020204" pitchFamily="34" charset="0"/>
-                <a:cs typeface="Arial" panose="020B0604020202020204" pitchFamily="34" charset="0"/>
-              </a:rPr>
-              <a:t>target_link_libraries</a:t>
-            </a:r>
-            <a:r>
-              <a:rPr lang="en-IN" dirty="0">
-                <a:latin typeface="Arial" panose="020B0604020202020204" pitchFamily="34" charset="0"/>
-                <a:cs typeface="Arial" panose="020B0604020202020204" pitchFamily="34" charset="0"/>
-              </a:rPr>
-              <a:t>(</a:t>
-            </a:r>
-            <a:r>
-              <a:rPr lang="en-IN" dirty="0" err="1">
-                <a:latin typeface="Arial" panose="020B0604020202020204" pitchFamily="34" charset="0"/>
-                <a:cs typeface="Arial" panose="020B0604020202020204" pitchFamily="34" charset="0"/>
-              </a:rPr>
-              <a:t>LibsModule</a:t>
-            </a:r>
-            <a:r>
-              <a:rPr lang="en-IN" dirty="0">
-                <a:latin typeface="Arial" panose="020B0604020202020204" pitchFamily="34" charset="0"/>
-                <a:cs typeface="Arial" panose="020B0604020202020204" pitchFamily="34" charset="0"/>
-              </a:rPr>
-              <a:t> -</a:t>
-            </a:r>
-            <a:r>
-              <a:rPr lang="en-IN" dirty="0" err="1">
-                <a:latin typeface="Arial" panose="020B0604020202020204" pitchFamily="34" charset="0"/>
-                <a:cs typeface="Arial" panose="020B0604020202020204" pitchFamily="34" charset="0"/>
-              </a:rPr>
-              <a:t>lpthread</a:t>
-            </a:r>
-            <a:r>
-              <a:rPr lang="en-IN" dirty="0">
-                <a:latin typeface="Arial" panose="020B0604020202020204" pitchFamily="34" charset="0"/>
-                <a:cs typeface="Arial" panose="020B0604020202020204" pitchFamily="34" charset="0"/>
-              </a:rPr>
-              <a:t>)</a:t>
-            </a:r>
-          </a:p>
-          <a:p>
-            <a:endParaRPr lang="en-IN" dirty="0">
-              <a:latin typeface="Arial" panose="020B0604020202020204" pitchFamily="34" charset="0"/>
-              <a:cs typeface="Arial" panose="020B0604020202020204" pitchFamily="34" charset="0"/>
-            </a:endParaRPr>
-          </a:p>
-          <a:p>
-            <a:r>
-              <a:rPr lang="en-IN" dirty="0">
-                <a:latin typeface="Arial" panose="020B0604020202020204" pitchFamily="34" charset="0"/>
-                <a:cs typeface="Arial" panose="020B0604020202020204" pitchFamily="34" charset="0"/>
-              </a:rPr>
-              <a:t>And if you want to link a static library to that too, you do this:</a:t>
-            </a:r>
-          </a:p>
-          <a:p>
-            <a:r>
-              <a:rPr lang="en-IN" dirty="0" err="1">
-                <a:latin typeface="Arial" panose="020B0604020202020204" pitchFamily="34" charset="0"/>
-                <a:cs typeface="Arial" panose="020B0604020202020204" pitchFamily="34" charset="0"/>
-              </a:rPr>
-              <a:t>target_link_libraries</a:t>
-            </a:r>
-            <a:r>
-              <a:rPr lang="en-IN" dirty="0">
-                <a:latin typeface="Arial" panose="020B0604020202020204" pitchFamily="34" charset="0"/>
-                <a:cs typeface="Arial" panose="020B0604020202020204" pitchFamily="34" charset="0"/>
-              </a:rPr>
-              <a:t>(</a:t>
-            </a:r>
-            <a:r>
-              <a:rPr lang="en-IN" dirty="0" err="1">
-                <a:latin typeface="Arial" panose="020B0604020202020204" pitchFamily="34" charset="0"/>
-                <a:cs typeface="Arial" panose="020B0604020202020204" pitchFamily="34" charset="0"/>
-              </a:rPr>
-              <a:t>LibsModule</a:t>
-            </a:r>
-            <a:r>
-              <a:rPr lang="en-IN" dirty="0">
-                <a:latin typeface="Arial" panose="020B0604020202020204" pitchFamily="34" charset="0"/>
-                <a:cs typeface="Arial" panose="020B0604020202020204" pitchFamily="34" charset="0"/>
-              </a:rPr>
-              <a:t> </a:t>
-            </a:r>
-            <a:r>
-              <a:rPr lang="en-IN" dirty="0" err="1">
-                <a:latin typeface="Arial" panose="020B0604020202020204" pitchFamily="34" charset="0"/>
-                <a:cs typeface="Arial" panose="020B0604020202020204" pitchFamily="34" charset="0"/>
-              </a:rPr>
-              <a:t>liblapack.a</a:t>
-            </a:r>
-            <a:r>
-              <a:rPr lang="en-IN" dirty="0">
-                <a:latin typeface="Arial" panose="020B0604020202020204" pitchFamily="34" charset="0"/>
-                <a:cs typeface="Arial" panose="020B0604020202020204" pitchFamily="34" charset="0"/>
-              </a:rPr>
-              <a:t>)</a:t>
-            </a:r>
-          </a:p>
-        </p:txBody>
-      </p:sp>
-      <p:sp>
-        <p:nvSpPr>
-          <p:cNvPr id="3" name="Rectangle 2">
-            <a:extLst>
-              <a:ext uri="{FF2B5EF4-FFF2-40B4-BE49-F238E27FC236}">
-                <a16:creationId xmlns:a16="http://schemas.microsoft.com/office/drawing/2014/main" id="{EFF64A88-CE58-4409-9201-CDF52F5A8C27}"/>
-              </a:ext>
-            </a:extLst>
-          </p:cNvPr>
-          <p:cNvSpPr/>
-          <p:nvPr/>
-        </p:nvSpPr>
-        <p:spPr>
-          <a:xfrm>
-            <a:off x="3366781" y="631082"/>
+            <a:off x="2670495" y="714972"/>
             <a:ext cx="8411362" cy="461665"/>
           </a:xfrm>
           <a:prstGeom prst="rect">
@@ -19957,7 +23488,77 @@
           <a:p>
             <a:r>
               <a:rPr lang="en-IN" sz="2400" dirty="0"/>
-              <a:t>Creating module (library)</a:t>
+              <a:t>lists</a:t>
+            </a:r>
+          </a:p>
+        </p:txBody>
+      </p:sp>
+      <p:sp>
+        <p:nvSpPr>
+          <p:cNvPr id="8" name="Rectangle 7">
+            <a:extLst>
+              <a:ext uri="{FF2B5EF4-FFF2-40B4-BE49-F238E27FC236}">
+                <a16:creationId xmlns:a16="http://schemas.microsoft.com/office/drawing/2014/main" id="{B17A22E6-0384-45F7-9075-D2FD7E07B30F}"/>
+              </a:ext>
+            </a:extLst>
+          </p:cNvPr>
+          <p:cNvSpPr/>
+          <p:nvPr/>
+        </p:nvSpPr>
+        <p:spPr>
+          <a:xfrm>
+            <a:off x="327170" y="1718959"/>
+            <a:ext cx="6096000" cy="2031325"/>
+          </a:xfrm>
+          <a:prstGeom prst="rect">
+            <a:avLst/>
+          </a:prstGeom>
+        </p:spPr>
+        <p:txBody>
+          <a:bodyPr>
+            <a:spAutoFit/>
+          </a:bodyPr>
+          <a:lstStyle/>
+          <a:p>
+            <a:r>
+              <a:rPr lang="en-IN" b="1" dirty="0"/>
+              <a:t>Lists</a:t>
+            </a:r>
+            <a:r>
+              <a:rPr lang="en-IN" dirty="0"/>
+              <a:t> are simply a series of values when you set them:</a:t>
+            </a:r>
+          </a:p>
+          <a:p>
+            <a:endParaRPr lang="en-IN" dirty="0"/>
+          </a:p>
+          <a:p>
+            <a:r>
+              <a:rPr lang="en-IN" dirty="0"/>
+              <a:t>set(MY_LIST "one" "two")</a:t>
+            </a:r>
+          </a:p>
+          <a:p>
+            <a:r>
+              <a:rPr lang="en-IN" dirty="0"/>
+              <a:t>which internally become ; separated values. So this is an identical statement:</a:t>
+            </a:r>
+          </a:p>
+          <a:p>
+            <a:endParaRPr lang="en-IN" dirty="0"/>
+          </a:p>
+          <a:p>
+            <a:r>
+              <a:rPr lang="en-IN" dirty="0"/>
+              <a:t>set(MY_LIST "</a:t>
+            </a:r>
+            <a:r>
+              <a:rPr lang="en-IN" dirty="0" err="1"/>
+              <a:t>one;two</a:t>
+            </a:r>
+            <a:r>
+              <a:rPr lang="en-IN" dirty="0"/>
+              <a:t>")</a:t>
             </a:r>
           </a:p>
         </p:txBody>
@@ -19965,7 +23566,7 @@
     </p:spTree>
     <p:extLst>
       <p:ext uri="{BB962C8B-B14F-4D97-AF65-F5344CB8AC3E}">
-        <p14:creationId xmlns:p14="http://schemas.microsoft.com/office/powerpoint/2010/main" val="3598228542"/>
+        <p14:creationId xmlns:p14="http://schemas.microsoft.com/office/powerpoint/2010/main" val="1475287358"/>
       </p:ext>
     </p:extLst>
   </p:cSld>

--- a/learnings.pptx
+++ b/learnings.pptx
@@ -2481,7 +2481,7 @@
           <a:p>
             <a:fld id="{3C04E684-10F4-4CC3-A0B9-F03AA7BE37CF}" type="datetimeFigureOut">
               <a:rPr lang="en-US" smtClean="0"/>
-              <a:t>6/21/2020</a:t>
+              <a:t>7/18/2020</a:t>
             </a:fld>
             <a:endParaRPr lang="en-US"/>
           </a:p>
@@ -4971,7 +4971,7 @@
           <a:p>
             <a:fld id="{3C04E684-10F4-4CC3-A0B9-F03AA7BE37CF}" type="datetimeFigureOut">
               <a:rPr lang="en-US" smtClean="0"/>
-              <a:t>6/21/2020</a:t>
+              <a:t>7/18/2020</a:t>
             </a:fld>
             <a:endParaRPr lang="en-US"/>
           </a:p>
@@ -5169,7 +5169,7 @@
           <a:p>
             <a:fld id="{3C04E684-10F4-4CC3-A0B9-F03AA7BE37CF}" type="datetimeFigureOut">
               <a:rPr lang="en-US" smtClean="0"/>
-              <a:t>6/21/2020</a:t>
+              <a:t>7/18/2020</a:t>
             </a:fld>
             <a:endParaRPr lang="en-US"/>
           </a:p>
@@ -5377,7 +5377,7 @@
           <a:p>
             <a:fld id="{3C04E684-10F4-4CC3-A0B9-F03AA7BE37CF}" type="datetimeFigureOut">
               <a:rPr lang="en-US" smtClean="0"/>
-              <a:t>6/21/2020</a:t>
+              <a:t>7/18/2020</a:t>
             </a:fld>
             <a:endParaRPr lang="en-US"/>
           </a:p>
@@ -6114,7 +6114,7 @@
           <a:p>
             <a:fld id="{3C04E684-10F4-4CC3-A0B9-F03AA7BE37CF}" type="datetimeFigureOut">
               <a:rPr lang="en-US" smtClean="0"/>
-              <a:t>6/21/2020</a:t>
+              <a:t>7/18/2020</a:t>
             </a:fld>
             <a:endParaRPr lang="en-US"/>
           </a:p>
@@ -6756,7 +6756,7 @@
           <a:p>
             <a:fld id="{3C04E684-10F4-4CC3-A0B9-F03AA7BE37CF}" type="datetimeFigureOut">
               <a:rPr lang="en-US" smtClean="0"/>
-              <a:t>6/21/2020</a:t>
+              <a:t>7/18/2020</a:t>
             </a:fld>
             <a:endParaRPr lang="en-US"/>
           </a:p>
@@ -7556,7 +7556,7 @@
           <a:p>
             <a:fld id="{3C04E684-10F4-4CC3-A0B9-F03AA7BE37CF}" type="datetimeFigureOut">
               <a:rPr lang="en-US" smtClean="0"/>
-              <a:t>6/21/2020</a:t>
+              <a:t>7/18/2020</a:t>
             </a:fld>
             <a:endParaRPr lang="en-US"/>
           </a:p>
@@ -8507,7 +8507,7 @@
           <a:p>
             <a:fld id="{3C04E684-10F4-4CC3-A0B9-F03AA7BE37CF}" type="datetimeFigureOut">
               <a:rPr lang="en-US" smtClean="0"/>
-              <a:t>6/21/2020</a:t>
+              <a:t>7/18/2020</a:t>
             </a:fld>
             <a:endParaRPr lang="en-US"/>
           </a:p>
@@ -10856,7 +10856,7 @@
           <a:p>
             <a:fld id="{3C04E684-10F4-4CC3-A0B9-F03AA7BE37CF}" type="datetimeFigureOut">
               <a:rPr lang="en-US" smtClean="0"/>
-              <a:t>6/21/2020</a:t>
+              <a:t>7/18/2020</a:t>
             </a:fld>
             <a:endParaRPr lang="en-US"/>
           </a:p>
@@ -10969,7 +10969,7 @@
           <a:p>
             <a:fld id="{3C04E684-10F4-4CC3-A0B9-F03AA7BE37CF}" type="datetimeFigureOut">
               <a:rPr lang="en-US" smtClean="0"/>
-              <a:t>6/21/2020</a:t>
+              <a:t>7/18/2020</a:t>
             </a:fld>
             <a:endParaRPr lang="en-US"/>
           </a:p>
@@ -11476,7 +11476,7 @@
           <a:p>
             <a:fld id="{3C04E684-10F4-4CC3-A0B9-F03AA7BE37CF}" type="datetimeFigureOut">
               <a:rPr lang="en-US" smtClean="0"/>
-              <a:t>6/21/2020</a:t>
+              <a:t>7/18/2020</a:t>
             </a:fld>
             <a:endParaRPr lang="en-US"/>
           </a:p>
@@ -12779,7 +12779,7 @@
           <a:p>
             <a:fld id="{3C04E684-10F4-4CC3-A0B9-F03AA7BE37CF}" type="datetimeFigureOut">
               <a:rPr lang="en-US" smtClean="0"/>
-              <a:t>6/21/2020</a:t>
+              <a:t>7/18/2020</a:t>
             </a:fld>
             <a:endParaRPr lang="en-US"/>
           </a:p>
@@ -13026,7 +13026,7 @@
           <a:p>
             <a:fld id="{3C04E684-10F4-4CC3-A0B9-F03AA7BE37CF}" type="datetimeFigureOut">
               <a:rPr lang="en-US" smtClean="0"/>
-              <a:t>6/21/2020</a:t>
+              <a:t>7/18/2020</a:t>
             </a:fld>
             <a:endParaRPr lang="en-US"/>
           </a:p>
@@ -14092,41 +14092,6 @@
       </p:grpSpPr>
       <p:sp>
         <p:nvSpPr>
-          <p:cNvPr id="8" name="TextBox 7">
-            <a:extLst>
-              <a:ext uri="{FF2B5EF4-FFF2-40B4-BE49-F238E27FC236}">
-                <a16:creationId xmlns:a16="http://schemas.microsoft.com/office/drawing/2014/main" id="{135D5769-DD77-47AF-A9BD-6309DA210FFA}"/>
-              </a:ext>
-            </a:extLst>
-          </p:cNvPr>
-          <p:cNvSpPr txBox="1"/>
-          <p:nvPr/>
-        </p:nvSpPr>
-        <p:spPr>
-          <a:xfrm>
-            <a:off x="2701255" y="845958"/>
-            <a:ext cx="6096000" cy="461665"/>
-          </a:xfrm>
-          <a:prstGeom prst="rect">
-            <a:avLst/>
-          </a:prstGeom>
-          <a:noFill/>
-        </p:spPr>
-        <p:txBody>
-          <a:bodyPr wrap="square" rtlCol="0">
-            <a:spAutoFit/>
-          </a:bodyPr>
-          <a:lstStyle/>
-          <a:p>
-            <a:r>
-              <a:rPr lang="en-IN" sz="2400" dirty="0"/>
-              <a:t>functions</a:t>
-            </a:r>
-          </a:p>
-        </p:txBody>
-      </p:sp>
-      <p:sp>
-        <p:nvSpPr>
           <p:cNvPr id="10" name="Rectangle: Rounded Corners 9">
             <a:extLst>
               <a:ext uri="{FF2B5EF4-FFF2-40B4-BE49-F238E27FC236}">
@@ -14633,6 +14598,56 @@
           </a:p>
         </p:txBody>
       </p:sp>
+      <p:sp>
+        <p:nvSpPr>
+          <p:cNvPr id="5" name="Rectangle: Rounded Corners 4">
+            <a:extLst>
+              <a:ext uri="{FF2B5EF4-FFF2-40B4-BE49-F238E27FC236}">
+                <a16:creationId xmlns:a16="http://schemas.microsoft.com/office/drawing/2014/main" id="{4B9CEBB1-45FD-4D0B-86BF-52751AF8D454}"/>
+              </a:ext>
+            </a:extLst>
+          </p:cNvPr>
+          <p:cNvSpPr/>
+          <p:nvPr/>
+        </p:nvSpPr>
+        <p:spPr>
+          <a:xfrm>
+            <a:off x="1528193" y="733411"/>
+            <a:ext cx="2567031" cy="369332"/>
+          </a:xfrm>
+          <a:prstGeom prst="roundRect">
+            <a:avLst/>
+          </a:prstGeom>
+        </p:spPr>
+        <p:style>
+          <a:lnRef idx="2">
+            <a:schemeClr val="accent1">
+              <a:shade val="50000"/>
+            </a:schemeClr>
+          </a:lnRef>
+          <a:fillRef idx="1">
+            <a:schemeClr val="accent1"/>
+          </a:fillRef>
+          <a:effectRef idx="0">
+            <a:schemeClr val="accent1"/>
+          </a:effectRef>
+          <a:fontRef idx="minor">
+            <a:schemeClr val="lt1"/>
+          </a:fontRef>
+        </p:style>
+        <p:txBody>
+          <a:bodyPr rtlCol="0" anchor="ctr"/>
+          <a:lstStyle/>
+          <a:p>
+            <a:pPr algn="ctr"/>
+            <a:r>
+              <a:rPr lang="en-IN" sz="1800" dirty="0"/>
+              <a:t>functions</a:t>
+            </a:r>
+            <a:endParaRPr lang="en-IN" dirty="0"/>
+          </a:p>
+        </p:txBody>
+      </p:sp>
     </p:spTree>
     <p:extLst>
       <p:ext uri="{BB962C8B-B14F-4D97-AF65-F5344CB8AC3E}">
@@ -14663,41 +14678,6 @@
           <a:chExt cx="0" cy="0"/>
         </a:xfrm>
       </p:grpSpPr>
-      <p:sp>
-        <p:nvSpPr>
-          <p:cNvPr id="2" name="TextBox 1">
-            <a:extLst>
-              <a:ext uri="{FF2B5EF4-FFF2-40B4-BE49-F238E27FC236}">
-                <a16:creationId xmlns:a16="http://schemas.microsoft.com/office/drawing/2014/main" id="{13E9F4E8-A8B0-4F4C-9B57-D1E15CA364F4}"/>
-              </a:ext>
-            </a:extLst>
-          </p:cNvPr>
-          <p:cNvSpPr txBox="1"/>
-          <p:nvPr/>
-        </p:nvSpPr>
-        <p:spPr>
-          <a:xfrm>
-            <a:off x="2699854" y="302100"/>
-            <a:ext cx="6560191" cy="461665"/>
-          </a:xfrm>
-          <a:prstGeom prst="rect">
-            <a:avLst/>
-          </a:prstGeom>
-          <a:noFill/>
-        </p:spPr>
-        <p:txBody>
-          <a:bodyPr wrap="square" rtlCol="0">
-            <a:spAutoFit/>
-          </a:bodyPr>
-          <a:lstStyle/>
-          <a:p>
-            <a:r>
-              <a:rPr lang="en-IN" sz="2400" dirty="0"/>
-              <a:t>Specifying Include directories of project </a:t>
-            </a:r>
-          </a:p>
-        </p:txBody>
-      </p:sp>
       <p:sp>
         <p:nvSpPr>
           <p:cNvPr id="3" name="Rectangle 2">
@@ -15047,7 +15027,7 @@
         <p:spPr>
           <a:xfrm>
             <a:off x="6821646" y="3310492"/>
-            <a:ext cx="5097710" cy="369332"/>
+            <a:ext cx="4419601" cy="369332"/>
           </a:xfrm>
           <a:prstGeom prst="roundRect">
             <a:avLst/>
@@ -15378,6 +15358,55 @@
             <a:r>
               <a:rPr lang="en-IN" dirty="0"/>
               <a:t>Include directories from sub-modules</a:t>
+            </a:r>
+          </a:p>
+        </p:txBody>
+      </p:sp>
+      <p:sp>
+        <p:nvSpPr>
+          <p:cNvPr id="5" name="Rectangle: Rounded Corners 4">
+            <a:extLst>
+              <a:ext uri="{FF2B5EF4-FFF2-40B4-BE49-F238E27FC236}">
+                <a16:creationId xmlns:a16="http://schemas.microsoft.com/office/drawing/2014/main" id="{CDF254E3-1880-455D-A2EC-EA2DA1588430}"/>
+              </a:ext>
+            </a:extLst>
+          </p:cNvPr>
+          <p:cNvSpPr/>
+          <p:nvPr/>
+        </p:nvSpPr>
+        <p:spPr>
+          <a:xfrm>
+            <a:off x="2699854" y="543286"/>
+            <a:ext cx="6184087" cy="455417"/>
+          </a:xfrm>
+          <a:prstGeom prst="roundRect">
+            <a:avLst/>
+          </a:prstGeom>
+        </p:spPr>
+        <p:style>
+          <a:lnRef idx="2">
+            <a:schemeClr val="accent1">
+              <a:shade val="50000"/>
+            </a:schemeClr>
+          </a:lnRef>
+          <a:fillRef idx="1">
+            <a:schemeClr val="accent1"/>
+          </a:fillRef>
+          <a:effectRef idx="0">
+            <a:schemeClr val="accent1"/>
+          </a:effectRef>
+          <a:fontRef idx="minor">
+            <a:schemeClr val="lt1"/>
+          </a:fontRef>
+        </p:style>
+        <p:txBody>
+          <a:bodyPr rtlCol="0" anchor="ctr"/>
+          <a:lstStyle/>
+          <a:p>
+            <a:pPr algn="ctr"/>
+            <a:r>
+              <a:rPr lang="en-IN" sz="1800" dirty="0"/>
+              <a:t>Specifying include directories of project </a:t>
             </a:r>
           </a:p>
         </p:txBody>
@@ -15757,15 +15786,23 @@
           <a:p>
             <a:r>
               <a:rPr lang="en-IN" dirty="0"/>
-              <a:t>Finds and loads settings from an external project. &lt;</a:t>
-            </a:r>
-            <a:r>
-              <a:rPr lang="en-IN" dirty="0" err="1"/>
+              <a:t>Finds and loads settings from an external project. </a:t>
+            </a:r>
+            <a:r>
+              <a:rPr lang="en-IN" b="1" dirty="0"/>
+              <a:t>&lt;</a:t>
+            </a:r>
+            <a:r>
+              <a:rPr lang="en-IN" b="1" dirty="0" err="1"/>
               <a:t>PackageName</a:t>
             </a:r>
             <a:r>
+              <a:rPr lang="en-IN" b="1" dirty="0"/>
+              <a:t>&gt;_FOUND </a:t>
+            </a:r>
+            <a:r>
               <a:rPr lang="en-IN" dirty="0"/>
-              <a:t>&gt;_FOUND will be set to indicate whether the package was found. When the package is found package-specific information is provided through variables and Imported Targets documented by the package itself</a:t>
+              <a:t>will be set to indicate whether the package was found. When the package is found package-specific information is provided through variables and Imported Targets documented by the package itself</a:t>
             </a:r>
           </a:p>
           <a:p>
@@ -15773,45 +15810,6 @@
           </a:p>
           <a:p>
             <a:endParaRPr lang="en-IN" dirty="0"/>
-          </a:p>
-        </p:txBody>
-      </p:sp>
-      <p:sp>
-        <p:nvSpPr>
-          <p:cNvPr id="14" name="TextBox 13">
-            <a:extLst>
-              <a:ext uri="{FF2B5EF4-FFF2-40B4-BE49-F238E27FC236}">
-                <a16:creationId xmlns:a16="http://schemas.microsoft.com/office/drawing/2014/main" id="{89749369-8464-4CE9-A4B3-A89B49D9B0EC}"/>
-              </a:ext>
-            </a:extLst>
-          </p:cNvPr>
-          <p:cNvSpPr txBox="1"/>
-          <p:nvPr/>
-        </p:nvSpPr>
-        <p:spPr>
-          <a:xfrm>
-            <a:off x="3649211" y="788565"/>
-            <a:ext cx="6560191" cy="461665"/>
-          </a:xfrm>
-          <a:prstGeom prst="rect">
-            <a:avLst/>
-          </a:prstGeom>
-          <a:noFill/>
-        </p:spPr>
-        <p:txBody>
-          <a:bodyPr wrap="square" rtlCol="0">
-            <a:spAutoFit/>
-          </a:bodyPr>
-          <a:lstStyle/>
-          <a:p>
-            <a:r>
-              <a:rPr lang="en-IN" sz="2400" dirty="0" err="1"/>
-              <a:t>Find_package</a:t>
-            </a:r>
-            <a:r>
-              <a:rPr lang="en-IN" sz="2400" dirty="0"/>
-              <a:t>()</a:t>
-            </a:r>
           </a:p>
         </p:txBody>
       </p:sp>
@@ -15985,6 +15983,59 @@
             <a:r>
               <a:rPr lang="en-IN" dirty="0"/>
               <a:t>endif ()</a:t>
+            </a:r>
+          </a:p>
+        </p:txBody>
+      </p:sp>
+      <p:sp>
+        <p:nvSpPr>
+          <p:cNvPr id="2" name="Rectangle: Rounded Corners 1">
+            <a:extLst>
+              <a:ext uri="{FF2B5EF4-FFF2-40B4-BE49-F238E27FC236}">
+                <a16:creationId xmlns:a16="http://schemas.microsoft.com/office/drawing/2014/main" id="{1CEC9AE3-8605-41FA-982F-E84C589AD973}"/>
+              </a:ext>
+            </a:extLst>
+          </p:cNvPr>
+          <p:cNvSpPr/>
+          <p:nvPr/>
+        </p:nvSpPr>
+        <p:spPr>
+          <a:xfrm>
+            <a:off x="2548972" y="623195"/>
+            <a:ext cx="4616970" cy="562062"/>
+          </a:xfrm>
+          <a:prstGeom prst="roundRect">
+            <a:avLst/>
+          </a:prstGeom>
+        </p:spPr>
+        <p:style>
+          <a:lnRef idx="2">
+            <a:schemeClr val="accent1">
+              <a:shade val="50000"/>
+            </a:schemeClr>
+          </a:lnRef>
+          <a:fillRef idx="1">
+            <a:schemeClr val="accent1"/>
+          </a:fillRef>
+          <a:effectRef idx="0">
+            <a:schemeClr val="accent1"/>
+          </a:effectRef>
+          <a:fontRef idx="minor">
+            <a:schemeClr val="lt1"/>
+          </a:fontRef>
+        </p:style>
+        <p:txBody>
+          <a:bodyPr rtlCol="0" anchor="ctr"/>
+          <a:lstStyle/>
+          <a:p>
+            <a:pPr algn="ctr"/>
+            <a:r>
+              <a:rPr lang="en-IN" sz="1800" dirty="0" err="1"/>
+              <a:t>Find_package</a:t>
+            </a:r>
+            <a:r>
+              <a:rPr lang="en-IN" sz="1800" dirty="0"/>
+              <a:t>()</a:t>
             </a:r>
           </a:p>
         </p:txBody>
@@ -16164,41 +16215,6 @@
       </p:sp>
       <p:sp>
         <p:nvSpPr>
-          <p:cNvPr id="9" name="TextBox 8">
-            <a:extLst>
-              <a:ext uri="{FF2B5EF4-FFF2-40B4-BE49-F238E27FC236}">
-                <a16:creationId xmlns:a16="http://schemas.microsoft.com/office/drawing/2014/main" id="{2BEEA149-8A6E-49AE-845E-EF0BC81CD1AB}"/>
-              </a:ext>
-            </a:extLst>
-          </p:cNvPr>
-          <p:cNvSpPr txBox="1"/>
-          <p:nvPr/>
-        </p:nvSpPr>
-        <p:spPr>
-          <a:xfrm>
-            <a:off x="3187816" y="824133"/>
-            <a:ext cx="6560191" cy="461665"/>
-          </a:xfrm>
-          <a:prstGeom prst="rect">
-            <a:avLst/>
-          </a:prstGeom>
-          <a:noFill/>
-        </p:spPr>
-        <p:txBody>
-          <a:bodyPr wrap="square" rtlCol="0">
-            <a:spAutoFit/>
-          </a:bodyPr>
-          <a:lstStyle/>
-          <a:p>
-            <a:r>
-              <a:rPr lang="en-IN" sz="2400" dirty="0"/>
-              <a:t>CMAKE_RUNTIME_OUTPUT_DIRECTORY</a:t>
-            </a:r>
-          </a:p>
-        </p:txBody>
-      </p:sp>
-      <p:sp>
-        <p:nvSpPr>
           <p:cNvPr id="6" name="Rectangle 5">
             <a:extLst>
               <a:ext uri="{FF2B5EF4-FFF2-40B4-BE49-F238E27FC236}">
@@ -16240,6 +16256,55 @@
               <a:rPr lang="en-IN" dirty="0"/>
               <a:t>set(CMAKE_RUNTIME_OUTPUT_DIRECTORY ${CMAKE_BINARY_DIR}/bin)</a:t>
             </a:r>
+          </a:p>
+        </p:txBody>
+      </p:sp>
+      <p:sp>
+        <p:nvSpPr>
+          <p:cNvPr id="4" name="Rectangle: Rounded Corners 3">
+            <a:extLst>
+              <a:ext uri="{FF2B5EF4-FFF2-40B4-BE49-F238E27FC236}">
+                <a16:creationId xmlns:a16="http://schemas.microsoft.com/office/drawing/2014/main" id="{0CF03EB6-7AC2-4B8C-8EF7-BA160AA60431}"/>
+              </a:ext>
+            </a:extLst>
+          </p:cNvPr>
+          <p:cNvSpPr/>
+          <p:nvPr/>
+        </p:nvSpPr>
+        <p:spPr>
+          <a:xfrm>
+            <a:off x="3011648" y="614329"/>
+            <a:ext cx="4454554" cy="595618"/>
+          </a:xfrm>
+          <a:prstGeom prst="roundRect">
+            <a:avLst/>
+          </a:prstGeom>
+        </p:spPr>
+        <p:style>
+          <a:lnRef idx="2">
+            <a:schemeClr val="accent1">
+              <a:shade val="50000"/>
+            </a:schemeClr>
+          </a:lnRef>
+          <a:fillRef idx="1">
+            <a:schemeClr val="accent1"/>
+          </a:fillRef>
+          <a:effectRef idx="0">
+            <a:schemeClr val="accent1"/>
+          </a:effectRef>
+          <a:fontRef idx="minor">
+            <a:schemeClr val="lt1"/>
+          </a:fontRef>
+        </p:style>
+        <p:txBody>
+          <a:bodyPr rtlCol="0" anchor="ctr"/>
+          <a:lstStyle/>
+          <a:p>
+            <a:r>
+              <a:rPr lang="en-IN" sz="1800"/>
+              <a:t>CMAKE_RUNTIME_OUTPUT_DIRECTORY</a:t>
+            </a:r>
+            <a:endParaRPr lang="en-IN" sz="1800" dirty="0"/>
           </a:p>
         </p:txBody>
       </p:sp>
@@ -16403,34 +16468,48 @@
       </p:sp>
       <p:sp>
         <p:nvSpPr>
-          <p:cNvPr id="3" name="TextBox 2">
+          <p:cNvPr id="4" name="Rectangle: Rounded Corners 3">
             <a:extLst>
               <a:ext uri="{FF2B5EF4-FFF2-40B4-BE49-F238E27FC236}">
-                <a16:creationId xmlns:a16="http://schemas.microsoft.com/office/drawing/2014/main" id="{F39416D7-2B0F-4CCA-B5A7-F2F78648BBC3}"/>
+                <a16:creationId xmlns:a16="http://schemas.microsoft.com/office/drawing/2014/main" id="{50D83538-D676-42DB-9AFD-1D5709AEC915}"/>
               </a:ext>
             </a:extLst>
           </p:cNvPr>
-          <p:cNvSpPr txBox="1"/>
+          <p:cNvSpPr/>
           <p:nvPr/>
         </p:nvSpPr>
         <p:spPr>
           <a:xfrm>
-            <a:off x="2785145" y="788565"/>
-            <a:ext cx="8078598" cy="461665"/>
+            <a:off x="2550253" y="704945"/>
+            <a:ext cx="7894040" cy="461665"/>
           </a:xfrm>
-          <a:prstGeom prst="rect">
+          <a:prstGeom prst="roundRect">
             <a:avLst/>
           </a:prstGeom>
-          <a:noFill/>
         </p:spPr>
+        <p:style>
+          <a:lnRef idx="2">
+            <a:schemeClr val="accent1">
+              <a:shade val="50000"/>
+            </a:schemeClr>
+          </a:lnRef>
+          <a:fillRef idx="1">
+            <a:schemeClr val="accent1"/>
+          </a:fillRef>
+          <a:effectRef idx="0">
+            <a:schemeClr val="accent1"/>
+          </a:effectRef>
+          <a:fontRef idx="minor">
+            <a:schemeClr val="lt1"/>
+          </a:fontRef>
+        </p:style>
         <p:txBody>
-          <a:bodyPr wrap="square" rtlCol="0">
-            <a:spAutoFit/>
-          </a:bodyPr>
+          <a:bodyPr rtlCol="0" anchor="ctr"/>
           <a:lstStyle/>
           <a:p>
-            <a:r>
-              <a:rPr lang="en-IN" sz="2400" dirty="0"/>
+            <a:pPr algn="ctr"/>
+            <a:r>
+              <a:rPr lang="en-IN" sz="1800" dirty="0"/>
               <a:t>Manually specifying Include directories and libraries</a:t>
             </a:r>
           </a:p>
@@ -16751,10 +16830,10 @@
       </p:sp>
       <p:sp>
         <p:nvSpPr>
-          <p:cNvPr id="3" name="Rectangle 2">
+          <p:cNvPr id="4" name="Rectangle: Rounded Corners 3">
             <a:extLst>
               <a:ext uri="{FF2B5EF4-FFF2-40B4-BE49-F238E27FC236}">
-                <a16:creationId xmlns:a16="http://schemas.microsoft.com/office/drawing/2014/main" id="{EFF64A88-CE58-4409-9201-CDF52F5A8C27}"/>
+                <a16:creationId xmlns:a16="http://schemas.microsoft.com/office/drawing/2014/main" id="{1A5A56AA-C31F-403E-887C-D57ACEF44D6E}"/>
               </a:ext>
             </a:extLst>
           </p:cNvPr>
@@ -16763,21 +16842,36 @@
         </p:nvSpPr>
         <p:spPr>
           <a:xfrm>
-            <a:off x="3366781" y="631082"/>
-            <a:ext cx="8411362" cy="461665"/>
+            <a:off x="2709644" y="736771"/>
+            <a:ext cx="4177717" cy="461665"/>
           </a:xfrm>
-          <a:prstGeom prst="rect">
+          <a:prstGeom prst="roundRect">
             <a:avLst/>
           </a:prstGeom>
         </p:spPr>
+        <p:style>
+          <a:lnRef idx="2">
+            <a:schemeClr val="accent1">
+              <a:shade val="50000"/>
+            </a:schemeClr>
+          </a:lnRef>
+          <a:fillRef idx="1">
+            <a:schemeClr val="accent1"/>
+          </a:fillRef>
+          <a:effectRef idx="0">
+            <a:schemeClr val="accent1"/>
+          </a:effectRef>
+          <a:fontRef idx="minor">
+            <a:schemeClr val="lt1"/>
+          </a:fontRef>
+        </p:style>
         <p:txBody>
-          <a:bodyPr wrap="square">
-            <a:spAutoFit/>
-          </a:bodyPr>
+          <a:bodyPr rtlCol="0" anchor="ctr"/>
           <a:lstStyle/>
           <a:p>
-            <a:r>
-              <a:rPr lang="en-IN" sz="2400" dirty="0"/>
+            <a:pPr algn="ctr"/>
+            <a:r>
+              <a:rPr lang="en-IN" sz="1800" dirty="0"/>
               <a:t>Creating module (library)</a:t>
             </a:r>
           </a:p>
@@ -17079,54 +17173,6 @@
       </p:sp>
       <p:sp>
         <p:nvSpPr>
-          <p:cNvPr id="5" name="Rectangle 4">
-            <a:extLst>
-              <a:ext uri="{FF2B5EF4-FFF2-40B4-BE49-F238E27FC236}">
-                <a16:creationId xmlns:a16="http://schemas.microsoft.com/office/drawing/2014/main" id="{D4D654AE-FD10-469D-BEFE-0DEE128E022A}"/>
-              </a:ext>
-            </a:extLst>
-          </p:cNvPr>
-          <p:cNvSpPr/>
-          <p:nvPr/>
-        </p:nvSpPr>
-        <p:spPr>
-          <a:xfrm>
-            <a:off x="2821497" y="756917"/>
-            <a:ext cx="8411362" cy="830997"/>
-          </a:xfrm>
-          <a:prstGeom prst="rect">
-            <a:avLst/>
-          </a:prstGeom>
-        </p:spPr>
-        <p:txBody>
-          <a:bodyPr wrap="square">
-            <a:spAutoFit/>
-          </a:bodyPr>
-          <a:lstStyle/>
-          <a:p>
-            <a:r>
-              <a:rPr lang="en-IN" sz="2400" dirty="0"/>
-              <a:t>Creating shared library(</a:t>
-            </a:r>
-            <a:r>
-              <a:rPr lang="en-IN" sz="2400" dirty="0" err="1"/>
-              <a:t>dll</a:t>
-            </a:r>
-            <a:r>
-              <a:rPr lang="en-IN" sz="2400" dirty="0"/>
-              <a:t>) from given source files.</a:t>
-            </a:r>
-          </a:p>
-          <a:p>
-            <a:r>
-              <a:rPr lang="en-IN" sz="2400" dirty="0"/>
-              <a:t>Using this shared library in another project</a:t>
-            </a:r>
-          </a:p>
-        </p:txBody>
-      </p:sp>
-      <p:sp>
-        <p:nvSpPr>
           <p:cNvPr id="7" name="Rectangle 6">
             <a:extLst>
               <a:ext uri="{FF2B5EF4-FFF2-40B4-BE49-F238E27FC236}">
@@ -17195,6 +17241,68 @@
           <a:p>
             <a:pPr algn="ctr"/>
             <a:endParaRPr lang="en-IN" dirty="0"/>
+          </a:p>
+        </p:txBody>
+      </p:sp>
+      <p:sp>
+        <p:nvSpPr>
+          <p:cNvPr id="8" name="Rectangle: Rounded Corners 7">
+            <a:extLst>
+              <a:ext uri="{FF2B5EF4-FFF2-40B4-BE49-F238E27FC236}">
+                <a16:creationId xmlns:a16="http://schemas.microsoft.com/office/drawing/2014/main" id="{3BE76223-7FC8-428A-9513-F35D98F73CE4}"/>
+              </a:ext>
+            </a:extLst>
+          </p:cNvPr>
+          <p:cNvSpPr/>
+          <p:nvPr/>
+        </p:nvSpPr>
+        <p:spPr>
+          <a:xfrm>
+            <a:off x="2852257" y="427839"/>
+            <a:ext cx="5816367" cy="906011"/>
+          </a:xfrm>
+          <a:prstGeom prst="roundRect">
+            <a:avLst/>
+          </a:prstGeom>
+        </p:spPr>
+        <p:style>
+          <a:lnRef idx="2">
+            <a:schemeClr val="accent1">
+              <a:shade val="50000"/>
+            </a:schemeClr>
+          </a:lnRef>
+          <a:fillRef idx="1">
+            <a:schemeClr val="accent1"/>
+          </a:fillRef>
+          <a:effectRef idx="0">
+            <a:schemeClr val="accent1"/>
+          </a:effectRef>
+          <a:fontRef idx="minor">
+            <a:schemeClr val="lt1"/>
+          </a:fontRef>
+        </p:style>
+        <p:txBody>
+          <a:bodyPr rtlCol="0" anchor="ctr"/>
+          <a:lstStyle/>
+          <a:p>
+            <a:r>
+              <a:rPr lang="en-IN" sz="1800" dirty="0"/>
+              <a:t>Creating shared library(</a:t>
+            </a:r>
+            <a:r>
+              <a:rPr lang="en-IN" sz="1800" dirty="0" err="1"/>
+              <a:t>dll</a:t>
+            </a:r>
+            <a:r>
+              <a:rPr lang="en-IN" sz="1800" dirty="0"/>
+              <a:t>) from given source files.</a:t>
+            </a:r>
+          </a:p>
+          <a:p>
+            <a:r>
+              <a:rPr lang="en-IN" sz="1800" dirty="0"/>
+              <a:t>Using this shared library in another project</a:t>
+            </a:r>
           </a:p>
         </p:txBody>
       </p:sp>
@@ -17590,10 +17698,10 @@
       </p:sp>
       <p:sp>
         <p:nvSpPr>
-          <p:cNvPr id="3" name="Rectangle 2">
+          <p:cNvPr id="4" name="Rectangle: Rounded Corners 3">
             <a:extLst>
               <a:ext uri="{FF2B5EF4-FFF2-40B4-BE49-F238E27FC236}">
-                <a16:creationId xmlns:a16="http://schemas.microsoft.com/office/drawing/2014/main" id="{52503AC1-C0B9-4938-9A54-7938B1AC4F76}"/>
+                <a16:creationId xmlns:a16="http://schemas.microsoft.com/office/drawing/2014/main" id="{5152A7A4-B292-4030-988F-23EE557783BE}"/>
               </a:ext>
             </a:extLst>
           </p:cNvPr>
@@ -17602,31 +17710,38 @@
         </p:nvSpPr>
         <p:spPr>
           <a:xfrm>
-            <a:off x="2670495" y="714972"/>
-            <a:ext cx="8411362" cy="830997"/>
+            <a:off x="2701255" y="629174"/>
+            <a:ext cx="8204433" cy="620785"/>
           </a:xfrm>
-          <a:prstGeom prst="rect">
+          <a:prstGeom prst="roundRect">
             <a:avLst/>
           </a:prstGeom>
         </p:spPr>
+        <p:style>
+          <a:lnRef idx="2">
+            <a:schemeClr val="accent1">
+              <a:shade val="50000"/>
+            </a:schemeClr>
+          </a:lnRef>
+          <a:fillRef idx="1">
+            <a:schemeClr val="accent1"/>
+          </a:fillRef>
+          <a:effectRef idx="0">
+            <a:schemeClr val="accent1"/>
+          </a:effectRef>
+          <a:fontRef idx="minor">
+            <a:schemeClr val="lt1"/>
+          </a:fontRef>
+        </p:style>
         <p:txBody>
-          <a:bodyPr wrap="square">
-            <a:spAutoFit/>
-          </a:bodyPr>
+          <a:bodyPr rtlCol="0" anchor="ctr"/>
           <a:lstStyle/>
           <a:p>
             <a:r>
-              <a:rPr lang="en-IN" sz="2400" dirty="0"/>
-              <a:t>Creating shared library(</a:t>
-            </a:r>
-            <a:r>
-              <a:rPr lang="en-IN" sz="2400" dirty="0" err="1"/>
-              <a:t>dll</a:t>
-            </a:r>
-            <a:r>
-              <a:rPr lang="en-IN" sz="2400" dirty="0"/>
-              <a:t>) from source code and third party libraries </a:t>
-            </a:r>
+              <a:rPr lang="en-IN" sz="1800"/>
+              <a:t>Creating shared library(dll) from source code and third party libraries </a:t>
+            </a:r>
+            <a:endParaRPr lang="en-IN" sz="1800" dirty="0"/>
           </a:p>
         </p:txBody>
       </p:sp>
@@ -17721,40 +17836,6 @@
       </p:sp>
       <p:sp>
         <p:nvSpPr>
-          <p:cNvPr id="3" name="Rectangle 2">
-            <a:extLst>
-              <a:ext uri="{FF2B5EF4-FFF2-40B4-BE49-F238E27FC236}">
-                <a16:creationId xmlns:a16="http://schemas.microsoft.com/office/drawing/2014/main" id="{69BFF8BE-DA80-4120-BF7F-7A98A37C5CD3}"/>
-              </a:ext>
-            </a:extLst>
-          </p:cNvPr>
-          <p:cNvSpPr/>
-          <p:nvPr/>
-        </p:nvSpPr>
-        <p:spPr>
-          <a:xfrm>
-            <a:off x="2251046" y="1226701"/>
-            <a:ext cx="8411362" cy="461665"/>
-          </a:xfrm>
-          <a:prstGeom prst="rect">
-            <a:avLst/>
-          </a:prstGeom>
-        </p:spPr>
-        <p:txBody>
-          <a:bodyPr wrap="square">
-            <a:spAutoFit/>
-          </a:bodyPr>
-          <a:lstStyle/>
-          <a:p>
-            <a:r>
-              <a:rPr lang="en-IN" sz="2400" dirty="0"/>
-              <a:t>CMAKE_PREFIX_PATH</a:t>
-            </a:r>
-          </a:p>
-        </p:txBody>
-      </p:sp>
-      <p:sp>
-        <p:nvSpPr>
           <p:cNvPr id="4" name="Rectangle 3">
             <a:extLst>
               <a:ext uri="{FF2B5EF4-FFF2-40B4-BE49-F238E27FC236}">
@@ -18206,6 +18287,55 @@
           <a:p>
             <a:pPr algn="ctr"/>
             <a:endParaRPr lang="en-IN"/>
+          </a:p>
+        </p:txBody>
+      </p:sp>
+      <p:sp>
+        <p:nvSpPr>
+          <p:cNvPr id="10" name="Rectangle: Rounded Corners 9">
+            <a:extLst>
+              <a:ext uri="{FF2B5EF4-FFF2-40B4-BE49-F238E27FC236}">
+                <a16:creationId xmlns:a16="http://schemas.microsoft.com/office/drawing/2014/main" id="{6870C5F7-81E0-40C1-8453-E590AF01DE17}"/>
+              </a:ext>
+            </a:extLst>
+          </p:cNvPr>
+          <p:cNvSpPr/>
+          <p:nvPr/>
+        </p:nvSpPr>
+        <p:spPr>
+          <a:xfrm>
+            <a:off x="2799126" y="725420"/>
+            <a:ext cx="5986094" cy="579295"/>
+          </a:xfrm>
+          <a:prstGeom prst="roundRect">
+            <a:avLst/>
+          </a:prstGeom>
+        </p:spPr>
+        <p:style>
+          <a:lnRef idx="2">
+            <a:schemeClr val="accent1">
+              <a:shade val="50000"/>
+            </a:schemeClr>
+          </a:lnRef>
+          <a:fillRef idx="1">
+            <a:schemeClr val="accent1"/>
+          </a:fillRef>
+          <a:effectRef idx="0">
+            <a:schemeClr val="accent1"/>
+          </a:effectRef>
+          <a:fontRef idx="minor">
+            <a:schemeClr val="lt1"/>
+          </a:fontRef>
+        </p:style>
+        <p:txBody>
+          <a:bodyPr rtlCol="0" anchor="ctr"/>
+          <a:lstStyle/>
+          <a:p>
+            <a:pPr algn="ctr"/>
+            <a:r>
+              <a:rPr lang="en-IN" sz="1800" dirty="0"/>
+              <a:t>Using CMAKE_PREFIX_PATH</a:t>
+            </a:r>
           </a:p>
         </p:txBody>
       </p:sp>
@@ -18311,10 +18441,10 @@
       </p:sp>
       <p:sp>
         <p:nvSpPr>
-          <p:cNvPr id="4" name="Rectangle 3">
+          <p:cNvPr id="2" name="Rectangle: Rounded Corners 1">
             <a:extLst>
               <a:ext uri="{FF2B5EF4-FFF2-40B4-BE49-F238E27FC236}">
-                <a16:creationId xmlns:a16="http://schemas.microsoft.com/office/drawing/2014/main" id="{E4A500DE-D57C-4A51-A466-EF10D27CEA56}"/>
+                <a16:creationId xmlns:a16="http://schemas.microsoft.com/office/drawing/2014/main" id="{E0A07D0D-774B-4E4E-B837-7B1D45A73288}"/>
               </a:ext>
             </a:extLst>
           </p:cNvPr>
@@ -18323,21 +18453,36 @@
         </p:nvSpPr>
         <p:spPr>
           <a:xfrm>
-            <a:off x="2251046" y="1226701"/>
-            <a:ext cx="8411362" cy="461665"/>
+            <a:off x="2969702" y="765306"/>
+            <a:ext cx="5134063" cy="568543"/>
           </a:xfrm>
-          <a:prstGeom prst="rect">
+          <a:prstGeom prst="roundRect">
             <a:avLst/>
           </a:prstGeom>
         </p:spPr>
+        <p:style>
+          <a:lnRef idx="2">
+            <a:schemeClr val="accent1">
+              <a:shade val="50000"/>
+            </a:schemeClr>
+          </a:lnRef>
+          <a:fillRef idx="1">
+            <a:schemeClr val="accent1"/>
+          </a:fillRef>
+          <a:effectRef idx="0">
+            <a:schemeClr val="accent1"/>
+          </a:effectRef>
+          <a:fontRef idx="minor">
+            <a:schemeClr val="lt1"/>
+          </a:fontRef>
+        </p:style>
         <p:txBody>
-          <a:bodyPr wrap="square">
-            <a:spAutoFit/>
-          </a:bodyPr>
+          <a:bodyPr rtlCol="0" anchor="ctr"/>
           <a:lstStyle/>
           <a:p>
-            <a:r>
-              <a:rPr lang="en-IN" sz="2400" dirty="0"/>
+            <a:pPr algn="ctr"/>
+            <a:r>
+              <a:rPr lang="en-IN" sz="1800" dirty="0"/>
               <a:t>Using configuration file</a:t>
             </a:r>
           </a:p>
@@ -18373,41 +18518,6 @@
           <a:chExt cx="0" cy="0"/>
         </a:xfrm>
       </p:grpSpPr>
-      <p:sp>
-        <p:nvSpPr>
-          <p:cNvPr id="4" name="TextBox 3">
-            <a:extLst>
-              <a:ext uri="{FF2B5EF4-FFF2-40B4-BE49-F238E27FC236}">
-                <a16:creationId xmlns:a16="http://schemas.microsoft.com/office/drawing/2014/main" id="{3DB981D8-4283-44C2-A773-2768AFB58070}"/>
-              </a:ext>
-            </a:extLst>
-          </p:cNvPr>
-          <p:cNvSpPr txBox="1"/>
-          <p:nvPr/>
-        </p:nvSpPr>
-        <p:spPr>
-          <a:xfrm>
-            <a:off x="2919369" y="133571"/>
-            <a:ext cx="6096000" cy="461665"/>
-          </a:xfrm>
-          <a:prstGeom prst="rect">
-            <a:avLst/>
-          </a:prstGeom>
-          <a:noFill/>
-        </p:spPr>
-        <p:txBody>
-          <a:bodyPr wrap="square" rtlCol="0">
-            <a:spAutoFit/>
-          </a:bodyPr>
-          <a:lstStyle/>
-          <a:p>
-            <a:r>
-              <a:rPr lang="en-IN" sz="2400" dirty="0"/>
-              <a:t>Typical Folder structure of Project</a:t>
-            </a:r>
-          </a:p>
-        </p:txBody>
-      </p:sp>
       <p:sp>
         <p:nvSpPr>
           <p:cNvPr id="6" name="Rectangle: Rounded Corners 5">
@@ -18520,7 +18630,7 @@
         </p:nvSpPr>
         <p:spPr>
           <a:xfrm>
-            <a:off x="2701252" y="4468197"/>
+            <a:off x="2701253" y="3409989"/>
             <a:ext cx="2516697" cy="461665"/>
           </a:xfrm>
           <a:prstGeom prst="roundRect">
@@ -18570,8 +18680,8 @@
         </p:nvSpPr>
         <p:spPr>
           <a:xfrm>
-            <a:off x="6974052" y="2115987"/>
-            <a:ext cx="2516697" cy="461665"/>
+            <a:off x="6890163" y="2191440"/>
+            <a:ext cx="1540767" cy="310758"/>
           </a:xfrm>
           <a:prstGeom prst="roundRect">
             <a:avLst/>
@@ -18620,8 +18730,8 @@
         </p:nvSpPr>
         <p:spPr>
           <a:xfrm>
-            <a:off x="7002015" y="2825828"/>
-            <a:ext cx="2516697" cy="461665"/>
+            <a:off x="6890168" y="2861522"/>
+            <a:ext cx="1540762" cy="310758"/>
           </a:xfrm>
           <a:prstGeom prst="roundRect">
             <a:avLst/>
@@ -18670,8 +18780,8 @@
         </p:nvSpPr>
         <p:spPr>
           <a:xfrm>
-            <a:off x="7002015" y="3640822"/>
-            <a:ext cx="2516697" cy="461664"/>
+            <a:off x="6890163" y="3444277"/>
+            <a:ext cx="1971403" cy="310758"/>
           </a:xfrm>
           <a:prstGeom prst="roundRect">
             <a:avLst/>
@@ -18715,14 +18825,15 @@
             </a:extLst>
           </p:cNvPr>
           <p:cNvCxnSpPr>
+            <a:cxnSpLocks/>
             <a:stCxn id="6" idx="2"/>
           </p:cNvCxnSpPr>
           <p:nvPr/>
         </p:nvCxnSpPr>
         <p:spPr>
-          <a:xfrm flipH="1">
-            <a:off x="1971412" y="1518678"/>
-            <a:ext cx="1" cy="3330159"/>
+          <a:xfrm>
+            <a:off x="1971413" y="1518678"/>
+            <a:ext cx="0" cy="2484671"/>
           </a:xfrm>
           <a:prstGeom prst="line">
             <a:avLst/>
@@ -18797,7 +18908,7 @@
         </p:nvCxnSpPr>
         <p:spPr>
           <a:xfrm flipH="1" flipV="1">
-            <a:off x="1971412" y="4699029"/>
+            <a:off x="1971413" y="3640821"/>
             <a:ext cx="729840" cy="1"/>
           </a:xfrm>
           <a:prstGeom prst="line">
@@ -18829,6 +18940,7 @@
             </a:extLst>
           </p:cNvPr>
           <p:cNvCxnSpPr>
+            <a:cxnSpLocks/>
             <a:stCxn id="9" idx="1"/>
             <a:endCxn id="7" idx="3"/>
           </p:cNvCxnSpPr>
@@ -18836,8 +18948,8 @@
         </p:nvCxnSpPr>
         <p:spPr>
           <a:xfrm flipH="1">
-            <a:off x="5217950" y="2346820"/>
-            <a:ext cx="1756102" cy="0"/>
+            <a:off x="5217950" y="2346819"/>
+            <a:ext cx="1672213" cy="1"/>
           </a:xfrm>
           <a:prstGeom prst="line">
             <a:avLst/>
@@ -18868,14 +18980,15 @@
             </a:extLst>
           </p:cNvPr>
           <p:cNvCxnSpPr>
+            <a:cxnSpLocks/>
             <a:stCxn id="10" idx="1"/>
           </p:cNvCxnSpPr>
           <p:nvPr/>
         </p:nvCxnSpPr>
         <p:spPr>
-          <a:xfrm flipH="1" flipV="1">
-            <a:off x="6392411" y="3056660"/>
-            <a:ext cx="609604" cy="1"/>
+          <a:xfrm flipH="1">
+            <a:off x="6392411" y="3016901"/>
+            <a:ext cx="497757" cy="0"/>
           </a:xfrm>
           <a:prstGeom prst="line">
             <a:avLst/>
@@ -18905,13 +19018,16 @@
               </a:ext>
             </a:extLst>
           </p:cNvPr>
-          <p:cNvCxnSpPr/>
+          <p:cNvCxnSpPr>
+            <a:cxnSpLocks/>
+            <a:stCxn id="11" idx="1"/>
+          </p:cNvCxnSpPr>
           <p:nvPr/>
         </p:nvCxnSpPr>
         <p:spPr>
           <a:xfrm flipH="1" flipV="1">
-            <a:off x="6392411" y="3871654"/>
-            <a:ext cx="609604" cy="1"/>
+            <a:off x="6392411" y="3592517"/>
+            <a:ext cx="497752" cy="7139"/>
           </a:xfrm>
           <a:prstGeom prst="line">
             <a:avLst/>
@@ -18982,8 +19098,8 @@
         </p:nvSpPr>
         <p:spPr>
           <a:xfrm>
-            <a:off x="74118" y="5354341"/>
-            <a:ext cx="11434164" cy="1477328"/>
+            <a:off x="225120" y="4490881"/>
+            <a:ext cx="10781233" cy="1477328"/>
           </a:xfrm>
           <a:prstGeom prst="rect">
             <a:avLst/>
@@ -19086,6 +19202,55 @@
               <a:t> in response to the need for a powerful, cross-platform build environment for open-source projects such as ITK and VTK.</a:t>
             </a:r>
             <a:endParaRPr lang="en-IN" dirty="0"/>
+          </a:p>
+        </p:txBody>
+      </p:sp>
+      <p:sp>
+        <p:nvSpPr>
+          <p:cNvPr id="29" name="Rectangle: Rounded Corners 28">
+            <a:extLst>
+              <a:ext uri="{FF2B5EF4-FFF2-40B4-BE49-F238E27FC236}">
+                <a16:creationId xmlns:a16="http://schemas.microsoft.com/office/drawing/2014/main" id="{8F11AB09-1299-459C-B4E4-49F6D30C751C}"/>
+              </a:ext>
+            </a:extLst>
+          </p:cNvPr>
+          <p:cNvSpPr/>
+          <p:nvPr/>
+        </p:nvSpPr>
+        <p:spPr>
+          <a:xfrm>
+            <a:off x="3657600" y="212972"/>
+            <a:ext cx="5796792" cy="670075"/>
+          </a:xfrm>
+          <a:prstGeom prst="roundRect">
+            <a:avLst/>
+          </a:prstGeom>
+        </p:spPr>
+        <p:style>
+          <a:lnRef idx="2">
+            <a:schemeClr val="accent1">
+              <a:shade val="50000"/>
+            </a:schemeClr>
+          </a:lnRef>
+          <a:fillRef idx="1">
+            <a:schemeClr val="accent1"/>
+          </a:fillRef>
+          <a:effectRef idx="0">
+            <a:schemeClr val="accent1"/>
+          </a:effectRef>
+          <a:fontRef idx="minor">
+            <a:schemeClr val="lt1"/>
+          </a:fontRef>
+        </p:style>
+        <p:txBody>
+          <a:bodyPr rtlCol="0" anchor="ctr"/>
+          <a:lstStyle/>
+          <a:p>
+            <a:pPr algn="ctr"/>
+            <a:r>
+              <a:rPr lang="en-IN" sz="1800" dirty="0"/>
+              <a:t>Typical Folder structure of Project</a:t>
+            </a:r>
           </a:p>
         </p:txBody>
       </p:sp>
@@ -19673,10 +19838,10 @@
       </p:sp>
       <p:sp>
         <p:nvSpPr>
-          <p:cNvPr id="3" name="Rectangle 2">
+          <p:cNvPr id="4" name="Rectangle: Rounded Corners 3">
             <a:extLst>
               <a:ext uri="{FF2B5EF4-FFF2-40B4-BE49-F238E27FC236}">
-                <a16:creationId xmlns:a16="http://schemas.microsoft.com/office/drawing/2014/main" id="{ABF1D478-20BC-4B17-9A37-449980B13951}"/>
+                <a16:creationId xmlns:a16="http://schemas.microsoft.com/office/drawing/2014/main" id="{24B4A6D2-7ED9-40E5-9676-33B6E20845B8}"/>
               </a:ext>
             </a:extLst>
           </p:cNvPr>
@@ -19685,23 +19850,38 @@
         </p:nvSpPr>
         <p:spPr>
           <a:xfrm>
-            <a:off x="3333226" y="664638"/>
-            <a:ext cx="8411362" cy="461665"/>
+            <a:off x="3380763" y="536895"/>
+            <a:ext cx="7013197" cy="520118"/>
           </a:xfrm>
-          <a:prstGeom prst="rect">
+          <a:prstGeom prst="roundRect">
             <a:avLst/>
           </a:prstGeom>
         </p:spPr>
+        <p:style>
+          <a:lnRef idx="2">
+            <a:schemeClr val="accent1">
+              <a:shade val="50000"/>
+            </a:schemeClr>
+          </a:lnRef>
+          <a:fillRef idx="1">
+            <a:schemeClr val="accent1"/>
+          </a:fillRef>
+          <a:effectRef idx="0">
+            <a:schemeClr val="accent1"/>
+          </a:effectRef>
+          <a:fontRef idx="minor">
+            <a:schemeClr val="lt1"/>
+          </a:fontRef>
+        </p:style>
         <p:txBody>
-          <a:bodyPr wrap="square">
-            <a:spAutoFit/>
-          </a:bodyPr>
+          <a:bodyPr rtlCol="0" anchor="ctr"/>
           <a:lstStyle/>
           <a:p>
             <a:r>
-              <a:rPr lang="en-IN" sz="2400" dirty="0"/>
+              <a:rPr lang="en-IN" sz="1800"/>
               <a:t>Using shared library at custom location  </a:t>
             </a:r>
+            <a:endParaRPr lang="en-IN" sz="1800" dirty="0"/>
           </a:p>
         </p:txBody>
       </p:sp>
@@ -20449,8 +20629,8 @@
         </p:nvSpPr>
         <p:spPr>
           <a:xfrm>
-            <a:off x="1345035" y="3071955"/>
-            <a:ext cx="6096000" cy="1754326"/>
+            <a:off x="903216" y="3043556"/>
+            <a:ext cx="6096000" cy="2031325"/>
           </a:xfrm>
           <a:prstGeom prst="rect">
             <a:avLst/>
@@ -20496,39 +20676,10 @@
           <a:p>
             <a:endParaRPr lang="en-IN" dirty="0"/>
           </a:p>
-        </p:txBody>
-      </p:sp>
-      <p:sp>
-        <p:nvSpPr>
-          <p:cNvPr id="3" name="TextBox 2">
-            <a:extLst>
-              <a:ext uri="{FF2B5EF4-FFF2-40B4-BE49-F238E27FC236}">
-                <a16:creationId xmlns:a16="http://schemas.microsoft.com/office/drawing/2014/main" id="{B0ADCABF-13C3-48B9-A73C-D46D00783E0A}"/>
-              </a:ext>
-            </a:extLst>
-          </p:cNvPr>
-          <p:cNvSpPr txBox="1"/>
-          <p:nvPr/>
-        </p:nvSpPr>
-        <p:spPr>
-          <a:xfrm>
-            <a:off x="2701255" y="845958"/>
-            <a:ext cx="6096000" cy="461665"/>
-          </a:xfrm>
-          <a:prstGeom prst="rect">
-            <a:avLst/>
-          </a:prstGeom>
-          <a:noFill/>
-        </p:spPr>
-        <p:txBody>
-          <a:bodyPr wrap="square" rtlCol="0">
-            <a:spAutoFit/>
-          </a:bodyPr>
-          <a:lstStyle/>
-          <a:p>
-            <a:r>
-              <a:rPr lang="en-IN" sz="2400" dirty="0"/>
-              <a:t>Creating Simple Executable project </a:t>
+          <a:p>
+            <a:r>
+              <a:rPr lang="en-IN" dirty="0"/>
+              <a:t>install(TARGETS factorial DESTINATION bin)</a:t>
             </a:r>
           </a:p>
         </p:txBody>
@@ -20548,7 +20699,7 @@
         <p:spPr>
           <a:xfrm>
             <a:off x="7709483" y="2038525"/>
-            <a:ext cx="3758267" cy="369332"/>
+            <a:ext cx="2919369" cy="369332"/>
           </a:xfrm>
           <a:prstGeom prst="rect">
             <a:avLst/>
@@ -20597,7 +20748,7 @@
         <p:spPr>
           <a:xfrm>
             <a:off x="7709483" y="3556017"/>
-            <a:ext cx="3758267" cy="369332"/>
+            <a:ext cx="2399251" cy="369332"/>
           </a:xfrm>
           <a:prstGeom prst="rect">
             <a:avLst/>
@@ -20645,8 +20796,8 @@
         </p:nvSpPr>
         <p:spPr>
           <a:xfrm>
-            <a:off x="7709483" y="5193268"/>
-            <a:ext cx="3758267" cy="369332"/>
+            <a:off x="8988804" y="4654134"/>
+            <a:ext cx="2239860" cy="369332"/>
           </a:xfrm>
           <a:prstGeom prst="rect">
             <a:avLst/>
@@ -20690,14 +20841,15 @@
             </a:extLst>
           </p:cNvPr>
           <p:cNvCxnSpPr>
+            <a:cxnSpLocks/>
             <a:stCxn id="8" idx="1"/>
           </p:cNvCxnSpPr>
           <p:nvPr/>
         </p:nvCxnSpPr>
         <p:spPr>
           <a:xfrm flipH="1" flipV="1">
-            <a:off x="4219662" y="4530055"/>
-            <a:ext cx="3489821" cy="847879"/>
+            <a:off x="5494789" y="4345497"/>
+            <a:ext cx="3494015" cy="493303"/>
           </a:xfrm>
           <a:prstGeom prst="straightConnector1">
             <a:avLst/>
@@ -20731,6 +20883,7 @@
             </a:extLst>
           </p:cNvPr>
           <p:cNvCxnSpPr>
+            <a:cxnSpLocks/>
             <a:stCxn id="6" idx="1"/>
           </p:cNvCxnSpPr>
           <p:nvPr/>
@@ -20772,14 +20925,15 @@
             </a:extLst>
           </p:cNvPr>
           <p:cNvCxnSpPr>
+            <a:cxnSpLocks/>
             <a:stCxn id="4" idx="1"/>
           </p:cNvCxnSpPr>
           <p:nvPr/>
         </p:nvCxnSpPr>
         <p:spPr>
           <a:xfrm flipH="1">
-            <a:off x="5008228" y="2223191"/>
-            <a:ext cx="2701255" cy="848764"/>
+            <a:off x="5008229" y="2223191"/>
+            <a:ext cx="2701254" cy="848764"/>
           </a:xfrm>
           <a:prstGeom prst="straightConnector1">
             <a:avLst/>
@@ -20852,6 +21006,145 @@
           </a:p>
         </p:txBody>
       </p:sp>
+      <p:sp>
+        <p:nvSpPr>
+          <p:cNvPr id="7" name="Rectangle: Rounded Corners 6">
+            <a:extLst>
+              <a:ext uri="{FF2B5EF4-FFF2-40B4-BE49-F238E27FC236}">
+                <a16:creationId xmlns:a16="http://schemas.microsoft.com/office/drawing/2014/main" id="{B5A27999-AAE2-497C-92B8-960EC90E0B0F}"/>
+              </a:ext>
+            </a:extLst>
+          </p:cNvPr>
+          <p:cNvSpPr/>
+          <p:nvPr/>
+        </p:nvSpPr>
+        <p:spPr>
+          <a:xfrm>
+            <a:off x="2701255" y="385894"/>
+            <a:ext cx="5377343" cy="460064"/>
+          </a:xfrm>
+          <a:prstGeom prst="roundRect">
+            <a:avLst/>
+          </a:prstGeom>
+        </p:spPr>
+        <p:style>
+          <a:lnRef idx="2">
+            <a:schemeClr val="accent1">
+              <a:shade val="50000"/>
+            </a:schemeClr>
+          </a:lnRef>
+          <a:fillRef idx="1">
+            <a:schemeClr val="accent1"/>
+          </a:fillRef>
+          <a:effectRef idx="0">
+            <a:schemeClr val="accent1"/>
+          </a:effectRef>
+          <a:fontRef idx="minor">
+            <a:schemeClr val="lt1"/>
+          </a:fontRef>
+        </p:style>
+        <p:txBody>
+          <a:bodyPr rtlCol="0" anchor="ctr"/>
+          <a:lstStyle/>
+          <a:p>
+            <a:pPr algn="ctr"/>
+            <a:r>
+              <a:rPr lang="en-IN" sz="1800" dirty="0"/>
+              <a:t>Creating Simple Executable project </a:t>
+            </a:r>
+          </a:p>
+        </p:txBody>
+      </p:sp>
+      <p:sp>
+        <p:nvSpPr>
+          <p:cNvPr id="15" name="Rectangle 14">
+            <a:extLst>
+              <a:ext uri="{FF2B5EF4-FFF2-40B4-BE49-F238E27FC236}">
+                <a16:creationId xmlns:a16="http://schemas.microsoft.com/office/drawing/2014/main" id="{5C5A05EA-59C9-4CBF-B734-8506EC8F09E0}"/>
+              </a:ext>
+            </a:extLst>
+          </p:cNvPr>
+          <p:cNvSpPr/>
+          <p:nvPr/>
+        </p:nvSpPr>
+        <p:spPr>
+          <a:xfrm>
+            <a:off x="8707772" y="5704514"/>
+            <a:ext cx="2952925" cy="369332"/>
+          </a:xfrm>
+          <a:prstGeom prst="rect">
+            <a:avLst/>
+          </a:prstGeom>
+        </p:spPr>
+        <p:style>
+          <a:lnRef idx="2">
+            <a:schemeClr val="accent1">
+              <a:shade val="50000"/>
+            </a:schemeClr>
+          </a:lnRef>
+          <a:fillRef idx="1">
+            <a:schemeClr val="accent1"/>
+          </a:fillRef>
+          <a:effectRef idx="0">
+            <a:schemeClr val="accent1"/>
+          </a:effectRef>
+          <a:fontRef idx="minor">
+            <a:schemeClr val="lt1"/>
+          </a:fontRef>
+        </p:style>
+        <p:txBody>
+          <a:bodyPr rtlCol="0" anchor="ctr"/>
+          <a:lstStyle/>
+          <a:p>
+            <a:pPr algn="ctr"/>
+            <a:r>
+              <a:rPr lang="en-IN" dirty="0"/>
+              <a:t>Install command.</a:t>
+            </a:r>
+          </a:p>
+        </p:txBody>
+      </p:sp>
+      <p:cxnSp>
+        <p:nvCxnSpPr>
+          <p:cNvPr id="17" name="Straight Arrow Connector 16">
+            <a:extLst>
+              <a:ext uri="{FF2B5EF4-FFF2-40B4-BE49-F238E27FC236}">
+                <a16:creationId xmlns:a16="http://schemas.microsoft.com/office/drawing/2014/main" id="{BFA932B7-4BE2-4119-8AB6-4A989D96356D}"/>
+              </a:ext>
+            </a:extLst>
+          </p:cNvPr>
+          <p:cNvCxnSpPr>
+            <a:stCxn id="15" idx="1"/>
+          </p:cNvCxnSpPr>
+          <p:nvPr/>
+        </p:nvCxnSpPr>
+        <p:spPr>
+          <a:xfrm flipH="1" flipV="1">
+            <a:off x="5645791" y="4941116"/>
+            <a:ext cx="3061981" cy="948064"/>
+          </a:xfrm>
+          <a:prstGeom prst="straightConnector1">
+            <a:avLst/>
+          </a:prstGeom>
+          <a:ln>
+            <a:tailEnd type="triangle"/>
+          </a:ln>
+        </p:spPr>
+        <p:style>
+          <a:lnRef idx="1">
+            <a:schemeClr val="accent1"/>
+          </a:lnRef>
+          <a:fillRef idx="0">
+            <a:schemeClr val="accent1"/>
+          </a:fillRef>
+          <a:effectRef idx="0">
+            <a:schemeClr val="accent1"/>
+          </a:effectRef>
+          <a:fontRef idx="minor">
+            <a:schemeClr val="tx1"/>
+          </a:fontRef>
+        </p:style>
+      </p:cxnSp>
     </p:spTree>
     <p:extLst>
       <p:ext uri="{BB962C8B-B14F-4D97-AF65-F5344CB8AC3E}">
@@ -20884,49 +21177,6 @@
       </p:grpSpPr>
       <p:sp>
         <p:nvSpPr>
-          <p:cNvPr id="3" name="TextBox 2">
-            <a:extLst>
-              <a:ext uri="{FF2B5EF4-FFF2-40B4-BE49-F238E27FC236}">
-                <a16:creationId xmlns:a16="http://schemas.microsoft.com/office/drawing/2014/main" id="{B0ADCABF-13C3-48B9-A73C-D46D00783E0A}"/>
-              </a:ext>
-            </a:extLst>
-          </p:cNvPr>
-          <p:cNvSpPr txBox="1"/>
-          <p:nvPr/>
-        </p:nvSpPr>
-        <p:spPr>
-          <a:xfrm>
-            <a:off x="2701255" y="845958"/>
-            <a:ext cx="6096000" cy="461665"/>
-          </a:xfrm>
-          <a:prstGeom prst="rect">
-            <a:avLst/>
-          </a:prstGeom>
-          <a:noFill/>
-        </p:spPr>
-        <p:txBody>
-          <a:bodyPr wrap="square" rtlCol="0">
-            <a:spAutoFit/>
-          </a:bodyPr>
-          <a:lstStyle/>
-          <a:p>
-            <a:r>
-              <a:rPr lang="en-IN" sz="2400" dirty="0"/>
-              <a:t>Classic </a:t>
-            </a:r>
-            <a:r>
-              <a:rPr lang="en-IN" sz="2400" dirty="0" err="1"/>
-              <a:t>cmake</a:t>
-            </a:r>
-            <a:r>
-              <a:rPr lang="en-IN" sz="2400" dirty="0"/>
-              <a:t> build/install procedure</a:t>
-            </a:r>
-          </a:p>
-        </p:txBody>
-      </p:sp>
-      <p:sp>
-        <p:nvSpPr>
           <p:cNvPr id="11" name="Rectangle: Rounded Corners 10">
             <a:extLst>
               <a:ext uri="{FF2B5EF4-FFF2-40B4-BE49-F238E27FC236}">
@@ -20939,8 +21189,8 @@
         </p:nvSpPr>
         <p:spPr>
           <a:xfrm>
-            <a:off x="746620" y="2039794"/>
-            <a:ext cx="2332140" cy="1366815"/>
+            <a:off x="746619" y="2106315"/>
+            <a:ext cx="5041783" cy="1300294"/>
           </a:xfrm>
           <a:prstGeom prst="roundRect">
             <a:avLst/>
@@ -20988,7 +21238,7 @@
             </a:r>
             <a:r>
               <a:rPr lang="en-IN" dirty="0"/>
-              <a:t> ..</a:t>
+              <a:t> ../</a:t>
             </a:r>
           </a:p>
           <a:p>
@@ -20998,7 +21248,7 @@
             </a:r>
             <a:r>
               <a:rPr lang="en-IN" dirty="0"/>
-              <a:t> --build .</a:t>
+              <a:t> --build . --config debug </a:t>
             </a:r>
           </a:p>
         </p:txBody>
@@ -21170,6 +21420,201 @@
           </a:p>
           <a:p>
             <a:pPr algn="ctr"/>
+            <a:endParaRPr lang="en-IN" dirty="0"/>
+          </a:p>
+        </p:txBody>
+      </p:sp>
+      <p:sp>
+        <p:nvSpPr>
+          <p:cNvPr id="2" name="Rectangle: Rounded Corners 1">
+            <a:extLst>
+              <a:ext uri="{FF2B5EF4-FFF2-40B4-BE49-F238E27FC236}">
+                <a16:creationId xmlns:a16="http://schemas.microsoft.com/office/drawing/2014/main" id="{D33F7FC8-5DFC-4A00-8342-FF4DFEBA1D8B}"/>
+              </a:ext>
+            </a:extLst>
+          </p:cNvPr>
+          <p:cNvSpPr/>
+          <p:nvPr/>
+        </p:nvSpPr>
+        <p:spPr>
+          <a:xfrm>
+            <a:off x="3338818" y="494950"/>
+            <a:ext cx="4446165" cy="461664"/>
+          </a:xfrm>
+          <a:prstGeom prst="roundRect">
+            <a:avLst/>
+          </a:prstGeom>
+        </p:spPr>
+        <p:style>
+          <a:lnRef idx="2">
+            <a:schemeClr val="accent1">
+              <a:shade val="50000"/>
+            </a:schemeClr>
+          </a:lnRef>
+          <a:fillRef idx="1">
+            <a:schemeClr val="accent1"/>
+          </a:fillRef>
+          <a:effectRef idx="0">
+            <a:schemeClr val="accent1"/>
+          </a:effectRef>
+          <a:fontRef idx="minor">
+            <a:schemeClr val="lt1"/>
+          </a:fontRef>
+        </p:style>
+        <p:txBody>
+          <a:bodyPr rtlCol="0" anchor="ctr"/>
+          <a:lstStyle/>
+          <a:p>
+            <a:r>
+              <a:rPr lang="en-IN" sz="1800" dirty="0"/>
+              <a:t>Classic </a:t>
+            </a:r>
+            <a:r>
+              <a:rPr lang="en-IN" sz="1800" dirty="0" err="1"/>
+              <a:t>cmake</a:t>
+            </a:r>
+            <a:r>
+              <a:rPr lang="en-IN" sz="1800" dirty="0"/>
+              <a:t> build/install procedure</a:t>
+            </a:r>
+          </a:p>
+        </p:txBody>
+      </p:sp>
+      <p:sp>
+        <p:nvSpPr>
+          <p:cNvPr id="3" name="Rectangle: Rounded Corners 2">
+            <a:extLst>
+              <a:ext uri="{FF2B5EF4-FFF2-40B4-BE49-F238E27FC236}">
+                <a16:creationId xmlns:a16="http://schemas.microsoft.com/office/drawing/2014/main" id="{0CBEF6E0-A18B-4B67-8924-9EF7C695CCCA}"/>
+              </a:ext>
+            </a:extLst>
+          </p:cNvPr>
+          <p:cNvSpPr/>
+          <p:nvPr/>
+        </p:nvSpPr>
+        <p:spPr>
+          <a:xfrm>
+            <a:off x="7021585" y="1879134"/>
+            <a:ext cx="4697835" cy="1300294"/>
+          </a:xfrm>
+          <a:prstGeom prst="roundRect">
+            <a:avLst/>
+          </a:prstGeom>
+        </p:spPr>
+        <p:style>
+          <a:lnRef idx="0">
+            <a:schemeClr val="accent6"/>
+          </a:lnRef>
+          <a:fillRef idx="3">
+            <a:schemeClr val="accent6"/>
+          </a:fillRef>
+          <a:effectRef idx="3">
+            <a:schemeClr val="accent6"/>
+          </a:effectRef>
+          <a:fontRef idx="minor">
+            <a:schemeClr val="lt1"/>
+          </a:fontRef>
+        </p:style>
+        <p:txBody>
+          <a:bodyPr rtlCol="0" anchor="ctr"/>
+          <a:lstStyle/>
+          <a:p>
+            <a:pPr algn="ctr"/>
+            <a:r>
+              <a:rPr lang="en-IN" dirty="0"/>
+              <a:t>Note :  You need to be administrator for running </a:t>
+            </a:r>
+            <a:r>
+              <a:rPr lang="en-IN" dirty="0" err="1"/>
+              <a:t>cmake</a:t>
+            </a:r>
+            <a:r>
+              <a:rPr lang="en-IN" dirty="0"/>
+              <a:t> with </a:t>
+            </a:r>
+            <a:r>
+              <a:rPr lang="en-IN" b="1" dirty="0"/>
+              <a:t>install</a:t>
+            </a:r>
+            <a:r>
+              <a:rPr lang="en-IN" dirty="0"/>
+              <a:t> option</a:t>
+            </a:r>
+          </a:p>
+        </p:txBody>
+      </p:sp>
+      <p:sp>
+        <p:nvSpPr>
+          <p:cNvPr id="4" name="Rectangle 3">
+            <a:extLst>
+              <a:ext uri="{FF2B5EF4-FFF2-40B4-BE49-F238E27FC236}">
+                <a16:creationId xmlns:a16="http://schemas.microsoft.com/office/drawing/2014/main" id="{6C0AF6B5-31A5-476D-BA56-95B90F4F33D1}"/>
+              </a:ext>
+            </a:extLst>
+          </p:cNvPr>
+          <p:cNvSpPr/>
+          <p:nvPr/>
+        </p:nvSpPr>
+        <p:spPr>
+          <a:xfrm>
+            <a:off x="746619" y="6082018"/>
+            <a:ext cx="9915788" cy="612059"/>
+          </a:xfrm>
+          <a:prstGeom prst="rect">
+            <a:avLst/>
+          </a:prstGeom>
+        </p:spPr>
+        <p:style>
+          <a:lnRef idx="2">
+            <a:schemeClr val="accent1">
+              <a:shade val="50000"/>
+            </a:schemeClr>
+          </a:lnRef>
+          <a:fillRef idx="1">
+            <a:schemeClr val="accent1"/>
+          </a:fillRef>
+          <a:effectRef idx="0">
+            <a:schemeClr val="accent1"/>
+          </a:effectRef>
+          <a:fontRef idx="minor">
+            <a:schemeClr val="lt1"/>
+          </a:fontRef>
+        </p:style>
+        <p:txBody>
+          <a:bodyPr rtlCol="0" anchor="ctr"/>
+          <a:lstStyle/>
+          <a:p>
+            <a:pPr algn="ctr"/>
+            <a:r>
+              <a:rPr lang="en-IN" b="0" i="0" dirty="0">
+                <a:solidFill>
+                  <a:srgbClr val="292929"/>
+                </a:solidFill>
+                <a:effectLst/>
+                <a:latin typeface="Menlo"/>
+              </a:rPr>
+              <a:t>Note :  to specify install </a:t>
+            </a:r>
+            <a:r>
+              <a:rPr lang="en-IN" b="0" i="0">
+                <a:solidFill>
+                  <a:srgbClr val="292929"/>
+                </a:solidFill>
+                <a:effectLst/>
+                <a:latin typeface="Menlo"/>
+              </a:rPr>
+              <a:t>path, cmake</a:t>
+            </a:r>
+            <a:r>
+              <a:rPr lang="en-IN" b="0" i="0" dirty="0">
+                <a:solidFill>
+                  <a:srgbClr val="292929"/>
+                </a:solidFill>
+                <a:effectLst/>
+                <a:latin typeface="Menlo"/>
+              </a:rPr>
+              <a:t> .. -DCMAKE_INSTALL_PREFIX=../_install</a:t>
+            </a:r>
             <a:endParaRPr lang="en-IN" dirty="0"/>
           </a:p>
         </p:txBody>
@@ -21332,41 +21777,6 @@
       </p:sp>
       <p:sp>
         <p:nvSpPr>
-          <p:cNvPr id="8" name="TextBox 7">
-            <a:extLst>
-              <a:ext uri="{FF2B5EF4-FFF2-40B4-BE49-F238E27FC236}">
-                <a16:creationId xmlns:a16="http://schemas.microsoft.com/office/drawing/2014/main" id="{135D5769-DD77-47AF-A9BD-6309DA210FFA}"/>
-              </a:ext>
-            </a:extLst>
-          </p:cNvPr>
-          <p:cNvSpPr txBox="1"/>
-          <p:nvPr/>
-        </p:nvSpPr>
-        <p:spPr>
-          <a:xfrm>
-            <a:off x="2701255" y="845958"/>
-            <a:ext cx="6096000" cy="461665"/>
-          </a:xfrm>
-          <a:prstGeom prst="rect">
-            <a:avLst/>
-          </a:prstGeom>
-          <a:noFill/>
-        </p:spPr>
-        <p:txBody>
-          <a:bodyPr wrap="square" rtlCol="0">
-            <a:spAutoFit/>
-          </a:bodyPr>
-          <a:lstStyle/>
-          <a:p>
-            <a:r>
-              <a:rPr lang="en-IN" sz="2400" dirty="0"/>
-              <a:t>message() to print output message</a:t>
-            </a:r>
-          </a:p>
-        </p:txBody>
-      </p:sp>
-      <p:sp>
-        <p:nvSpPr>
           <p:cNvPr id="9" name="Rectangle 8">
             <a:extLst>
               <a:ext uri="{FF2B5EF4-FFF2-40B4-BE49-F238E27FC236}">
@@ -21464,8 +21874,8 @@
         </p:nvSpPr>
         <p:spPr>
           <a:xfrm>
-            <a:off x="7308206" y="1759644"/>
-            <a:ext cx="2340529" cy="369332"/>
+            <a:off x="7308207" y="1759644"/>
+            <a:ext cx="1617680" cy="369332"/>
           </a:xfrm>
           <a:prstGeom prst="roundRect">
             <a:avLst/>
@@ -21496,6 +21906,55 @@
               <a:rPr lang="en-IN" dirty="0"/>
               <a:t>Example</a:t>
             </a:r>
+          </a:p>
+        </p:txBody>
+      </p:sp>
+      <p:sp>
+        <p:nvSpPr>
+          <p:cNvPr id="2" name="Rectangle: Rounded Corners 1">
+            <a:extLst>
+              <a:ext uri="{FF2B5EF4-FFF2-40B4-BE49-F238E27FC236}">
+                <a16:creationId xmlns:a16="http://schemas.microsoft.com/office/drawing/2014/main" id="{08F67A81-44B6-4C49-8018-F0E99AE21AB9}"/>
+              </a:ext>
+            </a:extLst>
+          </p:cNvPr>
+          <p:cNvSpPr/>
+          <p:nvPr/>
+        </p:nvSpPr>
+        <p:spPr>
+          <a:xfrm>
+            <a:off x="2701256" y="318782"/>
+            <a:ext cx="4420998" cy="527176"/>
+          </a:xfrm>
+          <a:prstGeom prst="roundRect">
+            <a:avLst/>
+          </a:prstGeom>
+        </p:spPr>
+        <p:style>
+          <a:lnRef idx="2">
+            <a:schemeClr val="accent1">
+              <a:shade val="50000"/>
+            </a:schemeClr>
+          </a:lnRef>
+          <a:fillRef idx="1">
+            <a:schemeClr val="accent1"/>
+          </a:fillRef>
+          <a:effectRef idx="0">
+            <a:schemeClr val="accent1"/>
+          </a:effectRef>
+          <a:fontRef idx="minor">
+            <a:schemeClr val="lt1"/>
+          </a:fontRef>
+        </p:style>
+        <p:txBody>
+          <a:bodyPr rtlCol="0" anchor="ctr"/>
+          <a:lstStyle/>
+          <a:p>
+            <a:r>
+              <a:rPr lang="en-IN" sz="1800"/>
+              <a:t>message() to print output message</a:t>
+            </a:r>
+            <a:endParaRPr lang="en-IN" sz="1800" dirty="0"/>
           </a:p>
         </p:txBody>
       </p:sp>
@@ -21574,40 +22033,6 @@
       </p:sp>
       <p:sp>
         <p:nvSpPr>
-          <p:cNvPr id="3" name="Rectangle 2">
-            <a:extLst>
-              <a:ext uri="{FF2B5EF4-FFF2-40B4-BE49-F238E27FC236}">
-                <a16:creationId xmlns:a16="http://schemas.microsoft.com/office/drawing/2014/main" id="{225FE0BE-8D84-431C-96AE-B7322F127C73}"/>
-              </a:ext>
-            </a:extLst>
-          </p:cNvPr>
-          <p:cNvSpPr/>
-          <p:nvPr/>
-        </p:nvSpPr>
-        <p:spPr>
-          <a:xfrm>
-            <a:off x="2670495" y="714972"/>
-            <a:ext cx="8411362" cy="461665"/>
-          </a:xfrm>
-          <a:prstGeom prst="rect">
-            <a:avLst/>
-          </a:prstGeom>
-        </p:spPr>
-        <p:txBody>
-          <a:bodyPr wrap="square">
-            <a:spAutoFit/>
-          </a:bodyPr>
-          <a:lstStyle/>
-          <a:p>
-            <a:r>
-              <a:rPr lang="en-IN" sz="2400" dirty="0"/>
-              <a:t>Use of set() for defining variables and Conditions</a:t>
-            </a:r>
-          </a:p>
-        </p:txBody>
-      </p:sp>
-      <p:sp>
-        <p:nvSpPr>
           <p:cNvPr id="4" name="Rectangle 3">
             <a:extLst>
               <a:ext uri="{FF2B5EF4-FFF2-40B4-BE49-F238E27FC236}">
@@ -22055,6 +22480,55 @@
           </a:p>
         </p:txBody>
       </p:sp>
+      <p:sp>
+        <p:nvSpPr>
+          <p:cNvPr id="7" name="Rectangle: Rounded Corners 6">
+            <a:extLst>
+              <a:ext uri="{FF2B5EF4-FFF2-40B4-BE49-F238E27FC236}">
+                <a16:creationId xmlns:a16="http://schemas.microsoft.com/office/drawing/2014/main" id="{080B59EC-E80D-4529-AAEC-96667E1D5054}"/>
+              </a:ext>
+            </a:extLst>
+          </p:cNvPr>
+          <p:cNvSpPr/>
+          <p:nvPr/>
+        </p:nvSpPr>
+        <p:spPr>
+          <a:xfrm>
+            <a:off x="1786855" y="612396"/>
+            <a:ext cx="8019876" cy="394282"/>
+          </a:xfrm>
+          <a:prstGeom prst="roundRect">
+            <a:avLst/>
+          </a:prstGeom>
+        </p:spPr>
+        <p:style>
+          <a:lnRef idx="2">
+            <a:schemeClr val="accent2">
+              <a:shade val="50000"/>
+            </a:schemeClr>
+          </a:lnRef>
+          <a:fillRef idx="1">
+            <a:schemeClr val="accent2"/>
+          </a:fillRef>
+          <a:effectRef idx="0">
+            <a:schemeClr val="accent2"/>
+          </a:effectRef>
+          <a:fontRef idx="minor">
+            <a:schemeClr val="lt1"/>
+          </a:fontRef>
+        </p:style>
+        <p:txBody>
+          <a:bodyPr rtlCol="0" anchor="ctr"/>
+          <a:lstStyle/>
+          <a:p>
+            <a:pPr algn="ctr"/>
+            <a:r>
+              <a:rPr lang="en-IN" sz="1800" dirty="0"/>
+              <a:t>Use of set() for defining variables and Conditions</a:t>
+            </a:r>
+          </a:p>
+        </p:txBody>
+      </p:sp>
     </p:spTree>
     <p:extLst>
       <p:ext uri="{BB962C8B-B14F-4D97-AF65-F5344CB8AC3E}">
@@ -22085,40 +22559,6 @@
           <a:chExt cx="0" cy="0"/>
         </a:xfrm>
       </p:grpSpPr>
-      <p:sp>
-        <p:nvSpPr>
-          <p:cNvPr id="3" name="Rectangle 2">
-            <a:extLst>
-              <a:ext uri="{FF2B5EF4-FFF2-40B4-BE49-F238E27FC236}">
-                <a16:creationId xmlns:a16="http://schemas.microsoft.com/office/drawing/2014/main" id="{225FE0BE-8D84-431C-96AE-B7322F127C73}"/>
-              </a:ext>
-            </a:extLst>
-          </p:cNvPr>
-          <p:cNvSpPr/>
-          <p:nvPr/>
-        </p:nvSpPr>
-        <p:spPr>
-          <a:xfrm>
-            <a:off x="2704678" y="262222"/>
-            <a:ext cx="8411362" cy="461665"/>
-          </a:xfrm>
-          <a:prstGeom prst="rect">
-            <a:avLst/>
-          </a:prstGeom>
-        </p:spPr>
-        <p:txBody>
-          <a:bodyPr wrap="square">
-            <a:spAutoFit/>
-          </a:bodyPr>
-          <a:lstStyle/>
-          <a:p>
-            <a:r>
-              <a:rPr lang="en-IN" sz="2400" dirty="0"/>
-              <a:t>Set variables through command line </a:t>
-            </a:r>
-          </a:p>
-        </p:txBody>
-      </p:sp>
       <p:sp>
         <p:nvSpPr>
           <p:cNvPr id="5" name="Rectangle: Rounded Corners 4">
@@ -22691,6 +23131,55 @@
             <a:r>
               <a:rPr lang="en-IN" dirty="0"/>
               <a:t> ../ -DMYFLAG=false</a:t>
+            </a:r>
+          </a:p>
+        </p:txBody>
+      </p:sp>
+      <p:sp>
+        <p:nvSpPr>
+          <p:cNvPr id="2" name="Rectangle: Rounded Corners 1">
+            <a:extLst>
+              <a:ext uri="{FF2B5EF4-FFF2-40B4-BE49-F238E27FC236}">
+                <a16:creationId xmlns:a16="http://schemas.microsoft.com/office/drawing/2014/main" id="{7AACF40B-813E-4DA2-9A54-5631401372A9}"/>
+              </a:ext>
+            </a:extLst>
+          </p:cNvPr>
+          <p:cNvSpPr/>
+          <p:nvPr/>
+        </p:nvSpPr>
+        <p:spPr>
+          <a:xfrm>
+            <a:off x="2400178" y="463316"/>
+            <a:ext cx="6120540" cy="461665"/>
+          </a:xfrm>
+          <a:prstGeom prst="roundRect">
+            <a:avLst/>
+          </a:prstGeom>
+        </p:spPr>
+        <p:style>
+          <a:lnRef idx="2">
+            <a:schemeClr val="accent5">
+              <a:shade val="50000"/>
+            </a:schemeClr>
+          </a:lnRef>
+          <a:fillRef idx="1">
+            <a:schemeClr val="accent5"/>
+          </a:fillRef>
+          <a:effectRef idx="0">
+            <a:schemeClr val="accent5"/>
+          </a:effectRef>
+          <a:fontRef idx="minor">
+            <a:schemeClr val="lt1"/>
+          </a:fontRef>
+        </p:style>
+        <p:txBody>
+          <a:bodyPr rtlCol="0" anchor="ctr"/>
+          <a:lstStyle/>
+          <a:p>
+            <a:pPr algn="ctr"/>
+            <a:r>
+              <a:rPr lang="en-IN" sz="1800" dirty="0"/>
+              <a:t>Set variables through command line </a:t>
             </a:r>
           </a:p>
         </p:txBody>
@@ -22882,40 +23371,6 @@
       </p:sp>
       <p:sp>
         <p:nvSpPr>
-          <p:cNvPr id="3" name="Rectangle 2">
-            <a:extLst>
-              <a:ext uri="{FF2B5EF4-FFF2-40B4-BE49-F238E27FC236}">
-                <a16:creationId xmlns:a16="http://schemas.microsoft.com/office/drawing/2014/main" id="{2C658B11-461B-45A5-A559-429DACA7E097}"/>
-              </a:ext>
-            </a:extLst>
-          </p:cNvPr>
-          <p:cNvSpPr/>
-          <p:nvPr/>
-        </p:nvSpPr>
-        <p:spPr>
-          <a:xfrm>
-            <a:off x="2032932" y="219543"/>
-            <a:ext cx="8411362" cy="461665"/>
-          </a:xfrm>
-          <a:prstGeom prst="rect">
-            <a:avLst/>
-          </a:prstGeom>
-        </p:spPr>
-        <p:txBody>
-          <a:bodyPr wrap="square">
-            <a:spAutoFit/>
-          </a:bodyPr>
-          <a:lstStyle/>
-          <a:p>
-            <a:r>
-              <a:rPr lang="en-IN" sz="2400" dirty="0"/>
-              <a:t>Conditionally setting variables and commands </a:t>
-            </a:r>
-          </a:p>
-        </p:txBody>
-      </p:sp>
-      <p:sp>
-        <p:nvSpPr>
           <p:cNvPr id="4" name="Rectangle 3">
             <a:extLst>
               <a:ext uri="{FF2B5EF4-FFF2-40B4-BE49-F238E27FC236}">
@@ -22928,15 +23383,15 @@
         </p:nvSpPr>
         <p:spPr>
           <a:xfrm>
-            <a:off x="5698920" y="1582340"/>
-            <a:ext cx="6096000" cy="2308324"/>
+            <a:off x="6562986" y="1867566"/>
+            <a:ext cx="4627928" cy="2308324"/>
           </a:xfrm>
           <a:prstGeom prst="rect">
             <a:avLst/>
           </a:prstGeom>
         </p:spPr>
         <p:txBody>
-          <a:bodyPr>
+          <a:bodyPr wrap="square">
             <a:spAutoFit/>
           </a:bodyPr>
           <a:lstStyle/>
@@ -23183,8 +23638,8 @@
         </p:nvSpPr>
         <p:spPr>
           <a:xfrm>
-            <a:off x="5640198" y="906467"/>
-            <a:ext cx="2332139" cy="578840"/>
+            <a:off x="6946089" y="1355838"/>
+            <a:ext cx="1996576" cy="305183"/>
           </a:xfrm>
           <a:prstGeom prst="roundRect">
             <a:avLst/>
@@ -23232,15 +23687,15 @@
         </p:nvSpPr>
         <p:spPr>
           <a:xfrm>
-            <a:off x="5698920" y="4560764"/>
-            <a:ext cx="6096000" cy="2031325"/>
+            <a:off x="6562986" y="4602709"/>
+            <a:ext cx="4325924" cy="2031325"/>
           </a:xfrm>
           <a:prstGeom prst="rect">
             <a:avLst/>
           </a:prstGeom>
         </p:spPr>
         <p:txBody>
-          <a:bodyPr>
+          <a:bodyPr wrap="square">
             <a:spAutoFit/>
           </a:bodyPr>
           <a:lstStyle/>
@@ -23426,6 +23881,54 @@
               <a:t>()</a:t>
             </a:r>
             <a:endParaRPr lang="en-IN" dirty="0"/>
+          </a:p>
+        </p:txBody>
+      </p:sp>
+      <p:sp>
+        <p:nvSpPr>
+          <p:cNvPr id="6" name="Rectangle: Rounded Corners 5">
+            <a:extLst>
+              <a:ext uri="{FF2B5EF4-FFF2-40B4-BE49-F238E27FC236}">
+                <a16:creationId xmlns:a16="http://schemas.microsoft.com/office/drawing/2014/main" id="{DEEEFBDE-B497-4514-AD36-70DBFF16CB60}"/>
+              </a:ext>
+            </a:extLst>
+          </p:cNvPr>
+          <p:cNvSpPr/>
+          <p:nvPr/>
+        </p:nvSpPr>
+        <p:spPr>
+          <a:xfrm>
+            <a:off x="788565" y="265911"/>
+            <a:ext cx="5511567" cy="444841"/>
+          </a:xfrm>
+          <a:prstGeom prst="roundRect">
+            <a:avLst/>
+          </a:prstGeom>
+        </p:spPr>
+        <p:style>
+          <a:lnRef idx="2">
+            <a:schemeClr val="accent1">
+              <a:shade val="50000"/>
+            </a:schemeClr>
+          </a:lnRef>
+          <a:fillRef idx="1">
+            <a:schemeClr val="accent1"/>
+          </a:fillRef>
+          <a:effectRef idx="0">
+            <a:schemeClr val="accent1"/>
+          </a:effectRef>
+          <a:fontRef idx="minor">
+            <a:schemeClr val="lt1"/>
+          </a:fontRef>
+        </p:style>
+        <p:txBody>
+          <a:bodyPr rtlCol="0" anchor="ctr"/>
+          <a:lstStyle/>
+          <a:p>
+            <a:r>
+              <a:rPr lang="en-IN" sz="1800" dirty="0"/>
+              <a:t>Conditionally setting variables and commands </a:t>
+            </a:r>
           </a:p>
         </p:txBody>
       </p:sp>
@@ -23461,40 +23964,6 @@
       </p:grpSpPr>
       <p:sp>
         <p:nvSpPr>
-          <p:cNvPr id="3" name="Rectangle 2">
-            <a:extLst>
-              <a:ext uri="{FF2B5EF4-FFF2-40B4-BE49-F238E27FC236}">
-                <a16:creationId xmlns:a16="http://schemas.microsoft.com/office/drawing/2014/main" id="{225FE0BE-8D84-431C-96AE-B7322F127C73}"/>
-              </a:ext>
-            </a:extLst>
-          </p:cNvPr>
-          <p:cNvSpPr/>
-          <p:nvPr/>
-        </p:nvSpPr>
-        <p:spPr>
-          <a:xfrm>
-            <a:off x="2670495" y="714972"/>
-            <a:ext cx="8411362" cy="461665"/>
-          </a:xfrm>
-          <a:prstGeom prst="rect">
-            <a:avLst/>
-          </a:prstGeom>
-        </p:spPr>
-        <p:txBody>
-          <a:bodyPr wrap="square">
-            <a:spAutoFit/>
-          </a:bodyPr>
-          <a:lstStyle/>
-          <a:p>
-            <a:r>
-              <a:rPr lang="en-IN" sz="2400" dirty="0"/>
-              <a:t>lists</a:t>
-            </a:r>
-          </a:p>
-        </p:txBody>
-      </p:sp>
-      <p:sp>
-        <p:nvSpPr>
           <p:cNvPr id="8" name="Rectangle 7">
             <a:extLst>
               <a:ext uri="{FF2B5EF4-FFF2-40B4-BE49-F238E27FC236}">
@@ -23560,6 +24029,56 @@
               <a:rPr lang="en-IN" dirty="0"/>
               <a:t>")</a:t>
             </a:r>
+          </a:p>
+        </p:txBody>
+      </p:sp>
+      <p:sp>
+        <p:nvSpPr>
+          <p:cNvPr id="2" name="Rectangle: Rounded Corners 1">
+            <a:extLst>
+              <a:ext uri="{FF2B5EF4-FFF2-40B4-BE49-F238E27FC236}">
+                <a16:creationId xmlns:a16="http://schemas.microsoft.com/office/drawing/2014/main" id="{87B0CBA0-9165-46F6-BEFF-C5AE2A323D75}"/>
+              </a:ext>
+            </a:extLst>
+          </p:cNvPr>
+          <p:cNvSpPr/>
+          <p:nvPr/>
+        </p:nvSpPr>
+        <p:spPr>
+          <a:xfrm>
+            <a:off x="3439486" y="813732"/>
+            <a:ext cx="1325461" cy="362905"/>
+          </a:xfrm>
+          <a:prstGeom prst="roundRect">
+            <a:avLst/>
+          </a:prstGeom>
+        </p:spPr>
+        <p:style>
+          <a:lnRef idx="2">
+            <a:schemeClr val="accent1">
+              <a:shade val="50000"/>
+            </a:schemeClr>
+          </a:lnRef>
+          <a:fillRef idx="1">
+            <a:schemeClr val="accent1"/>
+          </a:fillRef>
+          <a:effectRef idx="0">
+            <a:schemeClr val="accent1"/>
+          </a:effectRef>
+          <a:fontRef idx="minor">
+            <a:schemeClr val="lt1"/>
+          </a:fontRef>
+        </p:style>
+        <p:txBody>
+          <a:bodyPr rtlCol="0" anchor="ctr"/>
+          <a:lstStyle/>
+          <a:p>
+            <a:pPr algn="ctr"/>
+            <a:r>
+              <a:rPr lang="en-IN" sz="1800" dirty="0"/>
+              <a:t>lists</a:t>
+            </a:r>
+            <a:endParaRPr lang="en-IN" dirty="0"/>
           </a:p>
         </p:txBody>
       </p:sp>
